--- a/H3drvHome_RZ-SL_C21_touch.pptx
+++ b/H3drvHome_RZ-SL_C21_touch.pptx
@@ -5,10 +5,10 @@
     <p:sldMasterId id="2147483648" r:id="rId5"/>
   </p:sldMasterIdLst>
   <p:notesMasterIdLst>
-    <p:notesMasterId r:id="rId23"/>
+    <p:notesMasterId r:id="rId31"/>
   </p:notesMasterIdLst>
   <p:handoutMasterIdLst>
-    <p:handoutMasterId r:id="rId24"/>
+    <p:handoutMasterId r:id="rId32"/>
   </p:handoutMasterIdLst>
   <p:sldIdLst>
     <p:sldId id="1954" r:id="rId6"/>
@@ -17,17 +17,25 @@
     <p:sldId id="37660" r:id="rId9"/>
     <p:sldId id="37658" r:id="rId10"/>
     <p:sldId id="37661" r:id="rId11"/>
-    <p:sldId id="37662" r:id="rId12"/>
-    <p:sldId id="37663" r:id="rId13"/>
-    <p:sldId id="37664" r:id="rId14"/>
-    <p:sldId id="37665" r:id="rId15"/>
-    <p:sldId id="37666" r:id="rId16"/>
-    <p:sldId id="37667" r:id="rId17"/>
-    <p:sldId id="37668" r:id="rId18"/>
-    <p:sldId id="37669" r:id="rId19"/>
-    <p:sldId id="37670" r:id="rId20"/>
-    <p:sldId id="808" r:id="rId21"/>
-    <p:sldId id="3060" r:id="rId22"/>
+    <p:sldId id="37674" r:id="rId12"/>
+    <p:sldId id="37662" r:id="rId13"/>
+    <p:sldId id="37663" r:id="rId14"/>
+    <p:sldId id="37664" r:id="rId15"/>
+    <p:sldId id="37665" r:id="rId16"/>
+    <p:sldId id="37666" r:id="rId17"/>
+    <p:sldId id="37675" r:id="rId18"/>
+    <p:sldId id="37667" r:id="rId19"/>
+    <p:sldId id="37672" r:id="rId20"/>
+    <p:sldId id="37673" r:id="rId21"/>
+    <p:sldId id="37668" r:id="rId22"/>
+    <p:sldId id="37669" r:id="rId23"/>
+    <p:sldId id="37670" r:id="rId24"/>
+    <p:sldId id="37676" r:id="rId25"/>
+    <p:sldId id="37677" r:id="rId26"/>
+    <p:sldId id="37678" r:id="rId27"/>
+    <p:sldId id="37679" r:id="rId28"/>
+    <p:sldId id="808" r:id="rId29"/>
+    <p:sldId id="3060" r:id="rId30"/>
   </p:sldIdLst>
   <p:sldSz cx="12188825" cy="6858000"/>
   <p:notesSz cx="6858000" cy="9144000"/>
@@ -145,6 +153,7 @@
           <p14:sldIdLst>
             <p14:sldId id="37658"/>
             <p14:sldId id="37661"/>
+            <p14:sldId id="37674"/>
           </p14:sldIdLst>
         </p14:section>
         <p14:section name="Theory" id="{0FFD65A7-19A2-420A-9F11-3C7080C1233F}">
@@ -162,11 +171,14 @@
         <p14:section name="MCC-prj/b1: click" id="{9E6C0885-ADA8-4EC3-A95B-FB471AE9C574}">
           <p14:sldIdLst>
             <p14:sldId id="37666"/>
+            <p14:sldId id="37675"/>
           </p14:sldIdLst>
         </p14:section>
         <p14:section name="MCC-prj/b2: qt8" id="{1DFC2B66-E670-48C7-AAC7-ABD9B45AFE05}">
           <p14:sldIdLst>
             <p14:sldId id="37667"/>
+            <p14:sldId id="37672"/>
+            <p14:sldId id="37673"/>
           </p14:sldIdLst>
         </p14:section>
         <p14:section name="MCC-prj/merge1" id="{30E931EC-DEAA-481B-A9F3-BD1A5326508D}">
@@ -178,6 +190,10 @@
           <p14:sldIdLst>
             <p14:sldId id="37669"/>
             <p14:sldId id="37670"/>
+            <p14:sldId id="37676"/>
+            <p14:sldId id="37677"/>
+            <p14:sldId id="37678"/>
+            <p14:sldId id="37679"/>
           </p14:sldIdLst>
         </p14:section>
         <p14:section name="END" id="{A53C982A-DB42-48FC-8E74-33DFA6288D2D}">
@@ -2191,7 +2207,7 @@
           <a:p>
             <a:fld id="{98615C2D-FB91-8740-95C2-23C11A10F2F2}" type="datetimeFigureOut">
               <a:rPr lang="en-US" smtClean="0"/>
-              <a:t>5/31/2023</a:t>
+              <a:t>6/9/2023</a:t>
             </a:fld>
             <a:endParaRPr lang="en-US"/>
           </a:p>
@@ -2369,7 +2385,7 @@
           <a:p>
             <a:fld id="{F154E49F-5C3A-ED4E-A68A-CCB3AA3B5D59}" type="datetimeFigureOut">
               <a:rPr lang="en-US" smtClean="0"/>
-              <a:t>5/31/2023</a:t>
+              <a:t>6/9/2023</a:t>
             </a:fld>
             <a:endParaRPr lang="en-US"/>
           </a:p>
@@ -2681,13 +2697,33 @@
           <a:bodyPr/>
           <a:lstStyle/>
           <a:p>
+            <a:pPr marL="0" marR="0" lvl="0" indent="0" algn="l" defTabSz="1218936" rtl="0" eaLnBrk="1" fontAlgn="auto" latinLnBrk="0" hangingPunct="1">
+              <a:lnSpc>
+                <a:spcPct val="100000"/>
+              </a:lnSpc>
+              <a:spcBef>
+                <a:spcPts val="0"/>
+              </a:spcBef>
+              <a:spcAft>
+                <a:spcPts val="0"/>
+              </a:spcAft>
+              <a:buClrTx/>
+              <a:buSzTx/>
+              <a:buFontTx/>
+              <a:buNone/>
+              <a:tabLst/>
+              <a:defRPr/>
+            </a:pPr>
             <a:r>
               <a:rPr lang="en-US" dirty="0"/>
-              <a:t>v1.0:  first version with </a:t>
-            </a:r>
-            <a:r>
-              <a:rPr lang="en-US"/>
-              <a:t>basic structure (SL, 30.5.23)</a:t>
+              <a:t>v1.1:  added slides for ppt (SL, 5.6.23)</a:t>
+            </a:r>
+            <a:endParaRPr lang="en-DE" dirty="0"/>
+          </a:p>
+          <a:p>
+            <a:r>
+              <a:rPr lang="en-US" dirty="0"/>
+              <a:t>v1.0:  first version with basic structure (SL, 30.5.23)</a:t>
             </a:r>
             <a:endParaRPr lang="en-DE" dirty="0"/>
           </a:p>
@@ -2805,7 +2841,7 @@
               <a:pPr>
                 <a:defRPr/>
               </a:pPr>
-              <a:t>16</a:t>
+              <a:t>24</a:t>
             </a:fld>
             <a:endParaRPr lang="en-US" dirty="0"/>
           </a:p>
@@ -7273,6 +7309,113 @@
       </p:grpSpPr>
       <p:sp>
         <p:nvSpPr>
+          <p:cNvPr id="2" name="Title 1">
+            <a:extLst>
+              <a:ext uri="{FF2B5EF4-FFF2-40B4-BE49-F238E27FC236}">
+                <a16:creationId xmlns:a16="http://schemas.microsoft.com/office/drawing/2014/main" id="{B23758AB-D64D-8145-19A4-09806A062207}"/>
+              </a:ext>
+            </a:extLst>
+          </p:cNvPr>
+          <p:cNvSpPr>
+            <a:spLocks noGrp="1"/>
+          </p:cNvSpPr>
+          <p:nvPr>
+            <p:ph type="title"/>
+          </p:nvPr>
+        </p:nvSpPr>
+        <p:spPr/>
+        <p:txBody>
+          <a:bodyPr/>
+          <a:lstStyle/>
+          <a:p>
+            <a:r>
+              <a:rPr lang="de-DE" dirty="0"/>
+              <a:t>MCC-H3 project</a:t>
+            </a:r>
+            <a:endParaRPr lang="en-GB" dirty="0"/>
+          </a:p>
+        </p:txBody>
+      </p:sp>
+      <p:sp>
+        <p:nvSpPr>
+          <p:cNvPr id="3" name="Text Placeholder 2">
+            <a:extLst>
+              <a:ext uri="{FF2B5EF4-FFF2-40B4-BE49-F238E27FC236}">
+                <a16:creationId xmlns:a16="http://schemas.microsoft.com/office/drawing/2014/main" id="{EBFAA392-3472-AD87-E6A9-A8768A77F3FB}"/>
+              </a:ext>
+            </a:extLst>
+          </p:cNvPr>
+          <p:cNvSpPr>
+            <a:spLocks noGrp="1"/>
+          </p:cNvSpPr>
+          <p:nvPr>
+            <p:ph type="body" idx="1"/>
+          </p:nvPr>
+        </p:nvSpPr>
+        <p:spPr>
+          <a:xfrm>
+            <a:off x="6694310" y="3824300"/>
+            <a:ext cx="4625463" cy="1470189"/>
+          </a:xfrm>
+        </p:spPr>
+        <p:txBody>
+          <a:bodyPr/>
+          <a:lstStyle/>
+          <a:p>
+            <a:pPr algn="l"/>
+            <a:r>
+              <a:rPr lang="en-GB" dirty="0"/>
+              <a:t>SAMC21J18a with</a:t>
+            </a:r>
+          </a:p>
+          <a:p>
+            <a:pPr algn="l"/>
+            <a:r>
+              <a:rPr lang="en-GB" dirty="0"/>
+              <a:t>a) touch-1995 click (I2C)</a:t>
+            </a:r>
+          </a:p>
+          <a:p>
+            <a:pPr algn="l"/>
+            <a:r>
+              <a:rPr lang="en-GB" dirty="0"/>
+              <a:t>b) QT8-xpl (PTC)</a:t>
+            </a:r>
+          </a:p>
+        </p:txBody>
+      </p:sp>
+    </p:spTree>
+    <p:extLst>
+      <p:ext uri="{BB962C8B-B14F-4D97-AF65-F5344CB8AC3E}">
+        <p14:creationId xmlns:p14="http://schemas.microsoft.com/office/powerpoint/2010/main" val="1530791053"/>
+      </p:ext>
+    </p:extLst>
+  </p:cSld>
+  <p:clrMapOvr>
+    <a:masterClrMapping/>
+  </p:clrMapOvr>
+</p:sld>
+</file>
+
+<file path=ppt/slides/slide11.xml><?xml version="1.0" encoding="utf-8"?>
+<p:sld xmlns:a="http://schemas.openxmlformats.org/drawingml/2006/main" xmlns:r="http://schemas.openxmlformats.org/officeDocument/2006/relationships" xmlns:p="http://schemas.openxmlformats.org/presentationml/2006/main">
+  <p:cSld>
+    <p:spTree>
+      <p:nvGrpSpPr>
+        <p:cNvPr id="1" name=""/>
+        <p:cNvGrpSpPr/>
+        <p:nvPr/>
+      </p:nvGrpSpPr>
+      <p:grpSpPr>
+        <a:xfrm>
+          <a:off x="0" y="0"/>
+          <a:ext cx="0" cy="0"/>
+          <a:chOff x="0" y="0"/>
+          <a:chExt cx="0" cy="0"/>
+        </a:xfrm>
+      </p:grpSpPr>
+      <p:sp>
+        <p:nvSpPr>
           <p:cNvPr id="3" name="Content Placeholder 2">
             <a:extLst>
               <a:ext uri="{FF2B5EF4-FFF2-40B4-BE49-F238E27FC236}">
@@ -8746,7 +8889,7 @@
 </p:sld>
 </file>
 
-<file path=ppt/slides/slide11.xml><?xml version="1.0" encoding="utf-8"?>
+<file path=ppt/slides/slide12.xml><?xml version="1.0" encoding="utf-8"?>
 <p:sld xmlns:a="http://schemas.openxmlformats.org/drawingml/2006/main" xmlns:r="http://schemas.openxmlformats.org/officeDocument/2006/relationships" xmlns:p="http://schemas.openxmlformats.org/presentationml/2006/main">
   <p:cSld>
     <p:spTree>
@@ -8878,10 +9021,1396 @@
       </p:sp>
       <p:grpSp>
         <p:nvGrpSpPr>
-          <p:cNvPr id="7" name="Group 6">
+          <p:cNvPr id="8" name="Group 7">
             <a:extLst>
               <a:ext uri="{FF2B5EF4-FFF2-40B4-BE49-F238E27FC236}">
-                <a16:creationId xmlns:a16="http://schemas.microsoft.com/office/drawing/2014/main" id="{CB2DAD1D-724B-56B7-7086-C0BB962083B7}"/>
+                <a16:creationId xmlns:a16="http://schemas.microsoft.com/office/drawing/2014/main" id="{BFB0EE01-2C0C-2809-3813-A44D896C6C43}"/>
+              </a:ext>
+            </a:extLst>
+          </p:cNvPr>
+          <p:cNvGrpSpPr/>
+          <p:nvPr/>
+        </p:nvGrpSpPr>
+        <p:grpSpPr>
+          <a:xfrm>
+            <a:off x="2373760" y="1660824"/>
+            <a:ext cx="6117623" cy="3536351"/>
+            <a:chOff x="5716424" y="2398576"/>
+            <a:chExt cx="6117623" cy="3536351"/>
+          </a:xfrm>
+        </p:grpSpPr>
+        <p:pic>
+          <p:nvPicPr>
+            <p:cNvPr id="9" name="Picture 8">
+              <a:extLst>
+                <a:ext uri="{FF2B5EF4-FFF2-40B4-BE49-F238E27FC236}">
+                  <a16:creationId xmlns:a16="http://schemas.microsoft.com/office/drawing/2014/main" id="{01AD1A29-951F-6565-034B-AB7081B90D72}"/>
+                </a:ext>
+              </a:extLst>
+            </p:cNvPr>
+            <p:cNvPicPr>
+              <a:picLocks noChangeAspect="1"/>
+            </p:cNvPicPr>
+            <p:nvPr/>
+          </p:nvPicPr>
+          <p:blipFill>
+            <a:blip r:embed="rId2"/>
+            <a:stretch>
+              <a:fillRect/>
+            </a:stretch>
+          </p:blipFill>
+          <p:spPr>
+            <a:xfrm>
+              <a:off x="5716424" y="2398576"/>
+              <a:ext cx="5869268" cy="3536351"/>
+            </a:xfrm>
+            <a:prstGeom prst="rect">
+              <a:avLst/>
+            </a:prstGeom>
+          </p:spPr>
+        </p:pic>
+        <p:sp>
+          <p:nvSpPr>
+            <p:cNvPr id="10" name="Oval 9">
+              <a:extLst>
+                <a:ext uri="{FF2B5EF4-FFF2-40B4-BE49-F238E27FC236}">
+                  <a16:creationId xmlns:a16="http://schemas.microsoft.com/office/drawing/2014/main" id="{48F3BCFA-1C82-1F68-1096-D0E9C668725A}"/>
+                </a:ext>
+              </a:extLst>
+            </p:cNvPr>
+            <p:cNvSpPr/>
+            <p:nvPr/>
+          </p:nvSpPr>
+          <p:spPr>
+            <a:xfrm>
+              <a:off x="9012444" y="4459110"/>
+              <a:ext cx="2821603" cy="1253067"/>
+            </a:xfrm>
+            <a:prstGeom prst="ellipse">
+              <a:avLst/>
+            </a:prstGeom>
+            <a:noFill/>
+            <a:ln w="38100">
+              <a:solidFill>
+                <a:srgbClr val="FF0000"/>
+              </a:solidFill>
+            </a:ln>
+            <a:effectLst/>
+          </p:spPr>
+          <p:style>
+            <a:lnRef idx="1">
+              <a:schemeClr val="accent1"/>
+            </a:lnRef>
+            <a:fillRef idx="3">
+              <a:schemeClr val="accent1"/>
+            </a:fillRef>
+            <a:effectRef idx="2">
+              <a:schemeClr val="accent1"/>
+            </a:effectRef>
+            <a:fontRef idx="minor">
+              <a:schemeClr val="lt1"/>
+            </a:fontRef>
+          </p:style>
+          <p:txBody>
+            <a:bodyPr rot="0" spcFirstLastPara="0" vertOverflow="overflow" horzOverflow="overflow" vert="horz" wrap="square" lIns="91440" tIns="45720" rIns="91440" bIns="45720" numCol="1" spcCol="0" rtlCol="0" fromWordArt="0" anchor="ctr" anchorCtr="0" forceAA="0" compatLnSpc="1">
+              <a:prstTxWarp prst="textNoShape">
+                <a:avLst/>
+              </a:prstTxWarp>
+              <a:noAutofit/>
+            </a:bodyPr>
+            <a:lstStyle/>
+            <a:p>
+              <a:pPr algn="ctr"/>
+              <a:endParaRPr lang="en-DE"/>
+            </a:p>
+          </p:txBody>
+        </p:sp>
+      </p:grpSp>
+    </p:spTree>
+    <p:extLst>
+      <p:ext uri="{BB962C8B-B14F-4D97-AF65-F5344CB8AC3E}">
+        <p14:creationId xmlns:p14="http://schemas.microsoft.com/office/powerpoint/2010/main" val="2805774135"/>
+      </p:ext>
+    </p:extLst>
+  </p:cSld>
+  <p:clrMapOvr>
+    <a:masterClrMapping/>
+  </p:clrMapOvr>
+</p:sld>
+</file>
+
+<file path=ppt/slides/slide13.xml><?xml version="1.0" encoding="utf-8"?>
+<p:sld xmlns:a="http://schemas.openxmlformats.org/drawingml/2006/main" xmlns:r="http://schemas.openxmlformats.org/officeDocument/2006/relationships" xmlns:p="http://schemas.openxmlformats.org/presentationml/2006/main">
+  <p:cSld>
+    <p:spTree>
+      <p:nvGrpSpPr>
+        <p:cNvPr id="1" name=""/>
+        <p:cNvGrpSpPr/>
+        <p:nvPr/>
+      </p:nvGrpSpPr>
+      <p:grpSpPr>
+        <a:xfrm>
+          <a:off x="0" y="0"/>
+          <a:ext cx="0" cy="0"/>
+          <a:chOff x="0" y="0"/>
+          <a:chExt cx="0" cy="0"/>
+        </a:xfrm>
+      </p:grpSpPr>
+      <p:sp>
+        <p:nvSpPr>
+          <p:cNvPr id="2" name="Title 1">
+            <a:extLst>
+              <a:ext uri="{FF2B5EF4-FFF2-40B4-BE49-F238E27FC236}">
+                <a16:creationId xmlns:a16="http://schemas.microsoft.com/office/drawing/2014/main" id="{A4B4FF59-42FA-D7A9-0F27-7F566A3A5A48}"/>
+              </a:ext>
+            </a:extLst>
+          </p:cNvPr>
+          <p:cNvSpPr>
+            <a:spLocks noGrp="1"/>
+          </p:cNvSpPr>
+          <p:nvPr>
+            <p:ph type="title"/>
+          </p:nvPr>
+        </p:nvSpPr>
+        <p:spPr/>
+        <p:txBody>
+          <a:bodyPr/>
+          <a:lstStyle/>
+          <a:p>
+            <a:r>
+              <a:rPr lang="de-DE" sz="4400" dirty="0">
+                <a:latin typeface="Calibri" panose="020F0502020204030204" pitchFamily="34" charset="0"/>
+                <a:ea typeface="Calibri" panose="020F0502020204030204" pitchFamily="34" charset="0"/>
+              </a:rPr>
+              <a:t>H3drv homework/b1: MCC-prj for click</a:t>
+            </a:r>
+            <a:endParaRPr lang="en-DE" dirty="0"/>
+          </a:p>
+        </p:txBody>
+      </p:sp>
+      <p:sp>
+        <p:nvSpPr>
+          <p:cNvPr id="3" name="Content Placeholder 2">
+            <a:extLst>
+              <a:ext uri="{FF2B5EF4-FFF2-40B4-BE49-F238E27FC236}">
+                <a16:creationId xmlns:a16="http://schemas.microsoft.com/office/drawing/2014/main" id="{750AE634-05CD-565F-E962-7EBEBF0C27F3}"/>
+              </a:ext>
+            </a:extLst>
+          </p:cNvPr>
+          <p:cNvSpPr>
+            <a:spLocks noGrp="1"/>
+          </p:cNvSpPr>
+          <p:nvPr>
+            <p:ph sz="quarter" idx="13"/>
+          </p:nvPr>
+        </p:nvSpPr>
+        <p:spPr>
+          <a:xfrm>
+            <a:off x="354778" y="923073"/>
+            <a:ext cx="11400660" cy="5524026"/>
+          </a:xfrm>
+        </p:spPr>
+        <p:txBody>
+          <a:bodyPr>
+            <a:normAutofit/>
+          </a:bodyPr>
+          <a:lstStyle/>
+          <a:p>
+            <a:pPr marL="0" indent="0">
+              <a:buNone/>
+            </a:pPr>
+            <a:r>
+              <a:rPr lang="en-US" sz="2400" b="0" dirty="0"/>
+              <a:t>B1: </a:t>
+            </a:r>
+            <a:r>
+              <a:rPr lang="en-US" sz="2400" b="0" dirty="0" err="1"/>
+              <a:t>touchClick</a:t>
+            </a:r>
+            <a:r>
+              <a:rPr lang="en-US" sz="2400" b="0" dirty="0"/>
+              <a:t> – step1a: h3-prj on DRV-level to access thermo5Click on I2C</a:t>
+            </a:r>
+          </a:p>
+          <a:p>
+            <a:pPr lvl="1"/>
+            <a:r>
+              <a:rPr lang="en-US" sz="2000" dirty="0"/>
+              <a:t>Started from DEV8/Lab1 that reads Temp from </a:t>
+            </a:r>
+            <a:r>
+              <a:rPr lang="en-US" sz="2000" dirty="0" err="1"/>
+              <a:t>IOxpl</a:t>
+            </a:r>
+            <a:r>
+              <a:rPr lang="en-US" sz="2000" dirty="0"/>
+              <a:t> and outputs via UART, but on SAME54</a:t>
+            </a:r>
+          </a:p>
+          <a:p>
+            <a:pPr lvl="1"/>
+            <a:r>
+              <a:rPr lang="en-US" sz="2000" b="0" dirty="0"/>
+              <a:t>Porting from SAME54 -&gt; SAMC21</a:t>
+            </a:r>
+            <a:endParaRPr lang="en-US" sz="1600" dirty="0"/>
+          </a:p>
+          <a:p>
+            <a:pPr lvl="1"/>
+            <a:r>
+              <a:rPr lang="en-US" sz="2000" dirty="0"/>
+              <a:t>Adding SW0 (works)</a:t>
+            </a:r>
+          </a:p>
+          <a:p>
+            <a:pPr marL="890588" lvl="2" indent="-295275"/>
+            <a:r>
+              <a:rPr lang="en-US" sz="1600" b="0" dirty="0"/>
+              <a:t>Added SW0 to only </a:t>
+            </a:r>
+            <a:r>
+              <a:rPr lang="en-US" sz="1600" b="0" dirty="0" err="1"/>
+              <a:t>UARTprint</a:t>
+            </a:r>
+            <a:r>
+              <a:rPr lang="en-US" sz="1600" b="0" dirty="0"/>
+              <a:t> if SW=</a:t>
+            </a:r>
+            <a:r>
+              <a:rPr lang="en-US" sz="1600" dirty="0"/>
+              <a:t>pressed, But SW not working</a:t>
+            </a:r>
+          </a:p>
+          <a:p>
+            <a:pPr marL="890588" lvl="2" indent="-295275"/>
+            <a:r>
+              <a:rPr lang="en-US" sz="1600" dirty="0"/>
+              <a:t>debugged some time and found SW0 collides with some pin on </a:t>
+            </a:r>
+            <a:br>
+              <a:rPr lang="en-US" sz="1600" dirty="0"/>
+            </a:br>
+            <a:r>
+              <a:rPr lang="en-US" sz="1600" dirty="0"/>
+              <a:t>EXT3 and initially had boards attached to all 3x EXTs </a:t>
+            </a:r>
+          </a:p>
+          <a:p>
+            <a:pPr marL="890588" lvl="2" indent="-295275"/>
+            <a:r>
+              <a:rPr lang="en-US" sz="1600" dirty="0"/>
+              <a:t>removing EXT-board, SW worked immediately</a:t>
+            </a:r>
+          </a:p>
+          <a:p>
+            <a:pPr lvl="1"/>
+            <a:r>
+              <a:rPr lang="en-US" sz="2000" b="0" dirty="0"/>
+              <a:t>Repla</a:t>
+            </a:r>
+            <a:r>
+              <a:rPr lang="en-US" sz="2000" dirty="0"/>
+              <a:t>cing </a:t>
+            </a:r>
+            <a:r>
+              <a:rPr lang="en-US" sz="2000" dirty="0" err="1"/>
+              <a:t>IOxpl-tempSens</a:t>
+            </a:r>
+            <a:r>
+              <a:rPr lang="en-US" sz="2000" dirty="0"/>
+              <a:t> with thermo5Click</a:t>
+            </a:r>
+          </a:p>
+          <a:p>
+            <a:pPr lvl="2"/>
+            <a:r>
+              <a:rPr lang="en-US" sz="1600" dirty="0" err="1"/>
+              <a:t>IOxpl-tempSens</a:t>
+            </a:r>
+            <a:r>
+              <a:rPr lang="en-US" sz="1600" dirty="0"/>
+              <a:t> stores T as 2B @ one address -&gt; 1x I2C_WrRd()</a:t>
+            </a:r>
+          </a:p>
+          <a:p>
+            <a:pPr lvl="2"/>
+            <a:r>
+              <a:rPr lang="en-US" sz="1600" dirty="0"/>
+              <a:t>Thermo5-click    stores T as 1B @ two addresses -&gt; 2x I2C_WrRd()</a:t>
+            </a:r>
+          </a:p>
+          <a:p>
+            <a:pPr lvl="1"/>
+            <a:r>
+              <a:rPr lang="en-US" sz="2000" dirty="0"/>
+              <a:t>Replacing SW0 with </a:t>
+            </a:r>
+            <a:r>
+              <a:rPr lang="en-US" sz="2000" dirty="0" err="1"/>
+              <a:t>touchButton</a:t>
+            </a:r>
+            <a:endParaRPr lang="en-US" sz="2000" dirty="0"/>
+          </a:p>
+          <a:p>
+            <a:pPr lvl="2"/>
+            <a:r>
+              <a:rPr lang="en-US" sz="1600" dirty="0"/>
+              <a:t>xxx</a:t>
+            </a:r>
+            <a:endParaRPr lang="en-US" sz="1600" b="0" dirty="0"/>
+          </a:p>
+          <a:p>
+            <a:pPr lvl="1"/>
+            <a:r>
+              <a:rPr lang="en-US" sz="2000" dirty="0"/>
+              <a:t>xxx</a:t>
+            </a:r>
+            <a:endParaRPr lang="en-US" sz="2000" b="0" dirty="0"/>
+          </a:p>
+          <a:p>
+            <a:pPr lvl="2"/>
+            <a:endParaRPr lang="en-US" sz="3600" b="0" dirty="0">
+              <a:solidFill>
+                <a:srgbClr val="FF0000"/>
+              </a:solidFill>
+            </a:endParaRPr>
+          </a:p>
+        </p:txBody>
+      </p:sp>
+      <p:sp>
+        <p:nvSpPr>
+          <p:cNvPr id="5" name="TextBox 4">
+            <a:extLst>
+              <a:ext uri="{FF2B5EF4-FFF2-40B4-BE49-F238E27FC236}">
+                <a16:creationId xmlns:a16="http://schemas.microsoft.com/office/drawing/2014/main" id="{BE806E8A-FF84-E9FB-B60B-F0250A8B58E1}"/>
+              </a:ext>
+            </a:extLst>
+          </p:cNvPr>
+          <p:cNvSpPr txBox="1"/>
+          <p:nvPr/>
+        </p:nvSpPr>
+        <p:spPr>
+          <a:xfrm rot="1973025">
+            <a:off x="10552935" y="195021"/>
+            <a:ext cx="1919111" cy="707886"/>
+          </a:xfrm>
+          <a:prstGeom prst="rect">
+            <a:avLst/>
+          </a:prstGeom>
+          <a:noFill/>
+        </p:spPr>
+        <p:txBody>
+          <a:bodyPr wrap="square" rtlCol="0">
+            <a:spAutoFit/>
+          </a:bodyPr>
+          <a:lstStyle/>
+          <a:p>
+            <a:pPr algn="ctr"/>
+            <a:r>
+              <a:rPr lang="en-US" sz="4000" dirty="0" err="1">
+                <a:solidFill>
+                  <a:srgbClr val="FF0000"/>
+                </a:solidFill>
+              </a:rPr>
+              <a:t>inWork</a:t>
+            </a:r>
+            <a:endParaRPr lang="en-DE" dirty="0">
+              <a:solidFill>
+                <a:srgbClr val="FF0000"/>
+              </a:solidFill>
+            </a:endParaRPr>
+          </a:p>
+        </p:txBody>
+      </p:sp>
+      <p:grpSp>
+        <p:nvGrpSpPr>
+          <p:cNvPr id="17" name="Group 16">
+            <a:extLst>
+              <a:ext uri="{FF2B5EF4-FFF2-40B4-BE49-F238E27FC236}">
+                <a16:creationId xmlns:a16="http://schemas.microsoft.com/office/drawing/2014/main" id="{E3C28006-51BA-1938-834E-5AC7F277CBA5}"/>
+              </a:ext>
+            </a:extLst>
+          </p:cNvPr>
+          <p:cNvGrpSpPr/>
+          <p:nvPr/>
+        </p:nvGrpSpPr>
+        <p:grpSpPr>
+          <a:xfrm>
+            <a:off x="7079705" y="3633251"/>
+            <a:ext cx="5018460" cy="2586843"/>
+            <a:chOff x="7079705" y="3633251"/>
+            <a:chExt cx="5018460" cy="2586843"/>
+          </a:xfrm>
+        </p:grpSpPr>
+        <p:sp>
+          <p:nvSpPr>
+            <p:cNvPr id="8" name="Rectangle 7">
+              <a:extLst>
+                <a:ext uri="{FF2B5EF4-FFF2-40B4-BE49-F238E27FC236}">
+                  <a16:creationId xmlns:a16="http://schemas.microsoft.com/office/drawing/2014/main" id="{79411C61-FC36-79E3-4DA6-21313C990FB5}"/>
+                </a:ext>
+              </a:extLst>
+            </p:cNvPr>
+            <p:cNvSpPr/>
+            <p:nvPr/>
+          </p:nvSpPr>
+          <p:spPr>
+            <a:xfrm>
+              <a:off x="7100541" y="3685086"/>
+              <a:ext cx="4997624" cy="2535008"/>
+            </a:xfrm>
+            <a:prstGeom prst="rect">
+              <a:avLst/>
+            </a:prstGeom>
+            <a:noFill/>
+            <a:ln>
+              <a:solidFill>
+                <a:schemeClr val="tx1"/>
+              </a:solidFill>
+            </a:ln>
+            <a:effectLst/>
+          </p:spPr>
+          <p:style>
+            <a:lnRef idx="1">
+              <a:schemeClr val="accent1"/>
+            </a:lnRef>
+            <a:fillRef idx="3">
+              <a:schemeClr val="accent1"/>
+            </a:fillRef>
+            <a:effectRef idx="2">
+              <a:schemeClr val="accent1"/>
+            </a:effectRef>
+            <a:fontRef idx="minor">
+              <a:schemeClr val="lt1"/>
+            </a:fontRef>
+          </p:style>
+          <p:txBody>
+            <a:bodyPr rot="0" spcFirstLastPara="0" vertOverflow="overflow" horzOverflow="overflow" vert="horz" wrap="square" lIns="91440" tIns="45720" rIns="91440" bIns="45720" numCol="1" spcCol="0" rtlCol="0" fromWordArt="0" anchor="ctr" anchorCtr="0" forceAA="0" compatLnSpc="1">
+              <a:prstTxWarp prst="textNoShape">
+                <a:avLst/>
+              </a:prstTxWarp>
+              <a:noAutofit/>
+            </a:bodyPr>
+            <a:lstStyle/>
+            <a:p>
+              <a:pPr algn="ctr"/>
+              <a:endParaRPr lang="en-DE"/>
+            </a:p>
+          </p:txBody>
+        </p:sp>
+        <p:cxnSp>
+          <p:nvCxnSpPr>
+            <p:cNvPr id="18" name="Straight Arrow Connector 17">
+              <a:extLst>
+                <a:ext uri="{FF2B5EF4-FFF2-40B4-BE49-F238E27FC236}">
+                  <a16:creationId xmlns:a16="http://schemas.microsoft.com/office/drawing/2014/main" id="{92AB6F6E-2014-89A7-CB13-827BE8721407}"/>
+                </a:ext>
+              </a:extLst>
+            </p:cNvPr>
+            <p:cNvCxnSpPr>
+              <a:cxnSpLocks/>
+            </p:cNvCxnSpPr>
+            <p:nvPr/>
+          </p:nvCxnSpPr>
+          <p:spPr>
+            <a:xfrm flipH="1">
+              <a:off x="8544765" y="4645005"/>
+              <a:ext cx="569209" cy="0"/>
+            </a:xfrm>
+            <a:prstGeom prst="straightConnector1">
+              <a:avLst/>
+            </a:prstGeom>
+            <a:ln>
+              <a:tailEnd type="triangle"/>
+            </a:ln>
+            <a:effectLst/>
+          </p:spPr>
+          <p:style>
+            <a:lnRef idx="2">
+              <a:schemeClr val="accent1"/>
+            </a:lnRef>
+            <a:fillRef idx="0">
+              <a:schemeClr val="accent1"/>
+            </a:fillRef>
+            <a:effectRef idx="1">
+              <a:schemeClr val="accent1"/>
+            </a:effectRef>
+            <a:fontRef idx="minor">
+              <a:schemeClr val="tx1"/>
+            </a:fontRef>
+          </p:style>
+        </p:cxnSp>
+        <p:grpSp>
+          <p:nvGrpSpPr>
+            <p:cNvPr id="19" name="Group 18">
+              <a:extLst>
+                <a:ext uri="{FF2B5EF4-FFF2-40B4-BE49-F238E27FC236}">
+                  <a16:creationId xmlns:a16="http://schemas.microsoft.com/office/drawing/2014/main" id="{76C86801-E594-D5A4-006A-769A1DCA7F2A}"/>
+                </a:ext>
+              </a:extLst>
+            </p:cNvPr>
+            <p:cNvGrpSpPr/>
+            <p:nvPr/>
+          </p:nvGrpSpPr>
+          <p:grpSpPr>
+            <a:xfrm>
+              <a:off x="7084264" y="4182061"/>
+              <a:ext cx="1460501" cy="768350"/>
+              <a:chOff x="5063564" y="5289550"/>
+              <a:chExt cx="1460501" cy="768350"/>
+            </a:xfrm>
+          </p:grpSpPr>
+          <p:sp>
+            <p:nvSpPr>
+              <p:cNvPr id="22" name="Rectangle 21">
+                <a:extLst>
+                  <a:ext uri="{FF2B5EF4-FFF2-40B4-BE49-F238E27FC236}">
+                    <a16:creationId xmlns:a16="http://schemas.microsoft.com/office/drawing/2014/main" id="{A287B099-36D7-8D8F-83B7-BF196558B17D}"/>
+                  </a:ext>
+                </a:extLst>
+              </p:cNvPr>
+              <p:cNvSpPr/>
+              <p:nvPr/>
+            </p:nvSpPr>
+            <p:spPr>
+              <a:xfrm>
+                <a:off x="5156200" y="5289550"/>
+                <a:ext cx="1367865" cy="768350"/>
+              </a:xfrm>
+              <a:prstGeom prst="rect">
+                <a:avLst/>
+              </a:prstGeom>
+              <a:solidFill>
+                <a:schemeClr val="accent4">
+                  <a:lumMod val="60000"/>
+                  <a:lumOff val="40000"/>
+                </a:schemeClr>
+              </a:solidFill>
+              <a:ln>
+                <a:solidFill>
+                  <a:schemeClr val="tx1"/>
+                </a:solidFill>
+              </a:ln>
+              <a:effectLst/>
+            </p:spPr>
+            <p:style>
+              <a:lnRef idx="1">
+                <a:schemeClr val="accent1"/>
+              </a:lnRef>
+              <a:fillRef idx="3">
+                <a:schemeClr val="accent1"/>
+              </a:fillRef>
+              <a:effectRef idx="2">
+                <a:schemeClr val="accent1"/>
+              </a:effectRef>
+              <a:fontRef idx="minor">
+                <a:schemeClr val="lt1"/>
+              </a:fontRef>
+            </p:style>
+            <p:txBody>
+              <a:bodyPr rot="0" spcFirstLastPara="0" vertOverflow="overflow" horzOverflow="overflow" vert="horz" wrap="square" lIns="91440" tIns="45720" rIns="91440" bIns="45720" numCol="1" spcCol="0" rtlCol="0" fromWordArt="0" anchor="ctr" anchorCtr="0" forceAA="0" compatLnSpc="1">
+                <a:prstTxWarp prst="textNoShape">
+                  <a:avLst/>
+                </a:prstTxWarp>
+                <a:noAutofit/>
+              </a:bodyPr>
+              <a:lstStyle/>
+              <a:p>
+                <a:pPr algn="ctr"/>
+                <a:endParaRPr lang="en-DE"/>
+              </a:p>
+            </p:txBody>
+          </p:sp>
+          <p:sp>
+            <p:nvSpPr>
+              <p:cNvPr id="23" name="TextBox 22">
+                <a:extLst>
+                  <a:ext uri="{FF2B5EF4-FFF2-40B4-BE49-F238E27FC236}">
+                    <a16:creationId xmlns:a16="http://schemas.microsoft.com/office/drawing/2014/main" id="{2C2F39E1-EAA3-3E09-43B4-44B20C01CECC}"/>
+                  </a:ext>
+                </a:extLst>
+              </p:cNvPr>
+              <p:cNvSpPr txBox="1"/>
+              <p:nvPr/>
+            </p:nvSpPr>
+            <p:spPr>
+              <a:xfrm>
+                <a:off x="5063564" y="5434243"/>
+                <a:ext cx="1460501" cy="400110"/>
+              </a:xfrm>
+              <a:prstGeom prst="rect">
+                <a:avLst/>
+              </a:prstGeom>
+              <a:noFill/>
+              <a:ln>
+                <a:noFill/>
+              </a:ln>
+            </p:spPr>
+            <p:txBody>
+              <a:bodyPr wrap="square" rtlCol="0">
+                <a:spAutoFit/>
+              </a:bodyPr>
+              <a:lstStyle/>
+              <a:p>
+                <a:r>
+                  <a:rPr lang="en-US" sz="2000" dirty="0"/>
+                  <a:t>SAMC21</a:t>
+                </a:r>
+                <a:endParaRPr lang="en-DE" sz="2000" dirty="0"/>
+              </a:p>
+            </p:txBody>
+          </p:sp>
+          <p:sp>
+            <p:nvSpPr>
+              <p:cNvPr id="24" name="TextBox 23">
+                <a:extLst>
+                  <a:ext uri="{FF2B5EF4-FFF2-40B4-BE49-F238E27FC236}">
+                    <a16:creationId xmlns:a16="http://schemas.microsoft.com/office/drawing/2014/main" id="{D4CA44E3-17CA-94FD-192A-6D4EA50297CC}"/>
+                  </a:ext>
+                </a:extLst>
+              </p:cNvPr>
+              <p:cNvSpPr txBox="1"/>
+              <p:nvPr/>
+            </p:nvSpPr>
+            <p:spPr>
+              <a:xfrm>
+                <a:off x="6094412" y="5459833"/>
+                <a:ext cx="429653" cy="461665"/>
+              </a:xfrm>
+              <a:prstGeom prst="rect">
+                <a:avLst/>
+              </a:prstGeom>
+              <a:noFill/>
+              <a:ln>
+                <a:solidFill>
+                  <a:schemeClr val="accent1"/>
+                </a:solidFill>
+              </a:ln>
+            </p:spPr>
+            <p:txBody>
+              <a:bodyPr wrap="square" rtlCol="0">
+                <a:spAutoFit/>
+              </a:bodyPr>
+              <a:lstStyle/>
+              <a:p>
+                <a:r>
+                  <a:rPr lang="en-US" sz="1200" dirty="0"/>
+                  <a:t>SPI/I2C</a:t>
+                </a:r>
+                <a:endParaRPr lang="en-DE" dirty="0"/>
+              </a:p>
+            </p:txBody>
+          </p:sp>
+        </p:grpSp>
+        <p:sp>
+          <p:nvSpPr>
+            <p:cNvPr id="21" name="TextBox 20">
+              <a:extLst>
+                <a:ext uri="{FF2B5EF4-FFF2-40B4-BE49-F238E27FC236}">
+                  <a16:creationId xmlns:a16="http://schemas.microsoft.com/office/drawing/2014/main" id="{9CA08D61-95B8-EAAB-6E55-DAF445412380}"/>
+                </a:ext>
+              </a:extLst>
+            </p:cNvPr>
+            <p:cNvSpPr txBox="1"/>
+            <p:nvPr/>
+          </p:nvSpPr>
+          <p:spPr>
+            <a:xfrm>
+              <a:off x="7079705" y="3633251"/>
+              <a:ext cx="2089147" cy="461665"/>
+            </a:xfrm>
+            <a:prstGeom prst="rect">
+              <a:avLst/>
+            </a:prstGeom>
+            <a:noFill/>
+          </p:spPr>
+          <p:txBody>
+            <a:bodyPr wrap="square" rtlCol="0">
+              <a:spAutoFit/>
+            </a:bodyPr>
+            <a:lstStyle/>
+            <a:p>
+              <a:r>
+                <a:rPr lang="en-US" dirty="0"/>
+                <a:t>State-of-today</a:t>
+              </a:r>
+              <a:endParaRPr lang="en-DE" dirty="0"/>
+            </a:p>
+          </p:txBody>
+        </p:sp>
+        <p:pic>
+          <p:nvPicPr>
+            <p:cNvPr id="28" name="Picture 27">
+              <a:extLst>
+                <a:ext uri="{FF2B5EF4-FFF2-40B4-BE49-F238E27FC236}">
+                  <a16:creationId xmlns:a16="http://schemas.microsoft.com/office/drawing/2014/main" id="{15521F00-9AE2-E52F-4D93-A50DFFBDCA44}"/>
+                </a:ext>
+              </a:extLst>
+            </p:cNvPr>
+            <p:cNvPicPr>
+              <a:picLocks noChangeAspect="1"/>
+            </p:cNvPicPr>
+            <p:nvPr/>
+          </p:nvPicPr>
+          <p:blipFill>
+            <a:blip r:embed="rId2"/>
+            <a:stretch>
+              <a:fillRect/>
+            </a:stretch>
+          </p:blipFill>
+          <p:spPr>
+            <a:xfrm>
+              <a:off x="9113974" y="3962880"/>
+              <a:ext cx="2984191" cy="1127858"/>
+            </a:xfrm>
+            <a:prstGeom prst="rect">
+              <a:avLst/>
+            </a:prstGeom>
+          </p:spPr>
+        </p:pic>
+        <p:pic>
+          <p:nvPicPr>
+            <p:cNvPr id="30" name="Picture 29">
+              <a:extLst>
+                <a:ext uri="{FF2B5EF4-FFF2-40B4-BE49-F238E27FC236}">
+                  <a16:creationId xmlns:a16="http://schemas.microsoft.com/office/drawing/2014/main" id="{3FB5DA2D-7B3F-E6B1-3C1B-904950A3982E}"/>
+                </a:ext>
+              </a:extLst>
+            </p:cNvPr>
+            <p:cNvPicPr>
+              <a:picLocks noChangeAspect="1"/>
+            </p:cNvPicPr>
+            <p:nvPr/>
+          </p:nvPicPr>
+          <p:blipFill>
+            <a:blip r:embed="rId3"/>
+            <a:stretch>
+              <a:fillRect/>
+            </a:stretch>
+          </p:blipFill>
+          <p:spPr>
+            <a:xfrm>
+              <a:off x="10130221" y="4960800"/>
+              <a:ext cx="1877783" cy="1259294"/>
+            </a:xfrm>
+            <a:prstGeom prst="rect">
+              <a:avLst/>
+            </a:prstGeom>
+          </p:spPr>
+        </p:pic>
+        <p:sp>
+          <p:nvSpPr>
+            <p:cNvPr id="31" name="TextBox 30">
+              <a:extLst>
+                <a:ext uri="{FF2B5EF4-FFF2-40B4-BE49-F238E27FC236}">
+                  <a16:creationId xmlns:a16="http://schemas.microsoft.com/office/drawing/2014/main" id="{4544D1C2-2740-AE87-0B43-6589B73231E6}"/>
+                </a:ext>
+              </a:extLst>
+            </p:cNvPr>
+            <p:cNvSpPr txBox="1"/>
+            <p:nvPr/>
+          </p:nvSpPr>
+          <p:spPr>
+            <a:xfrm>
+              <a:off x="7096091" y="5454426"/>
+              <a:ext cx="2279099" cy="338554"/>
+            </a:xfrm>
+            <a:prstGeom prst="rect">
+              <a:avLst/>
+            </a:prstGeom>
+            <a:noFill/>
+          </p:spPr>
+          <p:txBody>
+            <a:bodyPr wrap="square" rtlCol="0">
+              <a:spAutoFit/>
+            </a:bodyPr>
+            <a:lstStyle/>
+            <a:p>
+              <a:r>
+                <a:rPr lang="en-US" sz="1600" b="1" dirty="0">
+                  <a:solidFill>
+                    <a:srgbClr val="FF0000"/>
+                  </a:solidFill>
+                </a:rPr>
+                <a:t>Step1b: thermo5 + SW0</a:t>
+              </a:r>
+              <a:endParaRPr lang="en-DE" sz="1600" b="1" dirty="0">
+                <a:solidFill>
+                  <a:srgbClr val="FF0000"/>
+                </a:solidFill>
+              </a:endParaRPr>
+            </a:p>
+          </p:txBody>
+        </p:sp>
+        <p:sp>
+          <p:nvSpPr>
+            <p:cNvPr id="32" name="TextBox 31">
+              <a:extLst>
+                <a:ext uri="{FF2B5EF4-FFF2-40B4-BE49-F238E27FC236}">
+                  <a16:creationId xmlns:a16="http://schemas.microsoft.com/office/drawing/2014/main" id="{0DBA6FA5-CAC7-091D-EC65-54081776B0A5}"/>
+                </a:ext>
+              </a:extLst>
+            </p:cNvPr>
+            <p:cNvSpPr txBox="1"/>
+            <p:nvPr/>
+          </p:nvSpPr>
+          <p:spPr>
+            <a:xfrm>
+              <a:off x="7084264" y="5755747"/>
+              <a:ext cx="2589975" cy="338554"/>
+            </a:xfrm>
+            <a:prstGeom prst="rect">
+              <a:avLst/>
+            </a:prstGeom>
+            <a:noFill/>
+          </p:spPr>
+          <p:txBody>
+            <a:bodyPr wrap="square" rtlCol="0">
+              <a:spAutoFit/>
+            </a:bodyPr>
+            <a:lstStyle/>
+            <a:p>
+              <a:r>
+                <a:rPr lang="en-US" sz="1600" dirty="0"/>
+                <a:t>Step1c: SW0 -&gt; </a:t>
+              </a:r>
+              <a:r>
+                <a:rPr lang="en-US" sz="1600" dirty="0" err="1"/>
+                <a:t>touchButton</a:t>
+              </a:r>
+              <a:endParaRPr lang="en-DE" sz="1600" dirty="0"/>
+            </a:p>
+          </p:txBody>
+        </p:sp>
+        <p:sp>
+          <p:nvSpPr>
+            <p:cNvPr id="34" name="TextBox 33">
+              <a:extLst>
+                <a:ext uri="{FF2B5EF4-FFF2-40B4-BE49-F238E27FC236}">
+                  <a16:creationId xmlns:a16="http://schemas.microsoft.com/office/drawing/2014/main" id="{4C654DA2-CDE9-53DC-921F-BFE5A36F0290}"/>
+                </a:ext>
+              </a:extLst>
+            </p:cNvPr>
+            <p:cNvSpPr txBox="1"/>
+            <p:nvPr/>
+          </p:nvSpPr>
+          <p:spPr>
+            <a:xfrm>
+              <a:off x="7100541" y="5093470"/>
+              <a:ext cx="2589975" cy="338554"/>
+            </a:xfrm>
+            <a:prstGeom prst="rect">
+              <a:avLst/>
+            </a:prstGeom>
+            <a:noFill/>
+          </p:spPr>
+          <p:txBody>
+            <a:bodyPr wrap="square" rtlCol="0">
+              <a:spAutoFit/>
+            </a:bodyPr>
+            <a:lstStyle/>
+            <a:p>
+              <a:r>
+                <a:rPr lang="en-US" sz="1600" dirty="0"/>
+                <a:t>Step1a: H3-DRV </a:t>
+              </a:r>
+              <a:r>
+                <a:rPr lang="en-US" sz="1600" dirty="0" err="1"/>
+                <a:t>prj</a:t>
+              </a:r>
+              <a:endParaRPr lang="en-DE" sz="1600" dirty="0"/>
+            </a:p>
+          </p:txBody>
+        </p:sp>
+      </p:grpSp>
+      <p:grpSp>
+        <p:nvGrpSpPr>
+          <p:cNvPr id="20" name="Group 19">
+            <a:extLst>
+              <a:ext uri="{FF2B5EF4-FFF2-40B4-BE49-F238E27FC236}">
+                <a16:creationId xmlns:a16="http://schemas.microsoft.com/office/drawing/2014/main" id="{2B975236-5BDA-3093-26C5-1F9548ECDE98}"/>
+              </a:ext>
+            </a:extLst>
+          </p:cNvPr>
+          <p:cNvGrpSpPr/>
+          <p:nvPr/>
+        </p:nvGrpSpPr>
+        <p:grpSpPr>
+          <a:xfrm>
+            <a:off x="7098091" y="1814604"/>
+            <a:ext cx="5000074" cy="1744689"/>
+            <a:chOff x="7098091" y="1814604"/>
+            <a:chExt cx="5000074" cy="1744689"/>
+          </a:xfrm>
+        </p:grpSpPr>
+        <p:cxnSp>
+          <p:nvCxnSpPr>
+            <p:cNvPr id="6" name="Straight Arrow Connector 5">
+              <a:extLst>
+                <a:ext uri="{FF2B5EF4-FFF2-40B4-BE49-F238E27FC236}">
+                  <a16:creationId xmlns:a16="http://schemas.microsoft.com/office/drawing/2014/main" id="{E7E2FCB3-446B-CB0D-A37C-21A3BF0AC7CE}"/>
+                </a:ext>
+              </a:extLst>
+            </p:cNvPr>
+            <p:cNvCxnSpPr>
+              <a:cxnSpLocks/>
+            </p:cNvCxnSpPr>
+            <p:nvPr/>
+          </p:nvCxnSpPr>
+          <p:spPr>
+            <a:xfrm flipH="1">
+              <a:off x="8558592" y="2970039"/>
+              <a:ext cx="569209" cy="0"/>
+            </a:xfrm>
+            <a:prstGeom prst="straightConnector1">
+              <a:avLst/>
+            </a:prstGeom>
+            <a:ln>
+              <a:tailEnd type="triangle"/>
+            </a:ln>
+            <a:effectLst/>
+          </p:spPr>
+          <p:style>
+            <a:lnRef idx="2">
+              <a:schemeClr val="accent1"/>
+            </a:lnRef>
+            <a:fillRef idx="0">
+              <a:schemeClr val="accent1"/>
+            </a:fillRef>
+            <a:effectRef idx="1">
+              <a:schemeClr val="accent1"/>
+            </a:effectRef>
+            <a:fontRef idx="minor">
+              <a:schemeClr val="tx1"/>
+            </a:fontRef>
+          </p:style>
+        </p:cxnSp>
+        <p:grpSp>
+          <p:nvGrpSpPr>
+            <p:cNvPr id="7" name="Group 6">
+              <a:extLst>
+                <a:ext uri="{FF2B5EF4-FFF2-40B4-BE49-F238E27FC236}">
+                  <a16:creationId xmlns:a16="http://schemas.microsoft.com/office/drawing/2014/main" id="{ADB90F26-744B-4428-0A4C-E00BA1D0DD33}"/>
+                </a:ext>
+              </a:extLst>
+            </p:cNvPr>
+            <p:cNvGrpSpPr/>
+            <p:nvPr/>
+          </p:nvGrpSpPr>
+          <p:grpSpPr>
+            <a:xfrm>
+              <a:off x="7098091" y="2507095"/>
+              <a:ext cx="1460501" cy="768350"/>
+              <a:chOff x="5063564" y="5289550"/>
+              <a:chExt cx="1460501" cy="768350"/>
+            </a:xfrm>
+          </p:grpSpPr>
+          <p:sp>
+            <p:nvSpPr>
+              <p:cNvPr id="12" name="Rectangle 11">
+                <a:extLst>
+                  <a:ext uri="{FF2B5EF4-FFF2-40B4-BE49-F238E27FC236}">
+                    <a16:creationId xmlns:a16="http://schemas.microsoft.com/office/drawing/2014/main" id="{5F9810F7-B280-D2F6-0C24-CA788A2C7511}"/>
+                  </a:ext>
+                </a:extLst>
+              </p:cNvPr>
+              <p:cNvSpPr/>
+              <p:nvPr/>
+            </p:nvSpPr>
+            <p:spPr>
+              <a:xfrm>
+                <a:off x="5156200" y="5289550"/>
+                <a:ext cx="1367865" cy="768350"/>
+              </a:xfrm>
+              <a:prstGeom prst="rect">
+                <a:avLst/>
+              </a:prstGeom>
+              <a:solidFill>
+                <a:schemeClr val="accent4">
+                  <a:lumMod val="60000"/>
+                  <a:lumOff val="40000"/>
+                </a:schemeClr>
+              </a:solidFill>
+              <a:ln>
+                <a:solidFill>
+                  <a:schemeClr val="tx1"/>
+                </a:solidFill>
+              </a:ln>
+              <a:effectLst/>
+            </p:spPr>
+            <p:style>
+              <a:lnRef idx="1">
+                <a:schemeClr val="accent1"/>
+              </a:lnRef>
+              <a:fillRef idx="3">
+                <a:schemeClr val="accent1"/>
+              </a:fillRef>
+              <a:effectRef idx="2">
+                <a:schemeClr val="accent1"/>
+              </a:effectRef>
+              <a:fontRef idx="minor">
+                <a:schemeClr val="lt1"/>
+              </a:fontRef>
+            </p:style>
+            <p:txBody>
+              <a:bodyPr rot="0" spcFirstLastPara="0" vertOverflow="overflow" horzOverflow="overflow" vert="horz" wrap="square" lIns="91440" tIns="45720" rIns="91440" bIns="45720" numCol="1" spcCol="0" rtlCol="0" fromWordArt="0" anchor="ctr" anchorCtr="0" forceAA="0" compatLnSpc="1">
+                <a:prstTxWarp prst="textNoShape">
+                  <a:avLst/>
+                </a:prstTxWarp>
+                <a:noAutofit/>
+              </a:bodyPr>
+              <a:lstStyle/>
+              <a:p>
+                <a:pPr algn="ctr"/>
+                <a:endParaRPr lang="en-DE"/>
+              </a:p>
+            </p:txBody>
+          </p:sp>
+          <p:sp>
+            <p:nvSpPr>
+              <p:cNvPr id="13" name="TextBox 12">
+                <a:extLst>
+                  <a:ext uri="{FF2B5EF4-FFF2-40B4-BE49-F238E27FC236}">
+                    <a16:creationId xmlns:a16="http://schemas.microsoft.com/office/drawing/2014/main" id="{7D92F70A-D9AA-98C3-22A3-28C41CA0BE2B}"/>
+                  </a:ext>
+                </a:extLst>
+              </p:cNvPr>
+              <p:cNvSpPr txBox="1"/>
+              <p:nvPr/>
+            </p:nvSpPr>
+            <p:spPr>
+              <a:xfrm>
+                <a:off x="5063564" y="5434243"/>
+                <a:ext cx="1460501" cy="400110"/>
+              </a:xfrm>
+              <a:prstGeom prst="rect">
+                <a:avLst/>
+              </a:prstGeom>
+              <a:noFill/>
+              <a:ln>
+                <a:noFill/>
+              </a:ln>
+            </p:spPr>
+            <p:txBody>
+              <a:bodyPr wrap="square" rtlCol="0">
+                <a:spAutoFit/>
+              </a:bodyPr>
+              <a:lstStyle/>
+              <a:p>
+                <a:r>
+                  <a:rPr lang="en-US" sz="2000" dirty="0"/>
+                  <a:t>SAMC21</a:t>
+                </a:r>
+                <a:endParaRPr lang="en-DE" sz="2000" dirty="0"/>
+              </a:p>
+            </p:txBody>
+          </p:sp>
+          <p:sp>
+            <p:nvSpPr>
+              <p:cNvPr id="14" name="TextBox 13">
+                <a:extLst>
+                  <a:ext uri="{FF2B5EF4-FFF2-40B4-BE49-F238E27FC236}">
+                    <a16:creationId xmlns:a16="http://schemas.microsoft.com/office/drawing/2014/main" id="{0A123037-8B1F-9104-789A-322998617D04}"/>
+                  </a:ext>
+                </a:extLst>
+              </p:cNvPr>
+              <p:cNvSpPr txBox="1"/>
+              <p:nvPr/>
+            </p:nvSpPr>
+            <p:spPr>
+              <a:xfrm>
+                <a:off x="6094412" y="5459833"/>
+                <a:ext cx="429653" cy="461665"/>
+              </a:xfrm>
+              <a:prstGeom prst="rect">
+                <a:avLst/>
+              </a:prstGeom>
+              <a:noFill/>
+              <a:ln>
+                <a:solidFill>
+                  <a:schemeClr val="accent1"/>
+                </a:solidFill>
+              </a:ln>
+            </p:spPr>
+            <p:txBody>
+              <a:bodyPr wrap="square" rtlCol="0">
+                <a:spAutoFit/>
+              </a:bodyPr>
+              <a:lstStyle/>
+              <a:p>
+                <a:r>
+                  <a:rPr lang="en-US" sz="1200" dirty="0"/>
+                  <a:t>SPI/I2C</a:t>
+                </a:r>
+                <a:endParaRPr lang="en-DE" dirty="0"/>
+              </a:p>
+            </p:txBody>
+          </p:sp>
+        </p:grpSp>
+        <p:pic>
+          <p:nvPicPr>
+            <p:cNvPr id="11" name="Picture 10">
+              <a:extLst>
+                <a:ext uri="{FF2B5EF4-FFF2-40B4-BE49-F238E27FC236}">
+                  <a16:creationId xmlns:a16="http://schemas.microsoft.com/office/drawing/2014/main" id="{64AC4EEA-E268-C18A-7005-E9270928A63F}"/>
+                </a:ext>
+              </a:extLst>
+            </p:cNvPr>
+            <p:cNvPicPr>
+              <a:picLocks noChangeAspect="1"/>
+            </p:cNvPicPr>
+            <p:nvPr/>
+          </p:nvPicPr>
+          <p:blipFill>
+            <a:blip r:embed="rId4"/>
+            <a:stretch>
+              <a:fillRect/>
+            </a:stretch>
+          </p:blipFill>
+          <p:spPr>
+            <a:xfrm>
+              <a:off x="9127801" y="2079378"/>
+              <a:ext cx="2816395" cy="1424599"/>
+            </a:xfrm>
+            <a:prstGeom prst="rect">
+              <a:avLst/>
+            </a:prstGeom>
+          </p:spPr>
+        </p:pic>
+        <p:sp>
+          <p:nvSpPr>
+            <p:cNvPr id="15" name="TextBox 14">
+              <a:extLst>
+                <a:ext uri="{FF2B5EF4-FFF2-40B4-BE49-F238E27FC236}">
+                  <a16:creationId xmlns:a16="http://schemas.microsoft.com/office/drawing/2014/main" id="{8BABAAB6-7020-E87A-3F07-ABC9594BF690}"/>
+                </a:ext>
+              </a:extLst>
+            </p:cNvPr>
+            <p:cNvSpPr txBox="1"/>
+            <p:nvPr/>
+          </p:nvSpPr>
+          <p:spPr>
+            <a:xfrm>
+              <a:off x="7263253" y="1958285"/>
+              <a:ext cx="1053296" cy="461665"/>
+            </a:xfrm>
+            <a:prstGeom prst="rect">
+              <a:avLst/>
+            </a:prstGeom>
+            <a:noFill/>
+          </p:spPr>
+          <p:txBody>
+            <a:bodyPr wrap="square" rtlCol="0">
+              <a:spAutoFit/>
+            </a:bodyPr>
+            <a:lstStyle/>
+            <a:p>
+              <a:r>
+                <a:rPr lang="en-US" dirty="0"/>
+                <a:t>goal</a:t>
+              </a:r>
+              <a:endParaRPr lang="en-DE" dirty="0"/>
+            </a:p>
+          </p:txBody>
+        </p:sp>
+        <p:sp>
+          <p:nvSpPr>
+            <p:cNvPr id="10" name="Rectangle 9">
+              <a:extLst>
+                <a:ext uri="{FF2B5EF4-FFF2-40B4-BE49-F238E27FC236}">
+                  <a16:creationId xmlns:a16="http://schemas.microsoft.com/office/drawing/2014/main" id="{F8FEB689-0FA4-A5B7-CD77-95A8B087BEB3}"/>
+                </a:ext>
+              </a:extLst>
+            </p:cNvPr>
+            <p:cNvSpPr/>
+            <p:nvPr/>
+          </p:nvSpPr>
+          <p:spPr>
+            <a:xfrm>
+              <a:off x="7100541" y="1814604"/>
+              <a:ext cx="4997624" cy="1744689"/>
+            </a:xfrm>
+            <a:prstGeom prst="rect">
+              <a:avLst/>
+            </a:prstGeom>
+            <a:noFill/>
+            <a:ln>
+              <a:solidFill>
+                <a:schemeClr val="tx1"/>
+              </a:solidFill>
+            </a:ln>
+            <a:effectLst/>
+          </p:spPr>
+          <p:style>
+            <a:lnRef idx="1">
+              <a:schemeClr val="accent1"/>
+            </a:lnRef>
+            <a:fillRef idx="3">
+              <a:schemeClr val="accent1"/>
+            </a:fillRef>
+            <a:effectRef idx="2">
+              <a:schemeClr val="accent1"/>
+            </a:effectRef>
+            <a:fontRef idx="minor">
+              <a:schemeClr val="lt1"/>
+            </a:fontRef>
+          </p:style>
+          <p:txBody>
+            <a:bodyPr rot="0" spcFirstLastPara="0" vertOverflow="overflow" horzOverflow="overflow" vert="horz" wrap="square" lIns="91440" tIns="45720" rIns="91440" bIns="45720" numCol="1" spcCol="0" rtlCol="0" fromWordArt="0" anchor="ctr" anchorCtr="0" forceAA="0" compatLnSpc="1">
+              <a:prstTxWarp prst="textNoShape">
+                <a:avLst/>
+              </a:prstTxWarp>
+              <a:noAutofit/>
+            </a:bodyPr>
+            <a:lstStyle/>
+            <a:p>
+              <a:pPr algn="ctr"/>
+              <a:endParaRPr lang="en-DE"/>
+            </a:p>
+          </p:txBody>
+        </p:sp>
+      </p:grpSp>
+    </p:spTree>
+    <p:extLst>
+      <p:ext uri="{BB962C8B-B14F-4D97-AF65-F5344CB8AC3E}">
+        <p14:creationId xmlns:p14="http://schemas.microsoft.com/office/powerpoint/2010/main" val="1349131983"/>
+      </p:ext>
+    </p:extLst>
+  </p:cSld>
+  <p:clrMapOvr>
+    <a:masterClrMapping/>
+  </p:clrMapOvr>
+</p:sld>
+</file>
+
+<file path=ppt/slides/slide14.xml><?xml version="1.0" encoding="utf-8"?>
+<p:sld xmlns:a="http://schemas.openxmlformats.org/drawingml/2006/main" xmlns:r="http://schemas.openxmlformats.org/officeDocument/2006/relationships" xmlns:p="http://schemas.openxmlformats.org/presentationml/2006/main">
+  <p:cSld>
+    <p:spTree>
+      <p:nvGrpSpPr>
+        <p:cNvPr id="1" name=""/>
+        <p:cNvGrpSpPr/>
+        <p:nvPr/>
+      </p:nvGrpSpPr>
+      <p:grpSpPr>
+        <a:xfrm>
+          <a:off x="0" y="0"/>
+          <a:ext cx="0" cy="0"/>
+          <a:chOff x="0" y="0"/>
+          <a:chExt cx="0" cy="0"/>
+        </a:xfrm>
+      </p:grpSpPr>
+      <p:sp>
+        <p:nvSpPr>
+          <p:cNvPr id="2" name="Title 1">
+            <a:extLst>
+              <a:ext uri="{FF2B5EF4-FFF2-40B4-BE49-F238E27FC236}">
+                <a16:creationId xmlns:a16="http://schemas.microsoft.com/office/drawing/2014/main" id="{A4B4FF59-42FA-D7A9-0F27-7F566A3A5A48}"/>
+              </a:ext>
+            </a:extLst>
+          </p:cNvPr>
+          <p:cNvSpPr>
+            <a:spLocks noGrp="1"/>
+          </p:cNvSpPr>
+          <p:nvPr>
+            <p:ph type="title"/>
+          </p:nvPr>
+        </p:nvSpPr>
+        <p:spPr/>
+        <p:txBody>
+          <a:bodyPr/>
+          <a:lstStyle/>
+          <a:p>
+            <a:r>
+              <a:rPr lang="de-DE" sz="4400" dirty="0">
+                <a:latin typeface="Calibri" panose="020F0502020204030204" pitchFamily="34" charset="0"/>
+                <a:ea typeface="Calibri" panose="020F0502020204030204" pitchFamily="34" charset="0"/>
+              </a:rPr>
+              <a:t>H3drv homework/b2: MCC-prj for click</a:t>
+            </a:r>
+            <a:endParaRPr lang="en-DE" dirty="0"/>
+          </a:p>
+        </p:txBody>
+      </p:sp>
+      <p:sp>
+        <p:nvSpPr>
+          <p:cNvPr id="3" name="Content Placeholder 2">
+            <a:extLst>
+              <a:ext uri="{FF2B5EF4-FFF2-40B4-BE49-F238E27FC236}">
+                <a16:creationId xmlns:a16="http://schemas.microsoft.com/office/drawing/2014/main" id="{750AE634-05CD-565F-E962-7EBEBF0C27F3}"/>
+              </a:ext>
+            </a:extLst>
+          </p:cNvPr>
+          <p:cNvSpPr>
+            <a:spLocks noGrp="1"/>
+          </p:cNvSpPr>
+          <p:nvPr>
+            <p:ph sz="quarter" idx="13"/>
+          </p:nvPr>
+        </p:nvSpPr>
+        <p:spPr/>
+        <p:txBody>
+          <a:bodyPr/>
+          <a:lstStyle/>
+          <a:p>
+            <a:r>
+              <a:rPr lang="en-US" sz="2400" b="0" dirty="0"/>
+              <a:t>Step-by-step guidance for SAMC21J18a with Touch2 = QT8-xpl on EXT1</a:t>
+            </a:r>
+          </a:p>
+        </p:txBody>
+      </p:sp>
+      <p:sp>
+        <p:nvSpPr>
+          <p:cNvPr id="5" name="TextBox 4">
+            <a:extLst>
+              <a:ext uri="{FF2B5EF4-FFF2-40B4-BE49-F238E27FC236}">
+                <a16:creationId xmlns:a16="http://schemas.microsoft.com/office/drawing/2014/main" id="{BE806E8A-FF84-E9FB-B60B-F0250A8B58E1}"/>
+              </a:ext>
+            </a:extLst>
+          </p:cNvPr>
+          <p:cNvSpPr txBox="1"/>
+          <p:nvPr/>
+        </p:nvSpPr>
+        <p:spPr>
+          <a:xfrm rot="1973025">
+            <a:off x="10552935" y="195021"/>
+            <a:ext cx="1919111" cy="707886"/>
+          </a:xfrm>
+          <a:prstGeom prst="rect">
+            <a:avLst/>
+          </a:prstGeom>
+          <a:noFill/>
+        </p:spPr>
+        <p:txBody>
+          <a:bodyPr wrap="square" rtlCol="0">
+            <a:spAutoFit/>
+          </a:bodyPr>
+          <a:lstStyle/>
+          <a:p>
+            <a:pPr algn="ctr"/>
+            <a:r>
+              <a:rPr lang="en-US" sz="4000" dirty="0" err="1">
+                <a:solidFill>
+                  <a:srgbClr val="FF0000"/>
+                </a:solidFill>
+              </a:rPr>
+              <a:t>inWork</a:t>
+            </a:r>
+            <a:endParaRPr lang="en-DE" dirty="0">
+              <a:solidFill>
+                <a:srgbClr val="FF0000"/>
+              </a:solidFill>
+            </a:endParaRPr>
+          </a:p>
+        </p:txBody>
+      </p:sp>
+      <p:grpSp>
+        <p:nvGrpSpPr>
+          <p:cNvPr id="8" name="Group 7">
+            <a:extLst>
+              <a:ext uri="{FF2B5EF4-FFF2-40B4-BE49-F238E27FC236}">
+                <a16:creationId xmlns:a16="http://schemas.microsoft.com/office/drawing/2014/main" id="{6D3C3A61-CA98-CA7F-5D78-91C2A0E791B0}"/>
               </a:ext>
             </a:extLst>
           </p:cNvPr>
@@ -8898,10 +10427,10 @@
         </p:grpSpPr>
         <p:pic>
           <p:nvPicPr>
-            <p:cNvPr id="4" name="Picture 3">
+            <p:cNvPr id="9" name="Picture 8">
               <a:extLst>
                 <a:ext uri="{FF2B5EF4-FFF2-40B4-BE49-F238E27FC236}">
-                  <a16:creationId xmlns:a16="http://schemas.microsoft.com/office/drawing/2014/main" id="{41AEB63C-AA36-0715-6D62-29B5D881B4E5}"/>
+                  <a16:creationId xmlns:a16="http://schemas.microsoft.com/office/drawing/2014/main" id="{38E0CB5F-4782-688A-2D64-5256605BF523}"/>
                 </a:ext>
               </a:extLst>
             </p:cNvPr>
@@ -8928,10 +10457,10 @@
         </p:pic>
         <p:sp>
           <p:nvSpPr>
-            <p:cNvPr id="6" name="Oval 5">
+            <p:cNvPr id="10" name="Oval 9">
               <a:extLst>
                 <a:ext uri="{FF2B5EF4-FFF2-40B4-BE49-F238E27FC236}">
-                  <a16:creationId xmlns:a16="http://schemas.microsoft.com/office/drawing/2014/main" id="{ED74CA45-3ED3-514B-242B-BD4834D28A3A}"/>
+                  <a16:creationId xmlns:a16="http://schemas.microsoft.com/office/drawing/2014/main" id="{40FD2BC0-2655-8517-8205-81ACD3524B68}"/>
                 </a:ext>
               </a:extLst>
             </p:cNvPr>
@@ -8986,480 +10515,7 @@
     </p:spTree>
     <p:extLst>
       <p:ext uri="{BB962C8B-B14F-4D97-AF65-F5344CB8AC3E}">
-        <p14:creationId xmlns:p14="http://schemas.microsoft.com/office/powerpoint/2010/main" val="2805774135"/>
-      </p:ext>
-    </p:extLst>
-  </p:cSld>
-  <p:clrMapOvr>
-    <a:masterClrMapping/>
-  </p:clrMapOvr>
-</p:sld>
-</file>
-
-<file path=ppt/slides/slide12.xml><?xml version="1.0" encoding="utf-8"?>
-<p:sld xmlns:a="http://schemas.openxmlformats.org/drawingml/2006/main" xmlns:r="http://schemas.openxmlformats.org/officeDocument/2006/relationships" xmlns:p="http://schemas.openxmlformats.org/presentationml/2006/main">
-  <p:cSld>
-    <p:spTree>
-      <p:nvGrpSpPr>
-        <p:cNvPr id="1" name=""/>
-        <p:cNvGrpSpPr/>
-        <p:nvPr/>
-      </p:nvGrpSpPr>
-      <p:grpSpPr>
-        <a:xfrm>
-          <a:off x="0" y="0"/>
-          <a:ext cx="0" cy="0"/>
-          <a:chOff x="0" y="0"/>
-          <a:chExt cx="0" cy="0"/>
-        </a:xfrm>
-      </p:grpSpPr>
-      <p:sp>
-        <p:nvSpPr>
-          <p:cNvPr id="2" name="Title 1">
-            <a:extLst>
-              <a:ext uri="{FF2B5EF4-FFF2-40B4-BE49-F238E27FC236}">
-                <a16:creationId xmlns:a16="http://schemas.microsoft.com/office/drawing/2014/main" id="{A4B4FF59-42FA-D7A9-0F27-7F566A3A5A48}"/>
-              </a:ext>
-            </a:extLst>
-          </p:cNvPr>
-          <p:cNvSpPr>
-            <a:spLocks noGrp="1"/>
-          </p:cNvSpPr>
-          <p:nvPr>
-            <p:ph type="title"/>
-          </p:nvPr>
-        </p:nvSpPr>
-        <p:spPr/>
-        <p:txBody>
-          <a:bodyPr/>
-          <a:lstStyle/>
-          <a:p>
-            <a:r>
-              <a:rPr lang="de-DE" sz="4400" dirty="0">
-                <a:latin typeface="Calibri" panose="020F0502020204030204" pitchFamily="34" charset="0"/>
-                <a:ea typeface="Calibri" panose="020F0502020204030204" pitchFamily="34" charset="0"/>
-              </a:rPr>
-              <a:t>H3drv homework/b2: MCC-prj for click</a:t>
-            </a:r>
-            <a:endParaRPr lang="en-DE" dirty="0"/>
-          </a:p>
-        </p:txBody>
-      </p:sp>
-      <p:sp>
-        <p:nvSpPr>
-          <p:cNvPr id="3" name="Content Placeholder 2">
-            <a:extLst>
-              <a:ext uri="{FF2B5EF4-FFF2-40B4-BE49-F238E27FC236}">
-                <a16:creationId xmlns:a16="http://schemas.microsoft.com/office/drawing/2014/main" id="{750AE634-05CD-565F-E962-7EBEBF0C27F3}"/>
-              </a:ext>
-            </a:extLst>
-          </p:cNvPr>
-          <p:cNvSpPr>
-            <a:spLocks noGrp="1"/>
-          </p:cNvSpPr>
-          <p:nvPr>
-            <p:ph sz="quarter" idx="13"/>
-          </p:nvPr>
-        </p:nvSpPr>
-        <p:spPr/>
-        <p:txBody>
-          <a:bodyPr/>
-          <a:lstStyle/>
-          <a:p>
-            <a:r>
-              <a:rPr lang="en-US" sz="2400" b="0" dirty="0"/>
-              <a:t>Step-by-step guidance for SAMC21J18a with Touch2 = QT8-xpl on EXT1</a:t>
-            </a:r>
-          </a:p>
-        </p:txBody>
-      </p:sp>
-      <p:sp>
-        <p:nvSpPr>
-          <p:cNvPr id="5" name="TextBox 4">
-            <a:extLst>
-              <a:ext uri="{FF2B5EF4-FFF2-40B4-BE49-F238E27FC236}">
-                <a16:creationId xmlns:a16="http://schemas.microsoft.com/office/drawing/2014/main" id="{BE806E8A-FF84-E9FB-B60B-F0250A8B58E1}"/>
-              </a:ext>
-            </a:extLst>
-          </p:cNvPr>
-          <p:cNvSpPr txBox="1"/>
-          <p:nvPr/>
-        </p:nvSpPr>
-        <p:spPr>
-          <a:xfrm rot="1973025">
-            <a:off x="10552935" y="195021"/>
-            <a:ext cx="1919111" cy="707886"/>
-          </a:xfrm>
-          <a:prstGeom prst="rect">
-            <a:avLst/>
-          </a:prstGeom>
-          <a:noFill/>
-        </p:spPr>
-        <p:txBody>
-          <a:bodyPr wrap="square" rtlCol="0">
-            <a:spAutoFit/>
-          </a:bodyPr>
-          <a:lstStyle/>
-          <a:p>
-            <a:pPr algn="ctr"/>
-            <a:r>
-              <a:rPr lang="en-US" sz="4000" dirty="0" err="1">
-                <a:solidFill>
-                  <a:srgbClr val="FF0000"/>
-                </a:solidFill>
-              </a:rPr>
-              <a:t>inWork</a:t>
-            </a:r>
-            <a:endParaRPr lang="en-DE" dirty="0">
-              <a:solidFill>
-                <a:srgbClr val="FF0000"/>
-              </a:solidFill>
-            </a:endParaRPr>
-          </a:p>
-        </p:txBody>
-      </p:sp>
-      <p:grpSp>
-        <p:nvGrpSpPr>
-          <p:cNvPr id="7" name="Group 6">
-            <a:extLst>
-              <a:ext uri="{FF2B5EF4-FFF2-40B4-BE49-F238E27FC236}">
-                <a16:creationId xmlns:a16="http://schemas.microsoft.com/office/drawing/2014/main" id="{94A0BC5A-9E75-9251-B37D-FA6139930313}"/>
-              </a:ext>
-            </a:extLst>
-          </p:cNvPr>
-          <p:cNvGrpSpPr/>
-          <p:nvPr/>
-        </p:nvGrpSpPr>
-        <p:grpSpPr>
-          <a:xfrm>
-            <a:off x="2318469" y="2082488"/>
-            <a:ext cx="6117623" cy="3536351"/>
-            <a:chOff x="5716424" y="2398576"/>
-            <a:chExt cx="6117623" cy="3536351"/>
-          </a:xfrm>
-        </p:grpSpPr>
-        <p:pic>
-          <p:nvPicPr>
-            <p:cNvPr id="4" name="Picture 3">
-              <a:extLst>
-                <a:ext uri="{FF2B5EF4-FFF2-40B4-BE49-F238E27FC236}">
-                  <a16:creationId xmlns:a16="http://schemas.microsoft.com/office/drawing/2014/main" id="{5E0AC776-B9AE-A2B9-D413-DDF729F09A5A}"/>
-                </a:ext>
-              </a:extLst>
-            </p:cNvPr>
-            <p:cNvPicPr>
-              <a:picLocks noChangeAspect="1"/>
-            </p:cNvPicPr>
-            <p:nvPr/>
-          </p:nvPicPr>
-          <p:blipFill>
-            <a:blip r:embed="rId2"/>
-            <a:stretch>
-              <a:fillRect/>
-            </a:stretch>
-          </p:blipFill>
-          <p:spPr>
-            <a:xfrm>
-              <a:off x="5716424" y="2398576"/>
-              <a:ext cx="5869268" cy="3536351"/>
-            </a:xfrm>
-            <a:prstGeom prst="rect">
-              <a:avLst/>
-            </a:prstGeom>
-          </p:spPr>
-        </p:pic>
-        <p:sp>
-          <p:nvSpPr>
-            <p:cNvPr id="6" name="Oval 5">
-              <a:extLst>
-                <a:ext uri="{FF2B5EF4-FFF2-40B4-BE49-F238E27FC236}">
-                  <a16:creationId xmlns:a16="http://schemas.microsoft.com/office/drawing/2014/main" id="{65AFDAE5-BC4A-E293-3EF5-1481649F9265}"/>
-                </a:ext>
-              </a:extLst>
-            </p:cNvPr>
-            <p:cNvSpPr/>
-            <p:nvPr/>
-          </p:nvSpPr>
-          <p:spPr>
-            <a:xfrm>
-              <a:off x="9012444" y="4459110"/>
-              <a:ext cx="2821603" cy="1253067"/>
-            </a:xfrm>
-            <a:prstGeom prst="ellipse">
-              <a:avLst/>
-            </a:prstGeom>
-            <a:noFill/>
-            <a:ln w="38100">
-              <a:solidFill>
-                <a:srgbClr val="FF0000"/>
-              </a:solidFill>
-            </a:ln>
-            <a:effectLst/>
-          </p:spPr>
-          <p:style>
-            <a:lnRef idx="1">
-              <a:schemeClr val="accent1"/>
-            </a:lnRef>
-            <a:fillRef idx="3">
-              <a:schemeClr val="accent1"/>
-            </a:fillRef>
-            <a:effectRef idx="2">
-              <a:schemeClr val="accent1"/>
-            </a:effectRef>
-            <a:fontRef idx="minor">
-              <a:schemeClr val="lt1"/>
-            </a:fontRef>
-          </p:style>
-          <p:txBody>
-            <a:bodyPr rot="0" spcFirstLastPara="0" vertOverflow="overflow" horzOverflow="overflow" vert="horz" wrap="square" lIns="91440" tIns="45720" rIns="91440" bIns="45720" numCol="1" spcCol="0" rtlCol="0" fromWordArt="0" anchor="ctr" anchorCtr="0" forceAA="0" compatLnSpc="1">
-              <a:prstTxWarp prst="textNoShape">
-                <a:avLst/>
-              </a:prstTxWarp>
-              <a:noAutofit/>
-            </a:bodyPr>
-            <a:lstStyle/>
-            <a:p>
-              <a:pPr algn="ctr"/>
-              <a:endParaRPr lang="en-DE"/>
-            </a:p>
-          </p:txBody>
-        </p:sp>
-      </p:grpSp>
-    </p:spTree>
-    <p:extLst>
-      <p:ext uri="{BB962C8B-B14F-4D97-AF65-F5344CB8AC3E}">
         <p14:creationId xmlns:p14="http://schemas.microsoft.com/office/powerpoint/2010/main" val="440546088"/>
-      </p:ext>
-    </p:extLst>
-  </p:cSld>
-  <p:clrMapOvr>
-    <a:masterClrMapping/>
-  </p:clrMapOvr>
-</p:sld>
-</file>
-
-<file path=ppt/slides/slide13.xml><?xml version="1.0" encoding="utf-8"?>
-<p:sld xmlns:a="http://schemas.openxmlformats.org/drawingml/2006/main" xmlns:r="http://schemas.openxmlformats.org/officeDocument/2006/relationships" xmlns:p="http://schemas.openxmlformats.org/presentationml/2006/main">
-  <p:cSld>
-    <p:spTree>
-      <p:nvGrpSpPr>
-        <p:cNvPr id="1" name=""/>
-        <p:cNvGrpSpPr/>
-        <p:nvPr/>
-      </p:nvGrpSpPr>
-      <p:grpSpPr>
-        <a:xfrm>
-          <a:off x="0" y="0"/>
-          <a:ext cx="0" cy="0"/>
-          <a:chOff x="0" y="0"/>
-          <a:chExt cx="0" cy="0"/>
-        </a:xfrm>
-      </p:grpSpPr>
-      <p:sp>
-        <p:nvSpPr>
-          <p:cNvPr id="2" name="Title 1">
-            <a:extLst>
-              <a:ext uri="{FF2B5EF4-FFF2-40B4-BE49-F238E27FC236}">
-                <a16:creationId xmlns:a16="http://schemas.microsoft.com/office/drawing/2014/main" id="{A4B4FF59-42FA-D7A9-0F27-7F566A3A5A48}"/>
-              </a:ext>
-            </a:extLst>
-          </p:cNvPr>
-          <p:cNvSpPr>
-            <a:spLocks noGrp="1"/>
-          </p:cNvSpPr>
-          <p:nvPr>
-            <p:ph type="title"/>
-          </p:nvPr>
-        </p:nvSpPr>
-        <p:spPr/>
-        <p:txBody>
-          <a:bodyPr/>
-          <a:lstStyle/>
-          <a:p>
-            <a:r>
-              <a:rPr lang="de-DE" sz="4400" dirty="0">
-                <a:latin typeface="Calibri" panose="020F0502020204030204" pitchFamily="34" charset="0"/>
-                <a:ea typeface="Calibri" panose="020F0502020204030204" pitchFamily="34" charset="0"/>
-              </a:rPr>
-              <a:t>H3drv homework/m1: both touch</a:t>
-            </a:r>
-            <a:endParaRPr lang="en-DE" dirty="0"/>
-          </a:p>
-        </p:txBody>
-      </p:sp>
-      <p:sp>
-        <p:nvSpPr>
-          <p:cNvPr id="3" name="Content Placeholder 2">
-            <a:extLst>
-              <a:ext uri="{FF2B5EF4-FFF2-40B4-BE49-F238E27FC236}">
-                <a16:creationId xmlns:a16="http://schemas.microsoft.com/office/drawing/2014/main" id="{750AE634-05CD-565F-E962-7EBEBF0C27F3}"/>
-              </a:ext>
-            </a:extLst>
-          </p:cNvPr>
-          <p:cNvSpPr>
-            <a:spLocks noGrp="1"/>
-          </p:cNvSpPr>
-          <p:nvPr>
-            <p:ph sz="quarter" idx="13"/>
-          </p:nvPr>
-        </p:nvSpPr>
-        <p:spPr/>
-        <p:txBody>
-          <a:bodyPr/>
-          <a:lstStyle/>
-          <a:p>
-            <a:r>
-              <a:rPr lang="en-US" sz="2400" b="0" dirty="0"/>
-              <a:t>Merge branch1/click-touch with branch2/qt8-touch</a:t>
-            </a:r>
-          </a:p>
-          <a:p>
-            <a:endParaRPr lang="en-US" sz="2400" b="0" dirty="0"/>
-          </a:p>
-        </p:txBody>
-      </p:sp>
-      <p:sp>
-        <p:nvSpPr>
-          <p:cNvPr id="5" name="TextBox 4">
-            <a:extLst>
-              <a:ext uri="{FF2B5EF4-FFF2-40B4-BE49-F238E27FC236}">
-                <a16:creationId xmlns:a16="http://schemas.microsoft.com/office/drawing/2014/main" id="{BE806E8A-FF84-E9FB-B60B-F0250A8B58E1}"/>
-              </a:ext>
-            </a:extLst>
-          </p:cNvPr>
-          <p:cNvSpPr txBox="1"/>
-          <p:nvPr/>
-        </p:nvSpPr>
-        <p:spPr>
-          <a:xfrm rot="1973025">
-            <a:off x="10552935" y="195021"/>
-            <a:ext cx="1919111" cy="707886"/>
-          </a:xfrm>
-          <a:prstGeom prst="rect">
-            <a:avLst/>
-          </a:prstGeom>
-          <a:noFill/>
-        </p:spPr>
-        <p:txBody>
-          <a:bodyPr wrap="square" rtlCol="0">
-            <a:spAutoFit/>
-          </a:bodyPr>
-          <a:lstStyle/>
-          <a:p>
-            <a:pPr algn="ctr"/>
-            <a:r>
-              <a:rPr lang="en-US" sz="4000" dirty="0" err="1">
-                <a:solidFill>
-                  <a:srgbClr val="FF0000"/>
-                </a:solidFill>
-              </a:rPr>
-              <a:t>inWork</a:t>
-            </a:r>
-            <a:endParaRPr lang="en-DE" dirty="0">
-              <a:solidFill>
-                <a:srgbClr val="FF0000"/>
-              </a:solidFill>
-            </a:endParaRPr>
-          </a:p>
-        </p:txBody>
-      </p:sp>
-    </p:spTree>
-    <p:extLst>
-      <p:ext uri="{BB962C8B-B14F-4D97-AF65-F5344CB8AC3E}">
-        <p14:creationId xmlns:p14="http://schemas.microsoft.com/office/powerpoint/2010/main" val="871587149"/>
-      </p:ext>
-    </p:extLst>
-  </p:cSld>
-  <p:clrMapOvr>
-    <a:masterClrMapping/>
-  </p:clrMapOvr>
-</p:sld>
-</file>
-
-<file path=ppt/slides/slide14.xml><?xml version="1.0" encoding="utf-8"?>
-<p:sld xmlns:a="http://schemas.openxmlformats.org/drawingml/2006/main" xmlns:r="http://schemas.openxmlformats.org/officeDocument/2006/relationships" xmlns:p="http://schemas.openxmlformats.org/presentationml/2006/main">
-  <p:cSld>
-    <p:spTree>
-      <p:nvGrpSpPr>
-        <p:cNvPr id="1" name=""/>
-        <p:cNvGrpSpPr/>
-        <p:nvPr/>
-      </p:nvGrpSpPr>
-      <p:grpSpPr>
-        <a:xfrm>
-          <a:off x="0" y="0"/>
-          <a:ext cx="0" cy="0"/>
-          <a:chOff x="0" y="0"/>
-          <a:chExt cx="0" cy="0"/>
-        </a:xfrm>
-      </p:grpSpPr>
-      <p:sp>
-        <p:nvSpPr>
-          <p:cNvPr id="2" name="Title 1">
-            <a:extLst>
-              <a:ext uri="{FF2B5EF4-FFF2-40B4-BE49-F238E27FC236}">
-                <a16:creationId xmlns:a16="http://schemas.microsoft.com/office/drawing/2014/main" id="{B23758AB-D64D-8145-19A4-09806A062207}"/>
-              </a:ext>
-            </a:extLst>
-          </p:cNvPr>
-          <p:cNvSpPr>
-            <a:spLocks noGrp="1"/>
-          </p:cNvSpPr>
-          <p:nvPr>
-            <p:ph type="title"/>
-          </p:nvPr>
-        </p:nvSpPr>
-        <p:spPr/>
-        <p:txBody>
-          <a:bodyPr/>
-          <a:lstStyle/>
-          <a:p>
-            <a:r>
-              <a:rPr lang="de-DE" dirty="0"/>
-              <a:t>Findings</a:t>
-            </a:r>
-            <a:endParaRPr lang="en-GB" dirty="0"/>
-          </a:p>
-        </p:txBody>
-      </p:sp>
-      <p:sp>
-        <p:nvSpPr>
-          <p:cNvPr id="3" name="Text Placeholder 2">
-            <a:extLst>
-              <a:ext uri="{FF2B5EF4-FFF2-40B4-BE49-F238E27FC236}">
-                <a16:creationId xmlns:a16="http://schemas.microsoft.com/office/drawing/2014/main" id="{EBFAA392-3472-AD87-E6A9-A8768A77F3FB}"/>
-              </a:ext>
-            </a:extLst>
-          </p:cNvPr>
-          <p:cNvSpPr>
-            <a:spLocks noGrp="1"/>
-          </p:cNvSpPr>
-          <p:nvPr>
-            <p:ph type="body" idx="1"/>
-          </p:nvPr>
-        </p:nvSpPr>
-        <p:spPr>
-          <a:xfrm>
-            <a:off x="6694310" y="3824300"/>
-            <a:ext cx="4625463" cy="713833"/>
-          </a:xfrm>
-        </p:spPr>
-        <p:txBody>
-          <a:bodyPr/>
-          <a:lstStyle/>
-          <a:p>
-            <a:pPr algn="l"/>
-            <a:r>
-              <a:rPr lang="en-GB" dirty="0"/>
-              <a:t>Finding during H3-usage</a:t>
-            </a:r>
-          </a:p>
-        </p:txBody>
-      </p:sp>
-    </p:spTree>
-    <p:extLst>
-      <p:ext uri="{BB962C8B-B14F-4D97-AF65-F5344CB8AC3E}">
-        <p14:creationId xmlns:p14="http://schemas.microsoft.com/office/powerpoint/2010/main" val="1513611907"/>
       </p:ext>
     </p:extLst>
   </p:cSld>
@@ -9488,6 +10544,1666 @@
       </p:grpSpPr>
       <p:sp>
         <p:nvSpPr>
+          <p:cNvPr id="2" name="Title 1">
+            <a:extLst>
+              <a:ext uri="{FF2B5EF4-FFF2-40B4-BE49-F238E27FC236}">
+                <a16:creationId xmlns:a16="http://schemas.microsoft.com/office/drawing/2014/main" id="{A4B4FF59-42FA-D7A9-0F27-7F566A3A5A48}"/>
+              </a:ext>
+            </a:extLst>
+          </p:cNvPr>
+          <p:cNvSpPr>
+            <a:spLocks noGrp="1"/>
+          </p:cNvSpPr>
+          <p:nvPr>
+            <p:ph type="title"/>
+          </p:nvPr>
+        </p:nvSpPr>
+        <p:spPr/>
+        <p:txBody>
+          <a:bodyPr/>
+          <a:lstStyle/>
+          <a:p>
+            <a:r>
+              <a:rPr lang="de-DE" sz="4400" dirty="0">
+                <a:latin typeface="Calibri" panose="020F0502020204030204" pitchFamily="34" charset="0"/>
+                <a:ea typeface="Calibri" panose="020F0502020204030204" pitchFamily="34" charset="0"/>
+              </a:rPr>
+              <a:t>H3drv homework/b2: MCC-prj for click</a:t>
+            </a:r>
+            <a:endParaRPr lang="en-DE" dirty="0"/>
+          </a:p>
+        </p:txBody>
+      </p:sp>
+      <p:sp>
+        <p:nvSpPr>
+          <p:cNvPr id="3" name="Content Placeholder 2">
+            <a:extLst>
+              <a:ext uri="{FF2B5EF4-FFF2-40B4-BE49-F238E27FC236}">
+                <a16:creationId xmlns:a16="http://schemas.microsoft.com/office/drawing/2014/main" id="{750AE634-05CD-565F-E962-7EBEBF0C27F3}"/>
+              </a:ext>
+            </a:extLst>
+          </p:cNvPr>
+          <p:cNvSpPr>
+            <a:spLocks noGrp="1"/>
+          </p:cNvSpPr>
+          <p:nvPr>
+            <p:ph sz="quarter" idx="13"/>
+          </p:nvPr>
+        </p:nvSpPr>
+        <p:spPr/>
+        <p:txBody>
+          <a:bodyPr>
+            <a:normAutofit/>
+          </a:bodyPr>
+          <a:lstStyle/>
+          <a:p>
+            <a:pPr marL="0" indent="0">
+              <a:buNone/>
+            </a:pPr>
+            <a:r>
+              <a:rPr lang="en-US" sz="1800" b="0" dirty="0"/>
+              <a:t>Branch2: QT8-xpl on EXT1 - Step1: start from Atmel-START </a:t>
+            </a:r>
+            <a:r>
+              <a:rPr lang="en-US" sz="1800" b="0" dirty="0" err="1"/>
+              <a:t>prj</a:t>
+            </a:r>
+            <a:endParaRPr lang="en-US" sz="1800" b="0" dirty="0"/>
+          </a:p>
+          <a:p>
+            <a:r>
+              <a:rPr lang="de-DE" sz="1800" b="0" dirty="0"/>
+              <a:t>in A-START: create Atmel-START prj  and make sure it compiles ok</a:t>
+            </a:r>
+          </a:p>
+          <a:p>
+            <a:r>
+              <a:rPr lang="de-DE" sz="1800" b="0" dirty="0"/>
+              <a:t>in A-START: export A-Start prj </a:t>
+            </a:r>
+          </a:p>
+          <a:p>
+            <a:r>
+              <a:rPr lang="de-DE" sz="1800" b="0" dirty="0"/>
+              <a:t>in MPLABX: import into MPLABX </a:t>
+            </a:r>
+          </a:p>
+          <a:p>
+            <a:r>
+              <a:rPr lang="de-DE" sz="1800" b="0" dirty="0"/>
+              <a:t>in MPLABX: fix</a:t>
+            </a:r>
+          </a:p>
+          <a:p>
+            <a:pPr lvl="1"/>
+            <a:r>
+              <a:rPr lang="de-DE" sz="1800" dirty="0"/>
+              <a:t>libraries are not added to prj </a:t>
+            </a:r>
+            <a:br>
+              <a:rPr lang="de-DE" sz="1800" dirty="0"/>
+            </a:br>
+            <a:r>
+              <a:rPr lang="de-DE" sz="1800" dirty="0"/>
+              <a:t>-&gt; manually add tx-libs in prj-view</a:t>
+            </a:r>
+          </a:p>
+          <a:p>
+            <a:pPr lvl="1"/>
+            <a:r>
+              <a:rPr lang="de-DE" sz="1800" dirty="0"/>
+              <a:t>adjust #include-paths (??)</a:t>
+            </a:r>
+          </a:p>
+          <a:p>
+            <a:r>
+              <a:rPr lang="de-DE" sz="1800" b="0" dirty="0"/>
+              <a:t>download+run ok?</a:t>
+            </a:r>
+          </a:p>
+          <a:p>
+            <a:endParaRPr lang="en-US" sz="1800" b="0" dirty="0"/>
+          </a:p>
+        </p:txBody>
+      </p:sp>
+      <p:sp>
+        <p:nvSpPr>
+          <p:cNvPr id="5" name="TextBox 4">
+            <a:extLst>
+              <a:ext uri="{FF2B5EF4-FFF2-40B4-BE49-F238E27FC236}">
+                <a16:creationId xmlns:a16="http://schemas.microsoft.com/office/drawing/2014/main" id="{BE806E8A-FF84-E9FB-B60B-F0250A8B58E1}"/>
+              </a:ext>
+            </a:extLst>
+          </p:cNvPr>
+          <p:cNvSpPr txBox="1"/>
+          <p:nvPr/>
+        </p:nvSpPr>
+        <p:spPr>
+          <a:xfrm rot="1973025">
+            <a:off x="10552935" y="195021"/>
+            <a:ext cx="1919111" cy="707886"/>
+          </a:xfrm>
+          <a:prstGeom prst="rect">
+            <a:avLst/>
+          </a:prstGeom>
+          <a:noFill/>
+        </p:spPr>
+        <p:txBody>
+          <a:bodyPr wrap="square" rtlCol="0">
+            <a:spAutoFit/>
+          </a:bodyPr>
+          <a:lstStyle/>
+          <a:p>
+            <a:pPr algn="ctr"/>
+            <a:r>
+              <a:rPr lang="en-US" sz="4000" dirty="0" err="1">
+                <a:solidFill>
+                  <a:srgbClr val="FF0000"/>
+                </a:solidFill>
+              </a:rPr>
+              <a:t>inWork</a:t>
+            </a:r>
+            <a:endParaRPr lang="en-DE" dirty="0">
+              <a:solidFill>
+                <a:srgbClr val="FF0000"/>
+              </a:solidFill>
+            </a:endParaRPr>
+          </a:p>
+        </p:txBody>
+      </p:sp>
+      <p:pic>
+        <p:nvPicPr>
+          <p:cNvPr id="4" name="Picture 3">
+            <a:extLst>
+              <a:ext uri="{FF2B5EF4-FFF2-40B4-BE49-F238E27FC236}">
+                <a16:creationId xmlns:a16="http://schemas.microsoft.com/office/drawing/2014/main" id="{36BAF5C2-94ED-D792-D245-09BC0964E933}"/>
+              </a:ext>
+            </a:extLst>
+          </p:cNvPr>
+          <p:cNvPicPr>
+            <a:picLocks noChangeAspect="1"/>
+          </p:cNvPicPr>
+          <p:nvPr/>
+        </p:nvPicPr>
+        <p:blipFill>
+          <a:blip r:embed="rId2"/>
+          <a:stretch>
+            <a:fillRect/>
+          </a:stretch>
+        </p:blipFill>
+        <p:spPr>
+          <a:xfrm>
+            <a:off x="7998106" y="873536"/>
+            <a:ext cx="2516406" cy="1905990"/>
+          </a:xfrm>
+          <a:prstGeom prst="rect">
+            <a:avLst/>
+          </a:prstGeom>
+        </p:spPr>
+      </p:pic>
+      <p:pic>
+        <p:nvPicPr>
+          <p:cNvPr id="6" name="Picture 5">
+            <a:extLst>
+              <a:ext uri="{FF2B5EF4-FFF2-40B4-BE49-F238E27FC236}">
+                <a16:creationId xmlns:a16="http://schemas.microsoft.com/office/drawing/2014/main" id="{6F6D2FD9-99A3-9F05-425B-BAC67C988DE7}"/>
+              </a:ext>
+            </a:extLst>
+          </p:cNvPr>
+          <p:cNvPicPr>
+            <a:picLocks noChangeAspect="1"/>
+          </p:cNvPicPr>
+          <p:nvPr/>
+        </p:nvPicPr>
+        <p:blipFill>
+          <a:blip r:embed="rId3"/>
+          <a:stretch>
+            <a:fillRect/>
+          </a:stretch>
+        </p:blipFill>
+        <p:spPr>
+          <a:xfrm>
+            <a:off x="4646114" y="2619953"/>
+            <a:ext cx="6866376" cy="4238047"/>
+          </a:xfrm>
+          <a:prstGeom prst="rect">
+            <a:avLst/>
+          </a:prstGeom>
+        </p:spPr>
+      </p:pic>
+      <p:pic>
+        <p:nvPicPr>
+          <p:cNvPr id="7" name="Picture 6">
+            <a:extLst>
+              <a:ext uri="{FF2B5EF4-FFF2-40B4-BE49-F238E27FC236}">
+                <a16:creationId xmlns:a16="http://schemas.microsoft.com/office/drawing/2014/main" id="{DC4AC364-4EF0-B80E-937A-5C7E81361361}"/>
+              </a:ext>
+            </a:extLst>
+          </p:cNvPr>
+          <p:cNvPicPr>
+            <a:picLocks noChangeAspect="1"/>
+          </p:cNvPicPr>
+          <p:nvPr/>
+        </p:nvPicPr>
+        <p:blipFill>
+          <a:blip r:embed="rId4"/>
+          <a:stretch>
+            <a:fillRect/>
+          </a:stretch>
+        </p:blipFill>
+        <p:spPr>
+          <a:xfrm>
+            <a:off x="892901" y="4060635"/>
+            <a:ext cx="2265346" cy="1959476"/>
+          </a:xfrm>
+          <a:prstGeom prst="rect">
+            <a:avLst/>
+          </a:prstGeom>
+        </p:spPr>
+      </p:pic>
+    </p:spTree>
+    <p:extLst>
+      <p:ext uri="{BB962C8B-B14F-4D97-AF65-F5344CB8AC3E}">
+        <p14:creationId xmlns:p14="http://schemas.microsoft.com/office/powerpoint/2010/main" val="3390139118"/>
+      </p:ext>
+    </p:extLst>
+  </p:cSld>
+  <p:clrMapOvr>
+    <a:masterClrMapping/>
+  </p:clrMapOvr>
+</p:sld>
+</file>
+
+<file path=ppt/slides/slide16.xml><?xml version="1.0" encoding="utf-8"?>
+<p:sld xmlns:a="http://schemas.openxmlformats.org/drawingml/2006/main" xmlns:r="http://schemas.openxmlformats.org/officeDocument/2006/relationships" xmlns:p="http://schemas.openxmlformats.org/presentationml/2006/main">
+  <p:cSld>
+    <p:spTree>
+      <p:nvGrpSpPr>
+        <p:cNvPr id="1" name=""/>
+        <p:cNvGrpSpPr/>
+        <p:nvPr/>
+      </p:nvGrpSpPr>
+      <p:grpSpPr>
+        <a:xfrm>
+          <a:off x="0" y="0"/>
+          <a:ext cx="0" cy="0"/>
+          <a:chOff x="0" y="0"/>
+          <a:chExt cx="0" cy="0"/>
+        </a:xfrm>
+      </p:grpSpPr>
+      <p:sp>
+        <p:nvSpPr>
+          <p:cNvPr id="2" name="Title 1">
+            <a:extLst>
+              <a:ext uri="{FF2B5EF4-FFF2-40B4-BE49-F238E27FC236}">
+                <a16:creationId xmlns:a16="http://schemas.microsoft.com/office/drawing/2014/main" id="{A4B4FF59-42FA-D7A9-0F27-7F566A3A5A48}"/>
+              </a:ext>
+            </a:extLst>
+          </p:cNvPr>
+          <p:cNvSpPr>
+            <a:spLocks noGrp="1"/>
+          </p:cNvSpPr>
+          <p:nvPr>
+            <p:ph type="title"/>
+          </p:nvPr>
+        </p:nvSpPr>
+        <p:spPr/>
+        <p:txBody>
+          <a:bodyPr/>
+          <a:lstStyle/>
+          <a:p>
+            <a:r>
+              <a:rPr lang="de-DE" sz="4400" dirty="0">
+                <a:latin typeface="Calibri" panose="020F0502020204030204" pitchFamily="34" charset="0"/>
+                <a:ea typeface="Calibri" panose="020F0502020204030204" pitchFamily="34" charset="0"/>
+              </a:rPr>
+              <a:t>H3drv homework/b2: MCC-prj for click</a:t>
+            </a:r>
+            <a:endParaRPr lang="en-DE" dirty="0"/>
+          </a:p>
+        </p:txBody>
+      </p:sp>
+      <p:sp>
+        <p:nvSpPr>
+          <p:cNvPr id="3" name="Content Placeholder 2">
+            <a:extLst>
+              <a:ext uri="{FF2B5EF4-FFF2-40B4-BE49-F238E27FC236}">
+                <a16:creationId xmlns:a16="http://schemas.microsoft.com/office/drawing/2014/main" id="{750AE634-05CD-565F-E962-7EBEBF0C27F3}"/>
+              </a:ext>
+            </a:extLst>
+          </p:cNvPr>
+          <p:cNvSpPr>
+            <a:spLocks noGrp="1"/>
+          </p:cNvSpPr>
+          <p:nvPr>
+            <p:ph sz="quarter" idx="13"/>
+          </p:nvPr>
+        </p:nvSpPr>
+        <p:spPr/>
+        <p:txBody>
+          <a:bodyPr>
+            <a:normAutofit/>
+          </a:bodyPr>
+          <a:lstStyle/>
+          <a:p>
+            <a:pPr marL="0" indent="0">
+              <a:buNone/>
+            </a:pPr>
+            <a:r>
+              <a:rPr lang="en-US" sz="1800" b="0" dirty="0"/>
+              <a:t>Branch2: QT8-xpl on EXT1 – Step2: create with MCC-H3 with same result BUT created with MCC-H3 from scratch</a:t>
+            </a:r>
+          </a:p>
+          <a:p>
+            <a:r>
+              <a:rPr lang="en-US" sz="1800" b="0" dirty="0"/>
+              <a:t>xxx</a:t>
+            </a:r>
+          </a:p>
+        </p:txBody>
+      </p:sp>
+      <p:sp>
+        <p:nvSpPr>
+          <p:cNvPr id="5" name="TextBox 4">
+            <a:extLst>
+              <a:ext uri="{FF2B5EF4-FFF2-40B4-BE49-F238E27FC236}">
+                <a16:creationId xmlns:a16="http://schemas.microsoft.com/office/drawing/2014/main" id="{BE806E8A-FF84-E9FB-B60B-F0250A8B58E1}"/>
+              </a:ext>
+            </a:extLst>
+          </p:cNvPr>
+          <p:cNvSpPr txBox="1"/>
+          <p:nvPr/>
+        </p:nvSpPr>
+        <p:spPr>
+          <a:xfrm rot="1973025">
+            <a:off x="10552935" y="195021"/>
+            <a:ext cx="1919111" cy="707886"/>
+          </a:xfrm>
+          <a:prstGeom prst="rect">
+            <a:avLst/>
+          </a:prstGeom>
+          <a:noFill/>
+        </p:spPr>
+        <p:txBody>
+          <a:bodyPr wrap="square" rtlCol="0">
+            <a:spAutoFit/>
+          </a:bodyPr>
+          <a:lstStyle/>
+          <a:p>
+            <a:pPr algn="ctr"/>
+            <a:r>
+              <a:rPr lang="en-US" sz="4000" dirty="0" err="1">
+                <a:solidFill>
+                  <a:srgbClr val="FF0000"/>
+                </a:solidFill>
+              </a:rPr>
+              <a:t>inWork</a:t>
+            </a:r>
+            <a:endParaRPr lang="en-DE" dirty="0">
+              <a:solidFill>
+                <a:srgbClr val="FF0000"/>
+              </a:solidFill>
+            </a:endParaRPr>
+          </a:p>
+        </p:txBody>
+      </p:sp>
+      <p:pic>
+        <p:nvPicPr>
+          <p:cNvPr id="6" name="Picture 5">
+            <a:extLst>
+              <a:ext uri="{FF2B5EF4-FFF2-40B4-BE49-F238E27FC236}">
+                <a16:creationId xmlns:a16="http://schemas.microsoft.com/office/drawing/2014/main" id="{6F6D2FD9-99A3-9F05-425B-BAC67C988DE7}"/>
+              </a:ext>
+            </a:extLst>
+          </p:cNvPr>
+          <p:cNvPicPr>
+            <a:picLocks noChangeAspect="1"/>
+          </p:cNvPicPr>
+          <p:nvPr/>
+        </p:nvPicPr>
+        <p:blipFill>
+          <a:blip r:embed="rId2"/>
+          <a:stretch>
+            <a:fillRect/>
+          </a:stretch>
+        </p:blipFill>
+        <p:spPr>
+          <a:xfrm>
+            <a:off x="6386691" y="1416711"/>
+            <a:ext cx="5447356" cy="3362203"/>
+          </a:xfrm>
+          <a:prstGeom prst="rect">
+            <a:avLst/>
+          </a:prstGeom>
+        </p:spPr>
+      </p:pic>
+    </p:spTree>
+    <p:extLst>
+      <p:ext uri="{BB962C8B-B14F-4D97-AF65-F5344CB8AC3E}">
+        <p14:creationId xmlns:p14="http://schemas.microsoft.com/office/powerpoint/2010/main" val="2172709452"/>
+      </p:ext>
+    </p:extLst>
+  </p:cSld>
+  <p:clrMapOvr>
+    <a:masterClrMapping/>
+  </p:clrMapOvr>
+</p:sld>
+</file>
+
+<file path=ppt/slides/slide17.xml><?xml version="1.0" encoding="utf-8"?>
+<p:sld xmlns:a="http://schemas.openxmlformats.org/drawingml/2006/main" xmlns:r="http://schemas.openxmlformats.org/officeDocument/2006/relationships" xmlns:p="http://schemas.openxmlformats.org/presentationml/2006/main">
+  <p:cSld>
+    <p:spTree>
+      <p:nvGrpSpPr>
+        <p:cNvPr id="1" name=""/>
+        <p:cNvGrpSpPr/>
+        <p:nvPr/>
+      </p:nvGrpSpPr>
+      <p:grpSpPr>
+        <a:xfrm>
+          <a:off x="0" y="0"/>
+          <a:ext cx="0" cy="0"/>
+          <a:chOff x="0" y="0"/>
+          <a:chExt cx="0" cy="0"/>
+        </a:xfrm>
+      </p:grpSpPr>
+      <p:sp>
+        <p:nvSpPr>
+          <p:cNvPr id="2" name="Title 1">
+            <a:extLst>
+              <a:ext uri="{FF2B5EF4-FFF2-40B4-BE49-F238E27FC236}">
+                <a16:creationId xmlns:a16="http://schemas.microsoft.com/office/drawing/2014/main" id="{A4B4FF59-42FA-D7A9-0F27-7F566A3A5A48}"/>
+              </a:ext>
+            </a:extLst>
+          </p:cNvPr>
+          <p:cNvSpPr>
+            <a:spLocks noGrp="1"/>
+          </p:cNvSpPr>
+          <p:nvPr>
+            <p:ph type="title"/>
+          </p:nvPr>
+        </p:nvSpPr>
+        <p:spPr/>
+        <p:txBody>
+          <a:bodyPr/>
+          <a:lstStyle/>
+          <a:p>
+            <a:r>
+              <a:rPr lang="de-DE" sz="4400" dirty="0">
+                <a:latin typeface="Calibri" panose="020F0502020204030204" pitchFamily="34" charset="0"/>
+                <a:ea typeface="Calibri" panose="020F0502020204030204" pitchFamily="34" charset="0"/>
+              </a:rPr>
+              <a:t>H3drv homework/m1: both touch</a:t>
+            </a:r>
+            <a:endParaRPr lang="en-DE" dirty="0"/>
+          </a:p>
+        </p:txBody>
+      </p:sp>
+      <p:sp>
+        <p:nvSpPr>
+          <p:cNvPr id="3" name="Content Placeholder 2">
+            <a:extLst>
+              <a:ext uri="{FF2B5EF4-FFF2-40B4-BE49-F238E27FC236}">
+                <a16:creationId xmlns:a16="http://schemas.microsoft.com/office/drawing/2014/main" id="{750AE634-05CD-565F-E962-7EBEBF0C27F3}"/>
+              </a:ext>
+            </a:extLst>
+          </p:cNvPr>
+          <p:cNvSpPr>
+            <a:spLocks noGrp="1"/>
+          </p:cNvSpPr>
+          <p:nvPr>
+            <p:ph sz="quarter" idx="13"/>
+          </p:nvPr>
+        </p:nvSpPr>
+        <p:spPr/>
+        <p:txBody>
+          <a:bodyPr/>
+          <a:lstStyle/>
+          <a:p>
+            <a:r>
+              <a:rPr lang="en-US" sz="2400" b="0" dirty="0"/>
+              <a:t>Merge branch1/click-touch with branch2/qt8-touch</a:t>
+            </a:r>
+          </a:p>
+          <a:p>
+            <a:endParaRPr lang="en-US" sz="2400" b="0" dirty="0"/>
+          </a:p>
+          <a:p>
+            <a:r>
+              <a:rPr lang="en-US" sz="3600" b="0" i="1" dirty="0">
+                <a:solidFill>
+                  <a:srgbClr val="FF0000"/>
+                </a:solidFill>
+              </a:rPr>
+              <a:t>In work</a:t>
+            </a:r>
+          </a:p>
+          <a:p>
+            <a:endParaRPr lang="en-US" sz="2400" b="0" dirty="0"/>
+          </a:p>
+        </p:txBody>
+      </p:sp>
+    </p:spTree>
+    <p:extLst>
+      <p:ext uri="{BB962C8B-B14F-4D97-AF65-F5344CB8AC3E}">
+        <p14:creationId xmlns:p14="http://schemas.microsoft.com/office/powerpoint/2010/main" val="871587149"/>
+      </p:ext>
+    </p:extLst>
+  </p:cSld>
+  <p:clrMapOvr>
+    <a:masterClrMapping/>
+  </p:clrMapOvr>
+</p:sld>
+</file>
+
+<file path=ppt/slides/slide18.xml><?xml version="1.0" encoding="utf-8"?>
+<p:sld xmlns:a="http://schemas.openxmlformats.org/drawingml/2006/main" xmlns:r="http://schemas.openxmlformats.org/officeDocument/2006/relationships" xmlns:p="http://schemas.openxmlformats.org/presentationml/2006/main">
+  <p:cSld>
+    <p:spTree>
+      <p:nvGrpSpPr>
+        <p:cNvPr id="1" name=""/>
+        <p:cNvGrpSpPr/>
+        <p:nvPr/>
+      </p:nvGrpSpPr>
+      <p:grpSpPr>
+        <a:xfrm>
+          <a:off x="0" y="0"/>
+          <a:ext cx="0" cy="0"/>
+          <a:chOff x="0" y="0"/>
+          <a:chExt cx="0" cy="0"/>
+        </a:xfrm>
+      </p:grpSpPr>
+      <p:sp>
+        <p:nvSpPr>
+          <p:cNvPr id="2" name="Title 1">
+            <a:extLst>
+              <a:ext uri="{FF2B5EF4-FFF2-40B4-BE49-F238E27FC236}">
+                <a16:creationId xmlns:a16="http://schemas.microsoft.com/office/drawing/2014/main" id="{B23758AB-D64D-8145-19A4-09806A062207}"/>
+              </a:ext>
+            </a:extLst>
+          </p:cNvPr>
+          <p:cNvSpPr>
+            <a:spLocks noGrp="1"/>
+          </p:cNvSpPr>
+          <p:nvPr>
+            <p:ph type="title"/>
+          </p:nvPr>
+        </p:nvSpPr>
+        <p:spPr/>
+        <p:txBody>
+          <a:bodyPr/>
+          <a:lstStyle/>
+          <a:p>
+            <a:r>
+              <a:rPr lang="de-DE" dirty="0"/>
+              <a:t>Findings</a:t>
+            </a:r>
+            <a:endParaRPr lang="en-GB" dirty="0"/>
+          </a:p>
+        </p:txBody>
+      </p:sp>
+      <p:sp>
+        <p:nvSpPr>
+          <p:cNvPr id="3" name="Text Placeholder 2">
+            <a:extLst>
+              <a:ext uri="{FF2B5EF4-FFF2-40B4-BE49-F238E27FC236}">
+                <a16:creationId xmlns:a16="http://schemas.microsoft.com/office/drawing/2014/main" id="{EBFAA392-3472-AD87-E6A9-A8768A77F3FB}"/>
+              </a:ext>
+            </a:extLst>
+          </p:cNvPr>
+          <p:cNvSpPr>
+            <a:spLocks noGrp="1"/>
+          </p:cNvSpPr>
+          <p:nvPr>
+            <p:ph type="body" idx="1"/>
+          </p:nvPr>
+        </p:nvSpPr>
+        <p:spPr>
+          <a:xfrm>
+            <a:off x="6694310" y="3824300"/>
+            <a:ext cx="4625463" cy="713833"/>
+          </a:xfrm>
+        </p:spPr>
+        <p:txBody>
+          <a:bodyPr/>
+          <a:lstStyle/>
+          <a:p>
+            <a:pPr algn="l"/>
+            <a:r>
+              <a:rPr lang="en-GB" dirty="0"/>
+              <a:t>Finding during H3-usage</a:t>
+            </a:r>
+          </a:p>
+        </p:txBody>
+      </p:sp>
+    </p:spTree>
+    <p:extLst>
+      <p:ext uri="{BB962C8B-B14F-4D97-AF65-F5344CB8AC3E}">
+        <p14:creationId xmlns:p14="http://schemas.microsoft.com/office/powerpoint/2010/main" val="1513611907"/>
+      </p:ext>
+    </p:extLst>
+  </p:cSld>
+  <p:clrMapOvr>
+    <a:masterClrMapping/>
+  </p:clrMapOvr>
+</p:sld>
+</file>
+
+<file path=ppt/slides/slide19.xml><?xml version="1.0" encoding="utf-8"?>
+<p:sld xmlns:a="http://schemas.openxmlformats.org/drawingml/2006/main" xmlns:r="http://schemas.openxmlformats.org/officeDocument/2006/relationships" xmlns:p="http://schemas.openxmlformats.org/presentationml/2006/main">
+  <p:cSld>
+    <p:spTree>
+      <p:nvGrpSpPr>
+        <p:cNvPr id="1" name=""/>
+        <p:cNvGrpSpPr/>
+        <p:nvPr/>
+      </p:nvGrpSpPr>
+      <p:grpSpPr>
+        <a:xfrm>
+          <a:off x="0" y="0"/>
+          <a:ext cx="0" cy="0"/>
+          <a:chOff x="0" y="0"/>
+          <a:chExt cx="0" cy="0"/>
+        </a:xfrm>
+      </p:grpSpPr>
+      <p:sp>
+        <p:nvSpPr>
+          <p:cNvPr id="3" name="Content Placeholder 2">
+            <a:extLst>
+              <a:ext uri="{FF2B5EF4-FFF2-40B4-BE49-F238E27FC236}">
+                <a16:creationId xmlns:a16="http://schemas.microsoft.com/office/drawing/2014/main" id="{750AE634-05CD-565F-E962-7EBEBF0C27F3}"/>
+              </a:ext>
+            </a:extLst>
+          </p:cNvPr>
+          <p:cNvSpPr>
+            <a:spLocks noGrp="1"/>
+          </p:cNvSpPr>
+          <p:nvPr>
+            <p:ph sz="quarter" idx="15"/>
+          </p:nvPr>
+        </p:nvSpPr>
+        <p:spPr>
+          <a:xfrm>
+            <a:off x="265198" y="1016481"/>
+            <a:ext cx="11400660" cy="5457410"/>
+          </a:xfrm>
+        </p:spPr>
+        <p:txBody>
+          <a:bodyPr>
+            <a:noAutofit/>
+          </a:bodyPr>
+          <a:lstStyle/>
+          <a:p>
+            <a:r>
+              <a:rPr lang="en-US" sz="2400" b="0" dirty="0"/>
+              <a:t>Findings part1: </a:t>
+            </a:r>
+            <a:r>
+              <a:rPr lang="en-US" sz="2400" b="0" dirty="0" err="1"/>
+              <a:t>touchClick</a:t>
+            </a:r>
+            <a:endParaRPr lang="en-US" sz="2400" b="0" dirty="0"/>
+          </a:p>
+          <a:p>
+            <a:pPr lvl="1"/>
+            <a:r>
+              <a:rPr lang="en-US" sz="2000" b="0" dirty="0"/>
+              <a:t>MPLABX-v6.10 screws up 6.05</a:t>
+            </a:r>
+          </a:p>
+          <a:p>
+            <a:pPr lvl="1"/>
+            <a:r>
+              <a:rPr lang="en-US" sz="2000" dirty="0"/>
+              <a:t>MPLABX-</a:t>
+            </a:r>
+            <a:r>
+              <a:rPr lang="en-US" sz="2000" b="0" dirty="0"/>
+              <a:t>exceptions</a:t>
+            </a:r>
+          </a:p>
+          <a:p>
+            <a:pPr lvl="1"/>
+            <a:endParaRPr lang="en-US" sz="2000" b="0" dirty="0"/>
+          </a:p>
+          <a:p>
+            <a:pPr lvl="1"/>
+            <a:r>
+              <a:rPr lang="en-US" sz="2000" b="0" dirty="0"/>
+              <a:t>MCC-Structure </a:t>
+            </a:r>
+          </a:p>
+          <a:p>
+            <a:pPr lvl="2"/>
+            <a:r>
+              <a:rPr lang="en-US" sz="1600" dirty="0"/>
+              <a:t>MCC-plugin -&gt; MCC-core-&gt; Harmony-core </a:t>
+            </a:r>
+            <a:br>
+              <a:rPr lang="en-US" sz="1600" dirty="0"/>
+            </a:br>
+            <a:r>
+              <a:rPr lang="en-US" sz="1600" dirty="0"/>
+              <a:t>way to complex…</a:t>
+            </a:r>
+          </a:p>
+          <a:p>
+            <a:pPr lvl="2"/>
+            <a:r>
+              <a:rPr lang="en-US" sz="1600" dirty="0"/>
+              <a:t>Must be online to start MCC (if Harmony-core not </a:t>
+            </a:r>
+            <a:br>
+              <a:rPr lang="en-US" sz="1600" dirty="0"/>
+            </a:br>
+            <a:r>
+              <a:rPr lang="en-US" sz="1600" dirty="0"/>
+              <a:t>matching…)</a:t>
+            </a:r>
+          </a:p>
+          <a:p>
+            <a:pPr lvl="2"/>
+            <a:r>
+              <a:rPr lang="en-US" sz="1600" dirty="0"/>
+              <a:t>…</a:t>
+            </a:r>
+          </a:p>
+          <a:p>
+            <a:pPr lvl="1"/>
+            <a:endParaRPr lang="en-US" sz="2000" b="0" dirty="0"/>
+          </a:p>
+          <a:p>
+            <a:pPr lvl="1"/>
+            <a:r>
+              <a:rPr lang="en-US" sz="2000" dirty="0"/>
+              <a:t>MCC-CM not stable -&gt; only stable way still </a:t>
+            </a:r>
+          </a:p>
+          <a:p>
+            <a:pPr lvl="2"/>
+            <a:r>
+              <a:rPr lang="en-US" sz="1600" b="0" dirty="0"/>
+              <a:t>Use old MHC3-CM or git-bash or …</a:t>
+            </a:r>
+          </a:p>
+          <a:p>
+            <a:pPr lvl="2"/>
+            <a:r>
+              <a:rPr lang="en-US" sz="1600" dirty="0"/>
+              <a:t>AND make sure on MCC-CM start ‘all required </a:t>
+            </a:r>
+            <a:br>
+              <a:rPr lang="en-US" sz="1600" dirty="0"/>
+            </a:br>
+            <a:r>
+              <a:rPr lang="en-US" sz="1600" dirty="0"/>
+              <a:t>content is available…’</a:t>
+            </a:r>
+          </a:p>
+          <a:p>
+            <a:pPr lvl="2"/>
+            <a:r>
+              <a:rPr lang="en-US" sz="1600" dirty="0"/>
+              <a:t>Set H3-path + ‘always ask’ flag</a:t>
+            </a:r>
+          </a:p>
+          <a:p>
+            <a:pPr lvl="2"/>
+            <a:endParaRPr lang="en-US" sz="2000" b="0" dirty="0"/>
+          </a:p>
+        </p:txBody>
+      </p:sp>
+      <p:sp>
+        <p:nvSpPr>
+          <p:cNvPr id="2" name="Title 1">
+            <a:extLst>
+              <a:ext uri="{FF2B5EF4-FFF2-40B4-BE49-F238E27FC236}">
+                <a16:creationId xmlns:a16="http://schemas.microsoft.com/office/drawing/2014/main" id="{A4B4FF59-42FA-D7A9-0F27-7F566A3A5A48}"/>
+              </a:ext>
+            </a:extLst>
+          </p:cNvPr>
+          <p:cNvSpPr>
+            <a:spLocks noGrp="1"/>
+          </p:cNvSpPr>
+          <p:nvPr>
+            <p:ph type="title"/>
+          </p:nvPr>
+        </p:nvSpPr>
+        <p:spPr>
+          <a:xfrm>
+            <a:off x="355509" y="96296"/>
+            <a:ext cx="11400661" cy="799246"/>
+          </a:xfrm>
+        </p:spPr>
+        <p:txBody>
+          <a:bodyPr/>
+          <a:lstStyle/>
+          <a:p>
+            <a:r>
+              <a:rPr lang="de-DE" sz="4400" dirty="0">
+                <a:latin typeface="Calibri" panose="020F0502020204030204" pitchFamily="34" charset="0"/>
+                <a:ea typeface="Calibri" panose="020F0502020204030204" pitchFamily="34" charset="0"/>
+              </a:rPr>
+              <a:t>H3drv homework: findings</a:t>
+            </a:r>
+            <a:endParaRPr lang="en-DE" dirty="0"/>
+          </a:p>
+        </p:txBody>
+      </p:sp>
+      <p:sp>
+        <p:nvSpPr>
+          <p:cNvPr id="5" name="TextBox 4">
+            <a:extLst>
+              <a:ext uri="{FF2B5EF4-FFF2-40B4-BE49-F238E27FC236}">
+                <a16:creationId xmlns:a16="http://schemas.microsoft.com/office/drawing/2014/main" id="{BE806E8A-FF84-E9FB-B60B-F0250A8B58E1}"/>
+              </a:ext>
+            </a:extLst>
+          </p:cNvPr>
+          <p:cNvSpPr txBox="1"/>
+          <p:nvPr/>
+        </p:nvSpPr>
+        <p:spPr>
+          <a:xfrm rot="1973025">
+            <a:off x="10552935" y="195021"/>
+            <a:ext cx="1919111" cy="707886"/>
+          </a:xfrm>
+          <a:prstGeom prst="rect">
+            <a:avLst/>
+          </a:prstGeom>
+          <a:noFill/>
+        </p:spPr>
+        <p:txBody>
+          <a:bodyPr wrap="square" rtlCol="0">
+            <a:spAutoFit/>
+          </a:bodyPr>
+          <a:lstStyle/>
+          <a:p>
+            <a:pPr algn="ctr"/>
+            <a:r>
+              <a:rPr lang="en-US" sz="4000" dirty="0" err="1">
+                <a:solidFill>
+                  <a:srgbClr val="FF0000"/>
+                </a:solidFill>
+              </a:rPr>
+              <a:t>inWork</a:t>
+            </a:r>
+            <a:endParaRPr lang="en-DE" dirty="0">
+              <a:solidFill>
+                <a:srgbClr val="FF0000"/>
+              </a:solidFill>
+            </a:endParaRPr>
+          </a:p>
+        </p:txBody>
+      </p:sp>
+      <p:pic>
+        <p:nvPicPr>
+          <p:cNvPr id="4" name="Picture 3">
+            <a:extLst>
+              <a:ext uri="{FF2B5EF4-FFF2-40B4-BE49-F238E27FC236}">
+                <a16:creationId xmlns:a16="http://schemas.microsoft.com/office/drawing/2014/main" id="{B8E3FEF6-A2BC-6E18-A9D4-AAE6C96C810A}"/>
+              </a:ext>
+            </a:extLst>
+          </p:cNvPr>
+          <p:cNvPicPr>
+            <a:picLocks noChangeAspect="1"/>
+          </p:cNvPicPr>
+          <p:nvPr/>
+        </p:nvPicPr>
+        <p:blipFill>
+          <a:blip r:embed="rId2"/>
+          <a:stretch>
+            <a:fillRect/>
+          </a:stretch>
+        </p:blipFill>
+        <p:spPr>
+          <a:xfrm>
+            <a:off x="5589270" y="847746"/>
+            <a:ext cx="5256685" cy="1510489"/>
+          </a:xfrm>
+          <a:prstGeom prst="rect">
+            <a:avLst/>
+          </a:prstGeom>
+        </p:spPr>
+      </p:pic>
+      <p:pic>
+        <p:nvPicPr>
+          <p:cNvPr id="6" name="Picture 5">
+            <a:extLst>
+              <a:ext uri="{FF2B5EF4-FFF2-40B4-BE49-F238E27FC236}">
+                <a16:creationId xmlns:a16="http://schemas.microsoft.com/office/drawing/2014/main" id="{BC465E7C-EC38-EAEE-3F69-C19D15BA8C3D}"/>
+              </a:ext>
+            </a:extLst>
+          </p:cNvPr>
+          <p:cNvPicPr>
+            <a:picLocks noChangeAspect="1"/>
+          </p:cNvPicPr>
+          <p:nvPr/>
+        </p:nvPicPr>
+        <p:blipFill>
+          <a:blip r:embed="rId3"/>
+          <a:stretch>
+            <a:fillRect/>
+          </a:stretch>
+        </p:blipFill>
+        <p:spPr>
+          <a:xfrm>
+            <a:off x="5589270" y="2529392"/>
+            <a:ext cx="5798029" cy="1799216"/>
+          </a:xfrm>
+          <a:prstGeom prst="rect">
+            <a:avLst/>
+          </a:prstGeom>
+          <a:ln>
+            <a:solidFill>
+              <a:schemeClr val="accent1"/>
+            </a:solidFill>
+          </a:ln>
+        </p:spPr>
+      </p:pic>
+      <p:pic>
+        <p:nvPicPr>
+          <p:cNvPr id="9" name="Picture 8">
+            <a:extLst>
+              <a:ext uri="{FF2B5EF4-FFF2-40B4-BE49-F238E27FC236}">
+                <a16:creationId xmlns:a16="http://schemas.microsoft.com/office/drawing/2014/main" id="{90ADAA3E-56B6-AD92-6D64-29D05E41E3CC}"/>
+              </a:ext>
+            </a:extLst>
+          </p:cNvPr>
+          <p:cNvPicPr>
+            <a:picLocks noChangeAspect="1"/>
+          </p:cNvPicPr>
+          <p:nvPr/>
+        </p:nvPicPr>
+        <p:blipFill>
+          <a:blip r:embed="rId4"/>
+          <a:stretch>
+            <a:fillRect/>
+          </a:stretch>
+        </p:blipFill>
+        <p:spPr>
+          <a:xfrm>
+            <a:off x="5629669" y="4507761"/>
+            <a:ext cx="4884843" cy="1966130"/>
+          </a:xfrm>
+          <a:prstGeom prst="rect">
+            <a:avLst/>
+          </a:prstGeom>
+        </p:spPr>
+      </p:pic>
+    </p:spTree>
+    <p:extLst>
+      <p:ext uri="{BB962C8B-B14F-4D97-AF65-F5344CB8AC3E}">
+        <p14:creationId xmlns:p14="http://schemas.microsoft.com/office/powerpoint/2010/main" val="3272825431"/>
+      </p:ext>
+    </p:extLst>
+  </p:cSld>
+  <p:clrMapOvr>
+    <a:masterClrMapping/>
+  </p:clrMapOvr>
+  <p:timing>
+    <p:tnLst>
+      <p:par>
+        <p:cTn id="1" dur="indefinite" restart="never" nodeType="tmRoot">
+          <p:childTnLst>
+            <p:seq concurrent="1" nextAc="seek">
+              <p:cTn id="2" dur="indefinite" nodeType="mainSeq">
+                <p:childTnLst>
+                  <p:par>
+                    <p:cTn id="3" fill="hold">
+                      <p:stCondLst>
+                        <p:cond delay="indefinite"/>
+                      </p:stCondLst>
+                      <p:childTnLst>
+                        <p:par>
+                          <p:cTn id="4" fill="hold">
+                            <p:stCondLst>
+                              <p:cond delay="0"/>
+                            </p:stCondLst>
+                            <p:childTnLst>
+                              <p:par>
+                                <p:cTn id="5" presetID="1" presetClass="entr" presetSubtype="0" fill="hold" nodeType="clickEffect">
+                                  <p:stCondLst>
+                                    <p:cond delay="0"/>
+                                  </p:stCondLst>
+                                  <p:childTnLst>
+                                    <p:set>
+                                      <p:cBhvr>
+                                        <p:cTn id="6" dur="1" fill="hold">
+                                          <p:stCondLst>
+                                            <p:cond delay="0"/>
+                                          </p:stCondLst>
+                                        </p:cTn>
+                                        <p:tgtEl>
+                                          <p:spTgt spid="3">
+                                            <p:txEl>
+                                              <p:pRg st="1" end="1"/>
+                                            </p:txEl>
+                                          </p:spTgt>
+                                        </p:tgtEl>
+                                        <p:attrNameLst>
+                                          <p:attrName>style.visibility</p:attrName>
+                                        </p:attrNameLst>
+                                      </p:cBhvr>
+                                      <p:to>
+                                        <p:strVal val="visible"/>
+                                      </p:to>
+                                    </p:set>
+                                  </p:childTnLst>
+                                </p:cTn>
+                              </p:par>
+                              <p:par>
+                                <p:cTn id="7" presetID="1" presetClass="entr" presetSubtype="0" fill="hold" nodeType="withEffect">
+                                  <p:stCondLst>
+                                    <p:cond delay="0"/>
+                                  </p:stCondLst>
+                                  <p:childTnLst>
+                                    <p:set>
+                                      <p:cBhvr>
+                                        <p:cTn id="8" dur="1" fill="hold">
+                                          <p:stCondLst>
+                                            <p:cond delay="0"/>
+                                          </p:stCondLst>
+                                        </p:cTn>
+                                        <p:tgtEl>
+                                          <p:spTgt spid="3">
+                                            <p:txEl>
+                                              <p:pRg st="2" end="2"/>
+                                            </p:txEl>
+                                          </p:spTgt>
+                                        </p:tgtEl>
+                                        <p:attrNameLst>
+                                          <p:attrName>style.visibility</p:attrName>
+                                        </p:attrNameLst>
+                                      </p:cBhvr>
+                                      <p:to>
+                                        <p:strVal val="visible"/>
+                                      </p:to>
+                                    </p:set>
+                                  </p:childTnLst>
+                                </p:cTn>
+                              </p:par>
+                              <p:par>
+                                <p:cTn id="9" presetID="1" presetClass="entr" presetSubtype="0" fill="hold" nodeType="withEffect">
+                                  <p:stCondLst>
+                                    <p:cond delay="0"/>
+                                  </p:stCondLst>
+                                  <p:childTnLst>
+                                    <p:set>
+                                      <p:cBhvr>
+                                        <p:cTn id="10" dur="1" fill="hold">
+                                          <p:stCondLst>
+                                            <p:cond delay="0"/>
+                                          </p:stCondLst>
+                                        </p:cTn>
+                                        <p:tgtEl>
+                                          <p:spTgt spid="4"/>
+                                        </p:tgtEl>
+                                        <p:attrNameLst>
+                                          <p:attrName>style.visibility</p:attrName>
+                                        </p:attrNameLst>
+                                      </p:cBhvr>
+                                      <p:to>
+                                        <p:strVal val="visible"/>
+                                      </p:to>
+                                    </p:set>
+                                  </p:childTnLst>
+                                </p:cTn>
+                              </p:par>
+                            </p:childTnLst>
+                          </p:cTn>
+                        </p:par>
+                      </p:childTnLst>
+                    </p:cTn>
+                  </p:par>
+                  <p:par>
+                    <p:cTn id="11" fill="hold">
+                      <p:stCondLst>
+                        <p:cond delay="indefinite"/>
+                      </p:stCondLst>
+                      <p:childTnLst>
+                        <p:par>
+                          <p:cTn id="12" fill="hold">
+                            <p:stCondLst>
+                              <p:cond delay="0"/>
+                            </p:stCondLst>
+                            <p:childTnLst>
+                              <p:par>
+                                <p:cTn id="13" presetID="1" presetClass="entr" presetSubtype="0" fill="hold" nodeType="clickEffect">
+                                  <p:stCondLst>
+                                    <p:cond delay="0"/>
+                                  </p:stCondLst>
+                                  <p:childTnLst>
+                                    <p:set>
+                                      <p:cBhvr>
+                                        <p:cTn id="14" dur="1" fill="hold">
+                                          <p:stCondLst>
+                                            <p:cond delay="0"/>
+                                          </p:stCondLst>
+                                        </p:cTn>
+                                        <p:tgtEl>
+                                          <p:spTgt spid="3">
+                                            <p:txEl>
+                                              <p:pRg st="4" end="4"/>
+                                            </p:txEl>
+                                          </p:spTgt>
+                                        </p:tgtEl>
+                                        <p:attrNameLst>
+                                          <p:attrName>style.visibility</p:attrName>
+                                        </p:attrNameLst>
+                                      </p:cBhvr>
+                                      <p:to>
+                                        <p:strVal val="visible"/>
+                                      </p:to>
+                                    </p:set>
+                                  </p:childTnLst>
+                                </p:cTn>
+                              </p:par>
+                              <p:par>
+                                <p:cTn id="15" presetID="1" presetClass="entr" presetSubtype="0" fill="hold" nodeType="withEffect">
+                                  <p:stCondLst>
+                                    <p:cond delay="0"/>
+                                  </p:stCondLst>
+                                  <p:childTnLst>
+                                    <p:set>
+                                      <p:cBhvr>
+                                        <p:cTn id="16" dur="1" fill="hold">
+                                          <p:stCondLst>
+                                            <p:cond delay="0"/>
+                                          </p:stCondLst>
+                                        </p:cTn>
+                                        <p:tgtEl>
+                                          <p:spTgt spid="3">
+                                            <p:txEl>
+                                              <p:pRg st="5" end="5"/>
+                                            </p:txEl>
+                                          </p:spTgt>
+                                        </p:tgtEl>
+                                        <p:attrNameLst>
+                                          <p:attrName>style.visibility</p:attrName>
+                                        </p:attrNameLst>
+                                      </p:cBhvr>
+                                      <p:to>
+                                        <p:strVal val="visible"/>
+                                      </p:to>
+                                    </p:set>
+                                  </p:childTnLst>
+                                </p:cTn>
+                              </p:par>
+                              <p:par>
+                                <p:cTn id="17" presetID="1" presetClass="entr" presetSubtype="0" fill="hold" nodeType="withEffect">
+                                  <p:stCondLst>
+                                    <p:cond delay="0"/>
+                                  </p:stCondLst>
+                                  <p:childTnLst>
+                                    <p:set>
+                                      <p:cBhvr>
+                                        <p:cTn id="18" dur="1" fill="hold">
+                                          <p:stCondLst>
+                                            <p:cond delay="0"/>
+                                          </p:stCondLst>
+                                        </p:cTn>
+                                        <p:tgtEl>
+                                          <p:spTgt spid="3">
+                                            <p:txEl>
+                                              <p:pRg st="6" end="6"/>
+                                            </p:txEl>
+                                          </p:spTgt>
+                                        </p:tgtEl>
+                                        <p:attrNameLst>
+                                          <p:attrName>style.visibility</p:attrName>
+                                        </p:attrNameLst>
+                                      </p:cBhvr>
+                                      <p:to>
+                                        <p:strVal val="visible"/>
+                                      </p:to>
+                                    </p:set>
+                                  </p:childTnLst>
+                                </p:cTn>
+                              </p:par>
+                              <p:par>
+                                <p:cTn id="19" presetID="1" presetClass="entr" presetSubtype="0" fill="hold" nodeType="withEffect">
+                                  <p:stCondLst>
+                                    <p:cond delay="0"/>
+                                  </p:stCondLst>
+                                  <p:childTnLst>
+                                    <p:set>
+                                      <p:cBhvr>
+                                        <p:cTn id="20" dur="1" fill="hold">
+                                          <p:stCondLst>
+                                            <p:cond delay="0"/>
+                                          </p:stCondLst>
+                                        </p:cTn>
+                                        <p:tgtEl>
+                                          <p:spTgt spid="3">
+                                            <p:txEl>
+                                              <p:pRg st="7" end="7"/>
+                                            </p:txEl>
+                                          </p:spTgt>
+                                        </p:tgtEl>
+                                        <p:attrNameLst>
+                                          <p:attrName>style.visibility</p:attrName>
+                                        </p:attrNameLst>
+                                      </p:cBhvr>
+                                      <p:to>
+                                        <p:strVal val="visible"/>
+                                      </p:to>
+                                    </p:set>
+                                  </p:childTnLst>
+                                </p:cTn>
+                              </p:par>
+                              <p:par>
+                                <p:cTn id="21" presetID="1" presetClass="entr" presetSubtype="0" fill="hold" nodeType="withEffect">
+                                  <p:stCondLst>
+                                    <p:cond delay="0"/>
+                                  </p:stCondLst>
+                                  <p:childTnLst>
+                                    <p:set>
+                                      <p:cBhvr>
+                                        <p:cTn id="22" dur="1" fill="hold">
+                                          <p:stCondLst>
+                                            <p:cond delay="0"/>
+                                          </p:stCondLst>
+                                        </p:cTn>
+                                        <p:tgtEl>
+                                          <p:spTgt spid="6"/>
+                                        </p:tgtEl>
+                                        <p:attrNameLst>
+                                          <p:attrName>style.visibility</p:attrName>
+                                        </p:attrNameLst>
+                                      </p:cBhvr>
+                                      <p:to>
+                                        <p:strVal val="visible"/>
+                                      </p:to>
+                                    </p:set>
+                                  </p:childTnLst>
+                                </p:cTn>
+                              </p:par>
+                            </p:childTnLst>
+                          </p:cTn>
+                        </p:par>
+                      </p:childTnLst>
+                    </p:cTn>
+                  </p:par>
+                  <p:par>
+                    <p:cTn id="23" fill="hold">
+                      <p:stCondLst>
+                        <p:cond delay="indefinite"/>
+                      </p:stCondLst>
+                      <p:childTnLst>
+                        <p:par>
+                          <p:cTn id="24" fill="hold">
+                            <p:stCondLst>
+                              <p:cond delay="0"/>
+                            </p:stCondLst>
+                            <p:childTnLst>
+                              <p:par>
+                                <p:cTn id="25" presetID="1" presetClass="entr" presetSubtype="0" fill="hold" nodeType="clickEffect">
+                                  <p:stCondLst>
+                                    <p:cond delay="0"/>
+                                  </p:stCondLst>
+                                  <p:childTnLst>
+                                    <p:set>
+                                      <p:cBhvr>
+                                        <p:cTn id="26" dur="1" fill="hold">
+                                          <p:stCondLst>
+                                            <p:cond delay="0"/>
+                                          </p:stCondLst>
+                                        </p:cTn>
+                                        <p:tgtEl>
+                                          <p:spTgt spid="3">
+                                            <p:txEl>
+                                              <p:pRg st="9" end="9"/>
+                                            </p:txEl>
+                                          </p:spTgt>
+                                        </p:tgtEl>
+                                        <p:attrNameLst>
+                                          <p:attrName>style.visibility</p:attrName>
+                                        </p:attrNameLst>
+                                      </p:cBhvr>
+                                      <p:to>
+                                        <p:strVal val="visible"/>
+                                      </p:to>
+                                    </p:set>
+                                  </p:childTnLst>
+                                </p:cTn>
+                              </p:par>
+                              <p:par>
+                                <p:cTn id="27" presetID="1" presetClass="entr" presetSubtype="0" fill="hold" nodeType="withEffect">
+                                  <p:stCondLst>
+                                    <p:cond delay="0"/>
+                                  </p:stCondLst>
+                                  <p:childTnLst>
+                                    <p:set>
+                                      <p:cBhvr>
+                                        <p:cTn id="28" dur="1" fill="hold">
+                                          <p:stCondLst>
+                                            <p:cond delay="0"/>
+                                          </p:stCondLst>
+                                        </p:cTn>
+                                        <p:tgtEl>
+                                          <p:spTgt spid="3">
+                                            <p:txEl>
+                                              <p:pRg st="10" end="10"/>
+                                            </p:txEl>
+                                          </p:spTgt>
+                                        </p:tgtEl>
+                                        <p:attrNameLst>
+                                          <p:attrName>style.visibility</p:attrName>
+                                        </p:attrNameLst>
+                                      </p:cBhvr>
+                                      <p:to>
+                                        <p:strVal val="visible"/>
+                                      </p:to>
+                                    </p:set>
+                                  </p:childTnLst>
+                                </p:cTn>
+                              </p:par>
+                              <p:par>
+                                <p:cTn id="29" presetID="1" presetClass="entr" presetSubtype="0" fill="hold" nodeType="withEffect">
+                                  <p:stCondLst>
+                                    <p:cond delay="0"/>
+                                  </p:stCondLst>
+                                  <p:childTnLst>
+                                    <p:set>
+                                      <p:cBhvr>
+                                        <p:cTn id="30" dur="1" fill="hold">
+                                          <p:stCondLst>
+                                            <p:cond delay="0"/>
+                                          </p:stCondLst>
+                                        </p:cTn>
+                                        <p:tgtEl>
+                                          <p:spTgt spid="3">
+                                            <p:txEl>
+                                              <p:pRg st="11" end="11"/>
+                                            </p:txEl>
+                                          </p:spTgt>
+                                        </p:tgtEl>
+                                        <p:attrNameLst>
+                                          <p:attrName>style.visibility</p:attrName>
+                                        </p:attrNameLst>
+                                      </p:cBhvr>
+                                      <p:to>
+                                        <p:strVal val="visible"/>
+                                      </p:to>
+                                    </p:set>
+                                  </p:childTnLst>
+                                </p:cTn>
+                              </p:par>
+                              <p:par>
+                                <p:cTn id="31" presetID="1" presetClass="entr" presetSubtype="0" fill="hold" nodeType="withEffect">
+                                  <p:stCondLst>
+                                    <p:cond delay="0"/>
+                                  </p:stCondLst>
+                                  <p:childTnLst>
+                                    <p:set>
+                                      <p:cBhvr>
+                                        <p:cTn id="32" dur="1" fill="hold">
+                                          <p:stCondLst>
+                                            <p:cond delay="0"/>
+                                          </p:stCondLst>
+                                        </p:cTn>
+                                        <p:tgtEl>
+                                          <p:spTgt spid="3">
+                                            <p:txEl>
+                                              <p:pRg st="12" end="12"/>
+                                            </p:txEl>
+                                          </p:spTgt>
+                                        </p:tgtEl>
+                                        <p:attrNameLst>
+                                          <p:attrName>style.visibility</p:attrName>
+                                        </p:attrNameLst>
+                                      </p:cBhvr>
+                                      <p:to>
+                                        <p:strVal val="visible"/>
+                                      </p:to>
+                                    </p:set>
+                                  </p:childTnLst>
+                                </p:cTn>
+                              </p:par>
+                              <p:par>
+                                <p:cTn id="33" presetID="1" presetClass="entr" presetSubtype="0" fill="hold" nodeType="withEffect">
+                                  <p:stCondLst>
+                                    <p:cond delay="0"/>
+                                  </p:stCondLst>
+                                  <p:childTnLst>
+                                    <p:set>
+                                      <p:cBhvr>
+                                        <p:cTn id="34" dur="1" fill="hold">
+                                          <p:stCondLst>
+                                            <p:cond delay="0"/>
+                                          </p:stCondLst>
+                                        </p:cTn>
+                                        <p:tgtEl>
+                                          <p:spTgt spid="9"/>
+                                        </p:tgtEl>
+                                        <p:attrNameLst>
+                                          <p:attrName>style.visibility</p:attrName>
+                                        </p:attrNameLst>
+                                      </p:cBhvr>
+                                      <p:to>
+                                        <p:strVal val="visible"/>
+                                      </p:to>
+                                    </p:set>
+                                  </p:childTnLst>
+                                </p:cTn>
+                              </p:par>
+                            </p:childTnLst>
+                          </p:cTn>
+                        </p:par>
+                      </p:childTnLst>
+                    </p:cTn>
+                  </p:par>
+                </p:childTnLst>
+              </p:cTn>
+              <p:prevCondLst>
+                <p:cond evt="onPrev" delay="0">
+                  <p:tgtEl>
+                    <p:sldTgt/>
+                  </p:tgtEl>
+                </p:cond>
+              </p:prevCondLst>
+              <p:nextCondLst>
+                <p:cond evt="onNext" delay="0">
+                  <p:tgtEl>
+                    <p:sldTgt/>
+                  </p:tgtEl>
+                </p:cond>
+              </p:nextCondLst>
+            </p:seq>
+          </p:childTnLst>
+        </p:cTn>
+      </p:par>
+    </p:tnLst>
+  </p:timing>
+</p:sld>
+</file>
+
+<file path=ppt/slides/slide2.xml><?xml version="1.0" encoding="utf-8"?>
+<p:sld xmlns:a="http://schemas.openxmlformats.org/drawingml/2006/main" xmlns:r="http://schemas.openxmlformats.org/officeDocument/2006/relationships" xmlns:p="http://schemas.openxmlformats.org/presentationml/2006/main">
+  <p:cSld>
+    <p:spTree>
+      <p:nvGrpSpPr>
+        <p:cNvPr id="1" name=""/>
+        <p:cNvGrpSpPr/>
+        <p:nvPr/>
+      </p:nvGrpSpPr>
+      <p:grpSpPr>
+        <a:xfrm>
+          <a:off x="0" y="0"/>
+          <a:ext cx="0" cy="0"/>
+          <a:chOff x="0" y="0"/>
+          <a:chExt cx="0" cy="0"/>
+        </a:xfrm>
+      </p:grpSpPr>
+      <p:sp>
+        <p:nvSpPr>
+          <p:cNvPr id="2" name="Title 1">
+            <a:extLst>
+              <a:ext uri="{FF2B5EF4-FFF2-40B4-BE49-F238E27FC236}">
+                <a16:creationId xmlns:a16="http://schemas.microsoft.com/office/drawing/2014/main" id="{A4B4FF59-42FA-D7A9-0F27-7F566A3A5A48}"/>
+              </a:ext>
+            </a:extLst>
+          </p:cNvPr>
+          <p:cNvSpPr>
+            <a:spLocks noGrp="1"/>
+          </p:cNvSpPr>
+          <p:nvPr>
+            <p:ph type="title"/>
+          </p:nvPr>
+        </p:nvSpPr>
+        <p:spPr/>
+        <p:txBody>
+          <a:bodyPr/>
+          <a:lstStyle/>
+          <a:p>
+            <a:r>
+              <a:rPr lang="de-DE" sz="4400" dirty="0">
+                <a:latin typeface="Calibri" panose="020F0502020204030204" pitchFamily="34" charset="0"/>
+                <a:ea typeface="Calibri" panose="020F0502020204030204" pitchFamily="34" charset="0"/>
+              </a:rPr>
+              <a:t>H3drv homework - agenda</a:t>
+            </a:r>
+            <a:endParaRPr lang="en-DE" dirty="0"/>
+          </a:p>
+        </p:txBody>
+      </p:sp>
+      <p:sp>
+        <p:nvSpPr>
+          <p:cNvPr id="3" name="Content Placeholder 2">
+            <a:extLst>
+              <a:ext uri="{FF2B5EF4-FFF2-40B4-BE49-F238E27FC236}">
+                <a16:creationId xmlns:a16="http://schemas.microsoft.com/office/drawing/2014/main" id="{750AE634-05CD-565F-E962-7EBEBF0C27F3}"/>
+              </a:ext>
+            </a:extLst>
+          </p:cNvPr>
+          <p:cNvSpPr>
+            <a:spLocks noGrp="1"/>
+          </p:cNvSpPr>
+          <p:nvPr>
+            <p:ph sz="quarter" idx="13"/>
+          </p:nvPr>
+        </p:nvSpPr>
+        <p:spPr/>
+        <p:txBody>
+          <a:bodyPr/>
+          <a:lstStyle/>
+          <a:p>
+            <a:r>
+              <a:rPr lang="en-US" dirty="0"/>
+              <a:t>Goal</a:t>
+            </a:r>
+          </a:p>
+          <a:p>
+            <a:r>
+              <a:rPr lang="en-US" dirty="0"/>
+              <a:t>Setup</a:t>
+            </a:r>
+          </a:p>
+          <a:p>
+            <a:r>
+              <a:rPr lang="en-US" dirty="0"/>
+              <a:t>Theory</a:t>
+            </a:r>
+          </a:p>
+          <a:p>
+            <a:r>
+              <a:rPr lang="en-US" dirty="0"/>
+              <a:t>MCC-H3 </a:t>
+            </a:r>
+            <a:r>
+              <a:rPr lang="en-US" dirty="0" err="1"/>
+              <a:t>prj</a:t>
+            </a:r>
+            <a:endParaRPr lang="en-US" dirty="0"/>
+          </a:p>
+          <a:p>
+            <a:r>
+              <a:rPr lang="en-US" dirty="0"/>
+              <a:t>Findings</a:t>
+            </a:r>
+          </a:p>
+          <a:p>
+            <a:endParaRPr lang="en-US" dirty="0"/>
+          </a:p>
+          <a:p>
+            <a:endParaRPr lang="en-US" dirty="0"/>
+          </a:p>
+          <a:p>
+            <a:endParaRPr lang="en-US" dirty="0"/>
+          </a:p>
+          <a:p>
+            <a:pPr marL="285750" indent="-285750">
+              <a:buFont typeface="Arial" panose="020B0604020202020204" pitchFamily="34" charset="0"/>
+              <a:buChar char="•"/>
+            </a:pPr>
+            <a:r>
+              <a:rPr lang="en-US" sz="2000" b="0" dirty="0"/>
+              <a:t>Authors </a:t>
+            </a:r>
+          </a:p>
+          <a:p>
+            <a:pPr lvl="1"/>
+            <a:r>
+              <a:rPr lang="en-US" sz="2000" b="0" dirty="0">
+                <a:hlinkClick r:id="rId2"/>
+              </a:rPr>
+              <a:t>reiner.zieglmeier@microchip.com</a:t>
+            </a:r>
+            <a:endParaRPr lang="en-US" sz="2000" dirty="0"/>
+          </a:p>
+          <a:p>
+            <a:pPr lvl="1"/>
+            <a:r>
+              <a:rPr lang="en-US" sz="2000" b="0" dirty="0">
+                <a:hlinkClick r:id="rId3"/>
+              </a:rPr>
+              <a:t>stefan.luethin@microchip.com</a:t>
+            </a:r>
+            <a:endParaRPr lang="en-US" dirty="0"/>
+          </a:p>
+          <a:p>
+            <a:endParaRPr lang="en-US" sz="2400" b="0" dirty="0"/>
+          </a:p>
+          <a:p>
+            <a:endParaRPr lang="en-US" sz="2400" b="0" dirty="0"/>
+          </a:p>
+          <a:p>
+            <a:endParaRPr lang="en-DE" dirty="0"/>
+          </a:p>
+        </p:txBody>
+      </p:sp>
+    </p:spTree>
+    <p:extLst>
+      <p:ext uri="{BB962C8B-B14F-4D97-AF65-F5344CB8AC3E}">
+        <p14:creationId xmlns:p14="http://schemas.microsoft.com/office/powerpoint/2010/main" val="894259822"/>
+      </p:ext>
+    </p:extLst>
+  </p:cSld>
+  <p:clrMapOvr>
+    <a:masterClrMapping/>
+  </p:clrMapOvr>
+</p:sld>
+</file>
+
+<file path=ppt/slides/slide20.xml><?xml version="1.0" encoding="utf-8"?>
+<p:sld xmlns:a="http://schemas.openxmlformats.org/drawingml/2006/main" xmlns:r="http://schemas.openxmlformats.org/officeDocument/2006/relationships" xmlns:p="http://schemas.openxmlformats.org/presentationml/2006/main">
+  <p:cSld>
+    <p:spTree>
+      <p:nvGrpSpPr>
+        <p:cNvPr id="1" name=""/>
+        <p:cNvGrpSpPr/>
+        <p:nvPr/>
+      </p:nvGrpSpPr>
+      <p:grpSpPr>
+        <a:xfrm>
+          <a:off x="0" y="0"/>
+          <a:ext cx="0" cy="0"/>
+          <a:chOff x="0" y="0"/>
+          <a:chExt cx="0" cy="0"/>
+        </a:xfrm>
+      </p:grpSpPr>
+      <p:sp>
+        <p:nvSpPr>
           <p:cNvPr id="3" name="Content Placeholder 2">
             <a:extLst>
               <a:ext uri="{FF2B5EF4-FFF2-40B4-BE49-F238E27FC236}">
@@ -9516,16 +12232,88 @@
           <a:p>
             <a:r>
               <a:rPr lang="en-US" sz="2400" b="0" dirty="0"/>
-              <a:t>Findings</a:t>
+              <a:t>Findings part1: </a:t>
+            </a:r>
+            <a:r>
+              <a:rPr lang="en-US" sz="2400" b="0" dirty="0" err="1"/>
+              <a:t>touchClick</a:t>
+            </a:r>
+            <a:r>
+              <a:rPr lang="en-US" sz="2400" b="0" dirty="0"/>
+              <a:t> (continued)</a:t>
             </a:r>
           </a:p>
           <a:p>
             <a:pPr lvl="1"/>
             <a:r>
-              <a:rPr lang="en-US" sz="2000" b="0" dirty="0"/>
-              <a:t>F1: …</a:t>
-            </a:r>
-            <a:endParaRPr lang="en-US" sz="2400" b="0" dirty="0"/>
+              <a:rPr lang="en-US" sz="2000" dirty="0"/>
+              <a:t>Default settings ‘File Handling’ deletes you app*.c/h</a:t>
+            </a:r>
+            <a:br>
+              <a:rPr lang="en-US" sz="2000" dirty="0"/>
+            </a:br>
+            <a:r>
+              <a:rPr lang="en-US" sz="2000" dirty="0"/>
+              <a:t>-&gt;not clear yet </a:t>
+            </a:r>
+            <a:r>
+              <a:rPr lang="en-US" sz="2000" dirty="0" err="1"/>
+              <a:t>why,when</a:t>
+            </a:r>
+            <a:r>
+              <a:rPr lang="en-US" sz="2000" dirty="0"/>
+              <a:t>..</a:t>
+            </a:r>
+          </a:p>
+          <a:p>
+            <a:pPr lvl="1"/>
+            <a:endParaRPr lang="en-US" sz="2000" dirty="0"/>
+          </a:p>
+          <a:p>
+            <a:pPr lvl="1"/>
+            <a:endParaRPr lang="en-US" sz="2000" b="0" dirty="0"/>
+          </a:p>
+          <a:p>
+            <a:pPr lvl="1"/>
+            <a:r>
+              <a:rPr lang="en-US" sz="2000" dirty="0"/>
+              <a:t>MCC-H3 confusing tool structure – </a:t>
+            </a:r>
+            <a:r>
+              <a:rPr lang="en-US" sz="2000" dirty="0" err="1"/>
+              <a:t>eg</a:t>
+            </a:r>
+            <a:r>
+              <a:rPr lang="en-US" sz="2000" dirty="0"/>
+              <a:t>:</a:t>
+            </a:r>
+          </a:p>
+          <a:p>
+            <a:pPr lvl="2"/>
+            <a:r>
+              <a:rPr lang="en-US" sz="1600" b="0" dirty="0"/>
+              <a:t>Start/stop MCC-H3 from three different places</a:t>
+            </a:r>
+          </a:p>
+          <a:p>
+            <a:pPr lvl="2"/>
+            <a:endParaRPr lang="en-US" sz="1600" dirty="0"/>
+          </a:p>
+          <a:p>
+            <a:pPr lvl="2"/>
+            <a:r>
+              <a:rPr lang="en-US" sz="1600" dirty="0"/>
+              <a:t>H3-addOn-managers (where are they?)</a:t>
+            </a:r>
+            <a:endParaRPr lang="en-US" sz="1200" dirty="0"/>
+          </a:p>
+          <a:p>
+            <a:pPr lvl="2"/>
+            <a:endParaRPr lang="en-US" sz="1600" b="0" dirty="0"/>
+          </a:p>
+          <a:p>
+            <a:pPr lvl="1"/>
+            <a:endParaRPr lang="en-US" sz="2000" b="0" dirty="0"/>
           </a:p>
         </p:txBody>
       </p:sp>
@@ -9611,10 +12399,724 @@
           </a:p>
         </p:txBody>
       </p:sp>
+      <p:pic>
+        <p:nvPicPr>
+          <p:cNvPr id="7" name="Picture 6">
+            <a:extLst>
+              <a:ext uri="{FF2B5EF4-FFF2-40B4-BE49-F238E27FC236}">
+                <a16:creationId xmlns:a16="http://schemas.microsoft.com/office/drawing/2014/main" id="{5CBA51E4-7DD5-FEEB-D6F4-F37A89F12784}"/>
+              </a:ext>
+            </a:extLst>
+          </p:cNvPr>
+          <p:cNvPicPr>
+            <a:picLocks noChangeAspect="1"/>
+          </p:cNvPicPr>
+          <p:nvPr/>
+        </p:nvPicPr>
+        <p:blipFill>
+          <a:blip r:embed="rId2"/>
+          <a:stretch>
+            <a:fillRect/>
+          </a:stretch>
+        </p:blipFill>
+        <p:spPr>
+          <a:xfrm>
+            <a:off x="6952389" y="254834"/>
+            <a:ext cx="3562123" cy="2012499"/>
+          </a:xfrm>
+          <a:prstGeom prst="rect">
+            <a:avLst/>
+          </a:prstGeom>
+          <a:ln>
+            <a:solidFill>
+              <a:schemeClr val="tx1"/>
+            </a:solidFill>
+          </a:ln>
+        </p:spPr>
+      </p:pic>
+      <p:pic>
+        <p:nvPicPr>
+          <p:cNvPr id="8" name="Picture 7">
+            <a:extLst>
+              <a:ext uri="{FF2B5EF4-FFF2-40B4-BE49-F238E27FC236}">
+                <a16:creationId xmlns:a16="http://schemas.microsoft.com/office/drawing/2014/main" id="{353DB1A3-0682-3669-38A3-BC21C012689D}"/>
+              </a:ext>
+            </a:extLst>
+          </p:cNvPr>
+          <p:cNvPicPr>
+            <a:picLocks noChangeAspect="1"/>
+          </p:cNvPicPr>
+          <p:nvPr/>
+        </p:nvPicPr>
+        <p:blipFill>
+          <a:blip r:embed="rId3"/>
+          <a:stretch>
+            <a:fillRect/>
+          </a:stretch>
+        </p:blipFill>
+        <p:spPr>
+          <a:xfrm>
+            <a:off x="5662667" y="2437464"/>
+            <a:ext cx="4623447" cy="2362664"/>
+          </a:xfrm>
+          <a:prstGeom prst="rect">
+            <a:avLst/>
+          </a:prstGeom>
+          <a:ln>
+            <a:solidFill>
+              <a:schemeClr val="tx1"/>
+            </a:solidFill>
+          </a:ln>
+        </p:spPr>
+      </p:pic>
+      <p:pic>
+        <p:nvPicPr>
+          <p:cNvPr id="10" name="Picture 9">
+            <a:extLst>
+              <a:ext uri="{FF2B5EF4-FFF2-40B4-BE49-F238E27FC236}">
+                <a16:creationId xmlns:a16="http://schemas.microsoft.com/office/drawing/2014/main" id="{C99C969E-EB99-DF11-9A97-9751C062070D}"/>
+              </a:ext>
+            </a:extLst>
+          </p:cNvPr>
+          <p:cNvPicPr>
+            <a:picLocks noChangeAspect="1"/>
+          </p:cNvPicPr>
+          <p:nvPr/>
+        </p:nvPicPr>
+        <p:blipFill>
+          <a:blip r:embed="rId4"/>
+          <a:stretch>
+            <a:fillRect/>
+          </a:stretch>
+        </p:blipFill>
+        <p:spPr>
+          <a:xfrm>
+            <a:off x="5494382" y="5102590"/>
+            <a:ext cx="6326780" cy="1477858"/>
+          </a:xfrm>
+          <a:prstGeom prst="rect">
+            <a:avLst/>
+          </a:prstGeom>
+          <a:ln>
+            <a:solidFill>
+              <a:schemeClr val="tx1"/>
+            </a:solidFill>
+          </a:ln>
+        </p:spPr>
+      </p:pic>
+      <p:pic>
+        <p:nvPicPr>
+          <p:cNvPr id="11" name="Picture 10">
+            <a:extLst>
+              <a:ext uri="{FF2B5EF4-FFF2-40B4-BE49-F238E27FC236}">
+                <a16:creationId xmlns:a16="http://schemas.microsoft.com/office/drawing/2014/main" id="{97427156-31A3-3DC6-9A4D-527DD480283B}"/>
+              </a:ext>
+            </a:extLst>
+          </p:cNvPr>
+          <p:cNvPicPr>
+            <a:picLocks noChangeAspect="1"/>
+          </p:cNvPicPr>
+          <p:nvPr/>
+        </p:nvPicPr>
+        <p:blipFill>
+          <a:blip r:embed="rId5"/>
+          <a:stretch>
+            <a:fillRect/>
+          </a:stretch>
+        </p:blipFill>
+        <p:spPr>
+          <a:xfrm>
+            <a:off x="594915" y="4145611"/>
+            <a:ext cx="4738035" cy="2616093"/>
+          </a:xfrm>
+          <a:prstGeom prst="rect">
+            <a:avLst/>
+          </a:prstGeom>
+          <a:ln>
+            <a:solidFill>
+              <a:schemeClr val="tx1"/>
+            </a:solidFill>
+          </a:ln>
+        </p:spPr>
+      </p:pic>
     </p:spTree>
     <p:extLst>
       <p:ext uri="{BB962C8B-B14F-4D97-AF65-F5344CB8AC3E}">
-        <p14:creationId xmlns:p14="http://schemas.microsoft.com/office/powerpoint/2010/main" val="3272825431"/>
+        <p14:creationId xmlns:p14="http://schemas.microsoft.com/office/powerpoint/2010/main" val="314787595"/>
+      </p:ext>
+    </p:extLst>
+  </p:cSld>
+  <p:clrMapOvr>
+    <a:masterClrMapping/>
+  </p:clrMapOvr>
+  <p:timing>
+    <p:tnLst>
+      <p:par>
+        <p:cTn id="1" dur="indefinite" restart="never" nodeType="tmRoot">
+          <p:childTnLst>
+            <p:seq concurrent="1" nextAc="seek">
+              <p:cTn id="2" dur="indefinite" nodeType="mainSeq">
+                <p:childTnLst>
+                  <p:par>
+                    <p:cTn id="3" fill="hold">
+                      <p:stCondLst>
+                        <p:cond delay="indefinite"/>
+                      </p:stCondLst>
+                      <p:childTnLst>
+                        <p:par>
+                          <p:cTn id="4" fill="hold">
+                            <p:stCondLst>
+                              <p:cond delay="0"/>
+                            </p:stCondLst>
+                            <p:childTnLst>
+                              <p:par>
+                                <p:cTn id="5" presetID="1" presetClass="entr" presetSubtype="0" fill="hold" nodeType="clickEffect">
+                                  <p:stCondLst>
+                                    <p:cond delay="0"/>
+                                  </p:stCondLst>
+                                  <p:childTnLst>
+                                    <p:set>
+                                      <p:cBhvr>
+                                        <p:cTn id="6" dur="1" fill="hold">
+                                          <p:stCondLst>
+                                            <p:cond delay="0"/>
+                                          </p:stCondLst>
+                                        </p:cTn>
+                                        <p:tgtEl>
+                                          <p:spTgt spid="3">
+                                            <p:txEl>
+                                              <p:pRg st="1" end="1"/>
+                                            </p:txEl>
+                                          </p:spTgt>
+                                        </p:tgtEl>
+                                        <p:attrNameLst>
+                                          <p:attrName>style.visibility</p:attrName>
+                                        </p:attrNameLst>
+                                      </p:cBhvr>
+                                      <p:to>
+                                        <p:strVal val="visible"/>
+                                      </p:to>
+                                    </p:set>
+                                  </p:childTnLst>
+                                </p:cTn>
+                              </p:par>
+                              <p:par>
+                                <p:cTn id="7" presetID="1" presetClass="entr" presetSubtype="0" fill="hold" nodeType="withEffect">
+                                  <p:stCondLst>
+                                    <p:cond delay="0"/>
+                                  </p:stCondLst>
+                                  <p:childTnLst>
+                                    <p:set>
+                                      <p:cBhvr>
+                                        <p:cTn id="8" dur="1" fill="hold">
+                                          <p:stCondLst>
+                                            <p:cond delay="0"/>
+                                          </p:stCondLst>
+                                        </p:cTn>
+                                        <p:tgtEl>
+                                          <p:spTgt spid="7"/>
+                                        </p:tgtEl>
+                                        <p:attrNameLst>
+                                          <p:attrName>style.visibility</p:attrName>
+                                        </p:attrNameLst>
+                                      </p:cBhvr>
+                                      <p:to>
+                                        <p:strVal val="visible"/>
+                                      </p:to>
+                                    </p:set>
+                                  </p:childTnLst>
+                                </p:cTn>
+                              </p:par>
+                            </p:childTnLst>
+                          </p:cTn>
+                        </p:par>
+                      </p:childTnLst>
+                    </p:cTn>
+                  </p:par>
+                  <p:par>
+                    <p:cTn id="9" fill="hold">
+                      <p:stCondLst>
+                        <p:cond delay="indefinite"/>
+                      </p:stCondLst>
+                      <p:childTnLst>
+                        <p:par>
+                          <p:cTn id="10" fill="hold">
+                            <p:stCondLst>
+                              <p:cond delay="0"/>
+                            </p:stCondLst>
+                            <p:childTnLst>
+                              <p:par>
+                                <p:cTn id="11" presetID="1" presetClass="entr" presetSubtype="0" fill="hold" nodeType="clickEffect">
+                                  <p:stCondLst>
+                                    <p:cond delay="0"/>
+                                  </p:stCondLst>
+                                  <p:childTnLst>
+                                    <p:set>
+                                      <p:cBhvr>
+                                        <p:cTn id="12" dur="1" fill="hold">
+                                          <p:stCondLst>
+                                            <p:cond delay="0"/>
+                                          </p:stCondLst>
+                                        </p:cTn>
+                                        <p:tgtEl>
+                                          <p:spTgt spid="3">
+                                            <p:txEl>
+                                              <p:pRg st="4" end="4"/>
+                                            </p:txEl>
+                                          </p:spTgt>
+                                        </p:tgtEl>
+                                        <p:attrNameLst>
+                                          <p:attrName>style.visibility</p:attrName>
+                                        </p:attrNameLst>
+                                      </p:cBhvr>
+                                      <p:to>
+                                        <p:strVal val="visible"/>
+                                      </p:to>
+                                    </p:set>
+                                  </p:childTnLst>
+                                </p:cTn>
+                              </p:par>
+                              <p:par>
+                                <p:cTn id="13" presetID="1" presetClass="entr" presetSubtype="0" fill="hold" nodeType="withEffect">
+                                  <p:stCondLst>
+                                    <p:cond delay="0"/>
+                                  </p:stCondLst>
+                                  <p:childTnLst>
+                                    <p:set>
+                                      <p:cBhvr>
+                                        <p:cTn id="14" dur="1" fill="hold">
+                                          <p:stCondLst>
+                                            <p:cond delay="0"/>
+                                          </p:stCondLst>
+                                        </p:cTn>
+                                        <p:tgtEl>
+                                          <p:spTgt spid="3">
+                                            <p:txEl>
+                                              <p:pRg st="5" end="5"/>
+                                            </p:txEl>
+                                          </p:spTgt>
+                                        </p:tgtEl>
+                                        <p:attrNameLst>
+                                          <p:attrName>style.visibility</p:attrName>
+                                        </p:attrNameLst>
+                                      </p:cBhvr>
+                                      <p:to>
+                                        <p:strVal val="visible"/>
+                                      </p:to>
+                                    </p:set>
+                                  </p:childTnLst>
+                                </p:cTn>
+                              </p:par>
+                              <p:par>
+                                <p:cTn id="15" presetID="1" presetClass="entr" presetSubtype="0" fill="hold" nodeType="withEffect">
+                                  <p:stCondLst>
+                                    <p:cond delay="0"/>
+                                  </p:stCondLst>
+                                  <p:childTnLst>
+                                    <p:set>
+                                      <p:cBhvr>
+                                        <p:cTn id="16" dur="1" fill="hold">
+                                          <p:stCondLst>
+                                            <p:cond delay="0"/>
+                                          </p:stCondLst>
+                                        </p:cTn>
+                                        <p:tgtEl>
+                                          <p:spTgt spid="8"/>
+                                        </p:tgtEl>
+                                        <p:attrNameLst>
+                                          <p:attrName>style.visibility</p:attrName>
+                                        </p:attrNameLst>
+                                      </p:cBhvr>
+                                      <p:to>
+                                        <p:strVal val="visible"/>
+                                      </p:to>
+                                    </p:set>
+                                  </p:childTnLst>
+                                </p:cTn>
+                              </p:par>
+                            </p:childTnLst>
+                          </p:cTn>
+                        </p:par>
+                      </p:childTnLst>
+                    </p:cTn>
+                  </p:par>
+                  <p:par>
+                    <p:cTn id="17" fill="hold">
+                      <p:stCondLst>
+                        <p:cond delay="indefinite"/>
+                      </p:stCondLst>
+                      <p:childTnLst>
+                        <p:par>
+                          <p:cTn id="18" fill="hold">
+                            <p:stCondLst>
+                              <p:cond delay="0"/>
+                            </p:stCondLst>
+                            <p:childTnLst>
+                              <p:par>
+                                <p:cTn id="19" presetID="1" presetClass="entr" presetSubtype="0" fill="hold" nodeType="clickEffect">
+                                  <p:stCondLst>
+                                    <p:cond delay="0"/>
+                                  </p:stCondLst>
+                                  <p:childTnLst>
+                                    <p:set>
+                                      <p:cBhvr>
+                                        <p:cTn id="20" dur="1" fill="hold">
+                                          <p:stCondLst>
+                                            <p:cond delay="0"/>
+                                          </p:stCondLst>
+                                        </p:cTn>
+                                        <p:tgtEl>
+                                          <p:spTgt spid="3">
+                                            <p:txEl>
+                                              <p:pRg st="7" end="7"/>
+                                            </p:txEl>
+                                          </p:spTgt>
+                                        </p:tgtEl>
+                                        <p:attrNameLst>
+                                          <p:attrName>style.visibility</p:attrName>
+                                        </p:attrNameLst>
+                                      </p:cBhvr>
+                                      <p:to>
+                                        <p:strVal val="visible"/>
+                                      </p:to>
+                                    </p:set>
+                                  </p:childTnLst>
+                                </p:cTn>
+                              </p:par>
+                              <p:par>
+                                <p:cTn id="21" presetID="1" presetClass="entr" presetSubtype="0" fill="hold" nodeType="withEffect">
+                                  <p:stCondLst>
+                                    <p:cond delay="0"/>
+                                  </p:stCondLst>
+                                  <p:childTnLst>
+                                    <p:set>
+                                      <p:cBhvr>
+                                        <p:cTn id="22" dur="1" fill="hold">
+                                          <p:stCondLst>
+                                            <p:cond delay="0"/>
+                                          </p:stCondLst>
+                                        </p:cTn>
+                                        <p:tgtEl>
+                                          <p:spTgt spid="11"/>
+                                        </p:tgtEl>
+                                        <p:attrNameLst>
+                                          <p:attrName>style.visibility</p:attrName>
+                                        </p:attrNameLst>
+                                      </p:cBhvr>
+                                      <p:to>
+                                        <p:strVal val="visible"/>
+                                      </p:to>
+                                    </p:set>
+                                  </p:childTnLst>
+                                </p:cTn>
+                              </p:par>
+                              <p:par>
+                                <p:cTn id="23" presetID="1" presetClass="entr" presetSubtype="0" fill="hold" nodeType="withEffect">
+                                  <p:stCondLst>
+                                    <p:cond delay="0"/>
+                                  </p:stCondLst>
+                                  <p:childTnLst>
+                                    <p:set>
+                                      <p:cBhvr>
+                                        <p:cTn id="24" dur="1" fill="hold">
+                                          <p:stCondLst>
+                                            <p:cond delay="0"/>
+                                          </p:stCondLst>
+                                        </p:cTn>
+                                        <p:tgtEl>
+                                          <p:spTgt spid="10"/>
+                                        </p:tgtEl>
+                                        <p:attrNameLst>
+                                          <p:attrName>style.visibility</p:attrName>
+                                        </p:attrNameLst>
+                                      </p:cBhvr>
+                                      <p:to>
+                                        <p:strVal val="visible"/>
+                                      </p:to>
+                                    </p:set>
+                                  </p:childTnLst>
+                                </p:cTn>
+                              </p:par>
+                            </p:childTnLst>
+                          </p:cTn>
+                        </p:par>
+                      </p:childTnLst>
+                    </p:cTn>
+                  </p:par>
+                </p:childTnLst>
+              </p:cTn>
+              <p:prevCondLst>
+                <p:cond evt="onPrev" delay="0">
+                  <p:tgtEl>
+                    <p:sldTgt/>
+                  </p:tgtEl>
+                </p:cond>
+              </p:prevCondLst>
+              <p:nextCondLst>
+                <p:cond evt="onNext" delay="0">
+                  <p:tgtEl>
+                    <p:sldTgt/>
+                  </p:tgtEl>
+                </p:cond>
+              </p:nextCondLst>
+            </p:seq>
+          </p:childTnLst>
+        </p:cTn>
+      </p:par>
+    </p:tnLst>
+  </p:timing>
+</p:sld>
+</file>
+
+<file path=ppt/slides/slide21.xml><?xml version="1.0" encoding="utf-8"?>
+<p:sld xmlns:a="http://schemas.openxmlformats.org/drawingml/2006/main" xmlns:r="http://schemas.openxmlformats.org/officeDocument/2006/relationships" xmlns:p="http://schemas.openxmlformats.org/presentationml/2006/main">
+  <p:cSld>
+    <p:spTree>
+      <p:nvGrpSpPr>
+        <p:cNvPr id="1" name=""/>
+        <p:cNvGrpSpPr/>
+        <p:nvPr/>
+      </p:nvGrpSpPr>
+      <p:grpSpPr>
+        <a:xfrm>
+          <a:off x="0" y="0"/>
+          <a:ext cx="0" cy="0"/>
+          <a:chOff x="0" y="0"/>
+          <a:chExt cx="0" cy="0"/>
+        </a:xfrm>
+      </p:grpSpPr>
+      <p:sp>
+        <p:nvSpPr>
+          <p:cNvPr id="3" name="Content Placeholder 2">
+            <a:extLst>
+              <a:ext uri="{FF2B5EF4-FFF2-40B4-BE49-F238E27FC236}">
+                <a16:creationId xmlns:a16="http://schemas.microsoft.com/office/drawing/2014/main" id="{750AE634-05CD-565F-E962-7EBEBF0C27F3}"/>
+              </a:ext>
+            </a:extLst>
+          </p:cNvPr>
+          <p:cNvSpPr>
+            <a:spLocks noGrp="1"/>
+          </p:cNvSpPr>
+          <p:nvPr>
+            <p:ph sz="quarter" idx="15"/>
+          </p:nvPr>
+        </p:nvSpPr>
+        <p:spPr>
+          <a:xfrm>
+            <a:off x="265198" y="1016481"/>
+            <a:ext cx="11400660" cy="4664076"/>
+          </a:xfrm>
+        </p:spPr>
+        <p:txBody>
+          <a:bodyPr>
+            <a:noAutofit/>
+          </a:bodyPr>
+          <a:lstStyle/>
+          <a:p>
+            <a:r>
+              <a:rPr lang="en-US" sz="2400" b="0" dirty="0"/>
+              <a:t>Findings part1: </a:t>
+            </a:r>
+            <a:r>
+              <a:rPr lang="en-US" sz="2400" b="0" dirty="0" err="1"/>
+              <a:t>touchClick</a:t>
+            </a:r>
+            <a:r>
+              <a:rPr lang="en-US" sz="2400" b="0" dirty="0"/>
+              <a:t> (continued)</a:t>
+            </a:r>
+          </a:p>
+          <a:p>
+            <a:pPr lvl="1"/>
+            <a:r>
+              <a:rPr lang="en-US" sz="2000" dirty="0"/>
+              <a:t>MCC-H3 confusing tool structure (continued)</a:t>
+            </a:r>
+          </a:p>
+          <a:p>
+            <a:pPr lvl="2"/>
+            <a:r>
+              <a:rPr lang="en-US" sz="1600" b="0" dirty="0"/>
+              <a:t>How to </a:t>
+            </a:r>
+            <a:r>
+              <a:rPr lang="en-US" sz="1600" b="0" dirty="0" err="1"/>
+              <a:t>generateCode</a:t>
+            </a:r>
+            <a:r>
+              <a:rPr lang="en-US" sz="1600" b="0" dirty="0"/>
+              <a:t>?</a:t>
+            </a:r>
+          </a:p>
+          <a:p>
+            <a:pPr lvl="1"/>
+            <a:endParaRPr lang="en-US" sz="2000" b="0" dirty="0"/>
+          </a:p>
+          <a:p>
+            <a:pPr lvl="1"/>
+            <a:r>
+              <a:rPr lang="en-US" sz="2000" b="0" dirty="0"/>
+              <a:t>x</a:t>
+            </a:r>
+          </a:p>
+        </p:txBody>
+      </p:sp>
+      <p:sp>
+        <p:nvSpPr>
+          <p:cNvPr id="2" name="Title 1">
+            <a:extLst>
+              <a:ext uri="{FF2B5EF4-FFF2-40B4-BE49-F238E27FC236}">
+                <a16:creationId xmlns:a16="http://schemas.microsoft.com/office/drawing/2014/main" id="{A4B4FF59-42FA-D7A9-0F27-7F566A3A5A48}"/>
+              </a:ext>
+            </a:extLst>
+          </p:cNvPr>
+          <p:cNvSpPr>
+            <a:spLocks noGrp="1"/>
+          </p:cNvSpPr>
+          <p:nvPr>
+            <p:ph type="title"/>
+          </p:nvPr>
+        </p:nvSpPr>
+        <p:spPr>
+          <a:xfrm>
+            <a:off x="355509" y="96296"/>
+            <a:ext cx="11400661" cy="799246"/>
+          </a:xfrm>
+        </p:spPr>
+        <p:txBody>
+          <a:bodyPr/>
+          <a:lstStyle/>
+          <a:p>
+            <a:r>
+              <a:rPr lang="de-DE" sz="4400" dirty="0">
+                <a:latin typeface="Calibri" panose="020F0502020204030204" pitchFamily="34" charset="0"/>
+                <a:ea typeface="Calibri" panose="020F0502020204030204" pitchFamily="34" charset="0"/>
+              </a:rPr>
+              <a:t>H3drv homework: findings</a:t>
+            </a:r>
+            <a:endParaRPr lang="en-DE" dirty="0"/>
+          </a:p>
+        </p:txBody>
+      </p:sp>
+      <p:sp>
+        <p:nvSpPr>
+          <p:cNvPr id="5" name="TextBox 4">
+            <a:extLst>
+              <a:ext uri="{FF2B5EF4-FFF2-40B4-BE49-F238E27FC236}">
+                <a16:creationId xmlns:a16="http://schemas.microsoft.com/office/drawing/2014/main" id="{BE806E8A-FF84-E9FB-B60B-F0250A8B58E1}"/>
+              </a:ext>
+            </a:extLst>
+          </p:cNvPr>
+          <p:cNvSpPr txBox="1"/>
+          <p:nvPr/>
+        </p:nvSpPr>
+        <p:spPr>
+          <a:xfrm rot="1973025">
+            <a:off x="10552935" y="195021"/>
+            <a:ext cx="1919111" cy="707886"/>
+          </a:xfrm>
+          <a:prstGeom prst="rect">
+            <a:avLst/>
+          </a:prstGeom>
+          <a:noFill/>
+        </p:spPr>
+        <p:txBody>
+          <a:bodyPr wrap="square" rtlCol="0">
+            <a:spAutoFit/>
+          </a:bodyPr>
+          <a:lstStyle/>
+          <a:p>
+            <a:pPr algn="ctr"/>
+            <a:r>
+              <a:rPr lang="en-US" sz="4000" dirty="0" err="1">
+                <a:solidFill>
+                  <a:srgbClr val="FF0000"/>
+                </a:solidFill>
+              </a:rPr>
+              <a:t>inWork</a:t>
+            </a:r>
+            <a:endParaRPr lang="en-DE" dirty="0">
+              <a:solidFill>
+                <a:srgbClr val="FF0000"/>
+              </a:solidFill>
+            </a:endParaRPr>
+          </a:p>
+        </p:txBody>
+      </p:sp>
+      <p:pic>
+        <p:nvPicPr>
+          <p:cNvPr id="4" name="Picture 3">
+            <a:extLst>
+              <a:ext uri="{FF2B5EF4-FFF2-40B4-BE49-F238E27FC236}">
+                <a16:creationId xmlns:a16="http://schemas.microsoft.com/office/drawing/2014/main" id="{176E5369-0F99-723F-7180-E2C1B26E2C91}"/>
+              </a:ext>
+            </a:extLst>
+          </p:cNvPr>
+          <p:cNvPicPr>
+            <a:picLocks noChangeAspect="1"/>
+          </p:cNvPicPr>
+          <p:nvPr/>
+        </p:nvPicPr>
+        <p:blipFill>
+          <a:blip r:embed="rId2"/>
+          <a:stretch>
+            <a:fillRect/>
+          </a:stretch>
+        </p:blipFill>
+        <p:spPr>
+          <a:xfrm>
+            <a:off x="5819676" y="968794"/>
+            <a:ext cx="5936494" cy="2789162"/>
+          </a:xfrm>
+          <a:prstGeom prst="rect">
+            <a:avLst/>
+          </a:prstGeom>
+          <a:ln>
+            <a:solidFill>
+              <a:schemeClr val="tx1"/>
+            </a:solidFill>
+          </a:ln>
+        </p:spPr>
+      </p:pic>
+      <p:pic>
+        <p:nvPicPr>
+          <p:cNvPr id="6" name="Picture 5">
+            <a:extLst>
+              <a:ext uri="{FF2B5EF4-FFF2-40B4-BE49-F238E27FC236}">
+                <a16:creationId xmlns:a16="http://schemas.microsoft.com/office/drawing/2014/main" id="{6BC404CD-7A23-D85B-1BEA-1E5F56B198AE}"/>
+              </a:ext>
+            </a:extLst>
+          </p:cNvPr>
+          <p:cNvPicPr>
+            <a:picLocks noChangeAspect="1"/>
+          </p:cNvPicPr>
+          <p:nvPr/>
+        </p:nvPicPr>
+        <p:blipFill>
+          <a:blip r:embed="rId3"/>
+          <a:stretch>
+            <a:fillRect/>
+          </a:stretch>
+        </p:blipFill>
+        <p:spPr>
+          <a:xfrm>
+            <a:off x="4450420" y="3831208"/>
+            <a:ext cx="6309907" cy="2827265"/>
+          </a:xfrm>
+          <a:prstGeom prst="rect">
+            <a:avLst/>
+          </a:prstGeom>
+          <a:ln>
+            <a:solidFill>
+              <a:schemeClr val="tx1"/>
+            </a:solidFill>
+          </a:ln>
+        </p:spPr>
+      </p:pic>
+    </p:spTree>
+    <p:extLst>
+      <p:ext uri="{BB962C8B-B14F-4D97-AF65-F5344CB8AC3E}">
+        <p14:creationId xmlns:p14="http://schemas.microsoft.com/office/powerpoint/2010/main" val="2833328110"/>
       </p:ext>
     </p:extLst>
   </p:cSld>
@@ -9624,7 +13126,772 @@
 </p:sld>
 </file>
 
-<file path=ppt/slides/slide16.xml><?xml version="1.0" encoding="utf-8"?>
+<file path=ppt/slides/slide22.xml><?xml version="1.0" encoding="utf-8"?>
+<p:sld xmlns:a="http://schemas.openxmlformats.org/drawingml/2006/main" xmlns:r="http://schemas.openxmlformats.org/officeDocument/2006/relationships" xmlns:p="http://schemas.openxmlformats.org/presentationml/2006/main">
+  <p:cSld>
+    <p:spTree>
+      <p:nvGrpSpPr>
+        <p:cNvPr id="1" name=""/>
+        <p:cNvGrpSpPr/>
+        <p:nvPr/>
+      </p:nvGrpSpPr>
+      <p:grpSpPr>
+        <a:xfrm>
+          <a:off x="0" y="0"/>
+          <a:ext cx="0" cy="0"/>
+          <a:chOff x="0" y="0"/>
+          <a:chExt cx="0" cy="0"/>
+        </a:xfrm>
+      </p:grpSpPr>
+      <p:sp>
+        <p:nvSpPr>
+          <p:cNvPr id="3" name="Content Placeholder 2">
+            <a:extLst>
+              <a:ext uri="{FF2B5EF4-FFF2-40B4-BE49-F238E27FC236}">
+                <a16:creationId xmlns:a16="http://schemas.microsoft.com/office/drawing/2014/main" id="{750AE634-05CD-565F-E962-7EBEBF0C27F3}"/>
+              </a:ext>
+            </a:extLst>
+          </p:cNvPr>
+          <p:cNvSpPr>
+            <a:spLocks noGrp="1"/>
+          </p:cNvSpPr>
+          <p:nvPr>
+            <p:ph sz="quarter" idx="15"/>
+          </p:nvPr>
+        </p:nvSpPr>
+        <p:spPr>
+          <a:xfrm>
+            <a:off x="265198" y="1016481"/>
+            <a:ext cx="11677420" cy="4664076"/>
+          </a:xfrm>
+        </p:spPr>
+        <p:txBody>
+          <a:bodyPr>
+            <a:noAutofit/>
+          </a:bodyPr>
+          <a:lstStyle/>
+          <a:p>
+            <a:r>
+              <a:rPr lang="en-US" sz="1800" b="0" dirty="0"/>
+              <a:t>Findings part1: </a:t>
+            </a:r>
+            <a:r>
+              <a:rPr lang="en-US" sz="1800" b="0" dirty="0" err="1"/>
+              <a:t>touchClick</a:t>
+            </a:r>
+            <a:r>
+              <a:rPr lang="en-US" sz="1800" b="0" dirty="0"/>
+              <a:t> (continued)</a:t>
+            </a:r>
+          </a:p>
+          <a:p>
+            <a:pPr lvl="1">
+              <a:buClr>
+                <a:schemeClr val="tx1"/>
+              </a:buClr>
+            </a:pPr>
+            <a:r>
+              <a:rPr lang="en-US" sz="1800" dirty="0"/>
+              <a:t>Porting between versions</a:t>
+            </a:r>
+          </a:p>
+          <a:p>
+            <a:pPr marL="937260" lvl="2" indent="-342900">
+              <a:buClrTx/>
+              <a:buFont typeface="+mj-lt"/>
+              <a:buAutoNum type="arabicPeriod"/>
+            </a:pPr>
+            <a:r>
+              <a:rPr lang="en-US" sz="1800" b="0" dirty="0"/>
+              <a:t>Old MHC3 -&gt; stored config in 2 files </a:t>
+            </a:r>
+            <a:r>
+              <a:rPr lang="en-US" sz="1800" b="0" dirty="0" err="1"/>
+              <a:t>harmony.prj</a:t>
+            </a:r>
+            <a:r>
+              <a:rPr lang="en-US" sz="1800" b="0" dirty="0"/>
+              <a:t> + &lt;h3config&gt;.xml </a:t>
+            </a:r>
+            <a:br>
+              <a:rPr lang="en-US" sz="1800" b="0" dirty="0"/>
+            </a:br>
+            <a:r>
+              <a:rPr lang="en-US" sz="1800" b="0" dirty="0"/>
+              <a:t>in ‘firmware\</a:t>
+            </a:r>
+            <a:r>
+              <a:rPr lang="en-US" sz="1800" b="0" dirty="0" err="1"/>
+              <a:t>src</a:t>
+            </a:r>
+            <a:r>
+              <a:rPr lang="en-US" sz="1800" b="0" dirty="0"/>
+              <a:t>\config\&lt;h3config&gt;\’</a:t>
+            </a:r>
+            <a:br>
+              <a:rPr lang="en-US" sz="1800" b="0" dirty="0"/>
+            </a:br>
+            <a:r>
+              <a:rPr lang="en-US" sz="1800" b="0" dirty="0"/>
+              <a:t>-&gt;opening oldMHC3-prj with latest MCC shows 2 pops and </a:t>
+            </a:r>
+            <a:br>
+              <a:rPr lang="en-US" sz="1800" b="0" dirty="0"/>
+            </a:br>
+            <a:r>
+              <a:rPr lang="en-US" sz="1800" b="0" dirty="0"/>
+              <a:t>converts h3config into one file ‘firmware\</a:t>
+            </a:r>
+            <a:r>
+              <a:rPr lang="en-US" sz="1800" b="0" dirty="0" err="1"/>
+              <a:t>prj.X</a:t>
+            </a:r>
+            <a:r>
+              <a:rPr lang="en-US" sz="1800" b="0" dirty="0"/>
+              <a:t>\*.mc3’</a:t>
+            </a:r>
+            <a:br>
+              <a:rPr lang="en-US" sz="1800" b="0" dirty="0"/>
+            </a:br>
+            <a:r>
+              <a:rPr lang="en-US" sz="1800" dirty="0"/>
+              <a:t>=&gt; even if converted to MCCH3-mc3 file, you still get these popups </a:t>
+            </a:r>
+            <a:br>
+              <a:rPr lang="en-US" sz="1800" dirty="0"/>
+            </a:br>
+            <a:r>
+              <a:rPr lang="en-US" sz="1800" dirty="0"/>
+              <a:t>did something go wrong?  No, must manually remove old-MHC3cfg ‘*.</a:t>
+            </a:r>
+            <a:r>
+              <a:rPr lang="en-US" sz="1800" dirty="0" err="1"/>
+              <a:t>prj</a:t>
+            </a:r>
+            <a:r>
+              <a:rPr lang="en-US" sz="1800" dirty="0"/>
+              <a:t> + *.xml’</a:t>
+            </a:r>
+            <a:endParaRPr lang="en-US" sz="1800" b="0" dirty="0"/>
+          </a:p>
+          <a:p>
+            <a:pPr marL="937260" lvl="2" indent="-342900">
+              <a:buClrTx/>
+              <a:buFont typeface="+mj-lt"/>
+              <a:buAutoNum type="arabicPeriod"/>
+            </a:pPr>
+            <a:endParaRPr lang="en-US" sz="1800" dirty="0"/>
+          </a:p>
+          <a:p>
+            <a:pPr marL="937260" lvl="2" indent="-342900">
+              <a:buClrTx/>
+              <a:buFont typeface="+mj-lt"/>
+              <a:buAutoNum type="arabicPeriod"/>
+            </a:pPr>
+            <a:r>
+              <a:rPr lang="en-US" sz="1800" dirty="0"/>
+              <a:t>Last MHC3 stores config in one directory ‘</a:t>
+            </a:r>
+            <a:r>
+              <a:rPr lang="en-US" sz="1800" b="0" dirty="0"/>
+              <a:t>firmware\</a:t>
+            </a:r>
+            <a:r>
+              <a:rPr lang="en-US" sz="1800" b="0" dirty="0" err="1"/>
+              <a:t>src</a:t>
+            </a:r>
+            <a:r>
+              <a:rPr lang="en-US" sz="1800" b="0" dirty="0"/>
+              <a:t>\config\&lt;h3config&gt;\&lt;h3config&gt;.</a:t>
+            </a:r>
+            <a:r>
+              <a:rPr lang="en-US" sz="1800" b="0" dirty="0" err="1"/>
+              <a:t>mhc</a:t>
+            </a:r>
+            <a:r>
+              <a:rPr lang="en-US" sz="1800" b="0" dirty="0"/>
+              <a:t>\*.</a:t>
+            </a:r>
+            <a:r>
+              <a:rPr lang="en-US" sz="1800" b="0" dirty="0" err="1"/>
+              <a:t>yml</a:t>
+            </a:r>
+            <a:r>
+              <a:rPr lang="en-US" sz="1800" b="0" dirty="0"/>
+              <a:t>’</a:t>
+            </a:r>
+            <a:br>
+              <a:rPr lang="en-US" sz="1800" b="0" dirty="0"/>
+            </a:br>
+            <a:r>
+              <a:rPr lang="en-US" sz="1800" b="0" dirty="0"/>
+              <a:t>-&gt;porting this to MCC-H3 converts all into *.mc3 AND places a ‘mcc.txt’ into &lt;h3config&gt;.</a:t>
+            </a:r>
+            <a:r>
+              <a:rPr lang="en-US" sz="1800" b="0" dirty="0" err="1"/>
+              <a:t>mhc</a:t>
+            </a:r>
+            <a:r>
+              <a:rPr lang="en-US" sz="1800" b="0" dirty="0"/>
+              <a:t>\ that says ‘mcc convert success’</a:t>
+            </a:r>
+            <a:br>
+              <a:rPr lang="en-US" sz="1800" b="0" dirty="0"/>
+            </a:br>
+            <a:r>
+              <a:rPr lang="en-US" sz="1800" b="0" dirty="0"/>
+              <a:t>-&gt;but porting from lateMHC3 to MCC, but on first conversion as it doesn’t know any of the </a:t>
+            </a:r>
+            <a:r>
+              <a:rPr lang="en-US" sz="1800" b="0" dirty="0" err="1"/>
+              <a:t>prj</a:t>
+            </a:r>
+            <a:r>
+              <a:rPr lang="en-US" sz="1800" b="0" dirty="0"/>
+              <a:t>-files, hence lots </a:t>
+            </a:r>
+            <a:br>
+              <a:rPr lang="en-US" sz="1800" b="0" dirty="0"/>
+            </a:br>
+            <a:r>
+              <a:rPr lang="en-US" sz="1800" b="0" dirty="0"/>
+              <a:t>     of merge-issues and if haven’t seen </a:t>
+            </a:r>
+            <a:r>
+              <a:rPr lang="en-US" sz="1800" b="0" dirty="0" err="1">
+                <a:hlinkClick r:id="rId2"/>
+              </a:rPr>
+              <a:t>microchipdeveloper</a:t>
+            </a:r>
+            <a:r>
+              <a:rPr lang="en-US" sz="1800" b="0" dirty="0">
+                <a:hlinkClick r:id="rId2"/>
+              </a:rPr>
+              <a:t>/port-mhc-2-mcc</a:t>
+            </a:r>
+            <a:r>
+              <a:rPr lang="en-US" sz="1800" b="0" dirty="0"/>
+              <a:t>  might completely ruin your sources </a:t>
+            </a:r>
+          </a:p>
+          <a:p>
+            <a:pPr marL="937260" lvl="2" indent="-342900">
+              <a:buClrTx/>
+              <a:buFont typeface="+mj-lt"/>
+              <a:buAutoNum type="arabicPeriod"/>
+            </a:pPr>
+            <a:endParaRPr lang="en-US" sz="1800" dirty="0"/>
+          </a:p>
+          <a:p>
+            <a:pPr marL="937260" lvl="2" indent="-342900">
+              <a:buClrTx/>
+              <a:buFont typeface="+mj-lt"/>
+              <a:buAutoNum type="arabicPeriod"/>
+            </a:pPr>
+            <a:r>
+              <a:rPr lang="en-US" sz="1800" dirty="0"/>
+              <a:t>Porting from D21 -&gt; C21 (same arch = easy?!?!)</a:t>
+            </a:r>
+          </a:p>
+          <a:p>
+            <a:pPr marL="1211580" lvl="3" indent="-342900">
+              <a:buClrTx/>
+              <a:buFont typeface="+mj-lt"/>
+              <a:buAutoNum type="arabicPeriod"/>
+            </a:pPr>
+            <a:r>
+              <a:rPr lang="en-US" sz="1800" dirty="0"/>
+              <a:t>Change MCU in MPLABX-</a:t>
+            </a:r>
+            <a:r>
+              <a:rPr lang="en-US" sz="1800" dirty="0" err="1"/>
+              <a:t>prjProp</a:t>
+            </a:r>
+            <a:r>
+              <a:rPr lang="en-US" sz="1800" dirty="0"/>
+              <a:t> -&gt; start MCC</a:t>
+            </a:r>
+          </a:p>
+          <a:p>
+            <a:pPr marL="1211580" lvl="3" indent="-342900">
+              <a:buClrTx/>
+              <a:buFont typeface="+mj-lt"/>
+              <a:buAutoNum type="arabicPeriod"/>
+            </a:pPr>
+            <a:r>
+              <a:rPr lang="en-US" sz="1800" b="0" dirty="0"/>
+              <a:t>MCC detects new arch and offers with popup to port </a:t>
+            </a:r>
+            <a:br>
+              <a:rPr lang="en-US" sz="1800" b="0" dirty="0"/>
+            </a:br>
+            <a:r>
+              <a:rPr lang="en-US" sz="1800" b="0" dirty="0"/>
+              <a:t>BUT clock connected on GCLK1 is left open, hence no </a:t>
+            </a:r>
+            <a:r>
+              <a:rPr lang="en-US" sz="1800" b="0" dirty="0" err="1"/>
+              <a:t>cpu</a:t>
+            </a:r>
+            <a:r>
+              <a:rPr lang="en-US" sz="1800" b="0" dirty="0"/>
+              <a:t>-clock…</a:t>
+            </a:r>
+          </a:p>
+        </p:txBody>
+      </p:sp>
+      <p:sp>
+        <p:nvSpPr>
+          <p:cNvPr id="2" name="Title 1">
+            <a:extLst>
+              <a:ext uri="{FF2B5EF4-FFF2-40B4-BE49-F238E27FC236}">
+                <a16:creationId xmlns:a16="http://schemas.microsoft.com/office/drawing/2014/main" id="{A4B4FF59-42FA-D7A9-0F27-7F566A3A5A48}"/>
+              </a:ext>
+            </a:extLst>
+          </p:cNvPr>
+          <p:cNvSpPr>
+            <a:spLocks noGrp="1"/>
+          </p:cNvSpPr>
+          <p:nvPr>
+            <p:ph type="title"/>
+          </p:nvPr>
+        </p:nvSpPr>
+        <p:spPr>
+          <a:xfrm>
+            <a:off x="355509" y="96296"/>
+            <a:ext cx="11400661" cy="799246"/>
+          </a:xfrm>
+        </p:spPr>
+        <p:txBody>
+          <a:bodyPr/>
+          <a:lstStyle/>
+          <a:p>
+            <a:r>
+              <a:rPr lang="de-DE" sz="4400" dirty="0">
+                <a:latin typeface="Calibri" panose="020F0502020204030204" pitchFamily="34" charset="0"/>
+                <a:ea typeface="Calibri" panose="020F0502020204030204" pitchFamily="34" charset="0"/>
+              </a:rPr>
+              <a:t>H3drv homework: findings</a:t>
+            </a:r>
+            <a:endParaRPr lang="en-DE" dirty="0"/>
+          </a:p>
+        </p:txBody>
+      </p:sp>
+      <p:sp>
+        <p:nvSpPr>
+          <p:cNvPr id="5" name="TextBox 4">
+            <a:extLst>
+              <a:ext uri="{FF2B5EF4-FFF2-40B4-BE49-F238E27FC236}">
+                <a16:creationId xmlns:a16="http://schemas.microsoft.com/office/drawing/2014/main" id="{BE806E8A-FF84-E9FB-B60B-F0250A8B58E1}"/>
+              </a:ext>
+            </a:extLst>
+          </p:cNvPr>
+          <p:cNvSpPr txBox="1"/>
+          <p:nvPr/>
+        </p:nvSpPr>
+        <p:spPr>
+          <a:xfrm rot="1973025">
+            <a:off x="10552935" y="195021"/>
+            <a:ext cx="1919111" cy="707886"/>
+          </a:xfrm>
+          <a:prstGeom prst="rect">
+            <a:avLst/>
+          </a:prstGeom>
+          <a:noFill/>
+        </p:spPr>
+        <p:txBody>
+          <a:bodyPr wrap="square" rtlCol="0">
+            <a:spAutoFit/>
+          </a:bodyPr>
+          <a:lstStyle/>
+          <a:p>
+            <a:pPr algn="ctr"/>
+            <a:r>
+              <a:rPr lang="en-US" sz="4000" dirty="0" err="1">
+                <a:solidFill>
+                  <a:srgbClr val="FF0000"/>
+                </a:solidFill>
+              </a:rPr>
+              <a:t>inWork</a:t>
+            </a:r>
+            <a:endParaRPr lang="en-DE" dirty="0">
+              <a:solidFill>
+                <a:srgbClr val="FF0000"/>
+              </a:solidFill>
+            </a:endParaRPr>
+          </a:p>
+        </p:txBody>
+      </p:sp>
+      <p:pic>
+        <p:nvPicPr>
+          <p:cNvPr id="8" name="Picture 7">
+            <a:extLst>
+              <a:ext uri="{FF2B5EF4-FFF2-40B4-BE49-F238E27FC236}">
+                <a16:creationId xmlns:a16="http://schemas.microsoft.com/office/drawing/2014/main" id="{7E1DB4CE-A950-0407-1C00-2D4D1DEC8FAD}"/>
+              </a:ext>
+            </a:extLst>
+          </p:cNvPr>
+          <p:cNvPicPr>
+            <a:picLocks noChangeAspect="1"/>
+          </p:cNvPicPr>
+          <p:nvPr/>
+        </p:nvPicPr>
+        <p:blipFill>
+          <a:blip r:embed="rId3"/>
+          <a:stretch>
+            <a:fillRect/>
+          </a:stretch>
+        </p:blipFill>
+        <p:spPr>
+          <a:xfrm>
+            <a:off x="9415574" y="1834337"/>
+            <a:ext cx="2356944" cy="1480308"/>
+          </a:xfrm>
+          <a:prstGeom prst="rect">
+            <a:avLst/>
+          </a:prstGeom>
+          <a:ln>
+            <a:solidFill>
+              <a:schemeClr val="accent1"/>
+            </a:solidFill>
+          </a:ln>
+        </p:spPr>
+      </p:pic>
+      <p:pic>
+        <p:nvPicPr>
+          <p:cNvPr id="7" name="Picture 6">
+            <a:extLst>
+              <a:ext uri="{FF2B5EF4-FFF2-40B4-BE49-F238E27FC236}">
+                <a16:creationId xmlns:a16="http://schemas.microsoft.com/office/drawing/2014/main" id="{1CE73ED8-D83D-7362-7061-0AD9D377B9A7}"/>
+              </a:ext>
+            </a:extLst>
+          </p:cNvPr>
+          <p:cNvPicPr>
+            <a:picLocks noChangeAspect="1"/>
+          </p:cNvPicPr>
+          <p:nvPr/>
+        </p:nvPicPr>
+        <p:blipFill>
+          <a:blip r:embed="rId4"/>
+          <a:stretch>
+            <a:fillRect/>
+          </a:stretch>
+        </p:blipFill>
+        <p:spPr>
+          <a:xfrm>
+            <a:off x="7701534" y="563459"/>
+            <a:ext cx="2661240" cy="1395250"/>
+          </a:xfrm>
+          <a:prstGeom prst="rect">
+            <a:avLst/>
+          </a:prstGeom>
+          <a:ln>
+            <a:solidFill>
+              <a:schemeClr val="accent1"/>
+            </a:solidFill>
+          </a:ln>
+        </p:spPr>
+      </p:pic>
+      <p:pic>
+        <p:nvPicPr>
+          <p:cNvPr id="11" name="Picture 10">
+            <a:extLst>
+              <a:ext uri="{FF2B5EF4-FFF2-40B4-BE49-F238E27FC236}">
+                <a16:creationId xmlns:a16="http://schemas.microsoft.com/office/drawing/2014/main" id="{694C4B28-D6D5-C4E3-2955-7382C2EF5339}"/>
+              </a:ext>
+            </a:extLst>
+          </p:cNvPr>
+          <p:cNvPicPr>
+            <a:picLocks noChangeAspect="1"/>
+          </p:cNvPicPr>
+          <p:nvPr/>
+        </p:nvPicPr>
+        <p:blipFill>
+          <a:blip r:embed="rId5"/>
+          <a:stretch>
+            <a:fillRect/>
+          </a:stretch>
+        </p:blipFill>
+        <p:spPr>
+          <a:xfrm>
+            <a:off x="7854902" y="5142309"/>
+            <a:ext cx="3519680" cy="1744712"/>
+          </a:xfrm>
+          <a:prstGeom prst="rect">
+            <a:avLst/>
+          </a:prstGeom>
+        </p:spPr>
+      </p:pic>
+    </p:spTree>
+    <p:extLst>
+      <p:ext uri="{BB962C8B-B14F-4D97-AF65-F5344CB8AC3E}">
+        <p14:creationId xmlns:p14="http://schemas.microsoft.com/office/powerpoint/2010/main" val="1996805799"/>
+      </p:ext>
+    </p:extLst>
+  </p:cSld>
+  <p:clrMapOvr>
+    <a:masterClrMapping/>
+  </p:clrMapOvr>
+</p:sld>
+</file>
+
+<file path=ppt/slides/slide23.xml><?xml version="1.0" encoding="utf-8"?>
+<p:sld xmlns:a="http://schemas.openxmlformats.org/drawingml/2006/main" xmlns:r="http://schemas.openxmlformats.org/officeDocument/2006/relationships" xmlns:p="http://schemas.openxmlformats.org/presentationml/2006/main">
+  <p:cSld>
+    <p:spTree>
+      <p:nvGrpSpPr>
+        <p:cNvPr id="1" name=""/>
+        <p:cNvGrpSpPr/>
+        <p:nvPr/>
+      </p:nvGrpSpPr>
+      <p:grpSpPr>
+        <a:xfrm>
+          <a:off x="0" y="0"/>
+          <a:ext cx="0" cy="0"/>
+          <a:chOff x="0" y="0"/>
+          <a:chExt cx="0" cy="0"/>
+        </a:xfrm>
+      </p:grpSpPr>
+      <p:sp>
+        <p:nvSpPr>
+          <p:cNvPr id="3" name="Content Placeholder 2">
+            <a:extLst>
+              <a:ext uri="{FF2B5EF4-FFF2-40B4-BE49-F238E27FC236}">
+                <a16:creationId xmlns:a16="http://schemas.microsoft.com/office/drawing/2014/main" id="{750AE634-05CD-565F-E962-7EBEBF0C27F3}"/>
+              </a:ext>
+            </a:extLst>
+          </p:cNvPr>
+          <p:cNvSpPr>
+            <a:spLocks noGrp="1"/>
+          </p:cNvSpPr>
+          <p:nvPr>
+            <p:ph sz="quarter" idx="15"/>
+          </p:nvPr>
+        </p:nvSpPr>
+        <p:spPr>
+          <a:xfrm>
+            <a:off x="265198" y="1016481"/>
+            <a:ext cx="11677420" cy="4664076"/>
+          </a:xfrm>
+        </p:spPr>
+        <p:txBody>
+          <a:bodyPr>
+            <a:noAutofit/>
+          </a:bodyPr>
+          <a:lstStyle/>
+          <a:p>
+            <a:r>
+              <a:rPr lang="en-US" sz="1800" b="0" dirty="0"/>
+              <a:t>Findings part1: </a:t>
+            </a:r>
+            <a:r>
+              <a:rPr lang="en-US" sz="1800" b="0" dirty="0" err="1"/>
+              <a:t>touchClick</a:t>
+            </a:r>
+            <a:r>
+              <a:rPr lang="en-US" sz="1800" b="0" dirty="0"/>
+              <a:t> (continued)</a:t>
+            </a:r>
+          </a:p>
+          <a:p>
+            <a:pPr lvl="1">
+              <a:buClr>
+                <a:schemeClr val="tx1"/>
+              </a:buClr>
+            </a:pPr>
+            <a:r>
+              <a:rPr lang="en-US" sz="1800" dirty="0"/>
+              <a:t>Documentation -&gt; </a:t>
+            </a:r>
+            <a:r>
+              <a:rPr lang="en-US" sz="1800" b="0" dirty="0" err="1"/>
+              <a:t>Docu</a:t>
+            </a:r>
+            <a:r>
+              <a:rPr lang="en-US" sz="1800" b="0" dirty="0"/>
+              <a:t>: </a:t>
+            </a:r>
+            <a:r>
+              <a:rPr lang="en-US" sz="1800" i="1" dirty="0"/>
+              <a:t>hyperlinks</a:t>
+            </a:r>
+            <a:r>
+              <a:rPr lang="en-US" sz="1800" b="0" dirty="0"/>
+              <a:t> </a:t>
+            </a:r>
+            <a:r>
+              <a:rPr lang="en-US" sz="1800" i="1" dirty="0"/>
+              <a:t>missing</a:t>
+            </a:r>
+            <a:r>
+              <a:rPr lang="en-US" sz="1800" b="0" dirty="0"/>
+              <a:t> in online-PLIB-doc</a:t>
+            </a:r>
+            <a:br>
+              <a:rPr lang="en-US" sz="1800" b="0" dirty="0"/>
+            </a:br>
+            <a:r>
+              <a:rPr lang="en-US" sz="1800" b="0" dirty="0"/>
+              <a:t>and </a:t>
+            </a:r>
+            <a:r>
+              <a:rPr lang="en-US" sz="1800" i="1" dirty="0"/>
+              <a:t>cannot filter </a:t>
+            </a:r>
+            <a:r>
+              <a:rPr lang="en-US" sz="1800" b="0" dirty="0"/>
+              <a:t>on left or enlarge window</a:t>
+            </a:r>
+            <a:br>
+              <a:rPr lang="en-US" sz="1800" b="0" dirty="0"/>
+            </a:br>
+            <a:r>
+              <a:rPr lang="en-US" sz="1800" b="0" dirty="0"/>
+              <a:t>-&gt;usability</a:t>
+            </a:r>
+          </a:p>
+          <a:p>
+            <a:pPr marL="301752" lvl="1" indent="0">
+              <a:buClr>
+                <a:schemeClr val="tx1"/>
+              </a:buClr>
+              <a:buNone/>
+            </a:pPr>
+            <a:endParaRPr lang="en-US" sz="1800" b="0" dirty="0"/>
+          </a:p>
+        </p:txBody>
+      </p:sp>
+      <p:sp>
+        <p:nvSpPr>
+          <p:cNvPr id="2" name="Title 1">
+            <a:extLst>
+              <a:ext uri="{FF2B5EF4-FFF2-40B4-BE49-F238E27FC236}">
+                <a16:creationId xmlns:a16="http://schemas.microsoft.com/office/drawing/2014/main" id="{A4B4FF59-42FA-D7A9-0F27-7F566A3A5A48}"/>
+              </a:ext>
+            </a:extLst>
+          </p:cNvPr>
+          <p:cNvSpPr>
+            <a:spLocks noGrp="1"/>
+          </p:cNvSpPr>
+          <p:nvPr>
+            <p:ph type="title"/>
+          </p:nvPr>
+        </p:nvSpPr>
+        <p:spPr>
+          <a:xfrm>
+            <a:off x="355509" y="96296"/>
+            <a:ext cx="11400661" cy="799246"/>
+          </a:xfrm>
+        </p:spPr>
+        <p:txBody>
+          <a:bodyPr/>
+          <a:lstStyle/>
+          <a:p>
+            <a:r>
+              <a:rPr lang="de-DE" sz="4400" dirty="0">
+                <a:latin typeface="Calibri" panose="020F0502020204030204" pitchFamily="34" charset="0"/>
+                <a:ea typeface="Calibri" panose="020F0502020204030204" pitchFamily="34" charset="0"/>
+              </a:rPr>
+              <a:t>H3drv homework: findings</a:t>
+            </a:r>
+            <a:endParaRPr lang="en-DE" dirty="0"/>
+          </a:p>
+        </p:txBody>
+      </p:sp>
+      <p:sp>
+        <p:nvSpPr>
+          <p:cNvPr id="5" name="TextBox 4">
+            <a:extLst>
+              <a:ext uri="{FF2B5EF4-FFF2-40B4-BE49-F238E27FC236}">
+                <a16:creationId xmlns:a16="http://schemas.microsoft.com/office/drawing/2014/main" id="{BE806E8A-FF84-E9FB-B60B-F0250A8B58E1}"/>
+              </a:ext>
+            </a:extLst>
+          </p:cNvPr>
+          <p:cNvSpPr txBox="1"/>
+          <p:nvPr/>
+        </p:nvSpPr>
+        <p:spPr>
+          <a:xfrm rot="1973025">
+            <a:off x="10552935" y="195021"/>
+            <a:ext cx="1919111" cy="707886"/>
+          </a:xfrm>
+          <a:prstGeom prst="rect">
+            <a:avLst/>
+          </a:prstGeom>
+          <a:noFill/>
+        </p:spPr>
+        <p:txBody>
+          <a:bodyPr wrap="square" rtlCol="0">
+            <a:spAutoFit/>
+          </a:bodyPr>
+          <a:lstStyle/>
+          <a:p>
+            <a:pPr algn="ctr"/>
+            <a:r>
+              <a:rPr lang="en-US" sz="4000" dirty="0" err="1">
+                <a:solidFill>
+                  <a:srgbClr val="FF0000"/>
+                </a:solidFill>
+              </a:rPr>
+              <a:t>inWork</a:t>
+            </a:r>
+            <a:endParaRPr lang="en-DE" dirty="0">
+              <a:solidFill>
+                <a:srgbClr val="FF0000"/>
+              </a:solidFill>
+            </a:endParaRPr>
+          </a:p>
+        </p:txBody>
+      </p:sp>
+      <p:pic>
+        <p:nvPicPr>
+          <p:cNvPr id="4" name="Picture 3">
+            <a:extLst>
+              <a:ext uri="{FF2B5EF4-FFF2-40B4-BE49-F238E27FC236}">
+                <a16:creationId xmlns:a16="http://schemas.microsoft.com/office/drawing/2014/main" id="{821D4426-F954-32E6-71E9-3B3814018F17}"/>
+              </a:ext>
+            </a:extLst>
+          </p:cNvPr>
+          <p:cNvPicPr>
+            <a:picLocks noChangeAspect="1"/>
+          </p:cNvPicPr>
+          <p:nvPr/>
+        </p:nvPicPr>
+        <p:blipFill>
+          <a:blip r:embed="rId2"/>
+          <a:stretch>
+            <a:fillRect/>
+          </a:stretch>
+        </p:blipFill>
+        <p:spPr>
+          <a:xfrm>
+            <a:off x="4307055" y="2097988"/>
+            <a:ext cx="7205435" cy="2851755"/>
+          </a:xfrm>
+          <a:prstGeom prst="rect">
+            <a:avLst/>
+          </a:prstGeom>
+          <a:ln>
+            <a:solidFill>
+              <a:schemeClr val="tx1"/>
+            </a:solidFill>
+          </a:ln>
+        </p:spPr>
+      </p:pic>
+    </p:spTree>
+    <p:extLst>
+      <p:ext uri="{BB962C8B-B14F-4D97-AF65-F5344CB8AC3E}">
+        <p14:creationId xmlns:p14="http://schemas.microsoft.com/office/powerpoint/2010/main" val="2394547561"/>
+      </p:ext>
+    </p:extLst>
+  </p:cSld>
+  <p:clrMapOvr>
+    <a:masterClrMapping/>
+  </p:clrMapOvr>
+</p:sld>
+</file>
+
+<file path=ppt/slides/slide24.xml><?xml version="1.0" encoding="utf-8"?>
 <p:sld xmlns:a="http://schemas.openxmlformats.org/drawingml/2006/main" xmlns:r="http://schemas.openxmlformats.org/officeDocument/2006/relationships" xmlns:p="http://schemas.openxmlformats.org/presentationml/2006/main">
   <p:cSld>
     <p:bg>
@@ -9732,7 +13999,7 @@
 </p:sld>
 </file>
 
-<file path=ppt/slides/slide17.xml><?xml version="1.0" encoding="utf-8"?>
+<file path=ppt/slides/slide25.xml><?xml version="1.0" encoding="utf-8"?>
 <p:sld xmlns:a="http://schemas.openxmlformats.org/drawingml/2006/main" xmlns:r="http://schemas.openxmlformats.org/officeDocument/2006/relationships" xmlns:p="http://schemas.openxmlformats.org/presentationml/2006/main">
   <p:cSld>
     <p:spTree>
@@ -9814,126 +14081,6 @@
     <p:extLst>
       <p:ext uri="{BB962C8B-B14F-4D97-AF65-F5344CB8AC3E}">
         <p14:creationId xmlns:p14="http://schemas.microsoft.com/office/powerpoint/2010/main" val="2504540142"/>
-      </p:ext>
-    </p:extLst>
-  </p:cSld>
-  <p:clrMapOvr>
-    <a:masterClrMapping/>
-  </p:clrMapOvr>
-</p:sld>
-</file>
-
-<file path=ppt/slides/slide2.xml><?xml version="1.0" encoding="utf-8"?>
-<p:sld xmlns:a="http://schemas.openxmlformats.org/drawingml/2006/main" xmlns:r="http://schemas.openxmlformats.org/officeDocument/2006/relationships" xmlns:p="http://schemas.openxmlformats.org/presentationml/2006/main">
-  <p:cSld>
-    <p:spTree>
-      <p:nvGrpSpPr>
-        <p:cNvPr id="1" name=""/>
-        <p:cNvGrpSpPr/>
-        <p:nvPr/>
-      </p:nvGrpSpPr>
-      <p:grpSpPr>
-        <a:xfrm>
-          <a:off x="0" y="0"/>
-          <a:ext cx="0" cy="0"/>
-          <a:chOff x="0" y="0"/>
-          <a:chExt cx="0" cy="0"/>
-        </a:xfrm>
-      </p:grpSpPr>
-      <p:sp>
-        <p:nvSpPr>
-          <p:cNvPr id="2" name="Title 1">
-            <a:extLst>
-              <a:ext uri="{FF2B5EF4-FFF2-40B4-BE49-F238E27FC236}">
-                <a16:creationId xmlns:a16="http://schemas.microsoft.com/office/drawing/2014/main" id="{A4B4FF59-42FA-D7A9-0F27-7F566A3A5A48}"/>
-              </a:ext>
-            </a:extLst>
-          </p:cNvPr>
-          <p:cNvSpPr>
-            <a:spLocks noGrp="1"/>
-          </p:cNvSpPr>
-          <p:nvPr>
-            <p:ph type="title"/>
-          </p:nvPr>
-        </p:nvSpPr>
-        <p:spPr/>
-        <p:txBody>
-          <a:bodyPr/>
-          <a:lstStyle/>
-          <a:p>
-            <a:r>
-              <a:rPr lang="de-DE" sz="4400" dirty="0">
-                <a:latin typeface="Calibri" panose="020F0502020204030204" pitchFamily="34" charset="0"/>
-                <a:ea typeface="Calibri" panose="020F0502020204030204" pitchFamily="34" charset="0"/>
-              </a:rPr>
-              <a:t>H3drv homework - agenda</a:t>
-            </a:r>
-            <a:endParaRPr lang="en-DE" dirty="0"/>
-          </a:p>
-        </p:txBody>
-      </p:sp>
-      <p:sp>
-        <p:nvSpPr>
-          <p:cNvPr id="3" name="Content Placeholder 2">
-            <a:extLst>
-              <a:ext uri="{FF2B5EF4-FFF2-40B4-BE49-F238E27FC236}">
-                <a16:creationId xmlns:a16="http://schemas.microsoft.com/office/drawing/2014/main" id="{750AE634-05CD-565F-E962-7EBEBF0C27F3}"/>
-              </a:ext>
-            </a:extLst>
-          </p:cNvPr>
-          <p:cNvSpPr>
-            <a:spLocks noGrp="1"/>
-          </p:cNvSpPr>
-          <p:nvPr>
-            <p:ph sz="quarter" idx="13"/>
-          </p:nvPr>
-        </p:nvSpPr>
-        <p:spPr/>
-        <p:txBody>
-          <a:bodyPr/>
-          <a:lstStyle/>
-          <a:p>
-            <a:r>
-              <a:rPr lang="en-US" dirty="0"/>
-              <a:t>Goal</a:t>
-            </a:r>
-          </a:p>
-          <a:p>
-            <a:r>
-              <a:rPr lang="en-US" dirty="0"/>
-              <a:t>Setup</a:t>
-            </a:r>
-          </a:p>
-          <a:p>
-            <a:r>
-              <a:rPr lang="en-US" dirty="0"/>
-              <a:t>Theory</a:t>
-            </a:r>
-          </a:p>
-          <a:p>
-            <a:r>
-              <a:rPr lang="en-US" dirty="0"/>
-              <a:t>MCC-H3 </a:t>
-            </a:r>
-            <a:r>
-              <a:rPr lang="en-US" dirty="0" err="1"/>
-              <a:t>prj</a:t>
-            </a:r>
-            <a:endParaRPr lang="en-US" dirty="0"/>
-          </a:p>
-          <a:p>
-            <a:r>
-              <a:rPr lang="en-US" dirty="0"/>
-              <a:t>Findings</a:t>
-            </a:r>
-            <a:endParaRPr lang="en-DE" dirty="0"/>
-          </a:p>
-        </p:txBody>
-      </p:sp>
-    </p:spTree>
-    <p:extLst>
-      <p:ext uri="{BB962C8B-B14F-4D97-AF65-F5344CB8AC3E}">
-        <p14:creationId xmlns:p14="http://schemas.microsoft.com/office/powerpoint/2010/main" val="894259822"/>
       </p:ext>
     </p:extLst>
   </p:cSld>
@@ -10076,168 +14223,6 @@
           </a:p>
         </p:txBody>
       </p:sp>
-      <p:sp>
-        <p:nvSpPr>
-          <p:cNvPr id="3" name="Content Placeholder 2">
-            <a:extLst>
-              <a:ext uri="{FF2B5EF4-FFF2-40B4-BE49-F238E27FC236}">
-                <a16:creationId xmlns:a16="http://schemas.microsoft.com/office/drawing/2014/main" id="{750AE634-05CD-565F-E962-7EBEBF0C27F3}"/>
-              </a:ext>
-            </a:extLst>
-          </p:cNvPr>
-          <p:cNvSpPr>
-            <a:spLocks noGrp="1"/>
-          </p:cNvSpPr>
-          <p:nvPr>
-            <p:ph sz="quarter" idx="13"/>
-          </p:nvPr>
-        </p:nvSpPr>
-        <p:spPr/>
-        <p:txBody>
-          <a:bodyPr/>
-          <a:lstStyle/>
-          <a:p>
-            <a:r>
-              <a:rPr lang="en-US" sz="2400" b="0" dirty="0"/>
-              <a:t>Short description of Goal for this project:</a:t>
-            </a:r>
-          </a:p>
-          <a:p>
-            <a:pPr lvl="1"/>
-            <a:r>
-              <a:rPr lang="en-US" sz="2000" dirty="0"/>
-              <a:t>Use H3-plib and -</a:t>
-            </a:r>
-            <a:r>
-              <a:rPr lang="en-US" sz="2000" dirty="0" err="1"/>
-              <a:t>drv</a:t>
-            </a:r>
-            <a:r>
-              <a:rPr lang="en-US" sz="2000" dirty="0"/>
-              <a:t> to access two different touch-solutions with SAMC21J18a</a:t>
-            </a:r>
-          </a:p>
-          <a:p>
-            <a:pPr lvl="2"/>
-            <a:r>
-              <a:rPr lang="en-US" sz="1800" dirty="0"/>
-              <a:t>QT8 -&gt; requires PTC-peripheral</a:t>
-            </a:r>
-          </a:p>
-          <a:p>
-            <a:pPr lvl="2"/>
-            <a:r>
-              <a:rPr lang="en-US" sz="1800" dirty="0" err="1"/>
-              <a:t>mikroE</a:t>
-            </a:r>
-            <a:r>
-              <a:rPr lang="en-US" sz="1800" dirty="0"/>
-              <a:t> </a:t>
-            </a:r>
-            <a:r>
-              <a:rPr lang="en-US" sz="1800" dirty="0">
-                <a:hlinkClick r:id="rId2"/>
-              </a:rPr>
-              <a:t>touch-click-1995</a:t>
-            </a:r>
-            <a:r>
-              <a:rPr lang="en-US" sz="1800" dirty="0"/>
-              <a:t> with ‘</a:t>
-            </a:r>
-            <a:r>
-              <a:rPr lang="en-US" sz="1600" i="1" dirty="0">
-                <a:solidFill>
-                  <a:schemeClr val="tx1"/>
-                </a:solidFill>
-              </a:rPr>
-              <a:t>MTCH6102</a:t>
-            </a:r>
-            <a:r>
-              <a:rPr lang="en-US" sz="1800" dirty="0"/>
-              <a:t>’ -&gt; required I2C-peripheral</a:t>
-            </a:r>
-          </a:p>
-          <a:p>
-            <a:pPr lvl="1"/>
-            <a:r>
-              <a:rPr lang="en-US" sz="2000" b="0" dirty="0"/>
-              <a:t>Physical setup on the right</a:t>
-            </a:r>
-          </a:p>
-          <a:p>
-            <a:pPr lvl="1"/>
-            <a:r>
-              <a:rPr lang="en-US" sz="2000" dirty="0"/>
-              <a:t>Environment</a:t>
-            </a:r>
-          </a:p>
-          <a:p>
-            <a:pPr lvl="2"/>
-            <a:r>
-              <a:rPr lang="en-US" sz="1800" dirty="0"/>
-              <a:t>MPLABX-v6.05</a:t>
-            </a:r>
-          </a:p>
-          <a:p>
-            <a:pPr lvl="2"/>
-            <a:r>
-              <a:rPr lang="en-US" sz="1800" b="0" dirty="0"/>
-              <a:t>XC32-v4.21</a:t>
-            </a:r>
-          </a:p>
-          <a:p>
-            <a:pPr lvl="2"/>
-            <a:r>
-              <a:rPr lang="en-US" sz="1800" dirty="0"/>
-              <a:t>DFP-</a:t>
-            </a:r>
-            <a:endParaRPr lang="en-US" sz="1800" b="0" dirty="0"/>
-          </a:p>
-          <a:p>
-            <a:pPr lvl="2"/>
-            <a:r>
-              <a:rPr lang="en-US" sz="1800" dirty="0"/>
-              <a:t>MCC-H3 repos</a:t>
-            </a:r>
-          </a:p>
-          <a:p>
-            <a:pPr lvl="3"/>
-            <a:r>
-              <a:rPr lang="en-US" sz="1400" b="0" dirty="0"/>
-              <a:t>x</a:t>
-            </a:r>
-          </a:p>
-          <a:p>
-            <a:endParaRPr lang="en-US" sz="2400" b="0" dirty="0"/>
-          </a:p>
-          <a:p>
-            <a:r>
-              <a:rPr lang="en-US" sz="2400" b="0" dirty="0"/>
-              <a:t>Authors </a:t>
-            </a:r>
-          </a:p>
-          <a:p>
-            <a:pPr lvl="1"/>
-            <a:r>
-              <a:rPr lang="en-US" sz="2000" b="0" dirty="0">
-                <a:hlinkClick r:id="rId3"/>
-              </a:rPr>
-              <a:t>reiner.zieglmeier@microchip.com</a:t>
-            </a:r>
-            <a:endParaRPr lang="en-US" sz="2000" dirty="0"/>
-          </a:p>
-          <a:p>
-            <a:pPr lvl="1"/>
-            <a:r>
-              <a:rPr lang="en-US" sz="2000" b="0" dirty="0">
-                <a:hlinkClick r:id="rId4"/>
-              </a:rPr>
-              <a:t>stefan.luethin@microchip.com</a:t>
-            </a:r>
-            <a:endParaRPr lang="en-US" sz="2000" b="0" dirty="0"/>
-          </a:p>
-        </p:txBody>
-      </p:sp>
       <p:pic>
         <p:nvPicPr>
           <p:cNvPr id="4" name="Picture 3">
@@ -10253,15 +14238,15 @@
           <p:nvPr/>
         </p:nvPicPr>
         <p:blipFill>
-          <a:blip r:embed="rId5"/>
+          <a:blip r:embed="rId2"/>
           <a:stretch>
             <a:fillRect/>
           </a:stretch>
         </p:blipFill>
         <p:spPr>
           <a:xfrm>
-            <a:off x="5716424" y="2506133"/>
-            <a:ext cx="5869268" cy="3536351"/>
+            <a:off x="1267822" y="923019"/>
+            <a:ext cx="2315824" cy="1395330"/>
           </a:xfrm>
           <a:prstGeom prst="rect">
             <a:avLst/>
@@ -10313,6 +14298,1690 @@
           </a:p>
         </p:txBody>
       </p:sp>
+      <p:sp>
+        <p:nvSpPr>
+          <p:cNvPr id="6" name="Rectangle 5">
+            <a:extLst>
+              <a:ext uri="{FF2B5EF4-FFF2-40B4-BE49-F238E27FC236}">
+                <a16:creationId xmlns:a16="http://schemas.microsoft.com/office/drawing/2014/main" id="{9A347F87-0A6A-AA9E-69B9-B4228156BDC3}"/>
+              </a:ext>
+            </a:extLst>
+          </p:cNvPr>
+          <p:cNvSpPr/>
+          <p:nvPr/>
+        </p:nvSpPr>
+        <p:spPr>
+          <a:xfrm>
+            <a:off x="7624131" y="2274112"/>
+            <a:ext cx="4367901" cy="1983418"/>
+          </a:xfrm>
+          <a:prstGeom prst="rect">
+            <a:avLst/>
+          </a:prstGeom>
+          <a:solidFill>
+            <a:schemeClr val="accent6">
+              <a:lumMod val="20000"/>
+              <a:lumOff val="80000"/>
+            </a:schemeClr>
+          </a:solidFill>
+          <a:ln>
+            <a:noFill/>
+          </a:ln>
+          <a:effectLst/>
+        </p:spPr>
+        <p:style>
+          <a:lnRef idx="1">
+            <a:schemeClr val="accent1"/>
+          </a:lnRef>
+          <a:fillRef idx="3">
+            <a:schemeClr val="accent1"/>
+          </a:fillRef>
+          <a:effectRef idx="2">
+            <a:schemeClr val="accent1"/>
+          </a:effectRef>
+          <a:fontRef idx="minor">
+            <a:schemeClr val="lt1"/>
+          </a:fontRef>
+        </p:style>
+        <p:txBody>
+          <a:bodyPr rot="0" spcFirstLastPara="0" vertOverflow="overflow" horzOverflow="overflow" vert="horz" wrap="square" lIns="91440" tIns="45720" rIns="91440" bIns="45720" numCol="1" spcCol="0" rtlCol="0" fromWordArt="0" anchor="ctr" anchorCtr="0" forceAA="0" compatLnSpc="1">
+            <a:prstTxWarp prst="textNoShape">
+              <a:avLst/>
+            </a:prstTxWarp>
+            <a:noAutofit/>
+          </a:bodyPr>
+          <a:lstStyle/>
+          <a:p>
+            <a:pPr algn="ctr"/>
+            <a:endParaRPr lang="de-DE"/>
+          </a:p>
+        </p:txBody>
+      </p:sp>
+      <p:sp>
+        <p:nvSpPr>
+          <p:cNvPr id="7" name="TextBox 6">
+            <a:extLst>
+              <a:ext uri="{FF2B5EF4-FFF2-40B4-BE49-F238E27FC236}">
+                <a16:creationId xmlns:a16="http://schemas.microsoft.com/office/drawing/2014/main" id="{4006FECC-DFF2-5523-6E13-1A748709C555}"/>
+              </a:ext>
+            </a:extLst>
+          </p:cNvPr>
+          <p:cNvSpPr txBox="1"/>
+          <p:nvPr/>
+        </p:nvSpPr>
+        <p:spPr>
+          <a:xfrm>
+            <a:off x="608664" y="3162611"/>
+            <a:ext cx="3302597" cy="1015663"/>
+          </a:xfrm>
+          <a:prstGeom prst="rect">
+            <a:avLst/>
+          </a:prstGeom>
+          <a:solidFill>
+            <a:schemeClr val="accent3">
+              <a:lumMod val="20000"/>
+              <a:lumOff val="80000"/>
+            </a:schemeClr>
+          </a:solidFill>
+          <a:ln>
+            <a:solidFill>
+              <a:schemeClr val="tx1"/>
+            </a:solidFill>
+          </a:ln>
+        </p:spPr>
+        <p:txBody>
+          <a:bodyPr wrap="square" rtlCol="0">
+            <a:spAutoFit/>
+          </a:bodyPr>
+          <a:lstStyle/>
+          <a:p>
+            <a:pPr algn="ctr"/>
+            <a:endParaRPr lang="de-DE" sz="2000" dirty="0"/>
+          </a:p>
+          <a:p>
+            <a:pPr algn="ctr"/>
+            <a:endParaRPr lang="de-DE" sz="2000" dirty="0"/>
+          </a:p>
+          <a:p>
+            <a:pPr algn="ctr"/>
+            <a:r>
+              <a:rPr lang="de-DE" sz="2000" dirty="0"/>
+              <a:t> </a:t>
+            </a:r>
+          </a:p>
+        </p:txBody>
+      </p:sp>
+      <p:grpSp>
+        <p:nvGrpSpPr>
+          <p:cNvPr id="8" name="Group 7">
+            <a:extLst>
+              <a:ext uri="{FF2B5EF4-FFF2-40B4-BE49-F238E27FC236}">
+                <a16:creationId xmlns:a16="http://schemas.microsoft.com/office/drawing/2014/main" id="{0AAB150C-522D-15EE-8652-AAB893D280BE}"/>
+              </a:ext>
+            </a:extLst>
+          </p:cNvPr>
+          <p:cNvGrpSpPr/>
+          <p:nvPr/>
+        </p:nvGrpSpPr>
+        <p:grpSpPr>
+          <a:xfrm>
+            <a:off x="647120" y="2351924"/>
+            <a:ext cx="3453098" cy="803299"/>
+            <a:chOff x="-499595" y="706926"/>
+            <a:chExt cx="3453098" cy="803299"/>
+          </a:xfrm>
+        </p:grpSpPr>
+        <p:sp>
+          <p:nvSpPr>
+            <p:cNvPr id="9" name="TextBox 8">
+              <a:extLst>
+                <a:ext uri="{FF2B5EF4-FFF2-40B4-BE49-F238E27FC236}">
+                  <a16:creationId xmlns:a16="http://schemas.microsoft.com/office/drawing/2014/main" id="{AB9573D7-610E-B8AF-461E-532851BEDE78}"/>
+                </a:ext>
+              </a:extLst>
+            </p:cNvPr>
+            <p:cNvSpPr txBox="1"/>
+            <p:nvPr/>
+          </p:nvSpPr>
+          <p:spPr>
+            <a:xfrm>
+              <a:off x="-499595" y="706926"/>
+              <a:ext cx="1497640" cy="400110"/>
+            </a:xfrm>
+            <a:prstGeom prst="rect">
+              <a:avLst/>
+            </a:prstGeom>
+            <a:solidFill>
+              <a:schemeClr val="accent4">
+                <a:lumMod val="20000"/>
+                <a:lumOff val="80000"/>
+              </a:schemeClr>
+            </a:solidFill>
+            <a:ln>
+              <a:solidFill>
+                <a:schemeClr val="tx1"/>
+              </a:solidFill>
+            </a:ln>
+          </p:spPr>
+          <p:txBody>
+            <a:bodyPr wrap="square" rtlCol="0">
+              <a:spAutoFit/>
+            </a:bodyPr>
+            <a:lstStyle/>
+            <a:p>
+              <a:pPr algn="ctr"/>
+              <a:r>
+                <a:rPr lang="de-DE" sz="2000" dirty="0"/>
+                <a:t>QT8-touch</a:t>
+              </a:r>
+            </a:p>
+          </p:txBody>
+        </p:sp>
+        <p:sp>
+          <p:nvSpPr>
+            <p:cNvPr id="11" name="TextBox 10">
+              <a:extLst>
+                <a:ext uri="{FF2B5EF4-FFF2-40B4-BE49-F238E27FC236}">
+                  <a16:creationId xmlns:a16="http://schemas.microsoft.com/office/drawing/2014/main" id="{67F4FE54-2E0B-C1ED-F97C-D0639CDB2D5F}"/>
+                </a:ext>
+              </a:extLst>
+            </p:cNvPr>
+            <p:cNvSpPr txBox="1"/>
+            <p:nvPr/>
+          </p:nvSpPr>
+          <p:spPr>
+            <a:xfrm>
+              <a:off x="1455863" y="706926"/>
+              <a:ext cx="1497640" cy="400110"/>
+            </a:xfrm>
+            <a:prstGeom prst="rect">
+              <a:avLst/>
+            </a:prstGeom>
+            <a:solidFill>
+              <a:schemeClr val="accent4">
+                <a:lumMod val="20000"/>
+                <a:lumOff val="80000"/>
+              </a:schemeClr>
+            </a:solidFill>
+            <a:ln>
+              <a:solidFill>
+                <a:schemeClr val="tx1"/>
+              </a:solidFill>
+            </a:ln>
+          </p:spPr>
+          <p:txBody>
+            <a:bodyPr wrap="square" rtlCol="0">
+              <a:spAutoFit/>
+            </a:bodyPr>
+            <a:lstStyle/>
+            <a:p>
+              <a:pPr algn="ctr"/>
+              <a:r>
+                <a:rPr lang="de-DE" sz="2000" dirty="0"/>
+                <a:t>clickTouch</a:t>
+              </a:r>
+            </a:p>
+          </p:txBody>
+        </p:sp>
+        <p:cxnSp>
+          <p:nvCxnSpPr>
+            <p:cNvPr id="12" name="Straight Arrow Connector 11">
+              <a:extLst>
+                <a:ext uri="{FF2B5EF4-FFF2-40B4-BE49-F238E27FC236}">
+                  <a16:creationId xmlns:a16="http://schemas.microsoft.com/office/drawing/2014/main" id="{20FD52BC-4D69-6278-3F95-2E88832234F1}"/>
+                </a:ext>
+              </a:extLst>
+            </p:cNvPr>
+            <p:cNvCxnSpPr>
+              <a:cxnSpLocks/>
+              <a:stCxn id="11" idx="2"/>
+              <a:endCxn id="13" idx="0"/>
+            </p:cNvCxnSpPr>
+            <p:nvPr/>
+          </p:nvCxnSpPr>
+          <p:spPr>
+            <a:xfrm flipH="1">
+              <a:off x="2142764" y="1107036"/>
+              <a:ext cx="61919" cy="403189"/>
+            </a:xfrm>
+            <a:prstGeom prst="straightConnector1">
+              <a:avLst/>
+            </a:prstGeom>
+            <a:ln>
+              <a:tailEnd type="triangle"/>
+            </a:ln>
+            <a:effectLst/>
+          </p:spPr>
+          <p:style>
+            <a:lnRef idx="2">
+              <a:schemeClr val="accent1"/>
+            </a:lnRef>
+            <a:fillRef idx="0">
+              <a:schemeClr val="accent1"/>
+            </a:fillRef>
+            <a:effectRef idx="1">
+              <a:schemeClr val="accent1"/>
+            </a:effectRef>
+            <a:fontRef idx="minor">
+              <a:schemeClr val="tx1"/>
+            </a:fontRef>
+          </p:style>
+        </p:cxnSp>
+      </p:grpSp>
+      <p:sp>
+        <p:nvSpPr>
+          <p:cNvPr id="13" name="TextBox 12">
+            <a:extLst>
+              <a:ext uri="{FF2B5EF4-FFF2-40B4-BE49-F238E27FC236}">
+                <a16:creationId xmlns:a16="http://schemas.microsoft.com/office/drawing/2014/main" id="{23E91024-FF2E-364D-76AD-C06584045F55}"/>
+              </a:ext>
+            </a:extLst>
+          </p:cNvPr>
+          <p:cNvSpPr txBox="1"/>
+          <p:nvPr/>
+        </p:nvSpPr>
+        <p:spPr>
+          <a:xfrm>
+            <a:off x="3032562" y="3155223"/>
+            <a:ext cx="513834" cy="307777"/>
+          </a:xfrm>
+          <a:prstGeom prst="rect">
+            <a:avLst/>
+          </a:prstGeom>
+          <a:noFill/>
+          <a:ln>
+            <a:solidFill>
+              <a:schemeClr val="tx1"/>
+            </a:solidFill>
+          </a:ln>
+        </p:spPr>
+        <p:txBody>
+          <a:bodyPr wrap="square" rtlCol="0">
+            <a:spAutoFit/>
+          </a:bodyPr>
+          <a:lstStyle/>
+          <a:p>
+            <a:pPr algn="ctr"/>
+            <a:r>
+              <a:rPr lang="de-DE" sz="1400" dirty="0"/>
+              <a:t>I2C</a:t>
+            </a:r>
+          </a:p>
+        </p:txBody>
+      </p:sp>
+      <p:sp>
+        <p:nvSpPr>
+          <p:cNvPr id="14" name="TextBox 13">
+            <a:extLst>
+              <a:ext uri="{FF2B5EF4-FFF2-40B4-BE49-F238E27FC236}">
+                <a16:creationId xmlns:a16="http://schemas.microsoft.com/office/drawing/2014/main" id="{3EF1AF7D-8B6A-5D48-71FE-FC131E84B82C}"/>
+              </a:ext>
+            </a:extLst>
+          </p:cNvPr>
+          <p:cNvSpPr txBox="1"/>
+          <p:nvPr/>
+        </p:nvSpPr>
+        <p:spPr>
+          <a:xfrm>
+            <a:off x="3312942" y="3729377"/>
+            <a:ext cx="598319" cy="307777"/>
+          </a:xfrm>
+          <a:prstGeom prst="rect">
+            <a:avLst/>
+          </a:prstGeom>
+          <a:noFill/>
+          <a:ln>
+            <a:solidFill>
+              <a:schemeClr val="tx1"/>
+            </a:solidFill>
+          </a:ln>
+        </p:spPr>
+        <p:txBody>
+          <a:bodyPr wrap="square" rtlCol="0">
+            <a:spAutoFit/>
+          </a:bodyPr>
+          <a:lstStyle/>
+          <a:p>
+            <a:pPr algn="ctr"/>
+            <a:r>
+              <a:rPr lang="de-DE" sz="1400" dirty="0"/>
+              <a:t>UART</a:t>
+            </a:r>
+          </a:p>
+        </p:txBody>
+      </p:sp>
+      <p:cxnSp>
+        <p:nvCxnSpPr>
+          <p:cNvPr id="15" name="Straight Arrow Connector 14">
+            <a:extLst>
+              <a:ext uri="{FF2B5EF4-FFF2-40B4-BE49-F238E27FC236}">
+                <a16:creationId xmlns:a16="http://schemas.microsoft.com/office/drawing/2014/main" id="{3E5306EA-EB98-6778-AACB-6567C08ED8B3}"/>
+              </a:ext>
+            </a:extLst>
+          </p:cNvPr>
+          <p:cNvCxnSpPr>
+            <a:cxnSpLocks/>
+            <a:stCxn id="14" idx="3"/>
+          </p:cNvCxnSpPr>
+          <p:nvPr/>
+        </p:nvCxnSpPr>
+        <p:spPr>
+          <a:xfrm>
+            <a:off x="3911261" y="3883266"/>
+            <a:ext cx="377914" cy="0"/>
+          </a:xfrm>
+          <a:prstGeom prst="straightConnector1">
+            <a:avLst/>
+          </a:prstGeom>
+          <a:ln>
+            <a:tailEnd type="triangle"/>
+          </a:ln>
+          <a:effectLst/>
+        </p:spPr>
+        <p:style>
+          <a:lnRef idx="2">
+            <a:schemeClr val="accent1"/>
+          </a:lnRef>
+          <a:fillRef idx="0">
+            <a:schemeClr val="accent1"/>
+          </a:fillRef>
+          <a:effectRef idx="1">
+            <a:schemeClr val="accent1"/>
+          </a:effectRef>
+          <a:fontRef idx="minor">
+            <a:schemeClr val="tx1"/>
+          </a:fontRef>
+        </p:style>
+      </p:cxnSp>
+      <p:grpSp>
+        <p:nvGrpSpPr>
+          <p:cNvPr id="16" name="Group 15">
+            <a:extLst>
+              <a:ext uri="{FF2B5EF4-FFF2-40B4-BE49-F238E27FC236}">
+                <a16:creationId xmlns:a16="http://schemas.microsoft.com/office/drawing/2014/main" id="{E7D20482-7E50-0BF8-63EE-486B37DF99F7}"/>
+              </a:ext>
+            </a:extLst>
+          </p:cNvPr>
+          <p:cNvGrpSpPr/>
+          <p:nvPr/>
+        </p:nvGrpSpPr>
+        <p:grpSpPr>
+          <a:xfrm>
+            <a:off x="6414716" y="3514345"/>
+            <a:ext cx="1162350" cy="656217"/>
+            <a:chOff x="5989164" y="2395959"/>
+            <a:chExt cx="1162350" cy="656217"/>
+          </a:xfrm>
+        </p:grpSpPr>
+        <p:sp>
+          <p:nvSpPr>
+            <p:cNvPr id="17" name="Cube 16">
+              <a:extLst>
+                <a:ext uri="{FF2B5EF4-FFF2-40B4-BE49-F238E27FC236}">
+                  <a16:creationId xmlns:a16="http://schemas.microsoft.com/office/drawing/2014/main" id="{57D4D87F-3BFF-CDE5-D00E-4B3E002E17DC}"/>
+                </a:ext>
+              </a:extLst>
+            </p:cNvPr>
+            <p:cNvSpPr/>
+            <p:nvPr/>
+          </p:nvSpPr>
+          <p:spPr>
+            <a:xfrm>
+              <a:off x="5989164" y="2395959"/>
+              <a:ext cx="1162350" cy="656217"/>
+            </a:xfrm>
+            <a:prstGeom prst="cube">
+              <a:avLst/>
+            </a:prstGeom>
+            <a:solidFill>
+              <a:schemeClr val="accent3">
+                <a:lumMod val="60000"/>
+                <a:lumOff val="40000"/>
+              </a:schemeClr>
+            </a:solidFill>
+            <a:ln>
+              <a:noFill/>
+            </a:ln>
+            <a:effectLst/>
+          </p:spPr>
+          <p:style>
+            <a:lnRef idx="1">
+              <a:schemeClr val="accent1"/>
+            </a:lnRef>
+            <a:fillRef idx="3">
+              <a:schemeClr val="accent1"/>
+            </a:fillRef>
+            <a:effectRef idx="2">
+              <a:schemeClr val="accent1"/>
+            </a:effectRef>
+            <a:fontRef idx="minor">
+              <a:schemeClr val="lt1"/>
+            </a:fontRef>
+          </p:style>
+          <p:txBody>
+            <a:bodyPr rot="0" spcFirstLastPara="0" vertOverflow="overflow" horzOverflow="overflow" vert="horz" wrap="square" lIns="91440" tIns="45720" rIns="91440" bIns="45720" numCol="1" spcCol="0" rtlCol="0" fromWordArt="0" anchor="ctr" anchorCtr="0" forceAA="0" compatLnSpc="1">
+              <a:prstTxWarp prst="textNoShape">
+                <a:avLst/>
+              </a:prstTxWarp>
+              <a:noAutofit/>
+            </a:bodyPr>
+            <a:lstStyle/>
+            <a:p>
+              <a:pPr algn="ctr"/>
+              <a:endParaRPr lang="de-DE"/>
+            </a:p>
+          </p:txBody>
+        </p:sp>
+        <p:sp>
+          <p:nvSpPr>
+            <p:cNvPr id="18" name="TextBox 17">
+              <a:extLst>
+                <a:ext uri="{FF2B5EF4-FFF2-40B4-BE49-F238E27FC236}">
+                  <a16:creationId xmlns:a16="http://schemas.microsoft.com/office/drawing/2014/main" id="{0D338E83-E72C-C910-DC4C-9E69309630A0}"/>
+                </a:ext>
+              </a:extLst>
+            </p:cNvPr>
+            <p:cNvSpPr txBox="1"/>
+            <p:nvPr/>
+          </p:nvSpPr>
+          <p:spPr>
+            <a:xfrm>
+              <a:off x="6213011" y="2654589"/>
+              <a:ext cx="598319" cy="307777"/>
+            </a:xfrm>
+            <a:prstGeom prst="rect">
+              <a:avLst/>
+            </a:prstGeom>
+            <a:noFill/>
+            <a:ln>
+              <a:solidFill>
+                <a:schemeClr val="tx1"/>
+              </a:solidFill>
+            </a:ln>
+          </p:spPr>
+          <p:txBody>
+            <a:bodyPr wrap="square" rtlCol="0">
+              <a:spAutoFit/>
+            </a:bodyPr>
+            <a:lstStyle/>
+            <a:p>
+              <a:pPr algn="ctr"/>
+              <a:r>
+                <a:rPr lang="de-DE" sz="1400" dirty="0"/>
+                <a:t>PC</a:t>
+              </a:r>
+            </a:p>
+          </p:txBody>
+        </p:sp>
+      </p:grpSp>
+      <p:sp>
+        <p:nvSpPr>
+          <p:cNvPr id="19" name="TextBox 18">
+            <a:extLst>
+              <a:ext uri="{FF2B5EF4-FFF2-40B4-BE49-F238E27FC236}">
+                <a16:creationId xmlns:a16="http://schemas.microsoft.com/office/drawing/2014/main" id="{097896B3-59C1-DB03-CA9E-95819F35159F}"/>
+              </a:ext>
+            </a:extLst>
+          </p:cNvPr>
+          <p:cNvSpPr txBox="1"/>
+          <p:nvPr/>
+        </p:nvSpPr>
+        <p:spPr>
+          <a:xfrm>
+            <a:off x="8115242" y="2302959"/>
+            <a:ext cx="842740" cy="307777"/>
+          </a:xfrm>
+          <a:prstGeom prst="rect">
+            <a:avLst/>
+          </a:prstGeom>
+          <a:noFill/>
+          <a:ln>
+            <a:noFill/>
+          </a:ln>
+        </p:spPr>
+        <p:txBody>
+          <a:bodyPr wrap="square" rtlCol="0">
+            <a:spAutoFit/>
+          </a:bodyPr>
+          <a:lstStyle/>
+          <a:p>
+            <a:pPr algn="ctr"/>
+            <a:r>
+              <a:rPr lang="de-DE" sz="1400" b="1" i="1" dirty="0"/>
+              <a:t>python</a:t>
+            </a:r>
+          </a:p>
+        </p:txBody>
+      </p:sp>
+      <p:cxnSp>
+        <p:nvCxnSpPr>
+          <p:cNvPr id="20" name="Straight Arrow Connector 19">
+            <a:extLst>
+              <a:ext uri="{FF2B5EF4-FFF2-40B4-BE49-F238E27FC236}">
+                <a16:creationId xmlns:a16="http://schemas.microsoft.com/office/drawing/2014/main" id="{AA1BD013-76B2-B4A4-A6C9-60B8D058F5ED}"/>
+              </a:ext>
+            </a:extLst>
+          </p:cNvPr>
+          <p:cNvCxnSpPr>
+            <a:cxnSpLocks/>
+            <a:stCxn id="17" idx="5"/>
+          </p:cNvCxnSpPr>
+          <p:nvPr/>
+        </p:nvCxnSpPr>
+        <p:spPr>
+          <a:xfrm flipV="1">
+            <a:off x="7577066" y="3549113"/>
+            <a:ext cx="905980" cy="211313"/>
+          </a:xfrm>
+          <a:prstGeom prst="straightConnector1">
+            <a:avLst/>
+          </a:prstGeom>
+          <a:ln>
+            <a:tailEnd type="triangle"/>
+          </a:ln>
+          <a:effectLst/>
+        </p:spPr>
+        <p:style>
+          <a:lnRef idx="2">
+            <a:schemeClr val="accent1"/>
+          </a:lnRef>
+          <a:fillRef idx="0">
+            <a:schemeClr val="accent1"/>
+          </a:fillRef>
+          <a:effectRef idx="1">
+            <a:schemeClr val="accent1"/>
+          </a:effectRef>
+          <a:fontRef idx="minor">
+            <a:schemeClr val="tx1"/>
+          </a:fontRef>
+        </p:style>
+      </p:cxnSp>
+      <p:sp>
+        <p:nvSpPr>
+          <p:cNvPr id="21" name="TextBox 20">
+            <a:extLst>
+              <a:ext uri="{FF2B5EF4-FFF2-40B4-BE49-F238E27FC236}">
+                <a16:creationId xmlns:a16="http://schemas.microsoft.com/office/drawing/2014/main" id="{9F37F307-98CD-1813-B8B9-DBE77D53F374}"/>
+              </a:ext>
+            </a:extLst>
+          </p:cNvPr>
+          <p:cNvSpPr txBox="1"/>
+          <p:nvPr/>
+        </p:nvSpPr>
+        <p:spPr>
+          <a:xfrm>
+            <a:off x="7652617" y="3180248"/>
+            <a:ext cx="464477" cy="307777"/>
+          </a:xfrm>
+          <a:prstGeom prst="rect">
+            <a:avLst/>
+          </a:prstGeom>
+          <a:noFill/>
+          <a:ln>
+            <a:solidFill>
+              <a:schemeClr val="tx1"/>
+            </a:solidFill>
+          </a:ln>
+        </p:spPr>
+        <p:txBody>
+          <a:bodyPr wrap="square" rtlCol="0">
+            <a:spAutoFit/>
+          </a:bodyPr>
+          <a:lstStyle/>
+          <a:p>
+            <a:r>
+              <a:rPr lang="de-DE" sz="1400" dirty="0"/>
+              <a:t>x,y</a:t>
+            </a:r>
+          </a:p>
+        </p:txBody>
+      </p:sp>
+      <p:sp>
+        <p:nvSpPr>
+          <p:cNvPr id="23" name="TextBox 22">
+            <a:extLst>
+              <a:ext uri="{FF2B5EF4-FFF2-40B4-BE49-F238E27FC236}">
+                <a16:creationId xmlns:a16="http://schemas.microsoft.com/office/drawing/2014/main" id="{78B89173-3B7F-B18B-54E4-1C10B74DE8D5}"/>
+              </a:ext>
+            </a:extLst>
+          </p:cNvPr>
+          <p:cNvSpPr txBox="1"/>
+          <p:nvPr/>
+        </p:nvSpPr>
+        <p:spPr>
+          <a:xfrm>
+            <a:off x="8221880" y="2579280"/>
+            <a:ext cx="3507468" cy="1600438"/>
+          </a:xfrm>
+          <a:prstGeom prst="rect">
+            <a:avLst/>
+          </a:prstGeom>
+          <a:noFill/>
+          <a:ln>
+            <a:solidFill>
+              <a:schemeClr val="tx1"/>
+            </a:solidFill>
+          </a:ln>
+        </p:spPr>
+        <p:txBody>
+          <a:bodyPr wrap="square" rtlCol="0">
+            <a:spAutoFit/>
+          </a:bodyPr>
+          <a:lstStyle/>
+          <a:p>
+            <a:pPr marL="342900" indent="-342900">
+              <a:buFont typeface="+mj-lt"/>
+              <a:buAutoNum type="arabicPeriod"/>
+            </a:pPr>
+            <a:r>
+              <a:rPr lang="de-DE" sz="1400" dirty="0"/>
+              <a:t>moveMouseOnScreen</a:t>
+            </a:r>
+            <a:br>
+              <a:rPr lang="de-DE" sz="1400" dirty="0"/>
+            </a:br>
+            <a:r>
+              <a:rPr lang="de-DE" sz="1400" dirty="0"/>
+              <a:t> -&gt; winLib see last slide</a:t>
+            </a:r>
+          </a:p>
+          <a:p>
+            <a:pPr marL="342900" indent="-342900">
+              <a:buFont typeface="+mj-lt"/>
+              <a:buAutoNum type="arabicPeriod"/>
+            </a:pPr>
+            <a:r>
+              <a:rPr lang="de-DE" sz="1400" dirty="0"/>
+              <a:t>analyzing x,y-inputs and maybe FFT over it, we could maybe detect a button-press and with python then indicate this - eg: different icon, like filled-hand vs not-filled-hand that just moves</a:t>
+            </a:r>
+          </a:p>
+        </p:txBody>
+      </p:sp>
+      <p:sp>
+        <p:nvSpPr>
+          <p:cNvPr id="24" name="TextBox 23">
+            <a:extLst>
+              <a:ext uri="{FF2B5EF4-FFF2-40B4-BE49-F238E27FC236}">
+                <a16:creationId xmlns:a16="http://schemas.microsoft.com/office/drawing/2014/main" id="{14948AB1-FB59-932E-5281-C217FEF1A212}"/>
+              </a:ext>
+            </a:extLst>
+          </p:cNvPr>
+          <p:cNvSpPr txBox="1"/>
+          <p:nvPr/>
+        </p:nvSpPr>
+        <p:spPr>
+          <a:xfrm>
+            <a:off x="425617" y="4358372"/>
+            <a:ext cx="3653437" cy="2123658"/>
+          </a:xfrm>
+          <a:prstGeom prst="rect">
+            <a:avLst/>
+          </a:prstGeom>
+          <a:solidFill>
+            <a:schemeClr val="accent2">
+              <a:lumMod val="60000"/>
+              <a:lumOff val="40000"/>
+            </a:schemeClr>
+          </a:solidFill>
+          <a:ln>
+            <a:solidFill>
+              <a:schemeClr val="tx1"/>
+            </a:solidFill>
+          </a:ln>
+        </p:spPr>
+        <p:txBody>
+          <a:bodyPr wrap="square" rtlCol="0">
+            <a:spAutoFit/>
+          </a:bodyPr>
+          <a:lstStyle/>
+          <a:p>
+            <a:r>
+              <a:rPr lang="de-DE" sz="1200" b="1" u="sng" dirty="0"/>
+              <a:t>comm to sensor</a:t>
+            </a:r>
+          </a:p>
+          <a:p>
+            <a:pPr marL="177800" indent="-177800">
+              <a:buFont typeface="Arial" panose="020B0604020202020204" pitchFamily="34" charset="0"/>
+              <a:buChar char="•"/>
+            </a:pPr>
+            <a:r>
+              <a:rPr lang="de-DE" sz="1200" dirty="0"/>
+              <a:t>initSens()</a:t>
+            </a:r>
+          </a:p>
+          <a:p>
+            <a:pPr marL="450850" lvl="1" indent="-177800">
+              <a:buFont typeface="Symbol" panose="05050102010706020507" pitchFamily="18" charset="2"/>
+              <a:buChar char="-"/>
+            </a:pPr>
+            <a:r>
+              <a:rPr lang="de-DE" sz="1200" dirty="0"/>
+              <a:t>initTouch()</a:t>
+            </a:r>
+          </a:p>
+          <a:p>
+            <a:pPr marL="450850" lvl="1" indent="-177800">
+              <a:buFont typeface="Symbol" panose="05050102010706020507" pitchFamily="18" charset="2"/>
+              <a:buChar char="-"/>
+            </a:pPr>
+            <a:r>
+              <a:rPr lang="de-DE" sz="1200" dirty="0"/>
+              <a:t>initQT8()</a:t>
+            </a:r>
+          </a:p>
+          <a:p>
+            <a:pPr marL="177800" indent="-177800">
+              <a:buFont typeface="Arial" panose="020B0604020202020204" pitchFamily="34" charset="0"/>
+              <a:buChar char="•"/>
+            </a:pPr>
+            <a:r>
+              <a:rPr lang="de-DE" sz="1200" dirty="0"/>
+              <a:t>readSens() -&gt; call on if flag=set / flag set in ISR</a:t>
+            </a:r>
+          </a:p>
+          <a:p>
+            <a:pPr marL="450850" lvl="1" indent="-177800">
+              <a:buFont typeface="Symbol" panose="05050102010706020507" pitchFamily="18" charset="2"/>
+              <a:buChar char="-"/>
+            </a:pPr>
+            <a:r>
+              <a:rPr lang="de-DE" sz="1200" dirty="0"/>
+              <a:t>rdTouch()</a:t>
+            </a:r>
+          </a:p>
+          <a:p>
+            <a:pPr marL="450850" lvl="1" indent="-177800">
+              <a:buFont typeface="Symbol" panose="05050102010706020507" pitchFamily="18" charset="2"/>
+              <a:buChar char="-"/>
+            </a:pPr>
+            <a:r>
+              <a:rPr lang="de-DE" sz="1200" dirty="0"/>
+              <a:t>rdQT8()</a:t>
+            </a:r>
+          </a:p>
+          <a:p>
+            <a:pPr marL="450850" lvl="1" indent="-177800">
+              <a:buFont typeface="Symbol" panose="05050102010706020507" pitchFamily="18" charset="2"/>
+              <a:buChar char="-"/>
+            </a:pPr>
+            <a:r>
+              <a:rPr lang="de-DE" sz="1200" dirty="0"/>
+              <a:t>extractXY()</a:t>
+            </a:r>
+          </a:p>
+          <a:p>
+            <a:pPr marL="177800" indent="-177800">
+              <a:buFont typeface="Arial" panose="020B0604020202020204" pitchFamily="34" charset="0"/>
+              <a:buChar char="•"/>
+            </a:pPr>
+            <a:r>
+              <a:rPr lang="de-DE" sz="1200" dirty="0"/>
+              <a:t>sendToHost()</a:t>
+            </a:r>
+          </a:p>
+          <a:p>
+            <a:pPr marL="444500" lvl="1" indent="-173038">
+              <a:buFont typeface="Symbol" panose="05050102010706020507" pitchFamily="18" charset="2"/>
+              <a:buChar char="-"/>
+            </a:pPr>
+            <a:r>
+              <a:rPr lang="de-DE" sz="1200" dirty="0"/>
+              <a:t>...</a:t>
+            </a:r>
+          </a:p>
+          <a:p>
+            <a:r>
+              <a:rPr lang="de-DE" sz="1200" b="1" dirty="0"/>
+              <a:t>#eof</a:t>
+            </a:r>
+          </a:p>
+        </p:txBody>
+      </p:sp>
+      <p:cxnSp>
+        <p:nvCxnSpPr>
+          <p:cNvPr id="25" name="Straight Connector 24">
+            <a:extLst>
+              <a:ext uri="{FF2B5EF4-FFF2-40B4-BE49-F238E27FC236}">
+                <a16:creationId xmlns:a16="http://schemas.microsoft.com/office/drawing/2014/main" id="{1E5E8D2D-B3F7-4A07-AC30-A2ECE0A6F18A}"/>
+              </a:ext>
+            </a:extLst>
+          </p:cNvPr>
+          <p:cNvCxnSpPr/>
+          <p:nvPr/>
+        </p:nvCxnSpPr>
+        <p:spPr>
+          <a:xfrm>
+            <a:off x="4323758" y="2305645"/>
+            <a:ext cx="0" cy="4095195"/>
+          </a:xfrm>
+          <a:prstGeom prst="line">
+            <a:avLst/>
+          </a:prstGeom>
+          <a:effectLst/>
+        </p:spPr>
+        <p:style>
+          <a:lnRef idx="2">
+            <a:schemeClr val="accent1"/>
+          </a:lnRef>
+          <a:fillRef idx="0">
+            <a:schemeClr val="accent1"/>
+          </a:fillRef>
+          <a:effectRef idx="1">
+            <a:schemeClr val="accent1"/>
+          </a:effectRef>
+          <a:fontRef idx="minor">
+            <a:schemeClr val="tx1"/>
+          </a:fontRef>
+        </p:style>
+      </p:cxnSp>
+      <p:cxnSp>
+        <p:nvCxnSpPr>
+          <p:cNvPr id="26" name="Straight Connector 25">
+            <a:extLst>
+              <a:ext uri="{FF2B5EF4-FFF2-40B4-BE49-F238E27FC236}">
+                <a16:creationId xmlns:a16="http://schemas.microsoft.com/office/drawing/2014/main" id="{CE084D2F-7FCE-1F2A-9F26-61CF5651F52D}"/>
+              </a:ext>
+            </a:extLst>
+          </p:cNvPr>
+          <p:cNvCxnSpPr/>
+          <p:nvPr/>
+        </p:nvCxnSpPr>
+        <p:spPr>
+          <a:xfrm>
+            <a:off x="6209956" y="2312852"/>
+            <a:ext cx="0" cy="4095195"/>
+          </a:xfrm>
+          <a:prstGeom prst="line">
+            <a:avLst/>
+          </a:prstGeom>
+          <a:effectLst/>
+        </p:spPr>
+        <p:style>
+          <a:lnRef idx="2">
+            <a:schemeClr val="accent1"/>
+          </a:lnRef>
+          <a:fillRef idx="0">
+            <a:schemeClr val="accent1"/>
+          </a:fillRef>
+          <a:effectRef idx="1">
+            <a:schemeClr val="accent1"/>
+          </a:effectRef>
+          <a:fontRef idx="minor">
+            <a:schemeClr val="tx1"/>
+          </a:fontRef>
+        </p:style>
+      </p:cxnSp>
+      <p:sp>
+        <p:nvSpPr>
+          <p:cNvPr id="27" name="TextBox 26">
+            <a:extLst>
+              <a:ext uri="{FF2B5EF4-FFF2-40B4-BE49-F238E27FC236}">
+                <a16:creationId xmlns:a16="http://schemas.microsoft.com/office/drawing/2014/main" id="{4BF51BAF-EF96-344D-EC4B-4AC8B8FAEEAC}"/>
+              </a:ext>
+            </a:extLst>
+          </p:cNvPr>
+          <p:cNvSpPr txBox="1"/>
+          <p:nvPr/>
+        </p:nvSpPr>
+        <p:spPr>
+          <a:xfrm>
+            <a:off x="4395412" y="4383572"/>
+            <a:ext cx="1638609" cy="1938992"/>
+          </a:xfrm>
+          <a:prstGeom prst="rect">
+            <a:avLst/>
+          </a:prstGeom>
+          <a:solidFill>
+            <a:schemeClr val="accent2">
+              <a:lumMod val="60000"/>
+              <a:lumOff val="40000"/>
+            </a:schemeClr>
+          </a:solidFill>
+          <a:ln>
+            <a:solidFill>
+              <a:schemeClr val="tx1"/>
+            </a:solidFill>
+          </a:ln>
+        </p:spPr>
+        <p:txBody>
+          <a:bodyPr wrap="square" rtlCol="0">
+            <a:spAutoFit/>
+          </a:bodyPr>
+          <a:lstStyle/>
+          <a:p>
+            <a:r>
+              <a:rPr lang="de-DE" sz="1200" b="1" u="sng" dirty="0"/>
+              <a:t>use H3-modules</a:t>
+            </a:r>
+          </a:p>
+          <a:p>
+            <a:pPr marL="177800" indent="-177800">
+              <a:buFont typeface="Arial" panose="020B0604020202020204" pitchFamily="34" charset="0"/>
+              <a:buChar char="•"/>
+            </a:pPr>
+            <a:r>
+              <a:rPr lang="de-DE" sz="1200" dirty="0"/>
+              <a:t>console (UART,USB)</a:t>
+            </a:r>
+          </a:p>
+          <a:p>
+            <a:pPr marL="355600" lvl="1" indent="-177800">
+              <a:buFont typeface="Symbol" panose="05050102010706020507" pitchFamily="18" charset="2"/>
+              <a:buChar char="-"/>
+            </a:pPr>
+            <a:r>
+              <a:rPr lang="de-DE" sz="1200" dirty="0"/>
+              <a:t>mcuOutPos(X,Y)</a:t>
+            </a:r>
+          </a:p>
+          <a:p>
+            <a:pPr marL="177800" indent="-177800">
+              <a:buFont typeface="Arial" panose="020B0604020202020204" pitchFamily="34" charset="0"/>
+              <a:buChar char="•"/>
+            </a:pPr>
+            <a:r>
+              <a:rPr lang="de-DE" sz="1200" dirty="0"/>
+              <a:t>debug</a:t>
+            </a:r>
+          </a:p>
+          <a:p>
+            <a:pPr marL="355600" lvl="1" indent="-177800">
+              <a:buFont typeface="Symbol" panose="05050102010706020507" pitchFamily="18" charset="2"/>
+              <a:buChar char="-"/>
+            </a:pPr>
+            <a:r>
+              <a:rPr lang="de-DE" sz="1200" dirty="0"/>
+              <a:t>??needed?</a:t>
+            </a:r>
+          </a:p>
+          <a:p>
+            <a:pPr marL="177800" indent="-177800">
+              <a:buFont typeface="Arial" panose="020B0604020202020204" pitchFamily="34" charset="0"/>
+              <a:buChar char="•"/>
+            </a:pPr>
+            <a:r>
+              <a:rPr lang="de-DE" sz="1200" dirty="0"/>
+              <a:t>cmdIF</a:t>
+            </a:r>
+          </a:p>
+          <a:p>
+            <a:pPr marL="355600" lvl="1" indent="-177800">
+              <a:buFont typeface="Symbol" panose="05050102010706020507" pitchFamily="18" charset="2"/>
+              <a:buChar char="-"/>
+            </a:pPr>
+            <a:r>
+              <a:rPr lang="de-DE" sz="1200"/>
+              <a:t>mcuInSens() </a:t>
+            </a:r>
+            <a:br>
+              <a:rPr lang="de-DE" sz="1200"/>
+            </a:br>
+            <a:r>
+              <a:rPr lang="de-DE" sz="1200"/>
+              <a:t>-&gt; change </a:t>
+            </a:r>
+            <a:r>
+              <a:rPr lang="de-DE" sz="1200" dirty="0"/>
+              <a:t>activeSensor</a:t>
+            </a:r>
+          </a:p>
+          <a:p>
+            <a:pPr marL="0" lvl="1"/>
+            <a:r>
+              <a:rPr lang="de-DE" sz="1200" b="1" dirty="0"/>
+              <a:t>#eof</a:t>
+            </a:r>
+          </a:p>
+        </p:txBody>
+      </p:sp>
+      <p:sp>
+        <p:nvSpPr>
+          <p:cNvPr id="28" name="TextBox 27">
+            <a:extLst>
+              <a:ext uri="{FF2B5EF4-FFF2-40B4-BE49-F238E27FC236}">
+                <a16:creationId xmlns:a16="http://schemas.microsoft.com/office/drawing/2014/main" id="{C597F466-3BCC-2B4D-1A7D-643FF11734BC}"/>
+              </a:ext>
+            </a:extLst>
+          </p:cNvPr>
+          <p:cNvSpPr txBox="1"/>
+          <p:nvPr/>
+        </p:nvSpPr>
+        <p:spPr>
+          <a:xfrm>
+            <a:off x="6551014" y="4354659"/>
+            <a:ext cx="4239779" cy="1754326"/>
+          </a:xfrm>
+          <a:prstGeom prst="rect">
+            <a:avLst/>
+          </a:prstGeom>
+          <a:solidFill>
+            <a:schemeClr val="accent2">
+              <a:lumMod val="60000"/>
+              <a:lumOff val="40000"/>
+            </a:schemeClr>
+          </a:solidFill>
+          <a:ln>
+            <a:solidFill>
+              <a:schemeClr val="tx1"/>
+            </a:solidFill>
+          </a:ln>
+        </p:spPr>
+        <p:txBody>
+          <a:bodyPr wrap="square" rtlCol="0">
+            <a:spAutoFit/>
+          </a:bodyPr>
+          <a:lstStyle/>
+          <a:p>
+            <a:r>
+              <a:rPr lang="de-DE" sz="1200" b="1" u="sng" dirty="0"/>
+              <a:t>simulate mouse and animation x,y</a:t>
+            </a:r>
+          </a:p>
+          <a:p>
+            <a:pPr marL="177800" indent="-177800">
+              <a:buFont typeface="Arial" panose="020B0604020202020204" pitchFamily="34" charset="0"/>
+              <a:buChar char="•"/>
+            </a:pPr>
+            <a:r>
+              <a:rPr lang="de-DE" sz="1200" dirty="0"/>
+              <a:t>init() -&gt; selectIcon()</a:t>
+            </a:r>
+          </a:p>
+          <a:p>
+            <a:pPr marL="355600" lvl="1" indent="-177800">
+              <a:buFont typeface="Symbol" panose="05050102010706020507" pitchFamily="18" charset="2"/>
+              <a:buChar char="-"/>
+            </a:pPr>
+            <a:r>
+              <a:rPr lang="de-DE" sz="1200" dirty="0"/>
+              <a:t>read icon, eg: mouse, that will be moved on screen</a:t>
+            </a:r>
+          </a:p>
+          <a:p>
+            <a:pPr marL="177800" indent="-177800">
+              <a:buFont typeface="Arial" panose="020B0604020202020204" pitchFamily="34" charset="0"/>
+              <a:buChar char="•"/>
+            </a:pPr>
+            <a:r>
+              <a:rPr lang="de-DE" sz="1200" dirty="0"/>
+              <a:t>getXY() </a:t>
+            </a:r>
+          </a:p>
+          <a:p>
+            <a:pPr marL="355600" lvl="1" indent="-177800">
+              <a:buFont typeface="Symbol" panose="05050102010706020507" pitchFamily="18" charset="2"/>
+              <a:buChar char="-"/>
+            </a:pPr>
+            <a:r>
+              <a:rPr lang="de-DE" sz="1200" dirty="0"/>
+              <a:t>just read from keyboard in v1</a:t>
+            </a:r>
+          </a:p>
+          <a:p>
+            <a:pPr marL="355600" lvl="1" indent="-177800">
+              <a:buFont typeface="Symbol" panose="05050102010706020507" pitchFamily="18" charset="2"/>
+              <a:buChar char="-"/>
+            </a:pPr>
+            <a:r>
+              <a:rPr lang="de-DE" sz="1200" dirty="0"/>
+              <a:t>will come from MCU/realSensor later in v2</a:t>
+            </a:r>
+          </a:p>
+          <a:p>
+            <a:pPr marL="177800" indent="-177800">
+              <a:buFont typeface="Arial" panose="020B0604020202020204" pitchFamily="34" charset="0"/>
+              <a:buChar char="•"/>
+            </a:pPr>
+            <a:r>
+              <a:rPr lang="de-DE" sz="1200" dirty="0"/>
+              <a:t>moveIcon(x,y)</a:t>
+            </a:r>
+          </a:p>
+          <a:p>
+            <a:pPr marL="355600" lvl="1" indent="-177800">
+              <a:buFont typeface="Symbol" panose="05050102010706020507" pitchFamily="18" charset="2"/>
+              <a:buChar char="-"/>
+            </a:pPr>
+            <a:r>
+              <a:rPr lang="de-DE" sz="1200" dirty="0"/>
+              <a:t>use winCalls (last slide) to move icon</a:t>
+            </a:r>
+          </a:p>
+          <a:p>
+            <a:pPr marL="0" lvl="1"/>
+            <a:r>
+              <a:rPr lang="de-DE" sz="1200" b="1" dirty="0"/>
+              <a:t>#eof</a:t>
+            </a:r>
+          </a:p>
+        </p:txBody>
+      </p:sp>
+      <p:cxnSp>
+        <p:nvCxnSpPr>
+          <p:cNvPr id="29" name="Straight Arrow Connector 28">
+            <a:extLst>
+              <a:ext uri="{FF2B5EF4-FFF2-40B4-BE49-F238E27FC236}">
+                <a16:creationId xmlns:a16="http://schemas.microsoft.com/office/drawing/2014/main" id="{1A98F64B-51C0-E6C3-D4BA-3DBB96BE8714}"/>
+              </a:ext>
+            </a:extLst>
+          </p:cNvPr>
+          <p:cNvCxnSpPr>
+            <a:cxnSpLocks/>
+          </p:cNvCxnSpPr>
+          <p:nvPr/>
+        </p:nvCxnSpPr>
+        <p:spPr>
+          <a:xfrm>
+            <a:off x="4441520" y="3883266"/>
+            <a:ext cx="1622310" cy="0"/>
+          </a:xfrm>
+          <a:prstGeom prst="straightConnector1">
+            <a:avLst/>
+          </a:prstGeom>
+          <a:ln>
+            <a:tailEnd type="triangle"/>
+          </a:ln>
+          <a:effectLst/>
+        </p:spPr>
+        <p:style>
+          <a:lnRef idx="2">
+            <a:schemeClr val="accent1"/>
+          </a:lnRef>
+          <a:fillRef idx="0">
+            <a:schemeClr val="accent1"/>
+          </a:fillRef>
+          <a:effectRef idx="1">
+            <a:schemeClr val="accent1"/>
+          </a:effectRef>
+          <a:fontRef idx="minor">
+            <a:schemeClr val="tx1"/>
+          </a:fontRef>
+        </p:style>
+      </p:cxnSp>
+      <p:cxnSp>
+        <p:nvCxnSpPr>
+          <p:cNvPr id="30" name="Straight Arrow Connector 29">
+            <a:extLst>
+              <a:ext uri="{FF2B5EF4-FFF2-40B4-BE49-F238E27FC236}">
+                <a16:creationId xmlns:a16="http://schemas.microsoft.com/office/drawing/2014/main" id="{C9C8F2F1-D2DF-DA50-CC53-867A6B00C016}"/>
+              </a:ext>
+            </a:extLst>
+          </p:cNvPr>
+          <p:cNvCxnSpPr>
+            <a:cxnSpLocks/>
+          </p:cNvCxnSpPr>
+          <p:nvPr/>
+        </p:nvCxnSpPr>
+        <p:spPr>
+          <a:xfrm flipV="1">
+            <a:off x="6094412" y="3840153"/>
+            <a:ext cx="405634" cy="43113"/>
+          </a:xfrm>
+          <a:prstGeom prst="straightConnector1">
+            <a:avLst/>
+          </a:prstGeom>
+          <a:ln>
+            <a:tailEnd type="triangle"/>
+          </a:ln>
+          <a:effectLst/>
+        </p:spPr>
+        <p:style>
+          <a:lnRef idx="2">
+            <a:schemeClr val="accent1"/>
+          </a:lnRef>
+          <a:fillRef idx="0">
+            <a:schemeClr val="accent1"/>
+          </a:fillRef>
+          <a:effectRef idx="1">
+            <a:schemeClr val="accent1"/>
+          </a:effectRef>
+          <a:fontRef idx="minor">
+            <a:schemeClr val="tx1"/>
+          </a:fontRef>
+        </p:style>
+      </p:cxnSp>
+      <p:cxnSp>
+        <p:nvCxnSpPr>
+          <p:cNvPr id="38" name="Straight Arrow Connector 37">
+            <a:extLst>
+              <a:ext uri="{FF2B5EF4-FFF2-40B4-BE49-F238E27FC236}">
+                <a16:creationId xmlns:a16="http://schemas.microsoft.com/office/drawing/2014/main" id="{E053F3AD-C37A-709D-8E3E-E0A79A222D84}"/>
+              </a:ext>
+            </a:extLst>
+          </p:cNvPr>
+          <p:cNvCxnSpPr>
+            <a:cxnSpLocks/>
+            <a:stCxn id="9" idx="2"/>
+          </p:cNvCxnSpPr>
+          <p:nvPr/>
+        </p:nvCxnSpPr>
+        <p:spPr>
+          <a:xfrm>
+            <a:off x="1395940" y="2752034"/>
+            <a:ext cx="71899" cy="410577"/>
+          </a:xfrm>
+          <a:prstGeom prst="straightConnector1">
+            <a:avLst/>
+          </a:prstGeom>
+          <a:ln>
+            <a:tailEnd type="triangle"/>
+          </a:ln>
+          <a:effectLst/>
+        </p:spPr>
+        <p:style>
+          <a:lnRef idx="2">
+            <a:schemeClr val="accent1"/>
+          </a:lnRef>
+          <a:fillRef idx="0">
+            <a:schemeClr val="accent1"/>
+          </a:fillRef>
+          <a:effectRef idx="1">
+            <a:schemeClr val="accent1"/>
+          </a:effectRef>
+          <a:fontRef idx="minor">
+            <a:schemeClr val="tx1"/>
+          </a:fontRef>
+        </p:style>
+      </p:cxnSp>
+      <p:sp>
+        <p:nvSpPr>
+          <p:cNvPr id="41" name="TextBox 40">
+            <a:extLst>
+              <a:ext uri="{FF2B5EF4-FFF2-40B4-BE49-F238E27FC236}">
+                <a16:creationId xmlns:a16="http://schemas.microsoft.com/office/drawing/2014/main" id="{1E18AEA6-187E-C468-7BFB-9513A0B19A8B}"/>
+              </a:ext>
+            </a:extLst>
+          </p:cNvPr>
+          <p:cNvSpPr txBox="1"/>
+          <p:nvPr/>
+        </p:nvSpPr>
+        <p:spPr>
+          <a:xfrm>
+            <a:off x="1210922" y="3155223"/>
+            <a:ext cx="513834" cy="307777"/>
+          </a:xfrm>
+          <a:prstGeom prst="rect">
+            <a:avLst/>
+          </a:prstGeom>
+          <a:noFill/>
+          <a:ln>
+            <a:solidFill>
+              <a:schemeClr val="tx1"/>
+            </a:solidFill>
+          </a:ln>
+        </p:spPr>
+        <p:txBody>
+          <a:bodyPr wrap="square" rtlCol="0">
+            <a:spAutoFit/>
+          </a:bodyPr>
+          <a:lstStyle/>
+          <a:p>
+            <a:pPr algn="ctr"/>
+            <a:r>
+              <a:rPr lang="de-DE" sz="1400" dirty="0"/>
+              <a:t>PTC</a:t>
+            </a:r>
+          </a:p>
+        </p:txBody>
+      </p:sp>
+      <p:sp>
+        <p:nvSpPr>
+          <p:cNvPr id="42" name="TextBox 41">
+            <a:extLst>
+              <a:ext uri="{FF2B5EF4-FFF2-40B4-BE49-F238E27FC236}">
+                <a16:creationId xmlns:a16="http://schemas.microsoft.com/office/drawing/2014/main" id="{FE01A565-4DB4-B49A-5816-D4226C51D61D}"/>
+              </a:ext>
+            </a:extLst>
+          </p:cNvPr>
+          <p:cNvSpPr txBox="1"/>
+          <p:nvPr/>
+        </p:nvSpPr>
+        <p:spPr>
+          <a:xfrm>
+            <a:off x="1926264" y="3372991"/>
+            <a:ext cx="785868" cy="307777"/>
+          </a:xfrm>
+          <a:prstGeom prst="rect">
+            <a:avLst/>
+          </a:prstGeom>
+          <a:solidFill>
+            <a:schemeClr val="bg1">
+              <a:lumMod val="75000"/>
+            </a:schemeClr>
+          </a:solidFill>
+          <a:ln>
+            <a:noFill/>
+          </a:ln>
+        </p:spPr>
+        <p:txBody>
+          <a:bodyPr wrap="square" rtlCol="0">
+            <a:spAutoFit/>
+          </a:bodyPr>
+          <a:lstStyle/>
+          <a:p>
+            <a:pPr algn="ctr"/>
+            <a:r>
+              <a:rPr lang="de-DE" sz="1400" dirty="0"/>
+              <a:t>getXY()</a:t>
+            </a:r>
+          </a:p>
+        </p:txBody>
+      </p:sp>
+      <p:sp>
+        <p:nvSpPr>
+          <p:cNvPr id="43" name="TextBox 42">
+            <a:extLst>
+              <a:ext uri="{FF2B5EF4-FFF2-40B4-BE49-F238E27FC236}">
+                <a16:creationId xmlns:a16="http://schemas.microsoft.com/office/drawing/2014/main" id="{84E9C82A-1EF4-5DE4-1B48-BE91A3F85D95}"/>
+              </a:ext>
+            </a:extLst>
+          </p:cNvPr>
+          <p:cNvSpPr txBox="1"/>
+          <p:nvPr/>
+        </p:nvSpPr>
+        <p:spPr>
+          <a:xfrm>
+            <a:off x="1866830" y="3762709"/>
+            <a:ext cx="1374459" cy="307777"/>
+          </a:xfrm>
+          <a:prstGeom prst="rect">
+            <a:avLst/>
+          </a:prstGeom>
+          <a:solidFill>
+            <a:schemeClr val="bg1">
+              <a:lumMod val="75000"/>
+            </a:schemeClr>
+          </a:solidFill>
+          <a:ln>
+            <a:noFill/>
+          </a:ln>
+        </p:spPr>
+        <p:txBody>
+          <a:bodyPr wrap="square" rtlCol="0">
+            <a:spAutoFit/>
+          </a:bodyPr>
+          <a:lstStyle/>
+          <a:p>
+            <a:pPr algn="ctr"/>
+            <a:r>
+              <a:rPr lang="de-DE" sz="1400" dirty="0"/>
+              <a:t>sendToHost(x,y)</a:t>
+            </a:r>
+          </a:p>
+        </p:txBody>
+      </p:sp>
+      <p:sp>
+        <p:nvSpPr>
+          <p:cNvPr id="44" name="TextBox 43">
+            <a:extLst>
+              <a:ext uri="{FF2B5EF4-FFF2-40B4-BE49-F238E27FC236}">
+                <a16:creationId xmlns:a16="http://schemas.microsoft.com/office/drawing/2014/main" id="{3627E3EC-72FC-C915-E219-BBDBB3ADA7D1}"/>
+              </a:ext>
+            </a:extLst>
+          </p:cNvPr>
+          <p:cNvSpPr txBox="1"/>
+          <p:nvPr/>
+        </p:nvSpPr>
+        <p:spPr>
+          <a:xfrm>
+            <a:off x="440848" y="3756194"/>
+            <a:ext cx="1566449" cy="461665"/>
+          </a:xfrm>
+          <a:prstGeom prst="rect">
+            <a:avLst/>
+          </a:prstGeom>
+          <a:noFill/>
+          <a:ln>
+            <a:noFill/>
+          </a:ln>
+        </p:spPr>
+        <p:txBody>
+          <a:bodyPr wrap="square" rtlCol="0">
+            <a:spAutoFit/>
+          </a:bodyPr>
+          <a:lstStyle/>
+          <a:p>
+            <a:pPr algn="ctr"/>
+            <a:r>
+              <a:rPr lang="de-DE" dirty="0"/>
+              <a:t>MCU/H3</a:t>
+            </a:r>
+          </a:p>
+        </p:txBody>
+      </p:sp>
+      <p:grpSp>
+        <p:nvGrpSpPr>
+          <p:cNvPr id="54" name="Group 53">
+            <a:extLst>
+              <a:ext uri="{FF2B5EF4-FFF2-40B4-BE49-F238E27FC236}">
+                <a16:creationId xmlns:a16="http://schemas.microsoft.com/office/drawing/2014/main" id="{08FCC605-F2AC-1BF0-F109-BA5DC6C189A3}"/>
+              </a:ext>
+            </a:extLst>
+          </p:cNvPr>
+          <p:cNvGrpSpPr/>
+          <p:nvPr/>
+        </p:nvGrpSpPr>
+        <p:grpSpPr>
+          <a:xfrm>
+            <a:off x="7641423" y="483270"/>
+            <a:ext cx="3470273" cy="1636420"/>
+            <a:chOff x="7641423" y="483270"/>
+            <a:chExt cx="3470273" cy="1636420"/>
+          </a:xfrm>
+        </p:grpSpPr>
+        <p:sp>
+          <p:nvSpPr>
+            <p:cNvPr id="45" name="Rectangle 44">
+              <a:extLst>
+                <a:ext uri="{FF2B5EF4-FFF2-40B4-BE49-F238E27FC236}">
+                  <a16:creationId xmlns:a16="http://schemas.microsoft.com/office/drawing/2014/main" id="{85B4D114-1545-0CF8-BB51-ECED28899B1C}"/>
+                </a:ext>
+              </a:extLst>
+            </p:cNvPr>
+            <p:cNvSpPr/>
+            <p:nvPr/>
+          </p:nvSpPr>
+          <p:spPr>
+            <a:xfrm>
+              <a:off x="7641423" y="483270"/>
+              <a:ext cx="3470273" cy="1636420"/>
+            </a:xfrm>
+            <a:prstGeom prst="rect">
+              <a:avLst/>
+            </a:prstGeom>
+            <a:solidFill>
+              <a:schemeClr val="accent3">
+                <a:lumMod val="60000"/>
+                <a:lumOff val="40000"/>
+              </a:schemeClr>
+            </a:solidFill>
+            <a:ln>
+              <a:noFill/>
+            </a:ln>
+            <a:effectLst/>
+          </p:spPr>
+          <p:style>
+            <a:lnRef idx="1">
+              <a:schemeClr val="accent1"/>
+            </a:lnRef>
+            <a:fillRef idx="3">
+              <a:schemeClr val="accent1"/>
+            </a:fillRef>
+            <a:effectRef idx="2">
+              <a:schemeClr val="accent1"/>
+            </a:effectRef>
+            <a:fontRef idx="minor">
+              <a:schemeClr val="lt1"/>
+            </a:fontRef>
+          </p:style>
+          <p:txBody>
+            <a:bodyPr rot="0" spcFirstLastPara="0" vertOverflow="overflow" horzOverflow="overflow" vert="horz" wrap="square" lIns="91440" tIns="45720" rIns="91440" bIns="45720" numCol="1" spcCol="0" rtlCol="0" fromWordArt="0" anchor="ctr" anchorCtr="0" forceAA="0" compatLnSpc="1">
+              <a:prstTxWarp prst="textNoShape">
+                <a:avLst/>
+              </a:prstTxWarp>
+              <a:noAutofit/>
+            </a:bodyPr>
+            <a:lstStyle/>
+            <a:p>
+              <a:pPr algn="ctr"/>
+              <a:endParaRPr lang="en-DE"/>
+            </a:p>
+          </p:txBody>
+        </p:sp>
+        <p:sp>
+          <p:nvSpPr>
+            <p:cNvPr id="46" name="TextBox 45">
+              <a:extLst>
+                <a:ext uri="{FF2B5EF4-FFF2-40B4-BE49-F238E27FC236}">
+                  <a16:creationId xmlns:a16="http://schemas.microsoft.com/office/drawing/2014/main" id="{5A06AF71-CF32-2951-248B-0F64BFCCE084}"/>
+                </a:ext>
+              </a:extLst>
+            </p:cNvPr>
+            <p:cNvSpPr txBox="1"/>
+            <p:nvPr/>
+          </p:nvSpPr>
+          <p:spPr>
+            <a:xfrm>
+              <a:off x="9825373" y="1760682"/>
+              <a:ext cx="1201744" cy="307777"/>
+            </a:xfrm>
+            <a:prstGeom prst="rect">
+              <a:avLst/>
+            </a:prstGeom>
+            <a:solidFill>
+              <a:schemeClr val="bg1">
+                <a:lumMod val="75000"/>
+              </a:schemeClr>
+            </a:solidFill>
+            <a:ln>
+              <a:noFill/>
+            </a:ln>
+          </p:spPr>
+          <p:txBody>
+            <a:bodyPr wrap="square" rtlCol="0">
+              <a:spAutoFit/>
+            </a:bodyPr>
+            <a:lstStyle/>
+            <a:p>
+              <a:pPr algn="ctr"/>
+              <a:r>
+                <a:rPr lang="de-DE" sz="1400" dirty="0"/>
+                <a:t>x: ... / y: ...</a:t>
+              </a:r>
+            </a:p>
+          </p:txBody>
+        </p:sp>
+        <p:grpSp>
+          <p:nvGrpSpPr>
+            <p:cNvPr id="53" name="Group 52">
+              <a:extLst>
+                <a:ext uri="{FF2B5EF4-FFF2-40B4-BE49-F238E27FC236}">
+                  <a16:creationId xmlns:a16="http://schemas.microsoft.com/office/drawing/2014/main" id="{69E864E3-58F4-FA86-0463-FFAA08B9E71C}"/>
+                </a:ext>
+              </a:extLst>
+            </p:cNvPr>
+            <p:cNvGrpSpPr/>
+            <p:nvPr/>
+          </p:nvGrpSpPr>
+          <p:grpSpPr>
+            <a:xfrm>
+              <a:off x="8134386" y="877406"/>
+              <a:ext cx="1484265" cy="621197"/>
+              <a:chOff x="5752618" y="785599"/>
+              <a:chExt cx="1484265" cy="621197"/>
+            </a:xfrm>
+          </p:grpSpPr>
+          <p:cxnSp>
+            <p:nvCxnSpPr>
+              <p:cNvPr id="48" name="Connector: Elbow 47">
+                <a:extLst>
+                  <a:ext uri="{FF2B5EF4-FFF2-40B4-BE49-F238E27FC236}">
+                    <a16:creationId xmlns:a16="http://schemas.microsoft.com/office/drawing/2014/main" id="{51F137BA-1BCE-10D8-C9D4-E8FB9E55A66C}"/>
+                  </a:ext>
+                </a:extLst>
+              </p:cNvPr>
+              <p:cNvCxnSpPr/>
+              <p:nvPr/>
+            </p:nvCxnSpPr>
+            <p:spPr>
+              <a:xfrm flipV="1">
+                <a:off x="5752618" y="785646"/>
+                <a:ext cx="1018572" cy="581528"/>
+              </a:xfrm>
+              <a:prstGeom prst="bentConnector3">
+                <a:avLst/>
+              </a:prstGeom>
+              <a:ln w="38100">
+                <a:solidFill>
+                  <a:schemeClr val="tx1"/>
+                </a:solidFill>
+              </a:ln>
+              <a:effectLst/>
+            </p:spPr>
+            <p:style>
+              <a:lnRef idx="2">
+                <a:schemeClr val="accent1"/>
+              </a:lnRef>
+              <a:fillRef idx="0">
+                <a:schemeClr val="accent1"/>
+              </a:fillRef>
+              <a:effectRef idx="1">
+                <a:schemeClr val="accent1"/>
+              </a:effectRef>
+              <a:fontRef idx="minor">
+                <a:schemeClr val="tx1"/>
+              </a:fontRef>
+            </p:style>
+          </p:cxnSp>
+          <p:cxnSp>
+            <p:nvCxnSpPr>
+              <p:cNvPr id="49" name="Connector: Elbow 48">
+                <a:extLst>
+                  <a:ext uri="{FF2B5EF4-FFF2-40B4-BE49-F238E27FC236}">
+                    <a16:creationId xmlns:a16="http://schemas.microsoft.com/office/drawing/2014/main" id="{EB38DB17-3DAA-31B6-994E-301045A37DD9}"/>
+                  </a:ext>
+                </a:extLst>
+              </p:cNvPr>
+              <p:cNvCxnSpPr>
+                <a:cxnSpLocks/>
+              </p:cNvCxnSpPr>
+              <p:nvPr/>
+            </p:nvCxnSpPr>
+            <p:spPr>
+              <a:xfrm rot="16200000" flipV="1">
+                <a:off x="6693438" y="863352"/>
+                <a:ext cx="621197" cy="465692"/>
+              </a:xfrm>
+              <a:prstGeom prst="bentConnector3">
+                <a:avLst>
+                  <a:gd name="adj1" fmla="val 46273"/>
+                </a:avLst>
+              </a:prstGeom>
+              <a:ln w="38100">
+                <a:solidFill>
+                  <a:schemeClr val="tx1"/>
+                </a:solidFill>
+              </a:ln>
+              <a:effectLst/>
+            </p:spPr>
+            <p:style>
+              <a:lnRef idx="2">
+                <a:schemeClr val="accent1"/>
+              </a:lnRef>
+              <a:fillRef idx="0">
+                <a:schemeClr val="accent1"/>
+              </a:fillRef>
+              <a:effectRef idx="1">
+                <a:schemeClr val="accent1"/>
+              </a:effectRef>
+              <a:fontRef idx="minor">
+                <a:schemeClr val="tx1"/>
+              </a:fontRef>
+            </p:style>
+          </p:cxnSp>
+        </p:grpSp>
+      </p:grpSp>
     </p:spTree>
     <p:extLst>
       <p:ext uri="{BB962C8B-B14F-4D97-AF65-F5344CB8AC3E}">
@@ -10491,9 +16160,131 @@
           <a:p>
             <a:pPr lvl="1"/>
             <a:r>
+              <a:rPr lang="en-US" sz="2000" b="0" dirty="0"/>
+              <a:t>MPLABX -&gt; chaos/nightmare (still ongoing) with v6.10 vs v6.05</a:t>
+            </a:r>
+          </a:p>
+          <a:p>
+            <a:pPr lvl="1"/>
+            <a:r>
               <a:rPr lang="en-US" sz="2000" dirty="0"/>
-              <a:t>x</a:t>
-            </a:r>
+              <a:t>git-repo</a:t>
+            </a:r>
+          </a:p>
+          <a:p>
+            <a:pPr lvl="2"/>
+            <a:r>
+              <a:rPr lang="en-US" sz="1600" dirty="0"/>
+              <a:t>git-account -&gt; create git-repo and invite collaborators</a:t>
+            </a:r>
+            <a:endParaRPr lang="en-US" sz="1600" b="0" dirty="0"/>
+          </a:p>
+          <a:p>
+            <a:pPr lvl="2"/>
+            <a:r>
+              <a:rPr lang="en-US" sz="1600" b="0" dirty="0"/>
+              <a:t>git-bash &amp; SourceTree</a:t>
+            </a:r>
+          </a:p>
+          <a:p>
+            <a:pPr lvl="2"/>
+            <a:r>
+              <a:rPr lang="en-US" sz="1600" dirty="0"/>
+              <a:t>Work-flow, branches…</a:t>
+            </a:r>
+            <a:endParaRPr lang="en-US" sz="1600" b="0" dirty="0"/>
+          </a:p>
+          <a:p>
+            <a:pPr lvl="1"/>
+            <a:r>
+              <a:rPr lang="en-US" sz="2000" dirty="0"/>
+              <a:t>Harmony3-repos</a:t>
+            </a:r>
+          </a:p>
+          <a:p>
+            <a:pPr lvl="2"/>
+            <a:r>
+              <a:rPr lang="en-US" sz="1600" b="0" dirty="0"/>
+              <a:t>Which repos are needed and how to fetch and/or update -&gt; use MCC-CM</a:t>
+            </a:r>
+          </a:p>
+          <a:p>
+            <a:pPr lvl="2"/>
+            <a:r>
+              <a:rPr lang="en-US" sz="1600" b="0" dirty="0"/>
+              <a:t>BUT due to current problems with MCC-CM stick to old MHC3-CM or git-bash </a:t>
+            </a:r>
+          </a:p>
+          <a:p>
+            <a:pPr lvl="2"/>
+            <a:r>
+              <a:rPr lang="en-US" sz="1600" b="0" dirty="0"/>
+              <a:t>need to install git.exe AND old HMC3-CM plugin doesn’t show up in MPLABX-plugins-available -&gt; need to do manually</a:t>
+            </a:r>
+          </a:p>
+          <a:p>
+            <a:pPr lvl="2"/>
+            <a:r>
+              <a:rPr lang="en-US" sz="1600" dirty="0"/>
+              <a:t>runme.bat just pops up a dos-shell and disappears, why? Well runme.bat needs ‘java.exe’ in path…</a:t>
+            </a:r>
+          </a:p>
+          <a:p>
+            <a:pPr lvl="2"/>
+            <a:r>
+              <a:rPr lang="en-US" sz="1600" dirty="0"/>
+              <a:t>Finally MHC3-CM is up and now can setup your H3-repos</a:t>
+            </a:r>
+          </a:p>
+          <a:p>
+            <a:pPr lvl="1"/>
+            <a:r>
+              <a:rPr lang="en-US" sz="2000" dirty="0"/>
+              <a:t>Create initial H3-prj -&gt; see ‘part: </a:t>
+            </a:r>
+            <a:r>
+              <a:rPr lang="en-US" sz="2000" dirty="0" err="1"/>
+              <a:t>touchClick</a:t>
+            </a:r>
+            <a:r>
+              <a:rPr lang="en-US" sz="2000" dirty="0"/>
+              <a:t>’</a:t>
+            </a:r>
+          </a:p>
+          <a:p>
+            <a:pPr lvl="2"/>
+            <a:r>
+              <a:rPr lang="en-US" sz="1600" dirty="0"/>
+              <a:t>Where to start?  MHC3 vs MCC-H3 (see later slides)</a:t>
+            </a:r>
+          </a:p>
+          <a:p>
+            <a:pPr lvl="1"/>
+            <a:r>
+              <a:rPr lang="en-US" sz="2000" dirty="0"/>
+              <a:t>Steps to create final goal</a:t>
+            </a:r>
+          </a:p>
+          <a:p>
+            <a:pPr lvl="2"/>
+            <a:r>
+              <a:rPr lang="en-US" sz="1600" dirty="0"/>
+              <a:t>How to break it down</a:t>
+            </a:r>
+          </a:p>
+          <a:p>
+            <a:pPr lvl="2"/>
+            <a:r>
+              <a:rPr lang="en-US" sz="1600" dirty="0"/>
+              <a:t>How to org parallel development</a:t>
+            </a:r>
+          </a:p>
+          <a:p>
+            <a:pPr lvl="2"/>
+            <a:endParaRPr lang="en-US" sz="1600" dirty="0"/>
+          </a:p>
+          <a:p>
+            <a:pPr lvl="1"/>
             <a:endParaRPr lang="en-US" sz="2000" b="0" dirty="0"/>
           </a:p>
         </p:txBody>
@@ -10578,7 +16369,7 @@
           <p:cNvPr id="2" name="Title 1">
             <a:extLst>
               <a:ext uri="{FF2B5EF4-FFF2-40B4-BE49-F238E27FC236}">
-                <a16:creationId xmlns:a16="http://schemas.microsoft.com/office/drawing/2014/main" id="{B23758AB-D64D-8145-19A4-09806A062207}"/>
+                <a16:creationId xmlns:a16="http://schemas.microsoft.com/office/drawing/2014/main" id="{A4B4FF59-42FA-D7A9-0F27-7F566A3A5A48}"/>
               </a:ext>
             </a:extLst>
           </p:cNvPr>
@@ -10595,19 +16386,22 @@
           <a:lstStyle/>
           <a:p>
             <a:r>
-              <a:rPr lang="de-DE" dirty="0"/>
-              <a:t>Theory</a:t>
-            </a:r>
-            <a:endParaRPr lang="en-GB" dirty="0"/>
+              <a:rPr lang="de-DE" sz="4400" dirty="0">
+                <a:latin typeface="Calibri" panose="020F0502020204030204" pitchFamily="34" charset="0"/>
+                <a:ea typeface="Calibri" panose="020F0502020204030204" pitchFamily="34" charset="0"/>
+              </a:rPr>
+              <a:t>H3drv homework: setup</a:t>
+            </a:r>
+            <a:endParaRPr lang="en-DE" dirty="0"/>
           </a:p>
         </p:txBody>
       </p:sp>
       <p:sp>
         <p:nvSpPr>
-          <p:cNvPr id="3" name="Text Placeholder 2">
+          <p:cNvPr id="3" name="Content Placeholder 2">
             <a:extLst>
               <a:ext uri="{FF2B5EF4-FFF2-40B4-BE49-F238E27FC236}">
-                <a16:creationId xmlns:a16="http://schemas.microsoft.com/office/drawing/2014/main" id="{EBFAA392-3472-AD87-E6A9-A8768A77F3FB}"/>
+                <a16:creationId xmlns:a16="http://schemas.microsoft.com/office/drawing/2014/main" id="{750AE634-05CD-565F-E962-7EBEBF0C27F3}"/>
               </a:ext>
             </a:extLst>
           </p:cNvPr>
@@ -10615,25 +16409,221 @@
             <a:spLocks noGrp="1"/>
           </p:cNvSpPr>
           <p:nvPr>
-            <p:ph type="body" idx="1"/>
+            <p:ph sz="quarter" idx="13"/>
           </p:nvPr>
         </p:nvSpPr>
         <p:spPr/>
         <p:txBody>
-          <a:bodyPr/>
+          <a:bodyPr>
+            <a:normAutofit/>
+          </a:bodyPr>
           <a:lstStyle/>
           <a:p>
-            <a:r>
-              <a:rPr lang="en-GB" dirty="0"/>
+            <a:pPr marL="0" indent="0">
+              <a:buNone/>
+            </a:pPr>
+            <a:r>
+              <a:rPr lang="en-US" sz="2000" dirty="0"/>
+              <a:t>Used env:</a:t>
+            </a:r>
+            <a:endParaRPr lang="en-US" sz="2000" b="0" dirty="0"/>
+          </a:p>
+          <a:p>
+            <a:pPr marL="342900" indent="-342900">
+              <a:buFont typeface="Arial" panose="020B0604020202020204" pitchFamily="34" charset="0"/>
+              <a:buChar char="•"/>
+            </a:pPr>
+            <a:r>
+              <a:rPr lang="en-US" sz="2000" dirty="0"/>
+              <a:t>Use H3-plib and -</a:t>
+            </a:r>
+            <a:r>
+              <a:rPr lang="en-US" sz="2000" dirty="0" err="1"/>
+              <a:t>drv</a:t>
+            </a:r>
+            <a:r>
+              <a:rPr lang="en-US" sz="2000" dirty="0"/>
+              <a:t> to access two different touch-solutions with SAMC21J18a</a:t>
+            </a:r>
+          </a:p>
+          <a:p>
+            <a:pPr marL="895193" lvl="1" indent="-285750">
+              <a:buFont typeface="Arial" panose="020B0604020202020204" pitchFamily="34" charset="0"/>
+              <a:buChar char="•"/>
+            </a:pPr>
+            <a:r>
+              <a:rPr lang="en-US" sz="2000" dirty="0"/>
+              <a:t>QT8 -&gt; requires PTC-peripheral</a:t>
+            </a:r>
+          </a:p>
+          <a:p>
+            <a:pPr marL="895193" lvl="1" indent="-285750">
+              <a:buFont typeface="Arial" panose="020B0604020202020204" pitchFamily="34" charset="0"/>
+              <a:buChar char="•"/>
+            </a:pPr>
+            <a:r>
+              <a:rPr lang="en-US" sz="2000" dirty="0" err="1"/>
+              <a:t>mikroE</a:t>
+            </a:r>
+            <a:r>
+              <a:rPr lang="en-US" sz="2000" dirty="0"/>
               <a:t> </a:t>
             </a:r>
+            <a:r>
+              <a:rPr lang="en-US" sz="2000" dirty="0">
+                <a:hlinkClick r:id="rId2"/>
+              </a:rPr>
+              <a:t>touch-click-1995</a:t>
+            </a:r>
+            <a:r>
+              <a:rPr lang="en-US" sz="2000" dirty="0"/>
+              <a:t> with ‘</a:t>
+            </a:r>
+            <a:r>
+              <a:rPr lang="en-US" sz="2000" i="1" dirty="0">
+                <a:solidFill>
+                  <a:schemeClr val="tx1"/>
+                </a:solidFill>
+              </a:rPr>
+              <a:t>MTCH6102</a:t>
+            </a:r>
+            <a:r>
+              <a:rPr lang="en-US" sz="2000" dirty="0"/>
+              <a:t>’ -&gt; required I2C-peripheral</a:t>
+            </a:r>
+          </a:p>
+          <a:p>
+            <a:pPr marL="342900" indent="-342900">
+              <a:buFont typeface="Arial" panose="020B0604020202020204" pitchFamily="34" charset="0"/>
+              <a:buChar char="•"/>
+            </a:pPr>
+            <a:r>
+              <a:rPr lang="en-US" sz="2000" b="0" dirty="0"/>
+              <a:t>Physical setup on the right</a:t>
+            </a:r>
+          </a:p>
+          <a:p>
+            <a:pPr marL="342900" indent="-342900">
+              <a:buFont typeface="Arial" panose="020B0604020202020204" pitchFamily="34" charset="0"/>
+              <a:buChar char="•"/>
+            </a:pPr>
+            <a:r>
+              <a:rPr lang="en-US" sz="2000" dirty="0"/>
+              <a:t>Environment</a:t>
+            </a:r>
+          </a:p>
+          <a:p>
+            <a:pPr marL="895193" lvl="1" indent="-285750">
+              <a:buFont typeface="Arial" panose="020B0604020202020204" pitchFamily="34" charset="0"/>
+              <a:buChar char="•"/>
+            </a:pPr>
+            <a:r>
+              <a:rPr lang="en-US" sz="2000" dirty="0"/>
+              <a:t>MPLABX-v6.05</a:t>
+            </a:r>
+          </a:p>
+          <a:p>
+            <a:pPr marL="895193" lvl="1" indent="-285750">
+              <a:buFont typeface="Arial" panose="020B0604020202020204" pitchFamily="34" charset="0"/>
+              <a:buChar char="•"/>
+            </a:pPr>
+            <a:r>
+              <a:rPr lang="en-US" sz="2000" b="0" dirty="0"/>
+              <a:t>XC32-v4.21</a:t>
+            </a:r>
+          </a:p>
+          <a:p>
+            <a:pPr marL="895193" lvl="1" indent="-285750">
+              <a:buFont typeface="Arial" panose="020B0604020202020204" pitchFamily="34" charset="0"/>
+              <a:buChar char="•"/>
+            </a:pPr>
+            <a:r>
+              <a:rPr lang="en-US" sz="2000" dirty="0"/>
+              <a:t>DFP-3.8.119, CMSIS-5.8.0</a:t>
+            </a:r>
+            <a:endParaRPr lang="en-US" sz="2000" b="0" dirty="0"/>
+          </a:p>
+          <a:p>
+            <a:pPr marL="895193" lvl="1" indent="-285750">
+              <a:buFont typeface="Arial" panose="020B0604020202020204" pitchFamily="34" charset="0"/>
+              <a:buChar char="•"/>
+            </a:pPr>
+            <a:r>
+              <a:rPr lang="en-US" sz="2000" dirty="0"/>
+              <a:t>MCC-H3 repos used: </a:t>
+            </a:r>
+          </a:p>
+          <a:p>
+            <a:pPr marL="1504635" lvl="2" indent="-285750">
+              <a:buFont typeface="Arial" panose="020B0604020202020204" pitchFamily="34" charset="0"/>
+              <a:buChar char="•"/>
+            </a:pPr>
+            <a:r>
+              <a:rPr lang="en-US" sz="2000" b="0" dirty="0"/>
+              <a:t>csp-v3.16.0, core-v3.12.0,</a:t>
+            </a:r>
+          </a:p>
+          <a:p>
+            <a:pPr marL="1504635" lvl="2" indent="-285750">
+              <a:buFont typeface="Arial" panose="020B0604020202020204" pitchFamily="34" charset="0"/>
+              <a:buChar char="•"/>
+            </a:pPr>
+            <a:r>
+              <a:rPr lang="en-US" sz="2000" b="0" dirty="0"/>
+              <a:t>content-manager</a:t>
+            </a:r>
+          </a:p>
+        </p:txBody>
+      </p:sp>
+      <p:sp>
+        <p:nvSpPr>
+          <p:cNvPr id="5" name="TextBox 4">
+            <a:extLst>
+              <a:ext uri="{FF2B5EF4-FFF2-40B4-BE49-F238E27FC236}">
+                <a16:creationId xmlns:a16="http://schemas.microsoft.com/office/drawing/2014/main" id="{BE806E8A-FF84-E9FB-B60B-F0250A8B58E1}"/>
+              </a:ext>
+            </a:extLst>
+          </p:cNvPr>
+          <p:cNvSpPr txBox="1"/>
+          <p:nvPr/>
+        </p:nvSpPr>
+        <p:spPr>
+          <a:xfrm rot="1973025">
+            <a:off x="10552935" y="195021"/>
+            <a:ext cx="1919111" cy="707886"/>
+          </a:xfrm>
+          <a:prstGeom prst="rect">
+            <a:avLst/>
+          </a:prstGeom>
+          <a:noFill/>
+        </p:spPr>
+        <p:txBody>
+          <a:bodyPr wrap="square" rtlCol="0">
+            <a:spAutoFit/>
+          </a:bodyPr>
+          <a:lstStyle/>
+          <a:p>
+            <a:pPr algn="ctr"/>
+            <a:r>
+              <a:rPr lang="en-US" sz="4000" dirty="0" err="1">
+                <a:solidFill>
+                  <a:srgbClr val="FF0000"/>
+                </a:solidFill>
+              </a:rPr>
+              <a:t>inWork</a:t>
+            </a:r>
+            <a:endParaRPr lang="en-DE" dirty="0">
+              <a:solidFill>
+                <a:srgbClr val="FF0000"/>
+              </a:solidFill>
+            </a:endParaRPr>
           </a:p>
         </p:txBody>
       </p:sp>
     </p:spTree>
     <p:extLst>
       <p:ext uri="{BB962C8B-B14F-4D97-AF65-F5344CB8AC3E}">
-        <p14:creationId xmlns:p14="http://schemas.microsoft.com/office/powerpoint/2010/main" val="827516052"/>
+        <p14:creationId xmlns:p14="http://schemas.microsoft.com/office/powerpoint/2010/main" val="2033825938"/>
       </p:ext>
     </p:extLst>
   </p:cSld>
@@ -10665,7 +16655,7 @@
           <p:cNvPr id="2" name="Title 1">
             <a:extLst>
               <a:ext uri="{FF2B5EF4-FFF2-40B4-BE49-F238E27FC236}">
-                <a16:creationId xmlns:a16="http://schemas.microsoft.com/office/drawing/2014/main" id="{A4B4FF59-42FA-D7A9-0F27-7F566A3A5A48}"/>
+                <a16:creationId xmlns:a16="http://schemas.microsoft.com/office/drawing/2014/main" id="{B23758AB-D64D-8145-19A4-09806A062207}"/>
               </a:ext>
             </a:extLst>
           </p:cNvPr>
@@ -10682,22 +16672,19 @@
           <a:lstStyle/>
           <a:p>
             <a:r>
-              <a:rPr lang="de-DE" sz="4400" dirty="0">
-                <a:latin typeface="Calibri" panose="020F0502020204030204" pitchFamily="34" charset="0"/>
-                <a:ea typeface="Calibri" panose="020F0502020204030204" pitchFamily="34" charset="0"/>
-              </a:rPr>
-              <a:t>H3drv homework: theory</a:t>
-            </a:r>
-            <a:endParaRPr lang="en-DE" dirty="0"/>
+              <a:rPr lang="de-DE" dirty="0"/>
+              <a:t>Theory</a:t>
+            </a:r>
+            <a:endParaRPr lang="en-GB" dirty="0"/>
           </a:p>
         </p:txBody>
       </p:sp>
       <p:sp>
         <p:nvSpPr>
-          <p:cNvPr id="3" name="Content Placeholder 2">
+          <p:cNvPr id="3" name="Text Placeholder 2">
             <a:extLst>
               <a:ext uri="{FF2B5EF4-FFF2-40B4-BE49-F238E27FC236}">
-                <a16:creationId xmlns:a16="http://schemas.microsoft.com/office/drawing/2014/main" id="{750AE634-05CD-565F-E962-7EBEBF0C27F3}"/>
+                <a16:creationId xmlns:a16="http://schemas.microsoft.com/office/drawing/2014/main" id="{EBFAA392-3472-AD87-E6A9-A8768A77F3FB}"/>
               </a:ext>
             </a:extLst>
           </p:cNvPr>
@@ -10705,7 +16692,7 @@
             <a:spLocks noGrp="1"/>
           </p:cNvSpPr>
           <p:nvPr>
-            <p:ph sz="quarter" idx="13"/>
+            <p:ph type="body" idx="1"/>
           </p:nvPr>
         </p:nvSpPr>
         <p:spPr/>
@@ -10714,132 +16701,16 @@
           <a:lstStyle/>
           <a:p>
             <a:r>
-              <a:rPr lang="en-US" sz="2400" b="0" dirty="0"/>
-              <a:t>Short theory on </a:t>
-            </a:r>
-          </a:p>
-          <a:p>
-            <a:pPr lvl="1"/>
-            <a:r>
-              <a:rPr lang="en-US" sz="2000" b="0" dirty="0"/>
-              <a:t>Mutual vs </a:t>
-            </a:r>
-            <a:r>
-              <a:rPr lang="en-US" sz="2000" b="0" dirty="0" err="1"/>
-              <a:t>Selfcapacitance</a:t>
-            </a:r>
-            <a:r>
-              <a:rPr lang="en-US" sz="2000" b="0" dirty="0"/>
-              <a:t> touch</a:t>
-            </a:r>
-          </a:p>
-          <a:p>
-            <a:pPr lvl="1"/>
-            <a:endParaRPr lang="en-US" sz="2000" b="0" dirty="0"/>
-          </a:p>
-          <a:p>
-            <a:pPr lvl="1"/>
-            <a:r>
-              <a:rPr lang="en-US" sz="2000" dirty="0"/>
-              <a:t>PTC vs </a:t>
-            </a:r>
-            <a:r>
-              <a:rPr lang="en-US" sz="2000" dirty="0" err="1"/>
-              <a:t>mxTouch</a:t>
-            </a:r>
-            <a:r>
-              <a:rPr lang="en-US" sz="2000" dirty="0"/>
-              <a:t> vs </a:t>
-            </a:r>
-            <a:r>
-              <a:rPr lang="en-US" sz="2000" dirty="0" err="1"/>
-              <a:t>mcthCapacitiveTouch</a:t>
-            </a:r>
-            <a:endParaRPr lang="en-US" sz="2000" dirty="0"/>
-          </a:p>
-          <a:p>
-            <a:endParaRPr lang="en-US" sz="2400" b="0" dirty="0"/>
-          </a:p>
-          <a:p>
-            <a:r>
-              <a:rPr lang="en-US" sz="2400" b="0" dirty="0"/>
-              <a:t>Boards used</a:t>
-            </a:r>
-          </a:p>
-          <a:p>
-            <a:pPr lvl="1"/>
-            <a:r>
-              <a:rPr lang="en-US" sz="2000" b="0" dirty="0"/>
-              <a:t>QT8 -&gt; requires PTC-peripheral</a:t>
-            </a:r>
-          </a:p>
-          <a:p>
-            <a:pPr lvl="1"/>
-            <a:r>
-              <a:rPr lang="en-US" sz="2000" dirty="0"/>
-              <a:t>mikroE-click_touch-1995 has </a:t>
-            </a:r>
-            <a:r>
-              <a:rPr lang="en-US" sz="2000" dirty="0" err="1"/>
-              <a:t>uC</a:t>
-            </a:r>
-            <a:r>
-              <a:rPr lang="en-US" sz="2000" dirty="0"/>
-              <a:t> (?which one?) on click-board and only requires I2C interface</a:t>
-            </a:r>
-            <a:endParaRPr lang="en-US" sz="2000" b="0" dirty="0"/>
-          </a:p>
-        </p:txBody>
-      </p:sp>
-      <p:sp>
-        <p:nvSpPr>
-          <p:cNvPr id="5" name="TextBox 4">
-            <a:extLst>
-              <a:ext uri="{FF2B5EF4-FFF2-40B4-BE49-F238E27FC236}">
-                <a16:creationId xmlns:a16="http://schemas.microsoft.com/office/drawing/2014/main" id="{BE806E8A-FF84-E9FB-B60B-F0250A8B58E1}"/>
-              </a:ext>
-            </a:extLst>
-          </p:cNvPr>
-          <p:cNvSpPr txBox="1"/>
-          <p:nvPr/>
-        </p:nvSpPr>
-        <p:spPr>
-          <a:xfrm rot="1973025">
-            <a:off x="10552935" y="195021"/>
-            <a:ext cx="1919111" cy="707886"/>
-          </a:xfrm>
-          <a:prstGeom prst="rect">
-            <a:avLst/>
-          </a:prstGeom>
-          <a:noFill/>
-        </p:spPr>
-        <p:txBody>
-          <a:bodyPr wrap="square" rtlCol="0">
-            <a:spAutoFit/>
-          </a:bodyPr>
-          <a:lstStyle/>
-          <a:p>
-            <a:pPr algn="ctr"/>
-            <a:r>
-              <a:rPr lang="en-US" sz="4000" dirty="0" err="1">
-                <a:solidFill>
-                  <a:srgbClr val="FF0000"/>
-                </a:solidFill>
-              </a:rPr>
-              <a:t>inWork</a:t>
-            </a:r>
-            <a:endParaRPr lang="en-DE" dirty="0">
-              <a:solidFill>
-                <a:srgbClr val="FF0000"/>
-              </a:solidFill>
-            </a:endParaRPr>
+              <a:rPr lang="en-GB" dirty="0"/>
+              <a:t> </a:t>
+            </a:r>
           </a:p>
         </p:txBody>
       </p:sp>
     </p:spTree>
     <p:extLst>
       <p:ext uri="{BB962C8B-B14F-4D97-AF65-F5344CB8AC3E}">
-        <p14:creationId xmlns:p14="http://schemas.microsoft.com/office/powerpoint/2010/main" val="124170037"/>
+        <p14:creationId xmlns:p14="http://schemas.microsoft.com/office/powerpoint/2010/main" val="827516052"/>
       </p:ext>
     </p:extLst>
   </p:cSld>
@@ -10871,7 +16742,7 @@
           <p:cNvPr id="2" name="Title 1">
             <a:extLst>
               <a:ext uri="{FF2B5EF4-FFF2-40B4-BE49-F238E27FC236}">
-                <a16:creationId xmlns:a16="http://schemas.microsoft.com/office/drawing/2014/main" id="{B23758AB-D64D-8145-19A4-09806A062207}"/>
+                <a16:creationId xmlns:a16="http://schemas.microsoft.com/office/drawing/2014/main" id="{A4B4FF59-42FA-D7A9-0F27-7F566A3A5A48}"/>
               </a:ext>
             </a:extLst>
           </p:cNvPr>
@@ -10888,19 +16759,22 @@
           <a:lstStyle/>
           <a:p>
             <a:r>
-              <a:rPr lang="de-DE" dirty="0"/>
-              <a:t>MCC-H3 project</a:t>
-            </a:r>
-            <a:endParaRPr lang="en-GB" dirty="0"/>
+              <a:rPr lang="de-DE" sz="4400" dirty="0">
+                <a:latin typeface="Calibri" panose="020F0502020204030204" pitchFamily="34" charset="0"/>
+                <a:ea typeface="Calibri" panose="020F0502020204030204" pitchFamily="34" charset="0"/>
+              </a:rPr>
+              <a:t>H3drv homework: theory</a:t>
+            </a:r>
+            <a:endParaRPr lang="en-DE" dirty="0"/>
           </a:p>
         </p:txBody>
       </p:sp>
       <p:sp>
         <p:nvSpPr>
-          <p:cNvPr id="3" name="Text Placeholder 2">
+          <p:cNvPr id="3" name="Content Placeholder 2">
             <a:extLst>
               <a:ext uri="{FF2B5EF4-FFF2-40B4-BE49-F238E27FC236}">
-                <a16:creationId xmlns:a16="http://schemas.microsoft.com/office/drawing/2014/main" id="{EBFAA392-3472-AD87-E6A9-A8768A77F3FB}"/>
+                <a16:creationId xmlns:a16="http://schemas.microsoft.com/office/drawing/2014/main" id="{750AE634-05CD-565F-E962-7EBEBF0C27F3}"/>
               </a:ext>
             </a:extLst>
           </p:cNvPr>
@@ -10908,45 +16782,141 @@
             <a:spLocks noGrp="1"/>
           </p:cNvSpPr>
           <p:nvPr>
-            <p:ph type="body" idx="1"/>
+            <p:ph sz="quarter" idx="13"/>
           </p:nvPr>
         </p:nvSpPr>
-        <p:spPr>
-          <a:xfrm>
-            <a:off x="6694310" y="3824300"/>
-            <a:ext cx="4625463" cy="1470189"/>
-          </a:xfrm>
-        </p:spPr>
+        <p:spPr/>
         <p:txBody>
           <a:bodyPr/>
           <a:lstStyle/>
           <a:p>
-            <a:pPr algn="l"/>
-            <a:r>
-              <a:rPr lang="en-GB" dirty="0"/>
-              <a:t>SAMC21J18a with</a:t>
-            </a:r>
-          </a:p>
-          <a:p>
-            <a:pPr algn="l"/>
-            <a:r>
-              <a:rPr lang="en-GB" dirty="0"/>
-              <a:t>a) touch-1995 click (I2C)</a:t>
-            </a:r>
-          </a:p>
-          <a:p>
-            <a:pPr algn="l"/>
-            <a:r>
-              <a:rPr lang="en-GB" dirty="0"/>
-              <a:t>b) QT8-xpl (PTC)</a:t>
-            </a:r>
+            <a:r>
+              <a:rPr lang="en-US" sz="2400" b="0" dirty="0"/>
+              <a:t>Short theory on </a:t>
+            </a:r>
+          </a:p>
+          <a:p>
+            <a:pPr lvl="1"/>
+            <a:r>
+              <a:rPr lang="en-US" sz="2000" b="0" dirty="0"/>
+              <a:t>Mutual vs </a:t>
+            </a:r>
+            <a:r>
+              <a:rPr lang="en-US" sz="2000" b="0" dirty="0" err="1"/>
+              <a:t>Selfcapacitance</a:t>
+            </a:r>
+            <a:r>
+              <a:rPr lang="en-US" sz="2000" b="0" dirty="0"/>
+              <a:t> touch</a:t>
+            </a:r>
+          </a:p>
+          <a:p>
+            <a:pPr lvl="1"/>
+            <a:endParaRPr lang="en-US" sz="2000" b="0" dirty="0"/>
+          </a:p>
+          <a:p>
+            <a:pPr lvl="1"/>
+            <a:r>
+              <a:rPr lang="en-US" sz="2000" dirty="0"/>
+              <a:t>PTC vs </a:t>
+            </a:r>
+            <a:r>
+              <a:rPr lang="en-US" sz="2000" dirty="0" err="1"/>
+              <a:t>mxTouch</a:t>
+            </a:r>
+            <a:r>
+              <a:rPr lang="en-US" sz="2000" dirty="0"/>
+              <a:t> vs </a:t>
+            </a:r>
+            <a:r>
+              <a:rPr lang="en-US" sz="2000" dirty="0" err="1"/>
+              <a:t>mcthCapacitiveTouch</a:t>
+            </a:r>
+            <a:endParaRPr lang="en-US" sz="2000" dirty="0"/>
+          </a:p>
+          <a:p>
+            <a:endParaRPr lang="en-US" sz="2400" b="0" dirty="0"/>
+          </a:p>
+          <a:p>
+            <a:r>
+              <a:rPr lang="en-US" sz="2400" b="0" dirty="0"/>
+              <a:t>Boards used</a:t>
+            </a:r>
+          </a:p>
+          <a:p>
+            <a:pPr lvl="1"/>
+            <a:r>
+              <a:rPr lang="en-US" sz="2000" b="0" dirty="0"/>
+              <a:t>QT8 -&gt; requires PTC-peripheral</a:t>
+            </a:r>
+          </a:p>
+          <a:p>
+            <a:pPr lvl="1"/>
+            <a:r>
+              <a:rPr lang="en-US" sz="2000" dirty="0"/>
+              <a:t>mikroE-click_touch-1995 has </a:t>
+            </a:r>
+            <a:r>
+              <a:rPr lang="en-US" sz="2000" dirty="0" err="1"/>
+              <a:t>uC</a:t>
+            </a:r>
+            <a:r>
+              <a:rPr lang="en-US" sz="2000" dirty="0"/>
+              <a:t> (?which one?) on click-board and only requires I2C interface</a:t>
+            </a:r>
+            <a:endParaRPr lang="en-US" sz="2000" b="0" dirty="0"/>
+          </a:p>
+        </p:txBody>
+      </p:sp>
+      <p:sp>
+        <p:nvSpPr>
+          <p:cNvPr id="5" name="TextBox 4">
+            <a:extLst>
+              <a:ext uri="{FF2B5EF4-FFF2-40B4-BE49-F238E27FC236}">
+                <a16:creationId xmlns:a16="http://schemas.microsoft.com/office/drawing/2014/main" id="{BE806E8A-FF84-E9FB-B60B-F0250A8B58E1}"/>
+              </a:ext>
+            </a:extLst>
+          </p:cNvPr>
+          <p:cNvSpPr txBox="1"/>
+          <p:nvPr/>
+        </p:nvSpPr>
+        <p:spPr>
+          <a:xfrm rot="1973025">
+            <a:off x="10552935" y="195021"/>
+            <a:ext cx="1919111" cy="707886"/>
+          </a:xfrm>
+          <a:prstGeom prst="rect">
+            <a:avLst/>
+          </a:prstGeom>
+          <a:noFill/>
+        </p:spPr>
+        <p:txBody>
+          <a:bodyPr wrap="square" rtlCol="0">
+            <a:spAutoFit/>
+          </a:bodyPr>
+          <a:lstStyle/>
+          <a:p>
+            <a:pPr algn="ctr"/>
+            <a:r>
+              <a:rPr lang="en-US" sz="4000" dirty="0" err="1">
+                <a:solidFill>
+                  <a:srgbClr val="FF0000"/>
+                </a:solidFill>
+              </a:rPr>
+              <a:t>inWork</a:t>
+            </a:r>
+            <a:endParaRPr lang="en-DE" dirty="0">
+              <a:solidFill>
+                <a:srgbClr val="FF0000"/>
+              </a:solidFill>
+            </a:endParaRPr>
           </a:p>
         </p:txBody>
       </p:sp>
     </p:spTree>
     <p:extLst>
       <p:ext uri="{BB962C8B-B14F-4D97-AF65-F5344CB8AC3E}">
-        <p14:creationId xmlns:p14="http://schemas.microsoft.com/office/powerpoint/2010/main" val="1530791053"/>
+        <p14:creationId xmlns:p14="http://schemas.microsoft.com/office/powerpoint/2010/main" val="124170037"/>
       </p:ext>
     </p:extLst>
   </p:cSld>
@@ -11889,6 +17859,28 @@
 </file>
 
 <file path=customXml/item1.xml><?xml version="1.0" encoding="utf-8"?>
+<p:properties xmlns:p="http://schemas.microsoft.com/office/2006/metadata/properties" xmlns:xsi="http://www.w3.org/2001/XMLSchema-instance" xmlns:pc="http://schemas.microsoft.com/office/infopath/2007/PartnerControls">
+  <documentManagement>
+    <Content_x0020_Archived xmlns="df7acb31-37ac-40e2-81bb-c44e3630f613">false</Content_x0020_Archived>
+    <_dlc_DocId xmlns="38ef598d-997c-498b-b737-2f6b2c50ccab">SV5CHKDEWJXD-84-133</_dlc_DocId>
+    <_dlc_DocIdUrl xmlns="38ef598d-997c-498b-b737-2f6b2c50ccab">
+      <Url>http://mchpweb-2010/marcom/home/Resources/_layouts/DocIdRedir.aspx?ID=SV5CHKDEWJXD-84-133</Url>
+      <Description>SV5CHKDEWJXD-84-133</Description>
+    </_dlc_DocIdUrl>
+  </documentManagement>
+</p:properties>
+</file>
+
+<file path=customXml/item2.xml><?xml version="1.0" encoding="utf-8"?>
+<?mso-contentType ?>
+<FormTemplates xmlns="http://schemas.microsoft.com/sharepoint/v3/contenttype/forms">
+  <Display>DocumentLibraryForm</Display>
+  <Edit>DocumentLibraryForm</Edit>
+  <New>DocumentLibraryForm</New>
+</FormTemplates>
+</file>
+
+<file path=customXml/item3.xml><?xml version="1.0" encoding="utf-8"?>
 <ct:contentTypeSchema xmlns:ct="http://schemas.microsoft.com/office/2006/metadata/contentType" xmlns:ma="http://schemas.microsoft.com/office/2006/metadata/properties/metaAttributes" ct:_="" ma:_="" ma:contentTypeName="Document" ma:contentTypeID="0x01010006EF9829FE6FB94D84D3D1D5B1820991" ma:contentTypeVersion="3" ma:contentTypeDescription="Create a new document." ma:contentTypeScope="" ma:versionID="c00a0ebae6949f75682f4056395f2f6d">
   <xsd:schema xmlns:xsd="http://www.w3.org/2001/XMLSchema" xmlns:xs="http://www.w3.org/2001/XMLSchema" xmlns:p="http://schemas.microsoft.com/office/2006/metadata/properties" xmlns:ns2="38ef598d-997c-498b-b737-2f6b2c50ccab" xmlns:ns3="df7acb31-37ac-40e2-81bb-c44e3630f613" targetNamespace="http://schemas.microsoft.com/office/2006/metadata/properties" ma:root="true" ma:fieldsID="56676ccc036971d701ee229d4a7692d7" ns2:_="" ns3:_="">
     <xsd:import namespace="38ef598d-997c-498b-b737-2f6b2c50ccab"/>
@@ -12044,28 +18036,6 @@
 </ct:contentTypeSchema>
 </file>
 
-<file path=customXml/item2.xml><?xml version="1.0" encoding="utf-8"?>
-<?mso-contentType ?>
-<FormTemplates xmlns="http://schemas.microsoft.com/sharepoint/v3/contenttype/forms">
-  <Display>DocumentLibraryForm</Display>
-  <Edit>DocumentLibraryForm</Edit>
-  <New>DocumentLibraryForm</New>
-</FormTemplates>
-</file>
-
-<file path=customXml/item3.xml><?xml version="1.0" encoding="utf-8"?>
-<p:properties xmlns:p="http://schemas.microsoft.com/office/2006/metadata/properties" xmlns:xsi="http://www.w3.org/2001/XMLSchema-instance" xmlns:pc="http://schemas.microsoft.com/office/infopath/2007/PartnerControls">
-  <documentManagement>
-    <Content_x0020_Archived xmlns="df7acb31-37ac-40e2-81bb-c44e3630f613">false</Content_x0020_Archived>
-    <_dlc_DocId xmlns="38ef598d-997c-498b-b737-2f6b2c50ccab">SV5CHKDEWJXD-84-133</_dlc_DocId>
-    <_dlc_DocIdUrl xmlns="38ef598d-997c-498b-b737-2f6b2c50ccab">
-      <Url>http://mchpweb-2010/marcom/home/Resources/_layouts/DocIdRedir.aspx?ID=SV5CHKDEWJXD-84-133</Url>
-      <Description>SV5CHKDEWJXD-84-133</Description>
-    </_dlc_DocIdUrl>
-  </documentManagement>
-</p:properties>
-</file>
-
 <file path=customXml/item4.xml><?xml version="1.0" encoding="utf-8"?>
 <?mso-contentType ?>
 <spe:Receivers xmlns:spe="http://schemas.microsoft.com/sharepoint/events">
@@ -12113,6 +18083,25 @@
 </file>
 
 <file path=customXml/itemProps1.xml><?xml version="1.0" encoding="utf-8"?>
+<ds:datastoreItem xmlns:ds="http://schemas.openxmlformats.org/officeDocument/2006/customXml" ds:itemID="{15774815-801A-4D0C-AAC8-304A8EA5EAE0}">
+  <ds:schemaRefs>
+    <ds:schemaRef ds:uri="http://schemas.microsoft.com/office/2006/metadata/properties"/>
+    <ds:schemaRef ds:uri="http://schemas.microsoft.com/office/infopath/2007/PartnerControls"/>
+    <ds:schemaRef ds:uri="df7acb31-37ac-40e2-81bb-c44e3630f613"/>
+    <ds:schemaRef ds:uri="38ef598d-997c-498b-b737-2f6b2c50ccab"/>
+  </ds:schemaRefs>
+</ds:datastoreItem>
+</file>
+
+<file path=customXml/itemProps2.xml><?xml version="1.0" encoding="utf-8"?>
+<ds:datastoreItem xmlns:ds="http://schemas.openxmlformats.org/officeDocument/2006/customXml" ds:itemID="{0CE24DD7-9317-4AD8-82D4-5A6998DA79C7}">
+  <ds:schemaRefs>
+    <ds:schemaRef ds:uri="http://schemas.microsoft.com/sharepoint/v3/contenttype/forms"/>
+  </ds:schemaRefs>
+</ds:datastoreItem>
+</file>
+
+<file path=customXml/itemProps3.xml><?xml version="1.0" encoding="utf-8"?>
 <ds:datastoreItem xmlns:ds="http://schemas.openxmlformats.org/officeDocument/2006/customXml" ds:itemID="{33B13473-2337-4D78-8FF1-90355ED5EE5C}">
   <ds:schemaRefs>
     <ds:schemaRef ds:uri="http://schemas.microsoft.com/office/2006/metadata/contentType"/>
@@ -12131,25 +18120,6 @@
 </ds:datastoreItem>
 </file>
 
-<file path=customXml/itemProps2.xml><?xml version="1.0" encoding="utf-8"?>
-<ds:datastoreItem xmlns:ds="http://schemas.openxmlformats.org/officeDocument/2006/customXml" ds:itemID="{0CE24DD7-9317-4AD8-82D4-5A6998DA79C7}">
-  <ds:schemaRefs>
-    <ds:schemaRef ds:uri="http://schemas.microsoft.com/sharepoint/v3/contenttype/forms"/>
-  </ds:schemaRefs>
-</ds:datastoreItem>
-</file>
-
-<file path=customXml/itemProps3.xml><?xml version="1.0" encoding="utf-8"?>
-<ds:datastoreItem xmlns:ds="http://schemas.openxmlformats.org/officeDocument/2006/customXml" ds:itemID="{15774815-801A-4D0C-AAC8-304A8EA5EAE0}">
-  <ds:schemaRefs>
-    <ds:schemaRef ds:uri="http://schemas.microsoft.com/office/2006/metadata/properties"/>
-    <ds:schemaRef ds:uri="http://schemas.microsoft.com/office/infopath/2007/PartnerControls"/>
-    <ds:schemaRef ds:uri="df7acb31-37ac-40e2-81bb-c44e3630f613"/>
-    <ds:schemaRef ds:uri="38ef598d-997c-498b-b737-2f6b2c50ccab"/>
-  </ds:schemaRefs>
-</ds:datastoreItem>
-</file>
-
 <file path=customXml/itemProps4.xml><?xml version="1.0" encoding="utf-8"?>
 <ds:datastoreItem xmlns:ds="http://schemas.openxmlformats.org/officeDocument/2006/customXml" ds:itemID="{36ECED7C-7E24-4B80-B6AD-5BF0A508FB7B}">
   <ds:schemaRefs>

--- a/H3drvHome_RZ-SL_C21_touch.pptx
+++ b/H3drvHome_RZ-SL_C21_touch.pptx
@@ -5,10 +5,10 @@
     <p:sldMasterId id="2147483648" r:id="rId5"/>
   </p:sldMasterIdLst>
   <p:notesMasterIdLst>
-    <p:notesMasterId r:id="rId31"/>
+    <p:notesMasterId r:id="rId32"/>
   </p:notesMasterIdLst>
   <p:handoutMasterIdLst>
-    <p:handoutMasterId r:id="rId32"/>
+    <p:handoutMasterId r:id="rId33"/>
   </p:handoutMasterIdLst>
   <p:sldIdLst>
     <p:sldId id="1954" r:id="rId6"/>
@@ -24,18 +24,19 @@
     <p:sldId id="37665" r:id="rId16"/>
     <p:sldId id="37666" r:id="rId17"/>
     <p:sldId id="37675" r:id="rId18"/>
-    <p:sldId id="37667" r:id="rId19"/>
-    <p:sldId id="37672" r:id="rId20"/>
+    <p:sldId id="37680" r:id="rId19"/>
+    <p:sldId id="37667" r:id="rId20"/>
     <p:sldId id="37673" r:id="rId21"/>
-    <p:sldId id="37668" r:id="rId22"/>
+    <p:sldId id="37639" r:id="rId22"/>
     <p:sldId id="37669" r:id="rId23"/>
     <p:sldId id="37670" r:id="rId24"/>
     <p:sldId id="37676" r:id="rId25"/>
-    <p:sldId id="37677" r:id="rId26"/>
-    <p:sldId id="37678" r:id="rId27"/>
-    <p:sldId id="37679" r:id="rId28"/>
-    <p:sldId id="808" r:id="rId29"/>
-    <p:sldId id="3060" r:id="rId30"/>
+    <p:sldId id="37679" r:id="rId26"/>
+    <p:sldId id="808" r:id="rId27"/>
+    <p:sldId id="37668" r:id="rId28"/>
+    <p:sldId id="37682" r:id="rId29"/>
+    <p:sldId id="37681" r:id="rId30"/>
+    <p:sldId id="37678" r:id="rId31"/>
   </p:sldIdLst>
   <p:sldSz cx="12188825" cy="6858000"/>
   <p:notesSz cx="6858000" cy="9144000"/>
@@ -176,14 +177,10 @@
         </p14:section>
         <p14:section name="MCC-prj/b2: qt8" id="{1DFC2B66-E670-48C7-AAC7-ABD9B45AFE05}">
           <p14:sldIdLst>
+            <p14:sldId id="37680"/>
             <p14:sldId id="37667"/>
-            <p14:sldId id="37672"/>
             <p14:sldId id="37673"/>
-          </p14:sldIdLst>
-        </p14:section>
-        <p14:section name="MCC-prj/merge1" id="{30E931EC-DEAA-481B-A9F3-BD1A5326508D}">
-          <p14:sldIdLst>
-            <p14:sldId id="37668"/>
+            <p14:sldId id="37639"/>
           </p14:sldIdLst>
         </p14:section>
         <p14:section name="Findings" id="{6D5B0FCA-78CA-4305-A0DA-3120629A8F6A}">
@@ -191,15 +188,16 @@
             <p14:sldId id="37669"/>
             <p14:sldId id="37670"/>
             <p14:sldId id="37676"/>
-            <p14:sldId id="37677"/>
-            <p14:sldId id="37678"/>
             <p14:sldId id="37679"/>
           </p14:sldIdLst>
         </p14:section>
         <p14:section name="END" id="{A53C982A-DB42-48FC-8E74-33DFA6288D2D}">
           <p14:sldIdLst>
             <p14:sldId id="808"/>
-            <p14:sldId id="3060"/>
+            <p14:sldId id="37668"/>
+            <p14:sldId id="37682"/>
+            <p14:sldId id="37681"/>
+            <p14:sldId id="37678"/>
           </p14:sldIdLst>
         </p14:section>
       </p14:sectionLst>
@@ -2841,7 +2839,7 @@
               <a:pPr>
                 <a:defRPr/>
               </a:pPr>
-              <a:t>24</a:t>
+              <a:t>22</a:t>
             </a:fld>
             <a:endParaRPr lang="en-US" dirty="0"/>
           </a:p>
@@ -7291,7 +7289,7 @@
 </file>
 
 <file path=ppt/slides/slide10.xml><?xml version="1.0" encoding="utf-8"?>
-<p:sld xmlns:a="http://schemas.openxmlformats.org/drawingml/2006/main" xmlns:r="http://schemas.openxmlformats.org/officeDocument/2006/relationships" xmlns:p="http://schemas.openxmlformats.org/presentationml/2006/main">
+<p:sld xmlns:a="http://schemas.openxmlformats.org/drawingml/2006/main" xmlns:r="http://schemas.openxmlformats.org/officeDocument/2006/relationships" xmlns:p="http://schemas.openxmlformats.org/presentationml/2006/main" show="0">
   <p:cSld>
     <p:spTree>
       <p:nvGrpSpPr>
@@ -7384,6 +7382,51 @@
           </a:p>
         </p:txBody>
       </p:sp>
+      <p:sp>
+        <p:nvSpPr>
+          <p:cNvPr id="4" name="TextBox 3">
+            <a:extLst>
+              <a:ext uri="{FF2B5EF4-FFF2-40B4-BE49-F238E27FC236}">
+                <a16:creationId xmlns:a16="http://schemas.microsoft.com/office/drawing/2014/main" id="{8903F948-9611-383B-4C06-CF6A635C4C79}"/>
+              </a:ext>
+            </a:extLst>
+          </p:cNvPr>
+          <p:cNvSpPr txBox="1"/>
+          <p:nvPr/>
+        </p:nvSpPr>
+        <p:spPr>
+          <a:xfrm rot="1973025">
+            <a:off x="10380601" y="425027"/>
+            <a:ext cx="1947288" cy="584775"/>
+          </a:xfrm>
+          <a:prstGeom prst="rect">
+            <a:avLst/>
+          </a:prstGeom>
+          <a:noFill/>
+        </p:spPr>
+        <p:txBody>
+          <a:bodyPr wrap="square" rtlCol="0">
+            <a:spAutoFit/>
+          </a:bodyPr>
+          <a:lstStyle/>
+          <a:p>
+            <a:pPr algn="ctr"/>
+            <a:r>
+              <a:rPr lang="en-US" sz="3200" dirty="0">
+                <a:solidFill>
+                  <a:srgbClr val="FF0000"/>
+                </a:solidFill>
+              </a:rPr>
+              <a:t>HIDE</a:t>
+            </a:r>
+            <a:endParaRPr lang="en-DE" sz="1800" dirty="0">
+              <a:solidFill>
+                <a:srgbClr val="FF0000"/>
+              </a:solidFill>
+            </a:endParaRPr>
+          </a:p>
+        </p:txBody>
+      </p:sp>
     </p:spTree>
     <p:extLst>
       <p:ext uri="{BB962C8B-B14F-4D97-AF65-F5344CB8AC3E}">
@@ -7398,7 +7441,7 @@
 </file>
 
 <file path=ppt/slides/slide11.xml><?xml version="1.0" encoding="utf-8"?>
-<p:sld xmlns:a="http://schemas.openxmlformats.org/drawingml/2006/main" xmlns:r="http://schemas.openxmlformats.org/officeDocument/2006/relationships" xmlns:p="http://schemas.openxmlformats.org/presentationml/2006/main">
+<p:sld xmlns:a="http://schemas.openxmlformats.org/drawingml/2006/main" xmlns:r="http://schemas.openxmlformats.org/officeDocument/2006/relationships" xmlns:p="http://schemas.openxmlformats.org/presentationml/2006/main" show="0">
   <p:cSld>
     <p:spTree>
       <p:nvGrpSpPr>
@@ -7670,51 +7713,6 @@
               <a:t>H3drv homework: concept</a:t>
             </a:r>
             <a:endParaRPr lang="en-DE" dirty="0"/>
-          </a:p>
-        </p:txBody>
-      </p:sp>
-      <p:sp>
-        <p:nvSpPr>
-          <p:cNvPr id="5" name="TextBox 4">
-            <a:extLst>
-              <a:ext uri="{FF2B5EF4-FFF2-40B4-BE49-F238E27FC236}">
-                <a16:creationId xmlns:a16="http://schemas.microsoft.com/office/drawing/2014/main" id="{BE806E8A-FF84-E9FB-B60B-F0250A8B58E1}"/>
-              </a:ext>
-            </a:extLst>
-          </p:cNvPr>
-          <p:cNvSpPr txBox="1"/>
-          <p:nvPr/>
-        </p:nvSpPr>
-        <p:spPr>
-          <a:xfrm rot="1973025">
-            <a:off x="10552935" y="195021"/>
-            <a:ext cx="1919111" cy="707886"/>
-          </a:xfrm>
-          <a:prstGeom prst="rect">
-            <a:avLst/>
-          </a:prstGeom>
-          <a:noFill/>
-        </p:spPr>
-        <p:txBody>
-          <a:bodyPr wrap="square" rtlCol="0">
-            <a:spAutoFit/>
-          </a:bodyPr>
-          <a:lstStyle/>
-          <a:p>
-            <a:pPr algn="ctr"/>
-            <a:r>
-              <a:rPr lang="en-US" sz="4000" dirty="0" err="1">
-                <a:solidFill>
-                  <a:srgbClr val="FF0000"/>
-                </a:solidFill>
-              </a:rPr>
-              <a:t>inWork</a:t>
-            </a:r>
-            <a:endParaRPr lang="en-DE" dirty="0">
-              <a:solidFill>
-                <a:srgbClr val="FF0000"/>
-              </a:solidFill>
-            </a:endParaRPr>
           </a:p>
         </p:txBody>
       </p:sp>
@@ -8876,6 +8874,51 @@
           </p:txBody>
         </p:sp>
       </p:grpSp>
+      <p:sp>
+        <p:nvSpPr>
+          <p:cNvPr id="4" name="TextBox 3">
+            <a:extLst>
+              <a:ext uri="{FF2B5EF4-FFF2-40B4-BE49-F238E27FC236}">
+                <a16:creationId xmlns:a16="http://schemas.microsoft.com/office/drawing/2014/main" id="{9547B4A3-83F8-CC07-8BF4-CF5008564C72}"/>
+              </a:ext>
+            </a:extLst>
+          </p:cNvPr>
+          <p:cNvSpPr txBox="1"/>
+          <p:nvPr/>
+        </p:nvSpPr>
+        <p:spPr>
+          <a:xfrm rot="1973025">
+            <a:off x="10380601" y="425027"/>
+            <a:ext cx="1947288" cy="584775"/>
+          </a:xfrm>
+          <a:prstGeom prst="rect">
+            <a:avLst/>
+          </a:prstGeom>
+          <a:noFill/>
+        </p:spPr>
+        <p:txBody>
+          <a:bodyPr wrap="square" rtlCol="0">
+            <a:spAutoFit/>
+          </a:bodyPr>
+          <a:lstStyle/>
+          <a:p>
+            <a:pPr algn="ctr"/>
+            <a:r>
+              <a:rPr lang="en-US" sz="3200" dirty="0">
+                <a:solidFill>
+                  <a:srgbClr val="FF0000"/>
+                </a:solidFill>
+              </a:rPr>
+              <a:t>HIDE</a:t>
+            </a:r>
+            <a:endParaRPr lang="en-DE" sz="1800" dirty="0">
+              <a:solidFill>
+                <a:srgbClr val="FF0000"/>
+              </a:solidFill>
+            </a:endParaRPr>
+          </a:p>
+        </p:txBody>
+      </p:sp>
     </p:spTree>
     <p:extLst>
       <p:ext uri="{BB962C8B-B14F-4D97-AF65-F5344CB8AC3E}">
@@ -8961,7 +9004,7 @@
           <a:p>
             <a:r>
               <a:rPr lang="en-US" sz="2400" b="0" dirty="0"/>
-              <a:t>Step-by-step guidance for SAMC21J18a with Touch1 = </a:t>
+              <a:t>Part1: step-by-step guidance for SAMC21J18a + </a:t>
             </a:r>
             <a:r>
               <a:rPr lang="en-US" sz="2400" b="0" dirty="0" err="1"/>
@@ -8971,51 +9014,6 @@
               <a:rPr lang="en-US" sz="2400" b="0" dirty="0"/>
               <a:t>-click touch-1995 on EXT3</a:t>
             </a:r>
-          </a:p>
-        </p:txBody>
-      </p:sp>
-      <p:sp>
-        <p:nvSpPr>
-          <p:cNvPr id="5" name="TextBox 4">
-            <a:extLst>
-              <a:ext uri="{FF2B5EF4-FFF2-40B4-BE49-F238E27FC236}">
-                <a16:creationId xmlns:a16="http://schemas.microsoft.com/office/drawing/2014/main" id="{BE806E8A-FF84-E9FB-B60B-F0250A8B58E1}"/>
-              </a:ext>
-            </a:extLst>
-          </p:cNvPr>
-          <p:cNvSpPr txBox="1"/>
-          <p:nvPr/>
-        </p:nvSpPr>
-        <p:spPr>
-          <a:xfrm rot="1973025">
-            <a:off x="10552935" y="195021"/>
-            <a:ext cx="1919111" cy="707886"/>
-          </a:xfrm>
-          <a:prstGeom prst="rect">
-            <a:avLst/>
-          </a:prstGeom>
-          <a:noFill/>
-        </p:spPr>
-        <p:txBody>
-          <a:bodyPr wrap="square" rtlCol="0">
-            <a:spAutoFit/>
-          </a:bodyPr>
-          <a:lstStyle/>
-          <a:p>
-            <a:pPr algn="ctr"/>
-            <a:r>
-              <a:rPr lang="en-US" sz="4000" dirty="0" err="1">
-                <a:solidFill>
-                  <a:srgbClr val="FF0000"/>
-                </a:solidFill>
-              </a:rPr>
-              <a:t>inWork</a:t>
-            </a:r>
-            <a:endParaRPr lang="en-DE" dirty="0">
-              <a:solidFill>
-                <a:srgbClr val="FF0000"/>
-              </a:solidFill>
-            </a:endParaRPr>
           </a:p>
         </p:txBody>
       </p:sp>
@@ -9207,7 +9205,7 @@
         <p:spPr>
           <a:xfrm>
             <a:off x="354778" y="923073"/>
-            <a:ext cx="11400660" cy="5524026"/>
+            <a:ext cx="11739790" cy="5524026"/>
           </a:xfrm>
         </p:spPr>
         <p:txBody>
@@ -9229,14 +9227,14 @@
             </a:r>
             <a:r>
               <a:rPr lang="en-US" sz="2400" b="0" dirty="0"/>
-              <a:t> – step1a: h3-prj on DRV-level to access thermo5Click on I2C</a:t>
+              <a:t> – step1a: h3-prj on PLIB-&gt;DRV-level to access thermo5Click on I2C</a:t>
             </a:r>
           </a:p>
           <a:p>
             <a:pPr lvl="1"/>
             <a:r>
               <a:rPr lang="en-US" sz="2000" dirty="0"/>
-              <a:t>Started from DEV8/Lab1 that reads Temp from </a:t>
+              <a:t>Start: DEV7/PLIB Lab1: reads Temp from </a:t>
             </a:r>
             <a:r>
               <a:rPr lang="en-US" sz="2000" dirty="0" err="1"/>
@@ -9244,14 +9242,18 @@
             </a:r>
             <a:r>
               <a:rPr lang="en-US" sz="2000" dirty="0"/>
-              <a:t> and outputs via UART, but on SAME54</a:t>
+              <a:t> and outputs via UART, but on SAMD21 with challenges</a:t>
             </a:r>
           </a:p>
           <a:p>
             <a:pPr lvl="1"/>
             <a:r>
+              <a:rPr lang="en-US" sz="2000" dirty="0"/>
+              <a:t>Next port DEV8/DRV Lab1 = DEV7/L1 but DRV-level and on SAME54 -&gt; p</a:t>
+            </a:r>
+            <a:r>
               <a:rPr lang="en-US" sz="2000" b="0" dirty="0"/>
-              <a:t>Porting from SAME54 -&gt; SAMC21</a:t>
+              <a:t>ort to SAMC21 more challenges</a:t>
             </a:r>
             <a:endParaRPr lang="en-US" sz="1600" dirty="0"/>
           </a:p>
@@ -9259,7 +9261,7 @@
             <a:pPr lvl="1"/>
             <a:r>
               <a:rPr lang="en-US" sz="2000" dirty="0"/>
-              <a:t>Adding SW0 (works)</a:t>
+              <a:t>Adding SW0</a:t>
             </a:r>
           </a:p>
           <a:p>
@@ -9278,28 +9280,28 @@
             </a:r>
             <a:r>
               <a:rPr lang="en-US" sz="1600" dirty="0"/>
-              <a:t>pressed, But SW not working</a:t>
+              <a:t>pressed</a:t>
             </a:r>
           </a:p>
           <a:p>
             <a:pPr marL="890588" lvl="2" indent="-295275"/>
             <a:r>
               <a:rPr lang="en-US" sz="1600" dirty="0"/>
-              <a:t>debugged some time and found SW0 collides with some pin on </a:t>
+              <a:t>BUT SW not working, why? -&gt; click on EXT3 connected, but EXT3</a:t>
             </a:r>
             <a:br>
               <a:rPr lang="en-US" sz="1600" dirty="0"/>
             </a:br>
             <a:r>
               <a:rPr lang="en-US" sz="1600" dirty="0"/>
-              <a:t>EXT3 and initially had boards attached to all 3x EXTs </a:t>
+              <a:t>pins collide with SW0…</a:t>
             </a:r>
           </a:p>
           <a:p>
             <a:pPr marL="890588" lvl="2" indent="-295275"/>
             <a:r>
               <a:rPr lang="en-US" sz="1600" dirty="0"/>
-              <a:t>removing EXT-board, SW worked immediately</a:t>
+              <a:t>removing EXT3 board, SW worked immediately</a:t>
             </a:r>
           </a:p>
           <a:p>
@@ -9322,21 +9324,29 @@
             </a:r>
           </a:p>
           <a:p>
-            <a:pPr lvl="2"/>
+            <a:pPr lvl="2">
+              <a:tabLst>
+                <a:tab pos="4302125" algn="l"/>
+              </a:tabLst>
+            </a:pPr>
             <a:r>
               <a:rPr lang="en-US" sz="1600" dirty="0" err="1"/>
               <a:t>IOxpl-tempSens</a:t>
             </a:r>
             <a:r>
               <a:rPr lang="en-US" sz="1600" dirty="0"/>
-              <a:t> stores T as 2B @ one address -&gt; 1x I2C_WrRd()</a:t>
-            </a:r>
-          </a:p>
-          <a:p>
-            <a:pPr lvl="2"/>
+              <a:t> stores T as 2B@oneAddr	-&gt; 1x I2C_WrRd()</a:t>
+            </a:r>
+          </a:p>
+          <a:p>
+            <a:pPr lvl="2">
+              <a:tabLst>
+                <a:tab pos="4302125" algn="l"/>
+              </a:tabLst>
+            </a:pPr>
             <a:r>
               <a:rPr lang="en-US" sz="1600" dirty="0"/>
-              <a:t>Thermo5-click    stores T as 1B @ two addresses -&gt; 2x I2C_WrRd()</a:t>
+              <a:t>Thermo5-click    stores T as 1B@twoAddr	-&gt; 2x I2C_WrRd()</a:t>
             </a:r>
           </a:p>
           <a:p>
@@ -9354,8 +9364,16 @@
           <a:p>
             <a:pPr lvl="2"/>
             <a:r>
+              <a:rPr lang="en-US" sz="1600" b="0" dirty="0"/>
+              <a:t>… (</a:t>
+            </a:r>
+            <a:r>
+              <a:rPr lang="en-US" sz="1600" dirty="0" err="1"/>
+              <a:t>inWork</a:t>
+            </a:r>
+            <a:r>
               <a:rPr lang="en-US" sz="1600" dirty="0"/>
-              <a:t>xxx</a:t>
+              <a:t>)</a:t>
             </a:r>
             <a:endParaRPr lang="en-US" sz="1600" b="0" dirty="0"/>
           </a:p>
@@ -9363,8 +9381,31 @@
             <a:pPr lvl="1"/>
             <a:r>
               <a:rPr lang="en-US" sz="2000" dirty="0"/>
-              <a:t>xxx</a:t>
-            </a:r>
+              <a:t>Replacing thermo5 with </a:t>
+            </a:r>
+            <a:r>
+              <a:rPr lang="en-US" sz="2000" dirty="0" err="1"/>
+              <a:t>touchClick</a:t>
+            </a:r>
+            <a:endParaRPr lang="en-US" sz="2000" dirty="0"/>
+          </a:p>
+          <a:p>
+            <a:pPr lvl="2"/>
+            <a:r>
+              <a:rPr lang="en-US" sz="1600" b="0" dirty="0"/>
+              <a:t>… (</a:t>
+            </a:r>
+            <a:r>
+              <a:rPr lang="en-US" sz="1600" dirty="0" err="1"/>
+              <a:t>inWork</a:t>
+            </a:r>
+            <a:r>
+              <a:rPr lang="en-US" sz="1600" dirty="0"/>
+              <a:t>)</a:t>
+            </a:r>
+          </a:p>
+          <a:p>
+            <a:pPr lvl="1"/>
             <a:endParaRPr lang="en-US" sz="2000" b="0" dirty="0"/>
           </a:p>
           <a:p>
@@ -9377,552 +9418,6 @@
           </a:p>
         </p:txBody>
       </p:sp>
-      <p:sp>
-        <p:nvSpPr>
-          <p:cNvPr id="5" name="TextBox 4">
-            <a:extLst>
-              <a:ext uri="{FF2B5EF4-FFF2-40B4-BE49-F238E27FC236}">
-                <a16:creationId xmlns:a16="http://schemas.microsoft.com/office/drawing/2014/main" id="{BE806E8A-FF84-E9FB-B60B-F0250A8B58E1}"/>
-              </a:ext>
-            </a:extLst>
-          </p:cNvPr>
-          <p:cNvSpPr txBox="1"/>
-          <p:nvPr/>
-        </p:nvSpPr>
-        <p:spPr>
-          <a:xfrm rot="1973025">
-            <a:off x="10552935" y="195021"/>
-            <a:ext cx="1919111" cy="707886"/>
-          </a:xfrm>
-          <a:prstGeom prst="rect">
-            <a:avLst/>
-          </a:prstGeom>
-          <a:noFill/>
-        </p:spPr>
-        <p:txBody>
-          <a:bodyPr wrap="square" rtlCol="0">
-            <a:spAutoFit/>
-          </a:bodyPr>
-          <a:lstStyle/>
-          <a:p>
-            <a:pPr algn="ctr"/>
-            <a:r>
-              <a:rPr lang="en-US" sz="4000" dirty="0" err="1">
-                <a:solidFill>
-                  <a:srgbClr val="FF0000"/>
-                </a:solidFill>
-              </a:rPr>
-              <a:t>inWork</a:t>
-            </a:r>
-            <a:endParaRPr lang="en-DE" dirty="0">
-              <a:solidFill>
-                <a:srgbClr val="FF0000"/>
-              </a:solidFill>
-            </a:endParaRPr>
-          </a:p>
-        </p:txBody>
-      </p:sp>
-      <p:grpSp>
-        <p:nvGrpSpPr>
-          <p:cNvPr id="17" name="Group 16">
-            <a:extLst>
-              <a:ext uri="{FF2B5EF4-FFF2-40B4-BE49-F238E27FC236}">
-                <a16:creationId xmlns:a16="http://schemas.microsoft.com/office/drawing/2014/main" id="{E3C28006-51BA-1938-834E-5AC7F277CBA5}"/>
-              </a:ext>
-            </a:extLst>
-          </p:cNvPr>
-          <p:cNvGrpSpPr/>
-          <p:nvPr/>
-        </p:nvGrpSpPr>
-        <p:grpSpPr>
-          <a:xfrm>
-            <a:off x="7079705" y="3633251"/>
-            <a:ext cx="5018460" cy="2586843"/>
-            <a:chOff x="7079705" y="3633251"/>
-            <a:chExt cx="5018460" cy="2586843"/>
-          </a:xfrm>
-        </p:grpSpPr>
-        <p:sp>
-          <p:nvSpPr>
-            <p:cNvPr id="8" name="Rectangle 7">
-              <a:extLst>
-                <a:ext uri="{FF2B5EF4-FFF2-40B4-BE49-F238E27FC236}">
-                  <a16:creationId xmlns:a16="http://schemas.microsoft.com/office/drawing/2014/main" id="{79411C61-FC36-79E3-4DA6-21313C990FB5}"/>
-                </a:ext>
-              </a:extLst>
-            </p:cNvPr>
-            <p:cNvSpPr/>
-            <p:nvPr/>
-          </p:nvSpPr>
-          <p:spPr>
-            <a:xfrm>
-              <a:off x="7100541" y="3685086"/>
-              <a:ext cx="4997624" cy="2535008"/>
-            </a:xfrm>
-            <a:prstGeom prst="rect">
-              <a:avLst/>
-            </a:prstGeom>
-            <a:noFill/>
-            <a:ln>
-              <a:solidFill>
-                <a:schemeClr val="tx1"/>
-              </a:solidFill>
-            </a:ln>
-            <a:effectLst/>
-          </p:spPr>
-          <p:style>
-            <a:lnRef idx="1">
-              <a:schemeClr val="accent1"/>
-            </a:lnRef>
-            <a:fillRef idx="3">
-              <a:schemeClr val="accent1"/>
-            </a:fillRef>
-            <a:effectRef idx="2">
-              <a:schemeClr val="accent1"/>
-            </a:effectRef>
-            <a:fontRef idx="minor">
-              <a:schemeClr val="lt1"/>
-            </a:fontRef>
-          </p:style>
-          <p:txBody>
-            <a:bodyPr rot="0" spcFirstLastPara="0" vertOverflow="overflow" horzOverflow="overflow" vert="horz" wrap="square" lIns="91440" tIns="45720" rIns="91440" bIns="45720" numCol="1" spcCol="0" rtlCol="0" fromWordArt="0" anchor="ctr" anchorCtr="0" forceAA="0" compatLnSpc="1">
-              <a:prstTxWarp prst="textNoShape">
-                <a:avLst/>
-              </a:prstTxWarp>
-              <a:noAutofit/>
-            </a:bodyPr>
-            <a:lstStyle/>
-            <a:p>
-              <a:pPr algn="ctr"/>
-              <a:endParaRPr lang="en-DE"/>
-            </a:p>
-          </p:txBody>
-        </p:sp>
-        <p:cxnSp>
-          <p:nvCxnSpPr>
-            <p:cNvPr id="18" name="Straight Arrow Connector 17">
-              <a:extLst>
-                <a:ext uri="{FF2B5EF4-FFF2-40B4-BE49-F238E27FC236}">
-                  <a16:creationId xmlns:a16="http://schemas.microsoft.com/office/drawing/2014/main" id="{92AB6F6E-2014-89A7-CB13-827BE8721407}"/>
-                </a:ext>
-              </a:extLst>
-            </p:cNvPr>
-            <p:cNvCxnSpPr>
-              <a:cxnSpLocks/>
-            </p:cNvCxnSpPr>
-            <p:nvPr/>
-          </p:nvCxnSpPr>
-          <p:spPr>
-            <a:xfrm flipH="1">
-              <a:off x="8544765" y="4645005"/>
-              <a:ext cx="569209" cy="0"/>
-            </a:xfrm>
-            <a:prstGeom prst="straightConnector1">
-              <a:avLst/>
-            </a:prstGeom>
-            <a:ln>
-              <a:tailEnd type="triangle"/>
-            </a:ln>
-            <a:effectLst/>
-          </p:spPr>
-          <p:style>
-            <a:lnRef idx="2">
-              <a:schemeClr val="accent1"/>
-            </a:lnRef>
-            <a:fillRef idx="0">
-              <a:schemeClr val="accent1"/>
-            </a:fillRef>
-            <a:effectRef idx="1">
-              <a:schemeClr val="accent1"/>
-            </a:effectRef>
-            <a:fontRef idx="minor">
-              <a:schemeClr val="tx1"/>
-            </a:fontRef>
-          </p:style>
-        </p:cxnSp>
-        <p:grpSp>
-          <p:nvGrpSpPr>
-            <p:cNvPr id="19" name="Group 18">
-              <a:extLst>
-                <a:ext uri="{FF2B5EF4-FFF2-40B4-BE49-F238E27FC236}">
-                  <a16:creationId xmlns:a16="http://schemas.microsoft.com/office/drawing/2014/main" id="{76C86801-E594-D5A4-006A-769A1DCA7F2A}"/>
-                </a:ext>
-              </a:extLst>
-            </p:cNvPr>
-            <p:cNvGrpSpPr/>
-            <p:nvPr/>
-          </p:nvGrpSpPr>
-          <p:grpSpPr>
-            <a:xfrm>
-              <a:off x="7084264" y="4182061"/>
-              <a:ext cx="1460501" cy="768350"/>
-              <a:chOff x="5063564" y="5289550"/>
-              <a:chExt cx="1460501" cy="768350"/>
-            </a:xfrm>
-          </p:grpSpPr>
-          <p:sp>
-            <p:nvSpPr>
-              <p:cNvPr id="22" name="Rectangle 21">
-                <a:extLst>
-                  <a:ext uri="{FF2B5EF4-FFF2-40B4-BE49-F238E27FC236}">
-                    <a16:creationId xmlns:a16="http://schemas.microsoft.com/office/drawing/2014/main" id="{A287B099-36D7-8D8F-83B7-BF196558B17D}"/>
-                  </a:ext>
-                </a:extLst>
-              </p:cNvPr>
-              <p:cNvSpPr/>
-              <p:nvPr/>
-            </p:nvSpPr>
-            <p:spPr>
-              <a:xfrm>
-                <a:off x="5156200" y="5289550"/>
-                <a:ext cx="1367865" cy="768350"/>
-              </a:xfrm>
-              <a:prstGeom prst="rect">
-                <a:avLst/>
-              </a:prstGeom>
-              <a:solidFill>
-                <a:schemeClr val="accent4">
-                  <a:lumMod val="60000"/>
-                  <a:lumOff val="40000"/>
-                </a:schemeClr>
-              </a:solidFill>
-              <a:ln>
-                <a:solidFill>
-                  <a:schemeClr val="tx1"/>
-                </a:solidFill>
-              </a:ln>
-              <a:effectLst/>
-            </p:spPr>
-            <p:style>
-              <a:lnRef idx="1">
-                <a:schemeClr val="accent1"/>
-              </a:lnRef>
-              <a:fillRef idx="3">
-                <a:schemeClr val="accent1"/>
-              </a:fillRef>
-              <a:effectRef idx="2">
-                <a:schemeClr val="accent1"/>
-              </a:effectRef>
-              <a:fontRef idx="minor">
-                <a:schemeClr val="lt1"/>
-              </a:fontRef>
-            </p:style>
-            <p:txBody>
-              <a:bodyPr rot="0" spcFirstLastPara="0" vertOverflow="overflow" horzOverflow="overflow" vert="horz" wrap="square" lIns="91440" tIns="45720" rIns="91440" bIns="45720" numCol="1" spcCol="0" rtlCol="0" fromWordArt="0" anchor="ctr" anchorCtr="0" forceAA="0" compatLnSpc="1">
-                <a:prstTxWarp prst="textNoShape">
-                  <a:avLst/>
-                </a:prstTxWarp>
-                <a:noAutofit/>
-              </a:bodyPr>
-              <a:lstStyle/>
-              <a:p>
-                <a:pPr algn="ctr"/>
-                <a:endParaRPr lang="en-DE"/>
-              </a:p>
-            </p:txBody>
-          </p:sp>
-          <p:sp>
-            <p:nvSpPr>
-              <p:cNvPr id="23" name="TextBox 22">
-                <a:extLst>
-                  <a:ext uri="{FF2B5EF4-FFF2-40B4-BE49-F238E27FC236}">
-                    <a16:creationId xmlns:a16="http://schemas.microsoft.com/office/drawing/2014/main" id="{2C2F39E1-EAA3-3E09-43B4-44B20C01CECC}"/>
-                  </a:ext>
-                </a:extLst>
-              </p:cNvPr>
-              <p:cNvSpPr txBox="1"/>
-              <p:nvPr/>
-            </p:nvSpPr>
-            <p:spPr>
-              <a:xfrm>
-                <a:off x="5063564" y="5434243"/>
-                <a:ext cx="1460501" cy="400110"/>
-              </a:xfrm>
-              <a:prstGeom prst="rect">
-                <a:avLst/>
-              </a:prstGeom>
-              <a:noFill/>
-              <a:ln>
-                <a:noFill/>
-              </a:ln>
-            </p:spPr>
-            <p:txBody>
-              <a:bodyPr wrap="square" rtlCol="0">
-                <a:spAutoFit/>
-              </a:bodyPr>
-              <a:lstStyle/>
-              <a:p>
-                <a:r>
-                  <a:rPr lang="en-US" sz="2000" dirty="0"/>
-                  <a:t>SAMC21</a:t>
-                </a:r>
-                <a:endParaRPr lang="en-DE" sz="2000" dirty="0"/>
-              </a:p>
-            </p:txBody>
-          </p:sp>
-          <p:sp>
-            <p:nvSpPr>
-              <p:cNvPr id="24" name="TextBox 23">
-                <a:extLst>
-                  <a:ext uri="{FF2B5EF4-FFF2-40B4-BE49-F238E27FC236}">
-                    <a16:creationId xmlns:a16="http://schemas.microsoft.com/office/drawing/2014/main" id="{D4CA44E3-17CA-94FD-192A-6D4EA50297CC}"/>
-                  </a:ext>
-                </a:extLst>
-              </p:cNvPr>
-              <p:cNvSpPr txBox="1"/>
-              <p:nvPr/>
-            </p:nvSpPr>
-            <p:spPr>
-              <a:xfrm>
-                <a:off x="6094412" y="5459833"/>
-                <a:ext cx="429653" cy="461665"/>
-              </a:xfrm>
-              <a:prstGeom prst="rect">
-                <a:avLst/>
-              </a:prstGeom>
-              <a:noFill/>
-              <a:ln>
-                <a:solidFill>
-                  <a:schemeClr val="accent1"/>
-                </a:solidFill>
-              </a:ln>
-            </p:spPr>
-            <p:txBody>
-              <a:bodyPr wrap="square" rtlCol="0">
-                <a:spAutoFit/>
-              </a:bodyPr>
-              <a:lstStyle/>
-              <a:p>
-                <a:r>
-                  <a:rPr lang="en-US" sz="1200" dirty="0"/>
-                  <a:t>SPI/I2C</a:t>
-                </a:r>
-                <a:endParaRPr lang="en-DE" dirty="0"/>
-              </a:p>
-            </p:txBody>
-          </p:sp>
-        </p:grpSp>
-        <p:sp>
-          <p:nvSpPr>
-            <p:cNvPr id="21" name="TextBox 20">
-              <a:extLst>
-                <a:ext uri="{FF2B5EF4-FFF2-40B4-BE49-F238E27FC236}">
-                  <a16:creationId xmlns:a16="http://schemas.microsoft.com/office/drawing/2014/main" id="{9CA08D61-95B8-EAAB-6E55-DAF445412380}"/>
-                </a:ext>
-              </a:extLst>
-            </p:cNvPr>
-            <p:cNvSpPr txBox="1"/>
-            <p:nvPr/>
-          </p:nvSpPr>
-          <p:spPr>
-            <a:xfrm>
-              <a:off x="7079705" y="3633251"/>
-              <a:ext cx="2089147" cy="461665"/>
-            </a:xfrm>
-            <a:prstGeom prst="rect">
-              <a:avLst/>
-            </a:prstGeom>
-            <a:noFill/>
-          </p:spPr>
-          <p:txBody>
-            <a:bodyPr wrap="square" rtlCol="0">
-              <a:spAutoFit/>
-            </a:bodyPr>
-            <a:lstStyle/>
-            <a:p>
-              <a:r>
-                <a:rPr lang="en-US" dirty="0"/>
-                <a:t>State-of-today</a:t>
-              </a:r>
-              <a:endParaRPr lang="en-DE" dirty="0"/>
-            </a:p>
-          </p:txBody>
-        </p:sp>
-        <p:pic>
-          <p:nvPicPr>
-            <p:cNvPr id="28" name="Picture 27">
-              <a:extLst>
-                <a:ext uri="{FF2B5EF4-FFF2-40B4-BE49-F238E27FC236}">
-                  <a16:creationId xmlns:a16="http://schemas.microsoft.com/office/drawing/2014/main" id="{15521F00-9AE2-E52F-4D93-A50DFFBDCA44}"/>
-                </a:ext>
-              </a:extLst>
-            </p:cNvPr>
-            <p:cNvPicPr>
-              <a:picLocks noChangeAspect="1"/>
-            </p:cNvPicPr>
-            <p:nvPr/>
-          </p:nvPicPr>
-          <p:blipFill>
-            <a:blip r:embed="rId2"/>
-            <a:stretch>
-              <a:fillRect/>
-            </a:stretch>
-          </p:blipFill>
-          <p:spPr>
-            <a:xfrm>
-              <a:off x="9113974" y="3962880"/>
-              <a:ext cx="2984191" cy="1127858"/>
-            </a:xfrm>
-            <a:prstGeom prst="rect">
-              <a:avLst/>
-            </a:prstGeom>
-          </p:spPr>
-        </p:pic>
-        <p:pic>
-          <p:nvPicPr>
-            <p:cNvPr id="30" name="Picture 29">
-              <a:extLst>
-                <a:ext uri="{FF2B5EF4-FFF2-40B4-BE49-F238E27FC236}">
-                  <a16:creationId xmlns:a16="http://schemas.microsoft.com/office/drawing/2014/main" id="{3FB5DA2D-7B3F-E6B1-3C1B-904950A3982E}"/>
-                </a:ext>
-              </a:extLst>
-            </p:cNvPr>
-            <p:cNvPicPr>
-              <a:picLocks noChangeAspect="1"/>
-            </p:cNvPicPr>
-            <p:nvPr/>
-          </p:nvPicPr>
-          <p:blipFill>
-            <a:blip r:embed="rId3"/>
-            <a:stretch>
-              <a:fillRect/>
-            </a:stretch>
-          </p:blipFill>
-          <p:spPr>
-            <a:xfrm>
-              <a:off x="10130221" y="4960800"/>
-              <a:ext cx="1877783" cy="1259294"/>
-            </a:xfrm>
-            <a:prstGeom prst="rect">
-              <a:avLst/>
-            </a:prstGeom>
-          </p:spPr>
-        </p:pic>
-        <p:sp>
-          <p:nvSpPr>
-            <p:cNvPr id="31" name="TextBox 30">
-              <a:extLst>
-                <a:ext uri="{FF2B5EF4-FFF2-40B4-BE49-F238E27FC236}">
-                  <a16:creationId xmlns:a16="http://schemas.microsoft.com/office/drawing/2014/main" id="{4544D1C2-2740-AE87-0B43-6589B73231E6}"/>
-                </a:ext>
-              </a:extLst>
-            </p:cNvPr>
-            <p:cNvSpPr txBox="1"/>
-            <p:nvPr/>
-          </p:nvSpPr>
-          <p:spPr>
-            <a:xfrm>
-              <a:off x="7096091" y="5454426"/>
-              <a:ext cx="2279099" cy="338554"/>
-            </a:xfrm>
-            <a:prstGeom prst="rect">
-              <a:avLst/>
-            </a:prstGeom>
-            <a:noFill/>
-          </p:spPr>
-          <p:txBody>
-            <a:bodyPr wrap="square" rtlCol="0">
-              <a:spAutoFit/>
-            </a:bodyPr>
-            <a:lstStyle/>
-            <a:p>
-              <a:r>
-                <a:rPr lang="en-US" sz="1600" b="1" dirty="0">
-                  <a:solidFill>
-                    <a:srgbClr val="FF0000"/>
-                  </a:solidFill>
-                </a:rPr>
-                <a:t>Step1b: thermo5 + SW0</a:t>
-              </a:r>
-              <a:endParaRPr lang="en-DE" sz="1600" b="1" dirty="0">
-                <a:solidFill>
-                  <a:srgbClr val="FF0000"/>
-                </a:solidFill>
-              </a:endParaRPr>
-            </a:p>
-          </p:txBody>
-        </p:sp>
-        <p:sp>
-          <p:nvSpPr>
-            <p:cNvPr id="32" name="TextBox 31">
-              <a:extLst>
-                <a:ext uri="{FF2B5EF4-FFF2-40B4-BE49-F238E27FC236}">
-                  <a16:creationId xmlns:a16="http://schemas.microsoft.com/office/drawing/2014/main" id="{0DBA6FA5-CAC7-091D-EC65-54081776B0A5}"/>
-                </a:ext>
-              </a:extLst>
-            </p:cNvPr>
-            <p:cNvSpPr txBox="1"/>
-            <p:nvPr/>
-          </p:nvSpPr>
-          <p:spPr>
-            <a:xfrm>
-              <a:off x="7084264" y="5755747"/>
-              <a:ext cx="2589975" cy="338554"/>
-            </a:xfrm>
-            <a:prstGeom prst="rect">
-              <a:avLst/>
-            </a:prstGeom>
-            <a:noFill/>
-          </p:spPr>
-          <p:txBody>
-            <a:bodyPr wrap="square" rtlCol="0">
-              <a:spAutoFit/>
-            </a:bodyPr>
-            <a:lstStyle/>
-            <a:p>
-              <a:r>
-                <a:rPr lang="en-US" sz="1600" dirty="0"/>
-                <a:t>Step1c: SW0 -&gt; </a:t>
-              </a:r>
-              <a:r>
-                <a:rPr lang="en-US" sz="1600" dirty="0" err="1"/>
-                <a:t>touchButton</a:t>
-              </a:r>
-              <a:endParaRPr lang="en-DE" sz="1600" dirty="0"/>
-            </a:p>
-          </p:txBody>
-        </p:sp>
-        <p:sp>
-          <p:nvSpPr>
-            <p:cNvPr id="34" name="TextBox 33">
-              <a:extLst>
-                <a:ext uri="{FF2B5EF4-FFF2-40B4-BE49-F238E27FC236}">
-                  <a16:creationId xmlns:a16="http://schemas.microsoft.com/office/drawing/2014/main" id="{4C654DA2-CDE9-53DC-921F-BFE5A36F0290}"/>
-                </a:ext>
-              </a:extLst>
-            </p:cNvPr>
-            <p:cNvSpPr txBox="1"/>
-            <p:nvPr/>
-          </p:nvSpPr>
-          <p:spPr>
-            <a:xfrm>
-              <a:off x="7100541" y="5093470"/>
-              <a:ext cx="2589975" cy="338554"/>
-            </a:xfrm>
-            <a:prstGeom prst="rect">
-              <a:avLst/>
-            </a:prstGeom>
-            <a:noFill/>
-          </p:spPr>
-          <p:txBody>
-            <a:bodyPr wrap="square" rtlCol="0">
-              <a:spAutoFit/>
-            </a:bodyPr>
-            <a:lstStyle/>
-            <a:p>
-              <a:r>
-                <a:rPr lang="en-US" sz="1600" dirty="0"/>
-                <a:t>Step1a: H3-DRV </a:t>
-              </a:r>
-              <a:r>
-                <a:rPr lang="en-US" sz="1600" dirty="0" err="1"/>
-                <a:t>prj</a:t>
-              </a:r>
-              <a:endParaRPr lang="en-DE" sz="1600" dirty="0"/>
-            </a:p>
-          </p:txBody>
-        </p:sp>
-      </p:grpSp>
       <p:grpSp>
         <p:nvGrpSpPr>
           <p:cNvPr id="20" name="Group 19">
@@ -9937,7 +9432,7 @@
         </p:nvGrpSpPr>
         <p:grpSpPr>
           <a:xfrm>
-            <a:off x="7098091" y="1814604"/>
+            <a:off x="7109432" y="4786389"/>
             <a:ext cx="5000074" cy="1744689"/>
             <a:chOff x="7098091" y="1814604"/>
             <a:chExt cx="5000074" cy="1744689"/>
@@ -10162,7 +9657,7 @@
             <p:nvPr/>
           </p:nvPicPr>
           <p:blipFill>
-            <a:blip r:embed="rId4"/>
+            <a:blip r:embed="rId2"/>
             <a:stretch>
               <a:fillRect/>
             </a:stretch>
@@ -10270,6 +9765,537 @@
           </p:txBody>
         </p:sp>
       </p:grpSp>
+      <p:grpSp>
+        <p:nvGrpSpPr>
+          <p:cNvPr id="16" name="Group 15">
+            <a:extLst>
+              <a:ext uri="{FF2B5EF4-FFF2-40B4-BE49-F238E27FC236}">
+                <a16:creationId xmlns:a16="http://schemas.microsoft.com/office/drawing/2014/main" id="{8E44620E-7907-D190-F006-D660BD30C767}"/>
+              </a:ext>
+            </a:extLst>
+          </p:cNvPr>
+          <p:cNvGrpSpPr/>
+          <p:nvPr/>
+        </p:nvGrpSpPr>
+        <p:grpSpPr>
+          <a:xfrm>
+            <a:off x="7076108" y="2065202"/>
+            <a:ext cx="5018460" cy="2595790"/>
+            <a:chOff x="11588126" y="1720694"/>
+            <a:chExt cx="5018460" cy="2595790"/>
+          </a:xfrm>
+        </p:grpSpPr>
+        <p:sp>
+          <p:nvSpPr>
+            <p:cNvPr id="8" name="Rectangle 7">
+              <a:extLst>
+                <a:ext uri="{FF2B5EF4-FFF2-40B4-BE49-F238E27FC236}">
+                  <a16:creationId xmlns:a16="http://schemas.microsoft.com/office/drawing/2014/main" id="{79411C61-FC36-79E3-4DA6-21313C990FB5}"/>
+                </a:ext>
+              </a:extLst>
+            </p:cNvPr>
+            <p:cNvSpPr/>
+            <p:nvPr/>
+          </p:nvSpPr>
+          <p:spPr>
+            <a:xfrm>
+              <a:off x="11608962" y="1772529"/>
+              <a:ext cx="4997624" cy="2535008"/>
+            </a:xfrm>
+            <a:prstGeom prst="rect">
+              <a:avLst/>
+            </a:prstGeom>
+            <a:noFill/>
+            <a:ln>
+              <a:solidFill>
+                <a:schemeClr val="tx1"/>
+              </a:solidFill>
+            </a:ln>
+            <a:effectLst/>
+          </p:spPr>
+          <p:style>
+            <a:lnRef idx="1">
+              <a:schemeClr val="accent1"/>
+            </a:lnRef>
+            <a:fillRef idx="3">
+              <a:schemeClr val="accent1"/>
+            </a:fillRef>
+            <a:effectRef idx="2">
+              <a:schemeClr val="accent1"/>
+            </a:effectRef>
+            <a:fontRef idx="minor">
+              <a:schemeClr val="lt1"/>
+            </a:fontRef>
+          </p:style>
+          <p:txBody>
+            <a:bodyPr rot="0" spcFirstLastPara="0" vertOverflow="overflow" horzOverflow="overflow" vert="horz" wrap="square" lIns="91440" tIns="45720" rIns="91440" bIns="45720" numCol="1" spcCol="0" rtlCol="0" fromWordArt="0" anchor="ctr" anchorCtr="0" forceAA="0" compatLnSpc="1">
+              <a:prstTxWarp prst="textNoShape">
+                <a:avLst/>
+              </a:prstTxWarp>
+              <a:noAutofit/>
+            </a:bodyPr>
+            <a:lstStyle/>
+            <a:p>
+              <a:pPr algn="ctr"/>
+              <a:endParaRPr lang="en-DE"/>
+            </a:p>
+          </p:txBody>
+        </p:sp>
+        <p:cxnSp>
+          <p:nvCxnSpPr>
+            <p:cNvPr id="18" name="Straight Arrow Connector 17">
+              <a:extLst>
+                <a:ext uri="{FF2B5EF4-FFF2-40B4-BE49-F238E27FC236}">
+                  <a16:creationId xmlns:a16="http://schemas.microsoft.com/office/drawing/2014/main" id="{92AB6F6E-2014-89A7-CB13-827BE8721407}"/>
+                </a:ext>
+              </a:extLst>
+            </p:cNvPr>
+            <p:cNvCxnSpPr>
+              <a:cxnSpLocks/>
+            </p:cNvCxnSpPr>
+            <p:nvPr/>
+          </p:nvCxnSpPr>
+          <p:spPr>
+            <a:xfrm flipH="1">
+              <a:off x="13053186" y="2732448"/>
+              <a:ext cx="569209" cy="0"/>
+            </a:xfrm>
+            <a:prstGeom prst="straightConnector1">
+              <a:avLst/>
+            </a:prstGeom>
+            <a:ln>
+              <a:tailEnd type="triangle"/>
+            </a:ln>
+            <a:effectLst/>
+          </p:spPr>
+          <p:style>
+            <a:lnRef idx="2">
+              <a:schemeClr val="accent1"/>
+            </a:lnRef>
+            <a:fillRef idx="0">
+              <a:schemeClr val="accent1"/>
+            </a:fillRef>
+            <a:effectRef idx="1">
+              <a:schemeClr val="accent1"/>
+            </a:effectRef>
+            <a:fontRef idx="minor">
+              <a:schemeClr val="tx1"/>
+            </a:fontRef>
+          </p:style>
+        </p:cxnSp>
+        <p:grpSp>
+          <p:nvGrpSpPr>
+            <p:cNvPr id="19" name="Group 18">
+              <a:extLst>
+                <a:ext uri="{FF2B5EF4-FFF2-40B4-BE49-F238E27FC236}">
+                  <a16:creationId xmlns:a16="http://schemas.microsoft.com/office/drawing/2014/main" id="{76C86801-E594-D5A4-006A-769A1DCA7F2A}"/>
+                </a:ext>
+              </a:extLst>
+            </p:cNvPr>
+            <p:cNvGrpSpPr/>
+            <p:nvPr/>
+          </p:nvGrpSpPr>
+          <p:grpSpPr>
+            <a:xfrm>
+              <a:off x="11592685" y="2269504"/>
+              <a:ext cx="1460501" cy="768350"/>
+              <a:chOff x="5063564" y="5289550"/>
+              <a:chExt cx="1460501" cy="768350"/>
+            </a:xfrm>
+          </p:grpSpPr>
+          <p:sp>
+            <p:nvSpPr>
+              <p:cNvPr id="22" name="Rectangle 21">
+                <a:extLst>
+                  <a:ext uri="{FF2B5EF4-FFF2-40B4-BE49-F238E27FC236}">
+                    <a16:creationId xmlns:a16="http://schemas.microsoft.com/office/drawing/2014/main" id="{A287B099-36D7-8D8F-83B7-BF196558B17D}"/>
+                  </a:ext>
+                </a:extLst>
+              </p:cNvPr>
+              <p:cNvSpPr/>
+              <p:nvPr/>
+            </p:nvSpPr>
+            <p:spPr>
+              <a:xfrm>
+                <a:off x="5156200" y="5289550"/>
+                <a:ext cx="1367865" cy="768350"/>
+              </a:xfrm>
+              <a:prstGeom prst="rect">
+                <a:avLst/>
+              </a:prstGeom>
+              <a:solidFill>
+                <a:schemeClr val="accent4">
+                  <a:lumMod val="60000"/>
+                  <a:lumOff val="40000"/>
+                </a:schemeClr>
+              </a:solidFill>
+              <a:ln>
+                <a:solidFill>
+                  <a:schemeClr val="tx1"/>
+                </a:solidFill>
+              </a:ln>
+              <a:effectLst/>
+            </p:spPr>
+            <p:style>
+              <a:lnRef idx="1">
+                <a:schemeClr val="accent1"/>
+              </a:lnRef>
+              <a:fillRef idx="3">
+                <a:schemeClr val="accent1"/>
+              </a:fillRef>
+              <a:effectRef idx="2">
+                <a:schemeClr val="accent1"/>
+              </a:effectRef>
+              <a:fontRef idx="minor">
+                <a:schemeClr val="lt1"/>
+              </a:fontRef>
+            </p:style>
+            <p:txBody>
+              <a:bodyPr rot="0" spcFirstLastPara="0" vertOverflow="overflow" horzOverflow="overflow" vert="horz" wrap="square" lIns="91440" tIns="45720" rIns="91440" bIns="45720" numCol="1" spcCol="0" rtlCol="0" fromWordArt="0" anchor="ctr" anchorCtr="0" forceAA="0" compatLnSpc="1">
+                <a:prstTxWarp prst="textNoShape">
+                  <a:avLst/>
+                </a:prstTxWarp>
+                <a:noAutofit/>
+              </a:bodyPr>
+              <a:lstStyle/>
+              <a:p>
+                <a:pPr algn="ctr"/>
+                <a:endParaRPr lang="en-DE"/>
+              </a:p>
+            </p:txBody>
+          </p:sp>
+          <p:sp>
+            <p:nvSpPr>
+              <p:cNvPr id="23" name="TextBox 22">
+                <a:extLst>
+                  <a:ext uri="{FF2B5EF4-FFF2-40B4-BE49-F238E27FC236}">
+                    <a16:creationId xmlns:a16="http://schemas.microsoft.com/office/drawing/2014/main" id="{2C2F39E1-EAA3-3E09-43B4-44B20C01CECC}"/>
+                  </a:ext>
+                </a:extLst>
+              </p:cNvPr>
+              <p:cNvSpPr txBox="1"/>
+              <p:nvPr/>
+            </p:nvSpPr>
+            <p:spPr>
+              <a:xfrm>
+                <a:off x="5063564" y="5434243"/>
+                <a:ext cx="1460501" cy="400110"/>
+              </a:xfrm>
+              <a:prstGeom prst="rect">
+                <a:avLst/>
+              </a:prstGeom>
+              <a:noFill/>
+              <a:ln>
+                <a:noFill/>
+              </a:ln>
+            </p:spPr>
+            <p:txBody>
+              <a:bodyPr wrap="square" rtlCol="0">
+                <a:spAutoFit/>
+              </a:bodyPr>
+              <a:lstStyle/>
+              <a:p>
+                <a:r>
+                  <a:rPr lang="en-US" sz="2000" dirty="0"/>
+                  <a:t>SAMC21</a:t>
+                </a:r>
+                <a:endParaRPr lang="en-DE" sz="2000" dirty="0"/>
+              </a:p>
+            </p:txBody>
+          </p:sp>
+          <p:sp>
+            <p:nvSpPr>
+              <p:cNvPr id="24" name="TextBox 23">
+                <a:extLst>
+                  <a:ext uri="{FF2B5EF4-FFF2-40B4-BE49-F238E27FC236}">
+                    <a16:creationId xmlns:a16="http://schemas.microsoft.com/office/drawing/2014/main" id="{D4CA44E3-17CA-94FD-192A-6D4EA50297CC}"/>
+                  </a:ext>
+                </a:extLst>
+              </p:cNvPr>
+              <p:cNvSpPr txBox="1"/>
+              <p:nvPr/>
+            </p:nvSpPr>
+            <p:spPr>
+              <a:xfrm>
+                <a:off x="6094412" y="5459833"/>
+                <a:ext cx="429653" cy="461665"/>
+              </a:xfrm>
+              <a:prstGeom prst="rect">
+                <a:avLst/>
+              </a:prstGeom>
+              <a:noFill/>
+              <a:ln>
+                <a:solidFill>
+                  <a:schemeClr val="accent1"/>
+                </a:solidFill>
+              </a:ln>
+            </p:spPr>
+            <p:txBody>
+              <a:bodyPr wrap="square" rtlCol="0">
+                <a:spAutoFit/>
+              </a:bodyPr>
+              <a:lstStyle/>
+              <a:p>
+                <a:r>
+                  <a:rPr lang="en-US" sz="1200" dirty="0"/>
+                  <a:t>SPI/I2C</a:t>
+                </a:r>
+                <a:endParaRPr lang="en-DE" dirty="0"/>
+              </a:p>
+            </p:txBody>
+          </p:sp>
+        </p:grpSp>
+        <p:sp>
+          <p:nvSpPr>
+            <p:cNvPr id="21" name="TextBox 20">
+              <a:extLst>
+                <a:ext uri="{FF2B5EF4-FFF2-40B4-BE49-F238E27FC236}">
+                  <a16:creationId xmlns:a16="http://schemas.microsoft.com/office/drawing/2014/main" id="{9CA08D61-95B8-EAAB-6E55-DAF445412380}"/>
+                </a:ext>
+              </a:extLst>
+            </p:cNvPr>
+            <p:cNvSpPr txBox="1"/>
+            <p:nvPr/>
+          </p:nvSpPr>
+          <p:spPr>
+            <a:xfrm>
+              <a:off x="11588126" y="1720694"/>
+              <a:ext cx="2089147" cy="461665"/>
+            </a:xfrm>
+            <a:prstGeom prst="rect">
+              <a:avLst/>
+            </a:prstGeom>
+            <a:noFill/>
+          </p:spPr>
+          <p:txBody>
+            <a:bodyPr wrap="square" rtlCol="0">
+              <a:spAutoFit/>
+            </a:bodyPr>
+            <a:lstStyle/>
+            <a:p>
+              <a:r>
+                <a:rPr lang="en-US" dirty="0"/>
+                <a:t>State-of-today</a:t>
+              </a:r>
+              <a:endParaRPr lang="en-DE" dirty="0"/>
+            </a:p>
+          </p:txBody>
+        </p:sp>
+        <p:pic>
+          <p:nvPicPr>
+            <p:cNvPr id="28" name="Picture 27">
+              <a:extLst>
+                <a:ext uri="{FF2B5EF4-FFF2-40B4-BE49-F238E27FC236}">
+                  <a16:creationId xmlns:a16="http://schemas.microsoft.com/office/drawing/2014/main" id="{15521F00-9AE2-E52F-4D93-A50DFFBDCA44}"/>
+                </a:ext>
+              </a:extLst>
+            </p:cNvPr>
+            <p:cNvPicPr>
+              <a:picLocks noChangeAspect="1"/>
+            </p:cNvPicPr>
+            <p:nvPr/>
+          </p:nvPicPr>
+          <p:blipFill>
+            <a:blip r:embed="rId3"/>
+            <a:stretch>
+              <a:fillRect/>
+            </a:stretch>
+          </p:blipFill>
+          <p:spPr>
+            <a:xfrm>
+              <a:off x="13622395" y="2050323"/>
+              <a:ext cx="2984191" cy="1127858"/>
+            </a:xfrm>
+            <a:prstGeom prst="rect">
+              <a:avLst/>
+            </a:prstGeom>
+          </p:spPr>
+        </p:pic>
+        <p:pic>
+          <p:nvPicPr>
+            <p:cNvPr id="30" name="Picture 29">
+              <a:extLst>
+                <a:ext uri="{FF2B5EF4-FFF2-40B4-BE49-F238E27FC236}">
+                  <a16:creationId xmlns:a16="http://schemas.microsoft.com/office/drawing/2014/main" id="{3FB5DA2D-7B3F-E6B1-3C1B-904950A3982E}"/>
+                </a:ext>
+              </a:extLst>
+            </p:cNvPr>
+            <p:cNvPicPr>
+              <a:picLocks noChangeAspect="1"/>
+            </p:cNvPicPr>
+            <p:nvPr/>
+          </p:nvPicPr>
+          <p:blipFill>
+            <a:blip r:embed="rId4"/>
+            <a:stretch>
+              <a:fillRect/>
+            </a:stretch>
+          </p:blipFill>
+          <p:spPr>
+            <a:xfrm>
+              <a:off x="14282974" y="3174684"/>
+              <a:ext cx="1702583" cy="1141800"/>
+            </a:xfrm>
+            <a:prstGeom prst="rect">
+              <a:avLst/>
+            </a:prstGeom>
+          </p:spPr>
+        </p:pic>
+        <p:sp>
+          <p:nvSpPr>
+            <p:cNvPr id="31" name="TextBox 30">
+              <a:extLst>
+                <a:ext uri="{FF2B5EF4-FFF2-40B4-BE49-F238E27FC236}">
+                  <a16:creationId xmlns:a16="http://schemas.microsoft.com/office/drawing/2014/main" id="{4544D1C2-2740-AE87-0B43-6589B73231E6}"/>
+                </a:ext>
+              </a:extLst>
+            </p:cNvPr>
+            <p:cNvSpPr txBox="1"/>
+            <p:nvPr/>
+          </p:nvSpPr>
+          <p:spPr>
+            <a:xfrm>
+              <a:off x="11604512" y="3541869"/>
+              <a:ext cx="2279099" cy="338554"/>
+            </a:xfrm>
+            <a:prstGeom prst="rect">
+              <a:avLst/>
+            </a:prstGeom>
+            <a:noFill/>
+          </p:spPr>
+          <p:txBody>
+            <a:bodyPr wrap="square" rtlCol="0">
+              <a:spAutoFit/>
+            </a:bodyPr>
+            <a:lstStyle/>
+            <a:p>
+              <a:r>
+                <a:rPr lang="en-US" sz="1600" b="1" dirty="0">
+                  <a:solidFill>
+                    <a:srgbClr val="FF0000"/>
+                  </a:solidFill>
+                </a:rPr>
+                <a:t>Step1b: thermo5 + SW0</a:t>
+              </a:r>
+              <a:endParaRPr lang="en-DE" sz="1600" b="1" dirty="0">
+                <a:solidFill>
+                  <a:srgbClr val="FF0000"/>
+                </a:solidFill>
+              </a:endParaRPr>
+            </a:p>
+          </p:txBody>
+        </p:sp>
+        <p:sp>
+          <p:nvSpPr>
+            <p:cNvPr id="32" name="TextBox 31">
+              <a:extLst>
+                <a:ext uri="{FF2B5EF4-FFF2-40B4-BE49-F238E27FC236}">
+                  <a16:creationId xmlns:a16="http://schemas.microsoft.com/office/drawing/2014/main" id="{0DBA6FA5-CAC7-091D-EC65-54081776B0A5}"/>
+                </a:ext>
+              </a:extLst>
+            </p:cNvPr>
+            <p:cNvSpPr txBox="1"/>
+            <p:nvPr/>
+          </p:nvSpPr>
+          <p:spPr>
+            <a:xfrm>
+              <a:off x="11592685" y="3843190"/>
+              <a:ext cx="2589975" cy="338554"/>
+            </a:xfrm>
+            <a:prstGeom prst="rect">
+              <a:avLst/>
+            </a:prstGeom>
+            <a:noFill/>
+          </p:spPr>
+          <p:txBody>
+            <a:bodyPr wrap="square" rtlCol="0">
+              <a:spAutoFit/>
+            </a:bodyPr>
+            <a:lstStyle/>
+            <a:p>
+              <a:r>
+                <a:rPr lang="en-US" sz="1600" dirty="0"/>
+                <a:t>Step1c: SW0 -&gt; </a:t>
+              </a:r>
+              <a:r>
+                <a:rPr lang="en-US" sz="1600" dirty="0" err="1"/>
+                <a:t>touchButton</a:t>
+              </a:r>
+              <a:endParaRPr lang="en-DE" sz="1600" dirty="0"/>
+            </a:p>
+          </p:txBody>
+        </p:sp>
+        <p:sp>
+          <p:nvSpPr>
+            <p:cNvPr id="34" name="TextBox 33">
+              <a:extLst>
+                <a:ext uri="{FF2B5EF4-FFF2-40B4-BE49-F238E27FC236}">
+                  <a16:creationId xmlns:a16="http://schemas.microsoft.com/office/drawing/2014/main" id="{4C654DA2-CDE9-53DC-921F-BFE5A36F0290}"/>
+                </a:ext>
+              </a:extLst>
+            </p:cNvPr>
+            <p:cNvSpPr txBox="1"/>
+            <p:nvPr/>
+          </p:nvSpPr>
+          <p:spPr>
+            <a:xfrm>
+              <a:off x="11608962" y="3180913"/>
+              <a:ext cx="2589975" cy="338554"/>
+            </a:xfrm>
+            <a:prstGeom prst="rect">
+              <a:avLst/>
+            </a:prstGeom>
+            <a:noFill/>
+          </p:spPr>
+          <p:txBody>
+            <a:bodyPr wrap="square" rtlCol="0">
+              <a:spAutoFit/>
+            </a:bodyPr>
+            <a:lstStyle/>
+            <a:p>
+              <a:r>
+                <a:rPr lang="en-US" sz="1600" dirty="0"/>
+                <a:t>Step1a: H3-DRV </a:t>
+              </a:r>
+              <a:r>
+                <a:rPr lang="en-US" sz="1600" dirty="0" err="1"/>
+                <a:t>prj</a:t>
+              </a:r>
+              <a:endParaRPr lang="en-DE" sz="1600" dirty="0"/>
+            </a:p>
+          </p:txBody>
+        </p:sp>
+        <p:pic>
+          <p:nvPicPr>
+            <p:cNvPr id="9" name="Picture 8">
+              <a:extLst>
+                <a:ext uri="{FF2B5EF4-FFF2-40B4-BE49-F238E27FC236}">
+                  <a16:creationId xmlns:a16="http://schemas.microsoft.com/office/drawing/2014/main" id="{528FDC42-4A51-F0DD-AA18-67A4FE24F195}"/>
+                </a:ext>
+              </a:extLst>
+            </p:cNvPr>
+            <p:cNvPicPr>
+              <a:picLocks noChangeAspect="1"/>
+            </p:cNvPicPr>
+            <p:nvPr/>
+          </p:nvPicPr>
+          <p:blipFill>
+            <a:blip r:embed="rId5"/>
+            <a:stretch>
+              <a:fillRect/>
+            </a:stretch>
+          </p:blipFill>
+          <p:spPr>
+            <a:xfrm>
+              <a:off x="15575700" y="3584509"/>
+              <a:ext cx="852268" cy="698661"/>
+            </a:xfrm>
+            <a:prstGeom prst="rect">
+              <a:avLst/>
+            </a:prstGeom>
+          </p:spPr>
+        </p:pic>
+      </p:grpSp>
     </p:spTree>
     <p:extLst>
       <p:ext uri="{BB962C8B-B14F-4D97-AF65-F5344CB8AC3E}">
@@ -10284,6 +10310,318 @@
 </file>
 
 <file path=ppt/slides/slide14.xml><?xml version="1.0" encoding="utf-8"?>
+<p:sld xmlns:a="http://schemas.openxmlformats.org/drawingml/2006/main" xmlns:r="http://schemas.openxmlformats.org/officeDocument/2006/relationships" xmlns:p="http://schemas.openxmlformats.org/presentationml/2006/main" show="0">
+  <p:cSld>
+    <p:spTree>
+      <p:nvGrpSpPr>
+        <p:cNvPr id="1" name=""/>
+        <p:cNvGrpSpPr/>
+        <p:nvPr/>
+      </p:nvGrpSpPr>
+      <p:grpSpPr>
+        <a:xfrm>
+          <a:off x="0" y="0"/>
+          <a:ext cx="0" cy="0"/>
+          <a:chOff x="0" y="0"/>
+          <a:chExt cx="0" cy="0"/>
+        </a:xfrm>
+      </p:grpSpPr>
+      <p:sp>
+        <p:nvSpPr>
+          <p:cNvPr id="2" name="Title 1">
+            <a:extLst>
+              <a:ext uri="{FF2B5EF4-FFF2-40B4-BE49-F238E27FC236}">
+                <a16:creationId xmlns:a16="http://schemas.microsoft.com/office/drawing/2014/main" id="{A4B4FF59-42FA-D7A9-0F27-7F566A3A5A48}"/>
+              </a:ext>
+            </a:extLst>
+          </p:cNvPr>
+          <p:cNvSpPr>
+            <a:spLocks noGrp="1"/>
+          </p:cNvSpPr>
+          <p:nvPr>
+            <p:ph type="title"/>
+          </p:nvPr>
+        </p:nvSpPr>
+        <p:spPr/>
+        <p:txBody>
+          <a:bodyPr/>
+          <a:lstStyle/>
+          <a:p>
+            <a:r>
+              <a:rPr lang="de-DE" sz="4400" dirty="0">
+                <a:latin typeface="Calibri" panose="020F0502020204030204" pitchFamily="34" charset="0"/>
+                <a:ea typeface="Calibri" panose="020F0502020204030204" pitchFamily="34" charset="0"/>
+              </a:rPr>
+              <a:t>H3drv homework/b2: MCC-prj for click</a:t>
+            </a:r>
+            <a:endParaRPr lang="en-DE" dirty="0"/>
+          </a:p>
+        </p:txBody>
+      </p:sp>
+      <p:sp>
+        <p:nvSpPr>
+          <p:cNvPr id="3" name="Content Placeholder 2">
+            <a:extLst>
+              <a:ext uri="{FF2B5EF4-FFF2-40B4-BE49-F238E27FC236}">
+                <a16:creationId xmlns:a16="http://schemas.microsoft.com/office/drawing/2014/main" id="{750AE634-05CD-565F-E962-7EBEBF0C27F3}"/>
+              </a:ext>
+            </a:extLst>
+          </p:cNvPr>
+          <p:cNvSpPr>
+            <a:spLocks noGrp="1"/>
+          </p:cNvSpPr>
+          <p:nvPr>
+            <p:ph sz="quarter" idx="13"/>
+          </p:nvPr>
+        </p:nvSpPr>
+        <p:spPr/>
+        <p:txBody>
+          <a:bodyPr>
+            <a:normAutofit/>
+          </a:bodyPr>
+          <a:lstStyle/>
+          <a:p>
+            <a:pPr marL="0" indent="0">
+              <a:buNone/>
+            </a:pPr>
+            <a:r>
+              <a:rPr lang="en-US" sz="1800" b="0" dirty="0"/>
+              <a:t>Branch2: QT8-xpl on EXT1 - Step1: start from Atmel-START </a:t>
+            </a:r>
+            <a:r>
+              <a:rPr lang="en-US" sz="1800" b="0" dirty="0" err="1"/>
+              <a:t>prj</a:t>
+            </a:r>
+            <a:endParaRPr lang="en-US" sz="1800" b="0" dirty="0"/>
+          </a:p>
+          <a:p>
+            <a:r>
+              <a:rPr lang="de-DE" sz="1800" b="0" dirty="0"/>
+              <a:t>in A-START: create Atmel-START prj  and make sure it compiles ok</a:t>
+            </a:r>
+          </a:p>
+          <a:p>
+            <a:r>
+              <a:rPr lang="de-DE" sz="1800" b="0" dirty="0"/>
+              <a:t>in A-START: export A-Start prj </a:t>
+            </a:r>
+          </a:p>
+          <a:p>
+            <a:r>
+              <a:rPr lang="de-DE" sz="1800" b="0" dirty="0"/>
+              <a:t>in MPLABX: import into MPLABX </a:t>
+            </a:r>
+          </a:p>
+          <a:p>
+            <a:r>
+              <a:rPr lang="de-DE" sz="1800" b="0" dirty="0"/>
+              <a:t>in MPLABX: fix</a:t>
+            </a:r>
+          </a:p>
+          <a:p>
+            <a:pPr lvl="1"/>
+            <a:r>
+              <a:rPr lang="de-DE" sz="1800" dirty="0"/>
+              <a:t>libraries are not added to prj </a:t>
+            </a:r>
+            <a:br>
+              <a:rPr lang="de-DE" sz="1800" dirty="0"/>
+            </a:br>
+            <a:r>
+              <a:rPr lang="de-DE" sz="1800" dirty="0"/>
+              <a:t>-&gt; manually add tx-libs in prj-view</a:t>
+            </a:r>
+          </a:p>
+          <a:p>
+            <a:pPr lvl="1"/>
+            <a:r>
+              <a:rPr lang="de-DE" sz="1800" dirty="0"/>
+              <a:t>adjust #include-paths (??)</a:t>
+            </a:r>
+          </a:p>
+          <a:p>
+            <a:r>
+              <a:rPr lang="de-DE" sz="1800" b="0" dirty="0"/>
+              <a:t>download+run ok?</a:t>
+            </a:r>
+          </a:p>
+          <a:p>
+            <a:endParaRPr lang="en-US" sz="1800" b="0" dirty="0"/>
+          </a:p>
+        </p:txBody>
+      </p:sp>
+      <p:sp>
+        <p:nvSpPr>
+          <p:cNvPr id="5" name="TextBox 4">
+            <a:extLst>
+              <a:ext uri="{FF2B5EF4-FFF2-40B4-BE49-F238E27FC236}">
+                <a16:creationId xmlns:a16="http://schemas.microsoft.com/office/drawing/2014/main" id="{BE806E8A-FF84-E9FB-B60B-F0250A8B58E1}"/>
+              </a:ext>
+            </a:extLst>
+          </p:cNvPr>
+          <p:cNvSpPr txBox="1"/>
+          <p:nvPr/>
+        </p:nvSpPr>
+        <p:spPr>
+          <a:xfrm rot="1973025">
+            <a:off x="10174926" y="134054"/>
+            <a:ext cx="2281607" cy="1323439"/>
+          </a:xfrm>
+          <a:prstGeom prst="rect">
+            <a:avLst/>
+          </a:prstGeom>
+          <a:noFill/>
+        </p:spPr>
+        <p:txBody>
+          <a:bodyPr wrap="square" rtlCol="0">
+            <a:spAutoFit/>
+          </a:bodyPr>
+          <a:lstStyle/>
+          <a:p>
+            <a:pPr algn="ctr"/>
+            <a:r>
+              <a:rPr lang="en-US" sz="4000" dirty="0">
+                <a:solidFill>
+                  <a:srgbClr val="FF0000"/>
+                </a:solidFill>
+              </a:rPr>
+              <a:t>START-</a:t>
+            </a:r>
+            <a:r>
+              <a:rPr lang="en-US" sz="4000" dirty="0" err="1">
+                <a:solidFill>
+                  <a:srgbClr val="FF0000"/>
+                </a:solidFill>
+              </a:rPr>
+              <a:t>prj</a:t>
+            </a:r>
+            <a:br>
+              <a:rPr lang="en-US" sz="4000" dirty="0">
+                <a:solidFill>
+                  <a:srgbClr val="FF0000"/>
+                </a:solidFill>
+              </a:rPr>
+            </a:br>
+            <a:r>
+              <a:rPr lang="en-US" sz="4000" dirty="0">
+                <a:solidFill>
+                  <a:srgbClr val="FF0000"/>
+                </a:solidFill>
+              </a:rPr>
+              <a:t>-&gt;hide</a:t>
+            </a:r>
+            <a:endParaRPr lang="en-DE" dirty="0">
+              <a:solidFill>
+                <a:srgbClr val="FF0000"/>
+              </a:solidFill>
+            </a:endParaRPr>
+          </a:p>
+        </p:txBody>
+      </p:sp>
+      <p:pic>
+        <p:nvPicPr>
+          <p:cNvPr id="4" name="Picture 3">
+            <a:extLst>
+              <a:ext uri="{FF2B5EF4-FFF2-40B4-BE49-F238E27FC236}">
+                <a16:creationId xmlns:a16="http://schemas.microsoft.com/office/drawing/2014/main" id="{36BAF5C2-94ED-D792-D245-09BC0964E933}"/>
+              </a:ext>
+            </a:extLst>
+          </p:cNvPr>
+          <p:cNvPicPr>
+            <a:picLocks noChangeAspect="1"/>
+          </p:cNvPicPr>
+          <p:nvPr/>
+        </p:nvPicPr>
+        <p:blipFill>
+          <a:blip r:embed="rId2"/>
+          <a:stretch>
+            <a:fillRect/>
+          </a:stretch>
+        </p:blipFill>
+        <p:spPr>
+          <a:xfrm>
+            <a:off x="7998106" y="873536"/>
+            <a:ext cx="2516406" cy="1905990"/>
+          </a:xfrm>
+          <a:prstGeom prst="rect">
+            <a:avLst/>
+          </a:prstGeom>
+        </p:spPr>
+      </p:pic>
+      <p:pic>
+        <p:nvPicPr>
+          <p:cNvPr id="6" name="Picture 5">
+            <a:extLst>
+              <a:ext uri="{FF2B5EF4-FFF2-40B4-BE49-F238E27FC236}">
+                <a16:creationId xmlns:a16="http://schemas.microsoft.com/office/drawing/2014/main" id="{6F6D2FD9-99A3-9F05-425B-BAC67C988DE7}"/>
+              </a:ext>
+            </a:extLst>
+          </p:cNvPr>
+          <p:cNvPicPr>
+            <a:picLocks noChangeAspect="1"/>
+          </p:cNvPicPr>
+          <p:nvPr/>
+        </p:nvPicPr>
+        <p:blipFill>
+          <a:blip r:embed="rId3"/>
+          <a:stretch>
+            <a:fillRect/>
+          </a:stretch>
+        </p:blipFill>
+        <p:spPr>
+          <a:xfrm>
+            <a:off x="4646114" y="2619953"/>
+            <a:ext cx="6866376" cy="4238047"/>
+          </a:xfrm>
+          <a:prstGeom prst="rect">
+            <a:avLst/>
+          </a:prstGeom>
+        </p:spPr>
+      </p:pic>
+      <p:pic>
+        <p:nvPicPr>
+          <p:cNvPr id="7" name="Picture 6">
+            <a:extLst>
+              <a:ext uri="{FF2B5EF4-FFF2-40B4-BE49-F238E27FC236}">
+                <a16:creationId xmlns:a16="http://schemas.microsoft.com/office/drawing/2014/main" id="{DC4AC364-4EF0-B80E-937A-5C7E81361361}"/>
+              </a:ext>
+            </a:extLst>
+          </p:cNvPr>
+          <p:cNvPicPr>
+            <a:picLocks noChangeAspect="1"/>
+          </p:cNvPicPr>
+          <p:nvPr/>
+        </p:nvPicPr>
+        <p:blipFill>
+          <a:blip r:embed="rId4"/>
+          <a:stretch>
+            <a:fillRect/>
+          </a:stretch>
+        </p:blipFill>
+        <p:spPr>
+          <a:xfrm>
+            <a:off x="892901" y="4060635"/>
+            <a:ext cx="2265346" cy="1959476"/>
+          </a:xfrm>
+          <a:prstGeom prst="rect">
+            <a:avLst/>
+          </a:prstGeom>
+        </p:spPr>
+      </p:pic>
+    </p:spTree>
+    <p:extLst>
+      <p:ext uri="{BB962C8B-B14F-4D97-AF65-F5344CB8AC3E}">
+        <p14:creationId xmlns:p14="http://schemas.microsoft.com/office/powerpoint/2010/main" val="1520197729"/>
+      </p:ext>
+    </p:extLst>
+  </p:cSld>
+  <p:clrMapOvr>
+    <a:masterClrMapping/>
+  </p:clrMapOvr>
+</p:sld>
+</file>
+
+<file path=ppt/slides/slide15.xml><?xml version="1.0" encoding="utf-8"?>
 <p:sld xmlns:a="http://schemas.openxmlformats.org/drawingml/2006/main" xmlns:r="http://schemas.openxmlformats.org/officeDocument/2006/relationships" xmlns:p="http://schemas.openxmlformats.org/presentationml/2006/main">
   <p:cSld>
     <p:spTree>
@@ -10357,51 +10695,6 @@
               <a:rPr lang="en-US" sz="2400" b="0" dirty="0"/>
               <a:t>Step-by-step guidance for SAMC21J18a with Touch2 = QT8-xpl on EXT1</a:t>
             </a:r>
-          </a:p>
-        </p:txBody>
-      </p:sp>
-      <p:sp>
-        <p:nvSpPr>
-          <p:cNvPr id="5" name="TextBox 4">
-            <a:extLst>
-              <a:ext uri="{FF2B5EF4-FFF2-40B4-BE49-F238E27FC236}">
-                <a16:creationId xmlns:a16="http://schemas.microsoft.com/office/drawing/2014/main" id="{BE806E8A-FF84-E9FB-B60B-F0250A8B58E1}"/>
-              </a:ext>
-            </a:extLst>
-          </p:cNvPr>
-          <p:cNvSpPr txBox="1"/>
-          <p:nvPr/>
-        </p:nvSpPr>
-        <p:spPr>
-          <a:xfrm rot="1973025">
-            <a:off x="10552935" y="195021"/>
-            <a:ext cx="1919111" cy="707886"/>
-          </a:xfrm>
-          <a:prstGeom prst="rect">
-            <a:avLst/>
-          </a:prstGeom>
-          <a:noFill/>
-        </p:spPr>
-        <p:txBody>
-          <a:bodyPr wrap="square" rtlCol="0">
-            <a:spAutoFit/>
-          </a:bodyPr>
-          <a:lstStyle/>
-          <a:p>
-            <a:pPr algn="ctr"/>
-            <a:r>
-              <a:rPr lang="en-US" sz="4000" dirty="0" err="1">
-                <a:solidFill>
-                  <a:srgbClr val="FF0000"/>
-                </a:solidFill>
-              </a:rPr>
-              <a:t>inWork</a:t>
-            </a:r>
-            <a:endParaRPr lang="en-DE" dirty="0">
-              <a:solidFill>
-                <a:srgbClr val="FF0000"/>
-              </a:solidFill>
-            </a:endParaRPr>
           </a:p>
         </p:txBody>
       </p:sp>
@@ -10525,295 +10818,6 @@
 </p:sld>
 </file>
 
-<file path=ppt/slides/slide15.xml><?xml version="1.0" encoding="utf-8"?>
-<p:sld xmlns:a="http://schemas.openxmlformats.org/drawingml/2006/main" xmlns:r="http://schemas.openxmlformats.org/officeDocument/2006/relationships" xmlns:p="http://schemas.openxmlformats.org/presentationml/2006/main">
-  <p:cSld>
-    <p:spTree>
-      <p:nvGrpSpPr>
-        <p:cNvPr id="1" name=""/>
-        <p:cNvGrpSpPr/>
-        <p:nvPr/>
-      </p:nvGrpSpPr>
-      <p:grpSpPr>
-        <a:xfrm>
-          <a:off x="0" y="0"/>
-          <a:ext cx="0" cy="0"/>
-          <a:chOff x="0" y="0"/>
-          <a:chExt cx="0" cy="0"/>
-        </a:xfrm>
-      </p:grpSpPr>
-      <p:sp>
-        <p:nvSpPr>
-          <p:cNvPr id="2" name="Title 1">
-            <a:extLst>
-              <a:ext uri="{FF2B5EF4-FFF2-40B4-BE49-F238E27FC236}">
-                <a16:creationId xmlns:a16="http://schemas.microsoft.com/office/drawing/2014/main" id="{A4B4FF59-42FA-D7A9-0F27-7F566A3A5A48}"/>
-              </a:ext>
-            </a:extLst>
-          </p:cNvPr>
-          <p:cNvSpPr>
-            <a:spLocks noGrp="1"/>
-          </p:cNvSpPr>
-          <p:nvPr>
-            <p:ph type="title"/>
-          </p:nvPr>
-        </p:nvSpPr>
-        <p:spPr/>
-        <p:txBody>
-          <a:bodyPr/>
-          <a:lstStyle/>
-          <a:p>
-            <a:r>
-              <a:rPr lang="de-DE" sz="4400" dirty="0">
-                <a:latin typeface="Calibri" panose="020F0502020204030204" pitchFamily="34" charset="0"/>
-                <a:ea typeface="Calibri" panose="020F0502020204030204" pitchFamily="34" charset="0"/>
-              </a:rPr>
-              <a:t>H3drv homework/b2: MCC-prj for click</a:t>
-            </a:r>
-            <a:endParaRPr lang="en-DE" dirty="0"/>
-          </a:p>
-        </p:txBody>
-      </p:sp>
-      <p:sp>
-        <p:nvSpPr>
-          <p:cNvPr id="3" name="Content Placeholder 2">
-            <a:extLst>
-              <a:ext uri="{FF2B5EF4-FFF2-40B4-BE49-F238E27FC236}">
-                <a16:creationId xmlns:a16="http://schemas.microsoft.com/office/drawing/2014/main" id="{750AE634-05CD-565F-E962-7EBEBF0C27F3}"/>
-              </a:ext>
-            </a:extLst>
-          </p:cNvPr>
-          <p:cNvSpPr>
-            <a:spLocks noGrp="1"/>
-          </p:cNvSpPr>
-          <p:nvPr>
-            <p:ph sz="quarter" idx="13"/>
-          </p:nvPr>
-        </p:nvSpPr>
-        <p:spPr/>
-        <p:txBody>
-          <a:bodyPr>
-            <a:normAutofit/>
-          </a:bodyPr>
-          <a:lstStyle/>
-          <a:p>
-            <a:pPr marL="0" indent="0">
-              <a:buNone/>
-            </a:pPr>
-            <a:r>
-              <a:rPr lang="en-US" sz="1800" b="0" dirty="0"/>
-              <a:t>Branch2: QT8-xpl on EXT1 - Step1: start from Atmel-START </a:t>
-            </a:r>
-            <a:r>
-              <a:rPr lang="en-US" sz="1800" b="0" dirty="0" err="1"/>
-              <a:t>prj</a:t>
-            </a:r>
-            <a:endParaRPr lang="en-US" sz="1800" b="0" dirty="0"/>
-          </a:p>
-          <a:p>
-            <a:r>
-              <a:rPr lang="de-DE" sz="1800" b="0" dirty="0"/>
-              <a:t>in A-START: create Atmel-START prj  and make sure it compiles ok</a:t>
-            </a:r>
-          </a:p>
-          <a:p>
-            <a:r>
-              <a:rPr lang="de-DE" sz="1800" b="0" dirty="0"/>
-              <a:t>in A-START: export A-Start prj </a:t>
-            </a:r>
-          </a:p>
-          <a:p>
-            <a:r>
-              <a:rPr lang="de-DE" sz="1800" b="0" dirty="0"/>
-              <a:t>in MPLABX: import into MPLABX </a:t>
-            </a:r>
-          </a:p>
-          <a:p>
-            <a:r>
-              <a:rPr lang="de-DE" sz="1800" b="0" dirty="0"/>
-              <a:t>in MPLABX: fix</a:t>
-            </a:r>
-          </a:p>
-          <a:p>
-            <a:pPr lvl="1"/>
-            <a:r>
-              <a:rPr lang="de-DE" sz="1800" dirty="0"/>
-              <a:t>libraries are not added to prj </a:t>
-            </a:r>
-            <a:br>
-              <a:rPr lang="de-DE" sz="1800" dirty="0"/>
-            </a:br>
-            <a:r>
-              <a:rPr lang="de-DE" sz="1800" dirty="0"/>
-              <a:t>-&gt; manually add tx-libs in prj-view</a:t>
-            </a:r>
-          </a:p>
-          <a:p>
-            <a:pPr lvl="1"/>
-            <a:r>
-              <a:rPr lang="de-DE" sz="1800" dirty="0"/>
-              <a:t>adjust #include-paths (??)</a:t>
-            </a:r>
-          </a:p>
-          <a:p>
-            <a:r>
-              <a:rPr lang="de-DE" sz="1800" b="0" dirty="0"/>
-              <a:t>download+run ok?</a:t>
-            </a:r>
-          </a:p>
-          <a:p>
-            <a:endParaRPr lang="en-US" sz="1800" b="0" dirty="0"/>
-          </a:p>
-        </p:txBody>
-      </p:sp>
-      <p:sp>
-        <p:nvSpPr>
-          <p:cNvPr id="5" name="TextBox 4">
-            <a:extLst>
-              <a:ext uri="{FF2B5EF4-FFF2-40B4-BE49-F238E27FC236}">
-                <a16:creationId xmlns:a16="http://schemas.microsoft.com/office/drawing/2014/main" id="{BE806E8A-FF84-E9FB-B60B-F0250A8B58E1}"/>
-              </a:ext>
-            </a:extLst>
-          </p:cNvPr>
-          <p:cNvSpPr txBox="1"/>
-          <p:nvPr/>
-        </p:nvSpPr>
-        <p:spPr>
-          <a:xfrm rot="1973025">
-            <a:off x="10552935" y="195021"/>
-            <a:ext cx="1919111" cy="707886"/>
-          </a:xfrm>
-          <a:prstGeom prst="rect">
-            <a:avLst/>
-          </a:prstGeom>
-          <a:noFill/>
-        </p:spPr>
-        <p:txBody>
-          <a:bodyPr wrap="square" rtlCol="0">
-            <a:spAutoFit/>
-          </a:bodyPr>
-          <a:lstStyle/>
-          <a:p>
-            <a:pPr algn="ctr"/>
-            <a:r>
-              <a:rPr lang="en-US" sz="4000" dirty="0" err="1">
-                <a:solidFill>
-                  <a:srgbClr val="FF0000"/>
-                </a:solidFill>
-              </a:rPr>
-              <a:t>inWork</a:t>
-            </a:r>
-            <a:endParaRPr lang="en-DE" dirty="0">
-              <a:solidFill>
-                <a:srgbClr val="FF0000"/>
-              </a:solidFill>
-            </a:endParaRPr>
-          </a:p>
-        </p:txBody>
-      </p:sp>
-      <p:pic>
-        <p:nvPicPr>
-          <p:cNvPr id="4" name="Picture 3">
-            <a:extLst>
-              <a:ext uri="{FF2B5EF4-FFF2-40B4-BE49-F238E27FC236}">
-                <a16:creationId xmlns:a16="http://schemas.microsoft.com/office/drawing/2014/main" id="{36BAF5C2-94ED-D792-D245-09BC0964E933}"/>
-              </a:ext>
-            </a:extLst>
-          </p:cNvPr>
-          <p:cNvPicPr>
-            <a:picLocks noChangeAspect="1"/>
-          </p:cNvPicPr>
-          <p:nvPr/>
-        </p:nvPicPr>
-        <p:blipFill>
-          <a:blip r:embed="rId2"/>
-          <a:stretch>
-            <a:fillRect/>
-          </a:stretch>
-        </p:blipFill>
-        <p:spPr>
-          <a:xfrm>
-            <a:off x="7998106" y="873536"/>
-            <a:ext cx="2516406" cy="1905990"/>
-          </a:xfrm>
-          <a:prstGeom prst="rect">
-            <a:avLst/>
-          </a:prstGeom>
-        </p:spPr>
-      </p:pic>
-      <p:pic>
-        <p:nvPicPr>
-          <p:cNvPr id="6" name="Picture 5">
-            <a:extLst>
-              <a:ext uri="{FF2B5EF4-FFF2-40B4-BE49-F238E27FC236}">
-                <a16:creationId xmlns:a16="http://schemas.microsoft.com/office/drawing/2014/main" id="{6F6D2FD9-99A3-9F05-425B-BAC67C988DE7}"/>
-              </a:ext>
-            </a:extLst>
-          </p:cNvPr>
-          <p:cNvPicPr>
-            <a:picLocks noChangeAspect="1"/>
-          </p:cNvPicPr>
-          <p:nvPr/>
-        </p:nvPicPr>
-        <p:blipFill>
-          <a:blip r:embed="rId3"/>
-          <a:stretch>
-            <a:fillRect/>
-          </a:stretch>
-        </p:blipFill>
-        <p:spPr>
-          <a:xfrm>
-            <a:off x="4646114" y="2619953"/>
-            <a:ext cx="6866376" cy="4238047"/>
-          </a:xfrm>
-          <a:prstGeom prst="rect">
-            <a:avLst/>
-          </a:prstGeom>
-        </p:spPr>
-      </p:pic>
-      <p:pic>
-        <p:nvPicPr>
-          <p:cNvPr id="7" name="Picture 6">
-            <a:extLst>
-              <a:ext uri="{FF2B5EF4-FFF2-40B4-BE49-F238E27FC236}">
-                <a16:creationId xmlns:a16="http://schemas.microsoft.com/office/drawing/2014/main" id="{DC4AC364-4EF0-B80E-937A-5C7E81361361}"/>
-              </a:ext>
-            </a:extLst>
-          </p:cNvPr>
-          <p:cNvPicPr>
-            <a:picLocks noChangeAspect="1"/>
-          </p:cNvPicPr>
-          <p:nvPr/>
-        </p:nvPicPr>
-        <p:blipFill>
-          <a:blip r:embed="rId4"/>
-          <a:stretch>
-            <a:fillRect/>
-          </a:stretch>
-        </p:blipFill>
-        <p:spPr>
-          <a:xfrm>
-            <a:off x="892901" y="4060635"/>
-            <a:ext cx="2265346" cy="1959476"/>
-          </a:xfrm>
-          <a:prstGeom prst="rect">
-            <a:avLst/>
-          </a:prstGeom>
-        </p:spPr>
-      </p:pic>
-    </p:spTree>
-    <p:extLst>
-      <p:ext uri="{BB962C8B-B14F-4D97-AF65-F5344CB8AC3E}">
-        <p14:creationId xmlns:p14="http://schemas.microsoft.com/office/powerpoint/2010/main" val="3390139118"/>
-      </p:ext>
-    </p:extLst>
-  </p:cSld>
-  <p:clrMapOvr>
-    <a:masterClrMapping/>
-  </p:clrMapOvr>
-</p:sld>
-</file>
-
 <file path=ppt/slides/slide16.xml><?xml version="1.0" encoding="utf-8"?>
 <p:sld xmlns:a="http://schemas.openxmlformats.org/drawingml/2006/main" xmlns:r="http://schemas.openxmlformats.org/officeDocument/2006/relationships" xmlns:p="http://schemas.openxmlformats.org/presentationml/2006/main">
   <p:cSld>
@@ -10897,53 +10901,8 @@
           <a:p>
             <a:r>
               <a:rPr lang="en-US" sz="1800" b="0" dirty="0"/>
-              <a:t>xxx</a:t>
-            </a:r>
-          </a:p>
-        </p:txBody>
-      </p:sp>
-      <p:sp>
-        <p:nvSpPr>
-          <p:cNvPr id="5" name="TextBox 4">
-            <a:extLst>
-              <a:ext uri="{FF2B5EF4-FFF2-40B4-BE49-F238E27FC236}">
-                <a16:creationId xmlns:a16="http://schemas.microsoft.com/office/drawing/2014/main" id="{BE806E8A-FF84-E9FB-B60B-F0250A8B58E1}"/>
-              </a:ext>
-            </a:extLst>
-          </p:cNvPr>
-          <p:cNvSpPr txBox="1"/>
-          <p:nvPr/>
-        </p:nvSpPr>
-        <p:spPr>
-          <a:xfrm rot="1973025">
-            <a:off x="10552935" y="195021"/>
-            <a:ext cx="1919111" cy="707886"/>
-          </a:xfrm>
-          <a:prstGeom prst="rect">
-            <a:avLst/>
-          </a:prstGeom>
-          <a:noFill/>
-        </p:spPr>
-        <p:txBody>
-          <a:bodyPr wrap="square" rtlCol="0">
-            <a:spAutoFit/>
-          </a:bodyPr>
-          <a:lstStyle/>
-          <a:p>
-            <a:pPr algn="ctr"/>
-            <a:r>
-              <a:rPr lang="en-US" sz="4000" dirty="0" err="1">
-                <a:solidFill>
-                  <a:srgbClr val="FF0000"/>
-                </a:solidFill>
-              </a:rPr>
-              <a:t>inWork</a:t>
-            </a:r>
-            <a:endParaRPr lang="en-DE" dirty="0">
-              <a:solidFill>
-                <a:srgbClr val="FF0000"/>
-              </a:solidFill>
-            </a:endParaRPr>
+              <a:t>…</a:t>
+            </a:r>
           </a:p>
         </p:txBody>
       </p:sp>
@@ -10969,18 +10928,82 @@
         </p:blipFill>
         <p:spPr>
           <a:xfrm>
-            <a:off x="6386691" y="1416711"/>
-            <a:ext cx="5447356" cy="3362203"/>
+            <a:off x="7693627" y="2223375"/>
+            <a:ext cx="4140420" cy="2555539"/>
           </a:xfrm>
           <a:prstGeom prst="rect">
             <a:avLst/>
           </a:prstGeom>
         </p:spPr>
       </p:pic>
+      <p:sp>
+        <p:nvSpPr>
+          <p:cNvPr id="4" name="TextBox 3">
+            <a:extLst>
+              <a:ext uri="{FF2B5EF4-FFF2-40B4-BE49-F238E27FC236}">
+                <a16:creationId xmlns:a16="http://schemas.microsoft.com/office/drawing/2014/main" id="{5A7D1FF3-3A5D-2EC1-60EB-3A3A6FA02A98}"/>
+              </a:ext>
+            </a:extLst>
+          </p:cNvPr>
+          <p:cNvSpPr txBox="1"/>
+          <p:nvPr/>
+        </p:nvSpPr>
+        <p:spPr>
+          <a:xfrm rot="1973025">
+            <a:off x="3764755" y="2954334"/>
+            <a:ext cx="3880477" cy="1323439"/>
+          </a:xfrm>
+          <a:prstGeom prst="rect">
+            <a:avLst/>
+          </a:prstGeom>
+          <a:noFill/>
+        </p:spPr>
+        <p:txBody>
+          <a:bodyPr wrap="square" rtlCol="0">
+            <a:spAutoFit/>
+          </a:bodyPr>
+          <a:lstStyle/>
+          <a:p>
+            <a:pPr algn="ctr"/>
+            <a:r>
+              <a:rPr lang="en-US" sz="4000" dirty="0">
+                <a:solidFill>
+                  <a:srgbClr val="FF0000"/>
+                </a:solidFill>
+              </a:rPr>
+              <a:t>REINER</a:t>
+            </a:r>
+          </a:p>
+          <a:p>
+            <a:pPr algn="ctr"/>
+            <a:r>
+              <a:rPr lang="en-US" sz="4000" dirty="0" err="1">
+                <a:solidFill>
+                  <a:srgbClr val="FF0000"/>
+                </a:solidFill>
+              </a:rPr>
+              <a:t>Prj</a:t>
+            </a:r>
+            <a:r>
+              <a:rPr lang="en-US" sz="4000" dirty="0">
+                <a:solidFill>
+                  <a:srgbClr val="FF0000"/>
+                </a:solidFill>
+              </a:rPr>
+              <a:t> QT8+python</a:t>
+            </a:r>
+            <a:endParaRPr lang="en-DE" dirty="0">
+              <a:solidFill>
+                <a:srgbClr val="FF0000"/>
+              </a:solidFill>
+            </a:endParaRPr>
+          </a:p>
+        </p:txBody>
+      </p:sp>
     </p:spTree>
     <p:extLst>
       <p:ext uri="{BB962C8B-B14F-4D97-AF65-F5344CB8AC3E}">
-        <p14:creationId xmlns:p14="http://schemas.microsoft.com/office/powerpoint/2010/main" val="2172709452"/>
+        <p14:creationId xmlns:p14="http://schemas.microsoft.com/office/powerpoint/2010/main" val="1650544041"/>
       </p:ext>
     </p:extLst>
   </p:cSld>
@@ -11012,7 +11035,7 @@
           <p:cNvPr id="2" name="Title 1">
             <a:extLst>
               <a:ext uri="{FF2B5EF4-FFF2-40B4-BE49-F238E27FC236}">
-                <a16:creationId xmlns:a16="http://schemas.microsoft.com/office/drawing/2014/main" id="{A4B4FF59-42FA-D7A9-0F27-7F566A3A5A48}"/>
+                <a16:creationId xmlns:a16="http://schemas.microsoft.com/office/drawing/2014/main" id="{5DA5B890-2A96-A30B-3985-B64815472BF4}"/>
               </a:ext>
             </a:extLst>
           </p:cNvPr>
@@ -11029,64 +11052,257 @@
           <a:lstStyle/>
           <a:p>
             <a:r>
-              <a:rPr lang="de-DE" sz="4400" dirty="0">
-                <a:latin typeface="Calibri" panose="020F0502020204030204" pitchFamily="34" charset="0"/>
-                <a:ea typeface="Calibri" panose="020F0502020204030204" pitchFamily="34" charset="0"/>
-              </a:rPr>
-              <a:t>H3drv homework/m1: both touch</a:t>
-            </a:r>
-            <a:endParaRPr lang="en-DE" dirty="0"/>
+              <a:rPr lang="de-DE" dirty="0"/>
+              <a:t>Touch </a:t>
+            </a:r>
+            <a:r>
+              <a:rPr lang="de-DE" dirty="0" err="1"/>
+              <a:t>Configurator</a:t>
+            </a:r>
+            <a:r>
+              <a:rPr lang="de-DE" dirty="0"/>
+              <a:t> – Sensor /Pin </a:t>
+            </a:r>
+            <a:r>
+              <a:rPr lang="de-DE" dirty="0" err="1"/>
+              <a:t>Selection</a:t>
+            </a:r>
+            <a:endParaRPr lang="en-GB" dirty="0"/>
           </a:p>
         </p:txBody>
       </p:sp>
-      <p:sp>
-        <p:nvSpPr>
-          <p:cNvPr id="3" name="Content Placeholder 2">
+      <p:pic>
+        <p:nvPicPr>
+          <p:cNvPr id="7" name="Picture 6">
             <a:extLst>
               <a:ext uri="{FF2B5EF4-FFF2-40B4-BE49-F238E27FC236}">
-                <a16:creationId xmlns:a16="http://schemas.microsoft.com/office/drawing/2014/main" id="{750AE634-05CD-565F-E962-7EBEBF0C27F3}"/>
+                <a16:creationId xmlns:a16="http://schemas.microsoft.com/office/drawing/2014/main" id="{1CFB8DBE-3377-B9F1-C89F-065D5979958F}"/>
               </a:ext>
             </a:extLst>
           </p:cNvPr>
-          <p:cNvSpPr>
-            <a:spLocks noGrp="1"/>
-          </p:cNvSpPr>
-          <p:nvPr>
-            <p:ph sz="quarter" idx="13"/>
-          </p:nvPr>
+          <p:cNvPicPr>
+            <a:picLocks noChangeAspect="1"/>
+          </p:cNvPicPr>
+          <p:nvPr/>
+        </p:nvPicPr>
+        <p:blipFill>
+          <a:blip r:embed="rId2"/>
+          <a:stretch>
+            <a:fillRect/>
+          </a:stretch>
+        </p:blipFill>
+        <p:spPr>
+          <a:xfrm>
+            <a:off x="1318004" y="970937"/>
+            <a:ext cx="4749214" cy="1603367"/>
+          </a:xfrm>
+          <a:prstGeom prst="rect">
+            <a:avLst/>
+          </a:prstGeom>
+        </p:spPr>
+      </p:pic>
+      <p:sp>
+        <p:nvSpPr>
+          <p:cNvPr id="9" name="TextBox 8">
+            <a:extLst>
+              <a:ext uri="{FF2B5EF4-FFF2-40B4-BE49-F238E27FC236}">
+                <a16:creationId xmlns:a16="http://schemas.microsoft.com/office/drawing/2014/main" id="{E8773B2B-167F-DC60-0BD1-C405331E658F}"/>
+              </a:ext>
+            </a:extLst>
+          </p:cNvPr>
+          <p:cNvSpPr txBox="1"/>
+          <p:nvPr/>
         </p:nvSpPr>
-        <p:spPr/>
+        <p:spPr>
+          <a:xfrm>
+            <a:off x="6649888" y="1944831"/>
+            <a:ext cx="4036208" cy="261610"/>
+          </a:xfrm>
+          <a:prstGeom prst="rect">
+            <a:avLst/>
+          </a:prstGeom>
+          <a:noFill/>
+        </p:spPr>
         <p:txBody>
-          <a:bodyPr/>
+          <a:bodyPr wrap="square">
+            <a:spAutoFit/>
+          </a:bodyPr>
           <a:lstStyle/>
           <a:p>
             <a:r>
-              <a:rPr lang="en-US" sz="2400" b="0" dirty="0"/>
-              <a:t>Merge branch1/click-touch with branch2/qt8-touch</a:t>
-            </a:r>
-          </a:p>
-          <a:p>
-            <a:endParaRPr lang="en-US" sz="2400" b="0" dirty="0"/>
-          </a:p>
-          <a:p>
-            <a:r>
-              <a:rPr lang="en-US" sz="3600" b="0" i="1" dirty="0">
-                <a:solidFill>
-                  <a:srgbClr val="FF0000"/>
-                </a:solidFill>
+              <a:rPr lang="en-GB" sz="1050" b="0" i="0" u="none" strike="noStrike" baseline="0" dirty="0">
+                <a:latin typeface="ArialMT"/>
               </a:rPr>
-              <a:t>In work</a:t>
-            </a:r>
-          </a:p>
-          <a:p>
-            <a:endParaRPr lang="en-US" sz="2400" b="0" dirty="0"/>
+              <a:t>The kit has a 5x5 2D Touch Surface sensor and driven shield.</a:t>
+            </a:r>
+            <a:endParaRPr lang="en-GB" sz="1050" dirty="0"/>
+          </a:p>
+        </p:txBody>
+      </p:sp>
+      <p:pic>
+        <p:nvPicPr>
+          <p:cNvPr id="11" name="Picture 10">
+            <a:extLst>
+              <a:ext uri="{FF2B5EF4-FFF2-40B4-BE49-F238E27FC236}">
+                <a16:creationId xmlns:a16="http://schemas.microsoft.com/office/drawing/2014/main" id="{BDE613D7-8400-026C-DE0F-811D93CF4641}"/>
+              </a:ext>
+            </a:extLst>
+          </p:cNvPr>
+          <p:cNvPicPr>
+            <a:picLocks noChangeAspect="1"/>
+          </p:cNvPicPr>
+          <p:nvPr/>
+        </p:nvPicPr>
+        <p:blipFill>
+          <a:blip r:embed="rId3"/>
+          <a:stretch>
+            <a:fillRect/>
+          </a:stretch>
+        </p:blipFill>
+        <p:spPr>
+          <a:xfrm>
+            <a:off x="6609673" y="947417"/>
+            <a:ext cx="4116639" cy="953404"/>
+          </a:xfrm>
+          <a:prstGeom prst="rect">
+            <a:avLst/>
+          </a:prstGeom>
+        </p:spPr>
+      </p:pic>
+      <p:pic>
+        <p:nvPicPr>
+          <p:cNvPr id="13" name="Picture 12">
+            <a:extLst>
+              <a:ext uri="{FF2B5EF4-FFF2-40B4-BE49-F238E27FC236}">
+                <a16:creationId xmlns:a16="http://schemas.microsoft.com/office/drawing/2014/main" id="{DBE784AB-06D4-0014-EE1A-8B3347C816BD}"/>
+              </a:ext>
+            </a:extLst>
+          </p:cNvPr>
+          <p:cNvPicPr>
+            <a:picLocks noChangeAspect="1"/>
+          </p:cNvPicPr>
+          <p:nvPr/>
+        </p:nvPicPr>
+        <p:blipFill>
+          <a:blip r:embed="rId4"/>
+          <a:stretch>
+            <a:fillRect/>
+          </a:stretch>
+        </p:blipFill>
+        <p:spPr>
+          <a:xfrm>
+            <a:off x="1318004" y="2657608"/>
+            <a:ext cx="7905750" cy="3987904"/>
+          </a:xfrm>
+          <a:prstGeom prst="rect">
+            <a:avLst/>
+          </a:prstGeom>
+        </p:spPr>
+      </p:pic>
+      <p:cxnSp>
+        <p:nvCxnSpPr>
+          <p:cNvPr id="22" name="Straight Arrow Connector 21">
+            <a:extLst>
+              <a:ext uri="{FF2B5EF4-FFF2-40B4-BE49-F238E27FC236}">
+                <a16:creationId xmlns:a16="http://schemas.microsoft.com/office/drawing/2014/main" id="{83CE8D2F-EA91-FB26-6C78-14961F4ECF0A}"/>
+              </a:ext>
+            </a:extLst>
+          </p:cNvPr>
+          <p:cNvCxnSpPr>
+            <a:cxnSpLocks/>
+          </p:cNvCxnSpPr>
+          <p:nvPr/>
+        </p:nvCxnSpPr>
+        <p:spPr>
+          <a:xfrm>
+            <a:off x="5196889" y="5887063"/>
+            <a:ext cx="504825" cy="0"/>
+          </a:xfrm>
+          <a:prstGeom prst="straightConnector1">
+            <a:avLst/>
+          </a:prstGeom>
+          <a:ln>
+            <a:solidFill>
+              <a:srgbClr val="FF0000"/>
+            </a:solidFill>
+            <a:tailEnd type="triangle"/>
+          </a:ln>
+        </p:spPr>
+        <p:style>
+          <a:lnRef idx="2">
+            <a:schemeClr val="accent2"/>
+          </a:lnRef>
+          <a:fillRef idx="1">
+            <a:schemeClr val="lt1"/>
+          </a:fillRef>
+          <a:effectRef idx="0">
+            <a:schemeClr val="accent2"/>
+          </a:effectRef>
+          <a:fontRef idx="minor">
+            <a:schemeClr val="dk1"/>
+          </a:fontRef>
+        </p:style>
+      </p:cxnSp>
+      <p:sp>
+        <p:nvSpPr>
+          <p:cNvPr id="26" name="Rectangle 25">
+            <a:extLst>
+              <a:ext uri="{FF2B5EF4-FFF2-40B4-BE49-F238E27FC236}">
+                <a16:creationId xmlns:a16="http://schemas.microsoft.com/office/drawing/2014/main" id="{36079186-788B-EA69-04FD-EA20F8F2620F}"/>
+              </a:ext>
+            </a:extLst>
+          </p:cNvPr>
+          <p:cNvSpPr/>
+          <p:nvPr/>
+        </p:nvSpPr>
+        <p:spPr>
+          <a:xfrm>
+            <a:off x="2345760" y="2867821"/>
+            <a:ext cx="993754" cy="315300"/>
+          </a:xfrm>
+          <a:prstGeom prst="rect">
+            <a:avLst/>
+          </a:prstGeom>
+          <a:noFill/>
+          <a:ln w="25400">
+            <a:solidFill>
+              <a:srgbClr val="FF0000"/>
+            </a:solidFill>
+          </a:ln>
+          <a:effectLst/>
+        </p:spPr>
+        <p:style>
+          <a:lnRef idx="1">
+            <a:schemeClr val="accent1"/>
+          </a:lnRef>
+          <a:fillRef idx="3">
+            <a:schemeClr val="accent1"/>
+          </a:fillRef>
+          <a:effectRef idx="2">
+            <a:schemeClr val="accent1"/>
+          </a:effectRef>
+          <a:fontRef idx="minor">
+            <a:schemeClr val="lt1"/>
+          </a:fontRef>
+        </p:style>
+        <p:txBody>
+          <a:bodyPr rot="0" spcFirstLastPara="0" vertOverflow="overflow" horzOverflow="overflow" vert="horz" wrap="square" lIns="91440" tIns="45720" rIns="91440" bIns="45720" numCol="1" spcCol="0" rtlCol="0" fromWordArt="0" anchor="ctr" anchorCtr="0" forceAA="0" compatLnSpc="1">
+            <a:prstTxWarp prst="textNoShape">
+              <a:avLst/>
+            </a:prstTxWarp>
+            <a:noAutofit/>
+          </a:bodyPr>
+          <a:lstStyle/>
+          <a:p>
+            <a:pPr algn="ctr"/>
+            <a:endParaRPr lang="en-GB"/>
           </a:p>
         </p:txBody>
       </p:sp>
     </p:spTree>
     <p:extLst>
       <p:ext uri="{BB962C8B-B14F-4D97-AF65-F5344CB8AC3E}">
-        <p14:creationId xmlns:p14="http://schemas.microsoft.com/office/powerpoint/2010/main" val="871587149"/>
+        <p14:creationId xmlns:p14="http://schemas.microsoft.com/office/powerpoint/2010/main" val="2261196291"/>
       </p:ext>
     </p:extLst>
   </p:cSld>
@@ -11240,7 +11456,7 @@
             </a:r>
             <a:r>
               <a:rPr lang="en-US" sz="2400" b="0" dirty="0" err="1"/>
-              <a:t>touchClick</a:t>
+              <a:t>setup+touchClick</a:t>
             </a:r>
             <a:endParaRPr lang="en-US" sz="2400" b="0" dirty="0"/>
           </a:p>
@@ -11248,103 +11464,79 @@
             <a:pPr lvl="1"/>
             <a:r>
               <a:rPr lang="en-US" sz="2000" b="0" dirty="0"/>
-              <a:t>MPLABX-v6.10 screws up 6.05</a:t>
-            </a:r>
+              <a:t>MPLABX</a:t>
+            </a:r>
+          </a:p>
+          <a:p>
+            <a:pPr lvl="2"/>
+            <a:r>
+              <a:rPr lang="en-US" sz="1600" b="0" dirty="0"/>
+              <a:t>MPLABX-v6.10 screws up v6.05</a:t>
+            </a:r>
+          </a:p>
+          <a:p>
+            <a:pPr lvl="2"/>
+            <a:r>
+              <a:rPr lang="en-US" sz="1600" dirty="0"/>
+              <a:t>MPLABX-</a:t>
+            </a:r>
+            <a:r>
+              <a:rPr lang="en-US" sz="1600" b="0" dirty="0"/>
+              <a:t>exceptions</a:t>
+            </a:r>
+            <a:endParaRPr lang="en-US" sz="2000" b="0" dirty="0"/>
           </a:p>
           <a:p>
             <a:pPr lvl="1"/>
             <a:r>
               <a:rPr lang="en-US" sz="2000" dirty="0"/>
-              <a:t>MPLABX-</a:t>
-            </a:r>
-            <a:r>
-              <a:rPr lang="en-US" sz="2000" b="0" dirty="0"/>
-              <a:t>exceptions</a:t>
-            </a:r>
-          </a:p>
-          <a:p>
-            <a:pPr lvl="1"/>
-            <a:endParaRPr lang="en-US" sz="2000" b="0" dirty="0"/>
-          </a:p>
-          <a:p>
-            <a:pPr lvl="1"/>
-            <a:r>
-              <a:rPr lang="en-US" sz="2000" b="0" dirty="0"/>
-              <a:t>MCC-Structure </a:t>
+              <a:t>MCC-CM not stable -&gt; only stable way still </a:t>
             </a:r>
           </a:p>
           <a:p>
             <a:pPr lvl="2"/>
             <a:r>
+              <a:rPr lang="en-US" sz="1600" b="0" dirty="0"/>
+              <a:t>Use old MHC3-CM or git-bash or …</a:t>
+            </a:r>
+          </a:p>
+          <a:p>
+            <a:pPr lvl="2"/>
+            <a:r>
               <a:rPr lang="en-US" sz="1600" dirty="0"/>
-              <a:t>MCC-plugin -&gt; MCC-core-&gt; Harmony-core </a:t>
+              <a:t>AND make sure on MCC-CM start ‘all required </a:t>
             </a:r>
             <a:br>
               <a:rPr lang="en-US" sz="1600" dirty="0"/>
             </a:br>
             <a:r>
               <a:rPr lang="en-US" sz="1600" dirty="0"/>
-              <a:t>way to complex…</a:t>
+              <a:t>content is available…’</a:t>
             </a:r>
           </a:p>
           <a:p>
             <a:pPr lvl="2"/>
             <a:r>
               <a:rPr lang="en-US" sz="1600" dirty="0"/>
-              <a:t>Must be online to start MCC (if Harmony-core not </a:t>
+              <a:t>Set H3-path + ‘always ask’ flag</a:t>
+            </a:r>
+          </a:p>
+          <a:p>
+            <a:pPr lvl="2"/>
+            <a:endParaRPr lang="en-US" sz="1600" dirty="0"/>
+          </a:p>
+          <a:p>
+            <a:pPr lvl="2"/>
+            <a:r>
+              <a:rPr lang="en-US" sz="1600" dirty="0"/>
+              <a:t>Default settings ‘File Handling’ deletes you app*.c/h</a:t>
             </a:r>
             <a:br>
               <a:rPr lang="en-US" sz="1600" dirty="0"/>
             </a:br>
             <a:r>
               <a:rPr lang="en-US" sz="1600" dirty="0"/>
-              <a:t>matching…)</a:t>
-            </a:r>
-          </a:p>
-          <a:p>
-            <a:pPr lvl="2"/>
-            <a:r>
-              <a:rPr lang="en-US" sz="1600" dirty="0"/>
-              <a:t>…</a:t>
-            </a:r>
-          </a:p>
-          <a:p>
-            <a:pPr lvl="1"/>
-            <a:endParaRPr lang="en-US" sz="2000" b="0" dirty="0"/>
-          </a:p>
-          <a:p>
-            <a:pPr lvl="1"/>
-            <a:r>
-              <a:rPr lang="en-US" sz="2000" dirty="0"/>
-              <a:t>MCC-CM not stable -&gt; only stable way still </a:t>
-            </a:r>
-          </a:p>
-          <a:p>
-            <a:pPr lvl="2"/>
-            <a:r>
-              <a:rPr lang="en-US" sz="1600" b="0" dirty="0"/>
-              <a:t>Use old MHC3-CM or git-bash or …</a:t>
-            </a:r>
-          </a:p>
-          <a:p>
-            <a:pPr lvl="2"/>
-            <a:r>
-              <a:rPr lang="en-US" sz="1600" dirty="0"/>
-              <a:t>AND make sure on MCC-CM start ‘all required </a:t>
-            </a:r>
-            <a:br>
-              <a:rPr lang="en-US" sz="1600" dirty="0"/>
-            </a:br>
-            <a:r>
-              <a:rPr lang="en-US" sz="1600" dirty="0"/>
-              <a:t>content is available…’</a:t>
-            </a:r>
-          </a:p>
-          <a:p>
-            <a:pPr lvl="2"/>
-            <a:r>
-              <a:rPr lang="en-US" sz="1600" dirty="0"/>
-              <a:t>Set H3-path + ‘always ask’ flag</a:t>
+              <a:t>-&gt;not clear yet why, when..</a:t>
             </a:r>
           </a:p>
           <a:p>
@@ -11390,57 +11582,12 @@
           </a:p>
         </p:txBody>
       </p:sp>
-      <p:sp>
-        <p:nvSpPr>
-          <p:cNvPr id="5" name="TextBox 4">
+      <p:pic>
+        <p:nvPicPr>
+          <p:cNvPr id="9" name="Picture 8">
             <a:extLst>
               <a:ext uri="{FF2B5EF4-FFF2-40B4-BE49-F238E27FC236}">
-                <a16:creationId xmlns:a16="http://schemas.microsoft.com/office/drawing/2014/main" id="{BE806E8A-FF84-E9FB-B60B-F0250A8B58E1}"/>
-              </a:ext>
-            </a:extLst>
-          </p:cNvPr>
-          <p:cNvSpPr txBox="1"/>
-          <p:nvPr/>
-        </p:nvSpPr>
-        <p:spPr>
-          <a:xfrm rot="1973025">
-            <a:off x="10552935" y="195021"/>
-            <a:ext cx="1919111" cy="707886"/>
-          </a:xfrm>
-          <a:prstGeom prst="rect">
-            <a:avLst/>
-          </a:prstGeom>
-          <a:noFill/>
-        </p:spPr>
-        <p:txBody>
-          <a:bodyPr wrap="square" rtlCol="0">
-            <a:spAutoFit/>
-          </a:bodyPr>
-          <a:lstStyle/>
-          <a:p>
-            <a:pPr algn="ctr"/>
-            <a:r>
-              <a:rPr lang="en-US" sz="4000" dirty="0" err="1">
-                <a:solidFill>
-                  <a:srgbClr val="FF0000"/>
-                </a:solidFill>
-              </a:rPr>
-              <a:t>inWork</a:t>
-            </a:r>
-            <a:endParaRPr lang="en-DE" dirty="0">
-              <a:solidFill>
-                <a:srgbClr val="FF0000"/>
-              </a:solidFill>
-            </a:endParaRPr>
-          </a:p>
-        </p:txBody>
-      </p:sp>
-      <p:pic>
-        <p:nvPicPr>
-          <p:cNvPr id="4" name="Picture 3">
-            <a:extLst>
-              <a:ext uri="{FF2B5EF4-FFF2-40B4-BE49-F238E27FC236}">
-                <a16:creationId xmlns:a16="http://schemas.microsoft.com/office/drawing/2014/main" id="{B8E3FEF6-A2BC-6E18-A9D4-AAE6C96C810A}"/>
+                <a16:creationId xmlns:a16="http://schemas.microsoft.com/office/drawing/2014/main" id="{90ADAA3E-56B6-AD92-6D64-29D05E41E3CC}"/>
               </a:ext>
             </a:extLst>
           </p:cNvPr>
@@ -11457,20 +11604,25 @@
         </p:blipFill>
         <p:spPr>
           <a:xfrm>
-            <a:off x="5589270" y="847746"/>
-            <a:ext cx="5256685" cy="1510489"/>
+            <a:off x="5807966" y="1779056"/>
+            <a:ext cx="4884843" cy="1966130"/>
           </a:xfrm>
           <a:prstGeom prst="rect">
             <a:avLst/>
           </a:prstGeom>
+          <a:ln>
+            <a:solidFill>
+              <a:schemeClr val="tx1"/>
+            </a:solidFill>
+          </a:ln>
         </p:spPr>
       </p:pic>
       <p:pic>
         <p:nvPicPr>
-          <p:cNvPr id="6" name="Picture 5">
+          <p:cNvPr id="10" name="Picture 9">
             <a:extLst>
               <a:ext uri="{FF2B5EF4-FFF2-40B4-BE49-F238E27FC236}">
-                <a16:creationId xmlns:a16="http://schemas.microsoft.com/office/drawing/2014/main" id="{BC465E7C-EC38-EAEE-3F69-C19D15BA8C3D}"/>
+                <a16:creationId xmlns:a16="http://schemas.microsoft.com/office/drawing/2014/main" id="{C876F8EF-8C91-F36B-C81F-0EC0064705F3}"/>
               </a:ext>
             </a:extLst>
           </p:cNvPr>
@@ -11487,47 +11639,17 @@
         </p:blipFill>
         <p:spPr>
           <a:xfrm>
-            <a:off x="5589270" y="2529392"/>
-            <a:ext cx="5798029" cy="1799216"/>
+            <a:off x="6601407" y="3976095"/>
+            <a:ext cx="3562123" cy="2012499"/>
           </a:xfrm>
           <a:prstGeom prst="rect">
             <a:avLst/>
           </a:prstGeom>
           <a:ln>
             <a:solidFill>
-              <a:schemeClr val="accent1"/>
+              <a:schemeClr val="tx1"/>
             </a:solidFill>
           </a:ln>
-        </p:spPr>
-      </p:pic>
-      <p:pic>
-        <p:nvPicPr>
-          <p:cNvPr id="9" name="Picture 8">
-            <a:extLst>
-              <a:ext uri="{FF2B5EF4-FFF2-40B4-BE49-F238E27FC236}">
-                <a16:creationId xmlns:a16="http://schemas.microsoft.com/office/drawing/2014/main" id="{90ADAA3E-56B6-AD92-6D64-29D05E41E3CC}"/>
-              </a:ext>
-            </a:extLst>
-          </p:cNvPr>
-          <p:cNvPicPr>
-            <a:picLocks noChangeAspect="1"/>
-          </p:cNvPicPr>
-          <p:nvPr/>
-        </p:nvPicPr>
-        <p:blipFill>
-          <a:blip r:embed="rId4"/>
-          <a:stretch>
-            <a:fillRect/>
-          </a:stretch>
-        </p:blipFill>
-        <p:spPr>
-          <a:xfrm>
-            <a:off x="5629669" y="4507761"/>
-            <a:ext cx="4884843" cy="1966130"/>
-          </a:xfrm>
-          <a:prstGeom prst="rect">
-            <a:avLst/>
-          </a:prstGeom>
         </p:spPr>
       </p:pic>
     </p:spTree>
@@ -11576,7 +11698,7 @@
                                         <p:tgtEl>
                                           <p:spTgt spid="3">
                                             <p:txEl>
-                                              <p:pRg st="1" end="1"/>
+                                              <p:pRg st="2" end="2"/>
                                             </p:txEl>
                                           </p:spTgt>
                                         </p:tgtEl>
@@ -11607,1014 +11729,9 @@
                                         <p:tgtEl>
                                           <p:spTgt spid="3">
                                             <p:txEl>
-                                              <p:pRg st="2" end="2"/>
+                                              <p:pRg st="3" end="3"/>
                                             </p:txEl>
                                           </p:spTgt>
-                                        </p:tgtEl>
-                                        <p:attrNameLst>
-                                          <p:attrName>style.visibility</p:attrName>
-                                        </p:attrNameLst>
-                                      </p:cBhvr>
-                                      <p:to>
-                                        <p:strVal val="visible"/>
-                                      </p:to>
-                                    </p:set>
-                                  </p:childTnLst>
-                                </p:cTn>
-                              </p:par>
-                              <p:par>
-                                <p:cTn id="9" presetID="1" presetClass="entr" presetSubtype="0" fill="hold" nodeType="withEffect">
-                                  <p:stCondLst>
-                                    <p:cond delay="0"/>
-                                  </p:stCondLst>
-                                  <p:childTnLst>
-                                    <p:set>
-                                      <p:cBhvr>
-                                        <p:cTn id="10" dur="1" fill="hold">
-                                          <p:stCondLst>
-                                            <p:cond delay="0"/>
-                                          </p:stCondLst>
-                                        </p:cTn>
-                                        <p:tgtEl>
-                                          <p:spTgt spid="4"/>
-                                        </p:tgtEl>
-                                        <p:attrNameLst>
-                                          <p:attrName>style.visibility</p:attrName>
-                                        </p:attrNameLst>
-                                      </p:cBhvr>
-                                      <p:to>
-                                        <p:strVal val="visible"/>
-                                      </p:to>
-                                    </p:set>
-                                  </p:childTnLst>
-                                </p:cTn>
-                              </p:par>
-                            </p:childTnLst>
-                          </p:cTn>
-                        </p:par>
-                      </p:childTnLst>
-                    </p:cTn>
-                  </p:par>
-                  <p:par>
-                    <p:cTn id="11" fill="hold">
-                      <p:stCondLst>
-                        <p:cond delay="indefinite"/>
-                      </p:stCondLst>
-                      <p:childTnLst>
-                        <p:par>
-                          <p:cTn id="12" fill="hold">
-                            <p:stCondLst>
-                              <p:cond delay="0"/>
-                            </p:stCondLst>
-                            <p:childTnLst>
-                              <p:par>
-                                <p:cTn id="13" presetID="1" presetClass="entr" presetSubtype="0" fill="hold" nodeType="clickEffect">
-                                  <p:stCondLst>
-                                    <p:cond delay="0"/>
-                                  </p:stCondLst>
-                                  <p:childTnLst>
-                                    <p:set>
-                                      <p:cBhvr>
-                                        <p:cTn id="14" dur="1" fill="hold">
-                                          <p:stCondLst>
-                                            <p:cond delay="0"/>
-                                          </p:stCondLst>
-                                        </p:cTn>
-                                        <p:tgtEl>
-                                          <p:spTgt spid="3">
-                                            <p:txEl>
-                                              <p:pRg st="4" end="4"/>
-                                            </p:txEl>
-                                          </p:spTgt>
-                                        </p:tgtEl>
-                                        <p:attrNameLst>
-                                          <p:attrName>style.visibility</p:attrName>
-                                        </p:attrNameLst>
-                                      </p:cBhvr>
-                                      <p:to>
-                                        <p:strVal val="visible"/>
-                                      </p:to>
-                                    </p:set>
-                                  </p:childTnLst>
-                                </p:cTn>
-                              </p:par>
-                              <p:par>
-                                <p:cTn id="15" presetID="1" presetClass="entr" presetSubtype="0" fill="hold" nodeType="withEffect">
-                                  <p:stCondLst>
-                                    <p:cond delay="0"/>
-                                  </p:stCondLst>
-                                  <p:childTnLst>
-                                    <p:set>
-                                      <p:cBhvr>
-                                        <p:cTn id="16" dur="1" fill="hold">
-                                          <p:stCondLst>
-                                            <p:cond delay="0"/>
-                                          </p:stCondLst>
-                                        </p:cTn>
-                                        <p:tgtEl>
-                                          <p:spTgt spid="3">
-                                            <p:txEl>
-                                              <p:pRg st="5" end="5"/>
-                                            </p:txEl>
-                                          </p:spTgt>
-                                        </p:tgtEl>
-                                        <p:attrNameLst>
-                                          <p:attrName>style.visibility</p:attrName>
-                                        </p:attrNameLst>
-                                      </p:cBhvr>
-                                      <p:to>
-                                        <p:strVal val="visible"/>
-                                      </p:to>
-                                    </p:set>
-                                  </p:childTnLst>
-                                </p:cTn>
-                              </p:par>
-                              <p:par>
-                                <p:cTn id="17" presetID="1" presetClass="entr" presetSubtype="0" fill="hold" nodeType="withEffect">
-                                  <p:stCondLst>
-                                    <p:cond delay="0"/>
-                                  </p:stCondLst>
-                                  <p:childTnLst>
-                                    <p:set>
-                                      <p:cBhvr>
-                                        <p:cTn id="18" dur="1" fill="hold">
-                                          <p:stCondLst>
-                                            <p:cond delay="0"/>
-                                          </p:stCondLst>
-                                        </p:cTn>
-                                        <p:tgtEl>
-                                          <p:spTgt spid="3">
-                                            <p:txEl>
-                                              <p:pRg st="6" end="6"/>
-                                            </p:txEl>
-                                          </p:spTgt>
-                                        </p:tgtEl>
-                                        <p:attrNameLst>
-                                          <p:attrName>style.visibility</p:attrName>
-                                        </p:attrNameLst>
-                                      </p:cBhvr>
-                                      <p:to>
-                                        <p:strVal val="visible"/>
-                                      </p:to>
-                                    </p:set>
-                                  </p:childTnLst>
-                                </p:cTn>
-                              </p:par>
-                              <p:par>
-                                <p:cTn id="19" presetID="1" presetClass="entr" presetSubtype="0" fill="hold" nodeType="withEffect">
-                                  <p:stCondLst>
-                                    <p:cond delay="0"/>
-                                  </p:stCondLst>
-                                  <p:childTnLst>
-                                    <p:set>
-                                      <p:cBhvr>
-                                        <p:cTn id="20" dur="1" fill="hold">
-                                          <p:stCondLst>
-                                            <p:cond delay="0"/>
-                                          </p:stCondLst>
-                                        </p:cTn>
-                                        <p:tgtEl>
-                                          <p:spTgt spid="3">
-                                            <p:txEl>
-                                              <p:pRg st="7" end="7"/>
-                                            </p:txEl>
-                                          </p:spTgt>
-                                        </p:tgtEl>
-                                        <p:attrNameLst>
-                                          <p:attrName>style.visibility</p:attrName>
-                                        </p:attrNameLst>
-                                      </p:cBhvr>
-                                      <p:to>
-                                        <p:strVal val="visible"/>
-                                      </p:to>
-                                    </p:set>
-                                  </p:childTnLst>
-                                </p:cTn>
-                              </p:par>
-                              <p:par>
-                                <p:cTn id="21" presetID="1" presetClass="entr" presetSubtype="0" fill="hold" nodeType="withEffect">
-                                  <p:stCondLst>
-                                    <p:cond delay="0"/>
-                                  </p:stCondLst>
-                                  <p:childTnLst>
-                                    <p:set>
-                                      <p:cBhvr>
-                                        <p:cTn id="22" dur="1" fill="hold">
-                                          <p:stCondLst>
-                                            <p:cond delay="0"/>
-                                          </p:stCondLst>
-                                        </p:cTn>
-                                        <p:tgtEl>
-                                          <p:spTgt spid="6"/>
-                                        </p:tgtEl>
-                                        <p:attrNameLst>
-                                          <p:attrName>style.visibility</p:attrName>
-                                        </p:attrNameLst>
-                                      </p:cBhvr>
-                                      <p:to>
-                                        <p:strVal val="visible"/>
-                                      </p:to>
-                                    </p:set>
-                                  </p:childTnLst>
-                                </p:cTn>
-                              </p:par>
-                            </p:childTnLst>
-                          </p:cTn>
-                        </p:par>
-                      </p:childTnLst>
-                    </p:cTn>
-                  </p:par>
-                  <p:par>
-                    <p:cTn id="23" fill="hold">
-                      <p:stCondLst>
-                        <p:cond delay="indefinite"/>
-                      </p:stCondLst>
-                      <p:childTnLst>
-                        <p:par>
-                          <p:cTn id="24" fill="hold">
-                            <p:stCondLst>
-                              <p:cond delay="0"/>
-                            </p:stCondLst>
-                            <p:childTnLst>
-                              <p:par>
-                                <p:cTn id="25" presetID="1" presetClass="entr" presetSubtype="0" fill="hold" nodeType="clickEffect">
-                                  <p:stCondLst>
-                                    <p:cond delay="0"/>
-                                  </p:stCondLst>
-                                  <p:childTnLst>
-                                    <p:set>
-                                      <p:cBhvr>
-                                        <p:cTn id="26" dur="1" fill="hold">
-                                          <p:stCondLst>
-                                            <p:cond delay="0"/>
-                                          </p:stCondLst>
-                                        </p:cTn>
-                                        <p:tgtEl>
-                                          <p:spTgt spid="3">
-                                            <p:txEl>
-                                              <p:pRg st="9" end="9"/>
-                                            </p:txEl>
-                                          </p:spTgt>
-                                        </p:tgtEl>
-                                        <p:attrNameLst>
-                                          <p:attrName>style.visibility</p:attrName>
-                                        </p:attrNameLst>
-                                      </p:cBhvr>
-                                      <p:to>
-                                        <p:strVal val="visible"/>
-                                      </p:to>
-                                    </p:set>
-                                  </p:childTnLst>
-                                </p:cTn>
-                              </p:par>
-                              <p:par>
-                                <p:cTn id="27" presetID="1" presetClass="entr" presetSubtype="0" fill="hold" nodeType="withEffect">
-                                  <p:stCondLst>
-                                    <p:cond delay="0"/>
-                                  </p:stCondLst>
-                                  <p:childTnLst>
-                                    <p:set>
-                                      <p:cBhvr>
-                                        <p:cTn id="28" dur="1" fill="hold">
-                                          <p:stCondLst>
-                                            <p:cond delay="0"/>
-                                          </p:stCondLst>
-                                        </p:cTn>
-                                        <p:tgtEl>
-                                          <p:spTgt spid="3">
-                                            <p:txEl>
-                                              <p:pRg st="10" end="10"/>
-                                            </p:txEl>
-                                          </p:spTgt>
-                                        </p:tgtEl>
-                                        <p:attrNameLst>
-                                          <p:attrName>style.visibility</p:attrName>
-                                        </p:attrNameLst>
-                                      </p:cBhvr>
-                                      <p:to>
-                                        <p:strVal val="visible"/>
-                                      </p:to>
-                                    </p:set>
-                                  </p:childTnLst>
-                                </p:cTn>
-                              </p:par>
-                              <p:par>
-                                <p:cTn id="29" presetID="1" presetClass="entr" presetSubtype="0" fill="hold" nodeType="withEffect">
-                                  <p:stCondLst>
-                                    <p:cond delay="0"/>
-                                  </p:stCondLst>
-                                  <p:childTnLst>
-                                    <p:set>
-                                      <p:cBhvr>
-                                        <p:cTn id="30" dur="1" fill="hold">
-                                          <p:stCondLst>
-                                            <p:cond delay="0"/>
-                                          </p:stCondLst>
-                                        </p:cTn>
-                                        <p:tgtEl>
-                                          <p:spTgt spid="3">
-                                            <p:txEl>
-                                              <p:pRg st="11" end="11"/>
-                                            </p:txEl>
-                                          </p:spTgt>
-                                        </p:tgtEl>
-                                        <p:attrNameLst>
-                                          <p:attrName>style.visibility</p:attrName>
-                                        </p:attrNameLst>
-                                      </p:cBhvr>
-                                      <p:to>
-                                        <p:strVal val="visible"/>
-                                      </p:to>
-                                    </p:set>
-                                  </p:childTnLst>
-                                </p:cTn>
-                              </p:par>
-                              <p:par>
-                                <p:cTn id="31" presetID="1" presetClass="entr" presetSubtype="0" fill="hold" nodeType="withEffect">
-                                  <p:stCondLst>
-                                    <p:cond delay="0"/>
-                                  </p:stCondLst>
-                                  <p:childTnLst>
-                                    <p:set>
-                                      <p:cBhvr>
-                                        <p:cTn id="32" dur="1" fill="hold">
-                                          <p:stCondLst>
-                                            <p:cond delay="0"/>
-                                          </p:stCondLst>
-                                        </p:cTn>
-                                        <p:tgtEl>
-                                          <p:spTgt spid="3">
-                                            <p:txEl>
-                                              <p:pRg st="12" end="12"/>
-                                            </p:txEl>
-                                          </p:spTgt>
-                                        </p:tgtEl>
-                                        <p:attrNameLst>
-                                          <p:attrName>style.visibility</p:attrName>
-                                        </p:attrNameLst>
-                                      </p:cBhvr>
-                                      <p:to>
-                                        <p:strVal val="visible"/>
-                                      </p:to>
-                                    </p:set>
-                                  </p:childTnLst>
-                                </p:cTn>
-                              </p:par>
-                              <p:par>
-                                <p:cTn id="33" presetID="1" presetClass="entr" presetSubtype="0" fill="hold" nodeType="withEffect">
-                                  <p:stCondLst>
-                                    <p:cond delay="0"/>
-                                  </p:stCondLst>
-                                  <p:childTnLst>
-                                    <p:set>
-                                      <p:cBhvr>
-                                        <p:cTn id="34" dur="1" fill="hold">
-                                          <p:stCondLst>
-                                            <p:cond delay="0"/>
-                                          </p:stCondLst>
-                                        </p:cTn>
-                                        <p:tgtEl>
-                                          <p:spTgt spid="9"/>
-                                        </p:tgtEl>
-                                        <p:attrNameLst>
-                                          <p:attrName>style.visibility</p:attrName>
-                                        </p:attrNameLst>
-                                      </p:cBhvr>
-                                      <p:to>
-                                        <p:strVal val="visible"/>
-                                      </p:to>
-                                    </p:set>
-                                  </p:childTnLst>
-                                </p:cTn>
-                              </p:par>
-                            </p:childTnLst>
-                          </p:cTn>
-                        </p:par>
-                      </p:childTnLst>
-                    </p:cTn>
-                  </p:par>
-                </p:childTnLst>
-              </p:cTn>
-              <p:prevCondLst>
-                <p:cond evt="onPrev" delay="0">
-                  <p:tgtEl>
-                    <p:sldTgt/>
-                  </p:tgtEl>
-                </p:cond>
-              </p:prevCondLst>
-              <p:nextCondLst>
-                <p:cond evt="onNext" delay="0">
-                  <p:tgtEl>
-                    <p:sldTgt/>
-                  </p:tgtEl>
-                </p:cond>
-              </p:nextCondLst>
-            </p:seq>
-          </p:childTnLst>
-        </p:cTn>
-      </p:par>
-    </p:tnLst>
-  </p:timing>
-</p:sld>
-</file>
-
-<file path=ppt/slides/slide2.xml><?xml version="1.0" encoding="utf-8"?>
-<p:sld xmlns:a="http://schemas.openxmlformats.org/drawingml/2006/main" xmlns:r="http://schemas.openxmlformats.org/officeDocument/2006/relationships" xmlns:p="http://schemas.openxmlformats.org/presentationml/2006/main">
-  <p:cSld>
-    <p:spTree>
-      <p:nvGrpSpPr>
-        <p:cNvPr id="1" name=""/>
-        <p:cNvGrpSpPr/>
-        <p:nvPr/>
-      </p:nvGrpSpPr>
-      <p:grpSpPr>
-        <a:xfrm>
-          <a:off x="0" y="0"/>
-          <a:ext cx="0" cy="0"/>
-          <a:chOff x="0" y="0"/>
-          <a:chExt cx="0" cy="0"/>
-        </a:xfrm>
-      </p:grpSpPr>
-      <p:sp>
-        <p:nvSpPr>
-          <p:cNvPr id="2" name="Title 1">
-            <a:extLst>
-              <a:ext uri="{FF2B5EF4-FFF2-40B4-BE49-F238E27FC236}">
-                <a16:creationId xmlns:a16="http://schemas.microsoft.com/office/drawing/2014/main" id="{A4B4FF59-42FA-D7A9-0F27-7F566A3A5A48}"/>
-              </a:ext>
-            </a:extLst>
-          </p:cNvPr>
-          <p:cNvSpPr>
-            <a:spLocks noGrp="1"/>
-          </p:cNvSpPr>
-          <p:nvPr>
-            <p:ph type="title"/>
-          </p:nvPr>
-        </p:nvSpPr>
-        <p:spPr/>
-        <p:txBody>
-          <a:bodyPr/>
-          <a:lstStyle/>
-          <a:p>
-            <a:r>
-              <a:rPr lang="de-DE" sz="4400" dirty="0">
-                <a:latin typeface="Calibri" panose="020F0502020204030204" pitchFamily="34" charset="0"/>
-                <a:ea typeface="Calibri" panose="020F0502020204030204" pitchFamily="34" charset="0"/>
-              </a:rPr>
-              <a:t>H3drv homework - agenda</a:t>
-            </a:r>
-            <a:endParaRPr lang="en-DE" dirty="0"/>
-          </a:p>
-        </p:txBody>
-      </p:sp>
-      <p:sp>
-        <p:nvSpPr>
-          <p:cNvPr id="3" name="Content Placeholder 2">
-            <a:extLst>
-              <a:ext uri="{FF2B5EF4-FFF2-40B4-BE49-F238E27FC236}">
-                <a16:creationId xmlns:a16="http://schemas.microsoft.com/office/drawing/2014/main" id="{750AE634-05CD-565F-E962-7EBEBF0C27F3}"/>
-              </a:ext>
-            </a:extLst>
-          </p:cNvPr>
-          <p:cNvSpPr>
-            <a:spLocks noGrp="1"/>
-          </p:cNvSpPr>
-          <p:nvPr>
-            <p:ph sz="quarter" idx="13"/>
-          </p:nvPr>
-        </p:nvSpPr>
-        <p:spPr/>
-        <p:txBody>
-          <a:bodyPr/>
-          <a:lstStyle/>
-          <a:p>
-            <a:r>
-              <a:rPr lang="en-US" dirty="0"/>
-              <a:t>Goal</a:t>
-            </a:r>
-          </a:p>
-          <a:p>
-            <a:r>
-              <a:rPr lang="en-US" dirty="0"/>
-              <a:t>Setup</a:t>
-            </a:r>
-          </a:p>
-          <a:p>
-            <a:r>
-              <a:rPr lang="en-US" dirty="0"/>
-              <a:t>Theory</a:t>
-            </a:r>
-          </a:p>
-          <a:p>
-            <a:r>
-              <a:rPr lang="en-US" dirty="0"/>
-              <a:t>MCC-H3 </a:t>
-            </a:r>
-            <a:r>
-              <a:rPr lang="en-US" dirty="0" err="1"/>
-              <a:t>prj</a:t>
-            </a:r>
-            <a:endParaRPr lang="en-US" dirty="0"/>
-          </a:p>
-          <a:p>
-            <a:r>
-              <a:rPr lang="en-US" dirty="0"/>
-              <a:t>Findings</a:t>
-            </a:r>
-          </a:p>
-          <a:p>
-            <a:endParaRPr lang="en-US" dirty="0"/>
-          </a:p>
-          <a:p>
-            <a:endParaRPr lang="en-US" dirty="0"/>
-          </a:p>
-          <a:p>
-            <a:endParaRPr lang="en-US" dirty="0"/>
-          </a:p>
-          <a:p>
-            <a:pPr marL="285750" indent="-285750">
-              <a:buFont typeface="Arial" panose="020B0604020202020204" pitchFamily="34" charset="0"/>
-              <a:buChar char="•"/>
-            </a:pPr>
-            <a:r>
-              <a:rPr lang="en-US" sz="2000" b="0" dirty="0"/>
-              <a:t>Authors </a:t>
-            </a:r>
-          </a:p>
-          <a:p>
-            <a:pPr lvl="1"/>
-            <a:r>
-              <a:rPr lang="en-US" sz="2000" b="0" dirty="0">
-                <a:hlinkClick r:id="rId2"/>
-              </a:rPr>
-              <a:t>reiner.zieglmeier@microchip.com</a:t>
-            </a:r>
-            <a:endParaRPr lang="en-US" sz="2000" dirty="0"/>
-          </a:p>
-          <a:p>
-            <a:pPr lvl="1"/>
-            <a:r>
-              <a:rPr lang="en-US" sz="2000" b="0" dirty="0">
-                <a:hlinkClick r:id="rId3"/>
-              </a:rPr>
-              <a:t>stefan.luethin@microchip.com</a:t>
-            </a:r>
-            <a:endParaRPr lang="en-US" dirty="0"/>
-          </a:p>
-          <a:p>
-            <a:endParaRPr lang="en-US" sz="2400" b="0" dirty="0"/>
-          </a:p>
-          <a:p>
-            <a:endParaRPr lang="en-US" sz="2400" b="0" dirty="0"/>
-          </a:p>
-          <a:p>
-            <a:endParaRPr lang="en-DE" dirty="0"/>
-          </a:p>
-        </p:txBody>
-      </p:sp>
-    </p:spTree>
-    <p:extLst>
-      <p:ext uri="{BB962C8B-B14F-4D97-AF65-F5344CB8AC3E}">
-        <p14:creationId xmlns:p14="http://schemas.microsoft.com/office/powerpoint/2010/main" val="894259822"/>
-      </p:ext>
-    </p:extLst>
-  </p:cSld>
-  <p:clrMapOvr>
-    <a:masterClrMapping/>
-  </p:clrMapOvr>
-</p:sld>
-</file>
-
-<file path=ppt/slides/slide20.xml><?xml version="1.0" encoding="utf-8"?>
-<p:sld xmlns:a="http://schemas.openxmlformats.org/drawingml/2006/main" xmlns:r="http://schemas.openxmlformats.org/officeDocument/2006/relationships" xmlns:p="http://schemas.openxmlformats.org/presentationml/2006/main">
-  <p:cSld>
-    <p:spTree>
-      <p:nvGrpSpPr>
-        <p:cNvPr id="1" name=""/>
-        <p:cNvGrpSpPr/>
-        <p:nvPr/>
-      </p:nvGrpSpPr>
-      <p:grpSpPr>
-        <a:xfrm>
-          <a:off x="0" y="0"/>
-          <a:ext cx="0" cy="0"/>
-          <a:chOff x="0" y="0"/>
-          <a:chExt cx="0" cy="0"/>
-        </a:xfrm>
-      </p:grpSpPr>
-      <p:sp>
-        <p:nvSpPr>
-          <p:cNvPr id="3" name="Content Placeholder 2">
-            <a:extLst>
-              <a:ext uri="{FF2B5EF4-FFF2-40B4-BE49-F238E27FC236}">
-                <a16:creationId xmlns:a16="http://schemas.microsoft.com/office/drawing/2014/main" id="{750AE634-05CD-565F-E962-7EBEBF0C27F3}"/>
-              </a:ext>
-            </a:extLst>
-          </p:cNvPr>
-          <p:cNvSpPr>
-            <a:spLocks noGrp="1"/>
-          </p:cNvSpPr>
-          <p:nvPr>
-            <p:ph sz="quarter" idx="15"/>
-          </p:nvPr>
-        </p:nvSpPr>
-        <p:spPr>
-          <a:xfrm>
-            <a:off x="265198" y="1016481"/>
-            <a:ext cx="11400660" cy="4664076"/>
-          </a:xfrm>
-        </p:spPr>
-        <p:txBody>
-          <a:bodyPr>
-            <a:noAutofit/>
-          </a:bodyPr>
-          <a:lstStyle/>
-          <a:p>
-            <a:r>
-              <a:rPr lang="en-US" sz="2400" b="0" dirty="0"/>
-              <a:t>Findings part1: </a:t>
-            </a:r>
-            <a:r>
-              <a:rPr lang="en-US" sz="2400" b="0" dirty="0" err="1"/>
-              <a:t>touchClick</a:t>
-            </a:r>
-            <a:r>
-              <a:rPr lang="en-US" sz="2400" b="0" dirty="0"/>
-              <a:t> (continued)</a:t>
-            </a:r>
-          </a:p>
-          <a:p>
-            <a:pPr lvl="1"/>
-            <a:r>
-              <a:rPr lang="en-US" sz="2000" dirty="0"/>
-              <a:t>Default settings ‘File Handling’ deletes you app*.c/h</a:t>
-            </a:r>
-            <a:br>
-              <a:rPr lang="en-US" sz="2000" dirty="0"/>
-            </a:br>
-            <a:r>
-              <a:rPr lang="en-US" sz="2000" dirty="0"/>
-              <a:t>-&gt;not clear yet </a:t>
-            </a:r>
-            <a:r>
-              <a:rPr lang="en-US" sz="2000" dirty="0" err="1"/>
-              <a:t>why,when</a:t>
-            </a:r>
-            <a:r>
-              <a:rPr lang="en-US" sz="2000" dirty="0"/>
-              <a:t>..</a:t>
-            </a:r>
-          </a:p>
-          <a:p>
-            <a:pPr lvl="1"/>
-            <a:endParaRPr lang="en-US" sz="2000" dirty="0"/>
-          </a:p>
-          <a:p>
-            <a:pPr lvl="1"/>
-            <a:endParaRPr lang="en-US" sz="2000" b="0" dirty="0"/>
-          </a:p>
-          <a:p>
-            <a:pPr lvl="1"/>
-            <a:r>
-              <a:rPr lang="en-US" sz="2000" dirty="0"/>
-              <a:t>MCC-H3 confusing tool structure – </a:t>
-            </a:r>
-            <a:r>
-              <a:rPr lang="en-US" sz="2000" dirty="0" err="1"/>
-              <a:t>eg</a:t>
-            </a:r>
-            <a:r>
-              <a:rPr lang="en-US" sz="2000" dirty="0"/>
-              <a:t>:</a:t>
-            </a:r>
-          </a:p>
-          <a:p>
-            <a:pPr lvl="2"/>
-            <a:r>
-              <a:rPr lang="en-US" sz="1600" b="0" dirty="0"/>
-              <a:t>Start/stop MCC-H3 from three different places</a:t>
-            </a:r>
-          </a:p>
-          <a:p>
-            <a:pPr lvl="2"/>
-            <a:endParaRPr lang="en-US" sz="1600" dirty="0"/>
-          </a:p>
-          <a:p>
-            <a:pPr lvl="2"/>
-            <a:r>
-              <a:rPr lang="en-US" sz="1600" dirty="0"/>
-              <a:t>H3-addOn-managers (where are they?)</a:t>
-            </a:r>
-            <a:endParaRPr lang="en-US" sz="1200" dirty="0"/>
-          </a:p>
-          <a:p>
-            <a:pPr lvl="2"/>
-            <a:endParaRPr lang="en-US" sz="1600" b="0" dirty="0"/>
-          </a:p>
-          <a:p>
-            <a:pPr lvl="1"/>
-            <a:endParaRPr lang="en-US" sz="2000" b="0" dirty="0"/>
-          </a:p>
-        </p:txBody>
-      </p:sp>
-      <p:sp>
-        <p:nvSpPr>
-          <p:cNvPr id="2" name="Title 1">
-            <a:extLst>
-              <a:ext uri="{FF2B5EF4-FFF2-40B4-BE49-F238E27FC236}">
-                <a16:creationId xmlns:a16="http://schemas.microsoft.com/office/drawing/2014/main" id="{A4B4FF59-42FA-D7A9-0F27-7F566A3A5A48}"/>
-              </a:ext>
-            </a:extLst>
-          </p:cNvPr>
-          <p:cNvSpPr>
-            <a:spLocks noGrp="1"/>
-          </p:cNvSpPr>
-          <p:nvPr>
-            <p:ph type="title"/>
-          </p:nvPr>
-        </p:nvSpPr>
-        <p:spPr>
-          <a:xfrm>
-            <a:off x="355509" y="96296"/>
-            <a:ext cx="11400661" cy="799246"/>
-          </a:xfrm>
-        </p:spPr>
-        <p:txBody>
-          <a:bodyPr/>
-          <a:lstStyle/>
-          <a:p>
-            <a:r>
-              <a:rPr lang="de-DE" sz="4400" dirty="0">
-                <a:latin typeface="Calibri" panose="020F0502020204030204" pitchFamily="34" charset="0"/>
-                <a:ea typeface="Calibri" panose="020F0502020204030204" pitchFamily="34" charset="0"/>
-              </a:rPr>
-              <a:t>H3drv homework: findings</a:t>
-            </a:r>
-            <a:endParaRPr lang="en-DE" dirty="0"/>
-          </a:p>
-        </p:txBody>
-      </p:sp>
-      <p:sp>
-        <p:nvSpPr>
-          <p:cNvPr id="5" name="TextBox 4">
-            <a:extLst>
-              <a:ext uri="{FF2B5EF4-FFF2-40B4-BE49-F238E27FC236}">
-                <a16:creationId xmlns:a16="http://schemas.microsoft.com/office/drawing/2014/main" id="{BE806E8A-FF84-E9FB-B60B-F0250A8B58E1}"/>
-              </a:ext>
-            </a:extLst>
-          </p:cNvPr>
-          <p:cNvSpPr txBox="1"/>
-          <p:nvPr/>
-        </p:nvSpPr>
-        <p:spPr>
-          <a:xfrm rot="1973025">
-            <a:off x="10552935" y="195021"/>
-            <a:ext cx="1919111" cy="707886"/>
-          </a:xfrm>
-          <a:prstGeom prst="rect">
-            <a:avLst/>
-          </a:prstGeom>
-          <a:noFill/>
-        </p:spPr>
-        <p:txBody>
-          <a:bodyPr wrap="square" rtlCol="0">
-            <a:spAutoFit/>
-          </a:bodyPr>
-          <a:lstStyle/>
-          <a:p>
-            <a:pPr algn="ctr"/>
-            <a:r>
-              <a:rPr lang="en-US" sz="4000" dirty="0" err="1">
-                <a:solidFill>
-                  <a:srgbClr val="FF0000"/>
-                </a:solidFill>
-              </a:rPr>
-              <a:t>inWork</a:t>
-            </a:r>
-            <a:endParaRPr lang="en-DE" dirty="0">
-              <a:solidFill>
-                <a:srgbClr val="FF0000"/>
-              </a:solidFill>
-            </a:endParaRPr>
-          </a:p>
-        </p:txBody>
-      </p:sp>
-      <p:pic>
-        <p:nvPicPr>
-          <p:cNvPr id="7" name="Picture 6">
-            <a:extLst>
-              <a:ext uri="{FF2B5EF4-FFF2-40B4-BE49-F238E27FC236}">
-                <a16:creationId xmlns:a16="http://schemas.microsoft.com/office/drawing/2014/main" id="{5CBA51E4-7DD5-FEEB-D6F4-F37A89F12784}"/>
-              </a:ext>
-            </a:extLst>
-          </p:cNvPr>
-          <p:cNvPicPr>
-            <a:picLocks noChangeAspect="1"/>
-          </p:cNvPicPr>
-          <p:nvPr/>
-        </p:nvPicPr>
-        <p:blipFill>
-          <a:blip r:embed="rId2"/>
-          <a:stretch>
-            <a:fillRect/>
-          </a:stretch>
-        </p:blipFill>
-        <p:spPr>
-          <a:xfrm>
-            <a:off x="6952389" y="254834"/>
-            <a:ext cx="3562123" cy="2012499"/>
-          </a:xfrm>
-          <a:prstGeom prst="rect">
-            <a:avLst/>
-          </a:prstGeom>
-          <a:ln>
-            <a:solidFill>
-              <a:schemeClr val="tx1"/>
-            </a:solidFill>
-          </a:ln>
-        </p:spPr>
-      </p:pic>
-      <p:pic>
-        <p:nvPicPr>
-          <p:cNvPr id="8" name="Picture 7">
-            <a:extLst>
-              <a:ext uri="{FF2B5EF4-FFF2-40B4-BE49-F238E27FC236}">
-                <a16:creationId xmlns:a16="http://schemas.microsoft.com/office/drawing/2014/main" id="{353DB1A3-0682-3669-38A3-BC21C012689D}"/>
-              </a:ext>
-            </a:extLst>
-          </p:cNvPr>
-          <p:cNvPicPr>
-            <a:picLocks noChangeAspect="1"/>
-          </p:cNvPicPr>
-          <p:nvPr/>
-        </p:nvPicPr>
-        <p:blipFill>
-          <a:blip r:embed="rId3"/>
-          <a:stretch>
-            <a:fillRect/>
-          </a:stretch>
-        </p:blipFill>
-        <p:spPr>
-          <a:xfrm>
-            <a:off x="5662667" y="2437464"/>
-            <a:ext cx="4623447" cy="2362664"/>
-          </a:xfrm>
-          <a:prstGeom prst="rect">
-            <a:avLst/>
-          </a:prstGeom>
-          <a:ln>
-            <a:solidFill>
-              <a:schemeClr val="tx1"/>
-            </a:solidFill>
-          </a:ln>
-        </p:spPr>
-      </p:pic>
-      <p:pic>
-        <p:nvPicPr>
-          <p:cNvPr id="10" name="Picture 9">
-            <a:extLst>
-              <a:ext uri="{FF2B5EF4-FFF2-40B4-BE49-F238E27FC236}">
-                <a16:creationId xmlns:a16="http://schemas.microsoft.com/office/drawing/2014/main" id="{C99C969E-EB99-DF11-9A97-9751C062070D}"/>
-              </a:ext>
-            </a:extLst>
-          </p:cNvPr>
-          <p:cNvPicPr>
-            <a:picLocks noChangeAspect="1"/>
-          </p:cNvPicPr>
-          <p:nvPr/>
-        </p:nvPicPr>
-        <p:blipFill>
-          <a:blip r:embed="rId4"/>
-          <a:stretch>
-            <a:fillRect/>
-          </a:stretch>
-        </p:blipFill>
-        <p:spPr>
-          <a:xfrm>
-            <a:off x="5494382" y="5102590"/>
-            <a:ext cx="6326780" cy="1477858"/>
-          </a:xfrm>
-          <a:prstGeom prst="rect">
-            <a:avLst/>
-          </a:prstGeom>
-          <a:ln>
-            <a:solidFill>
-              <a:schemeClr val="tx1"/>
-            </a:solidFill>
-          </a:ln>
-        </p:spPr>
-      </p:pic>
-      <p:pic>
-        <p:nvPicPr>
-          <p:cNvPr id="11" name="Picture 10">
-            <a:extLst>
-              <a:ext uri="{FF2B5EF4-FFF2-40B4-BE49-F238E27FC236}">
-                <a16:creationId xmlns:a16="http://schemas.microsoft.com/office/drawing/2014/main" id="{97427156-31A3-3DC6-9A4D-527DD480283B}"/>
-              </a:ext>
-            </a:extLst>
-          </p:cNvPr>
-          <p:cNvPicPr>
-            <a:picLocks noChangeAspect="1"/>
-          </p:cNvPicPr>
-          <p:nvPr/>
-        </p:nvPicPr>
-        <p:blipFill>
-          <a:blip r:embed="rId5"/>
-          <a:stretch>
-            <a:fillRect/>
-          </a:stretch>
-        </p:blipFill>
-        <p:spPr>
-          <a:xfrm>
-            <a:off x="594915" y="4145611"/>
-            <a:ext cx="4738035" cy="2616093"/>
-          </a:xfrm>
-          <a:prstGeom prst="rect">
-            <a:avLst/>
-          </a:prstGeom>
-          <a:ln>
-            <a:solidFill>
-              <a:schemeClr val="tx1"/>
-            </a:solidFill>
-          </a:ln>
-        </p:spPr>
-      </p:pic>
-    </p:spTree>
-    <p:extLst>
-      <p:ext uri="{BB962C8B-B14F-4D97-AF65-F5344CB8AC3E}">
-        <p14:creationId xmlns:p14="http://schemas.microsoft.com/office/powerpoint/2010/main" val="314787595"/>
-      </p:ext>
-    </p:extLst>
-  </p:cSld>
-  <p:clrMapOvr>
-    <a:masterClrMapping/>
-  </p:clrMapOvr>
-  <p:timing>
-    <p:tnLst>
-      <p:par>
-        <p:cTn id="1" dur="indefinite" restart="never" nodeType="tmRoot">
-          <p:childTnLst>
-            <p:seq concurrent="1" nextAc="seek">
-              <p:cTn id="2" dur="indefinite" nodeType="mainSeq">
-                <p:childTnLst>
-                  <p:par>
-                    <p:cTn id="3" fill="hold">
-                      <p:stCondLst>
-                        <p:cond delay="indefinite"/>
-                      </p:stCondLst>
-                      <p:childTnLst>
-                        <p:par>
-                          <p:cTn id="4" fill="hold">
-                            <p:stCondLst>
-                              <p:cond delay="0"/>
-                            </p:stCondLst>
-                            <p:childTnLst>
-                              <p:par>
-                                <p:cTn id="5" presetID="1" presetClass="entr" presetSubtype="0" fill="hold" nodeType="clickEffect">
-                                  <p:stCondLst>
-                                    <p:cond delay="0"/>
-                                  </p:stCondLst>
-                                  <p:childTnLst>
-                                    <p:set>
-                                      <p:cBhvr>
-                                        <p:cTn id="6" dur="1" fill="hold">
-                                          <p:stCondLst>
-                                            <p:cond delay="0"/>
-                                          </p:stCondLst>
-                                        </p:cTn>
-                                        <p:tgtEl>
-                                          <p:spTgt spid="3">
-                                            <p:txEl>
-                                              <p:pRg st="1" end="1"/>
-                                            </p:txEl>
-                                          </p:spTgt>
-                                        </p:tgtEl>
-                                        <p:attrNameLst>
-                                          <p:attrName>style.visibility</p:attrName>
-                                        </p:attrNameLst>
-                                      </p:cBhvr>
-                                      <p:to>
-                                        <p:strVal val="visible"/>
-                                      </p:to>
-                                    </p:set>
-                                  </p:childTnLst>
-                                </p:cTn>
-                              </p:par>
-                              <p:par>
-                                <p:cTn id="7" presetID="1" presetClass="entr" presetSubtype="0" fill="hold" nodeType="withEffect">
-                                  <p:stCondLst>
-                                    <p:cond delay="0"/>
-                                  </p:stCondLst>
-                                  <p:childTnLst>
-                                    <p:set>
-                                      <p:cBhvr>
-                                        <p:cTn id="8" dur="1" fill="hold">
-                                          <p:stCondLst>
-                                            <p:cond delay="0"/>
-                                          </p:stCondLst>
-                                        </p:cTn>
-                                        <p:tgtEl>
-                                          <p:spTgt spid="7"/>
                                         </p:tgtEl>
                                         <p:attrNameLst>
                                           <p:attrName>style.visibility</p:attrName>
@@ -12721,7 +11838,11 @@
                                           </p:stCondLst>
                                         </p:cTn>
                                         <p:tgtEl>
-                                          <p:spTgt spid="8"/>
+                                          <p:spTgt spid="3">
+                                            <p:txEl>
+                                              <p:pRg st="6" end="6"/>
+                                            </p:txEl>
+                                          </p:spTgt>
                                         </p:tgtEl>
                                         <p:attrNameLst>
                                           <p:attrName>style.visibility</p:attrName>
@@ -12734,26 +11855,39 @@
                                   </p:childTnLst>
                                 </p:cTn>
                               </p:par>
-                            </p:childTnLst>
-                          </p:cTn>
-                        </p:par>
-                      </p:childTnLst>
-                    </p:cTn>
-                  </p:par>
-                  <p:par>
-                    <p:cTn id="17" fill="hold">
-                      <p:stCondLst>
-                        <p:cond delay="indefinite"/>
-                      </p:stCondLst>
-                      <p:childTnLst>
-                        <p:par>
-                          <p:cTn id="18" fill="hold">
-                            <p:stCondLst>
-                              <p:cond delay="0"/>
-                            </p:stCondLst>
-                            <p:childTnLst>
                               <p:par>
-                                <p:cTn id="19" presetID="1" presetClass="entr" presetSubtype="0" fill="hold" nodeType="clickEffect">
+                                <p:cTn id="17" presetID="1" presetClass="entr" presetSubtype="0" fill="hold" nodeType="withEffect">
+                                  <p:stCondLst>
+                                    <p:cond delay="0"/>
+                                  </p:stCondLst>
+                                  <p:childTnLst>
+                                    <p:set>
+                                      <p:cBhvr>
+                                        <p:cTn id="18" dur="1" fill="hold">
+                                          <p:stCondLst>
+                                            <p:cond delay="0"/>
+                                          </p:stCondLst>
+                                        </p:cTn>
+                                        <p:tgtEl>
+                                          <p:spTgt spid="3">
+                                            <p:txEl>
+                                              <p:pRg st="7" end="7"/>
+                                            </p:txEl>
+                                          </p:spTgt>
+                                        </p:tgtEl>
+                                        <p:attrNameLst>
+                                          <p:attrName>style.visibility</p:attrName>
+                                        </p:attrNameLst>
+                                      </p:cBhvr>
+                                      <p:to>
+                                        <p:strVal val="visible"/>
+                                      </p:to>
+                                    </p:set>
+                                  </p:childTnLst>
+                                </p:cTn>
+                              </p:par>
+                              <p:par>
+                                <p:cTn id="19" presetID="1" presetClass="entr" presetSubtype="0" fill="hold" nodeType="withEffect">
                                   <p:stCondLst>
                                     <p:cond delay="0"/>
                                   </p:stCondLst>
@@ -12768,7 +11902,7 @@
                                         <p:tgtEl>
                                           <p:spTgt spid="3">
                                             <p:txEl>
-                                              <p:pRg st="7" end="7"/>
+                                              <p:pRg st="9" end="9"/>
                                             </p:txEl>
                                           </p:spTgt>
                                         </p:tgtEl>
@@ -12797,7 +11931,7 @@
                                           </p:stCondLst>
                                         </p:cTn>
                                         <p:tgtEl>
-                                          <p:spTgt spid="11"/>
+                                          <p:spTgt spid="9"/>
                                         </p:tgtEl>
                                         <p:attrNameLst>
                                           <p:attrName>style.visibility</p:attrName>
@@ -12819,6 +11953,840 @@
                                     <p:set>
                                       <p:cBhvr>
                                         <p:cTn id="24" dur="1" fill="hold">
+                                          <p:stCondLst>
+                                            <p:cond delay="0"/>
+                                          </p:stCondLst>
+                                        </p:cTn>
+                                        <p:tgtEl>
+                                          <p:spTgt spid="10"/>
+                                        </p:tgtEl>
+                                        <p:attrNameLst>
+                                          <p:attrName>style.visibility</p:attrName>
+                                        </p:attrNameLst>
+                                      </p:cBhvr>
+                                      <p:to>
+                                        <p:strVal val="visible"/>
+                                      </p:to>
+                                    </p:set>
+                                  </p:childTnLst>
+                                </p:cTn>
+                              </p:par>
+                            </p:childTnLst>
+                          </p:cTn>
+                        </p:par>
+                      </p:childTnLst>
+                    </p:cTn>
+                  </p:par>
+                </p:childTnLst>
+              </p:cTn>
+              <p:prevCondLst>
+                <p:cond evt="onPrev" delay="0">
+                  <p:tgtEl>
+                    <p:sldTgt/>
+                  </p:tgtEl>
+                </p:cond>
+              </p:prevCondLst>
+              <p:nextCondLst>
+                <p:cond evt="onNext" delay="0">
+                  <p:tgtEl>
+                    <p:sldTgt/>
+                  </p:tgtEl>
+                </p:cond>
+              </p:nextCondLst>
+            </p:seq>
+          </p:childTnLst>
+        </p:cTn>
+      </p:par>
+    </p:tnLst>
+  </p:timing>
+</p:sld>
+</file>
+
+<file path=ppt/slides/slide2.xml><?xml version="1.0" encoding="utf-8"?>
+<p:sld xmlns:a="http://schemas.openxmlformats.org/drawingml/2006/main" xmlns:r="http://schemas.openxmlformats.org/officeDocument/2006/relationships" xmlns:p="http://schemas.openxmlformats.org/presentationml/2006/main">
+  <p:cSld>
+    <p:spTree>
+      <p:nvGrpSpPr>
+        <p:cNvPr id="1" name=""/>
+        <p:cNvGrpSpPr/>
+        <p:nvPr/>
+      </p:nvGrpSpPr>
+      <p:grpSpPr>
+        <a:xfrm>
+          <a:off x="0" y="0"/>
+          <a:ext cx="0" cy="0"/>
+          <a:chOff x="0" y="0"/>
+          <a:chExt cx="0" cy="0"/>
+        </a:xfrm>
+      </p:grpSpPr>
+      <p:sp>
+        <p:nvSpPr>
+          <p:cNvPr id="2" name="Title 1">
+            <a:extLst>
+              <a:ext uri="{FF2B5EF4-FFF2-40B4-BE49-F238E27FC236}">
+                <a16:creationId xmlns:a16="http://schemas.microsoft.com/office/drawing/2014/main" id="{A4B4FF59-42FA-D7A9-0F27-7F566A3A5A48}"/>
+              </a:ext>
+            </a:extLst>
+          </p:cNvPr>
+          <p:cNvSpPr>
+            <a:spLocks noGrp="1"/>
+          </p:cNvSpPr>
+          <p:nvPr>
+            <p:ph type="title"/>
+          </p:nvPr>
+        </p:nvSpPr>
+        <p:spPr/>
+        <p:txBody>
+          <a:bodyPr/>
+          <a:lstStyle/>
+          <a:p>
+            <a:r>
+              <a:rPr lang="de-DE" sz="4400" dirty="0">
+                <a:latin typeface="Calibri" panose="020F0502020204030204" pitchFamily="34" charset="0"/>
+                <a:ea typeface="Calibri" panose="020F0502020204030204" pitchFamily="34" charset="0"/>
+              </a:rPr>
+              <a:t>H3drv homework - agenda</a:t>
+            </a:r>
+            <a:endParaRPr lang="en-DE" dirty="0"/>
+          </a:p>
+        </p:txBody>
+      </p:sp>
+      <p:sp>
+        <p:nvSpPr>
+          <p:cNvPr id="3" name="Content Placeholder 2">
+            <a:extLst>
+              <a:ext uri="{FF2B5EF4-FFF2-40B4-BE49-F238E27FC236}">
+                <a16:creationId xmlns:a16="http://schemas.microsoft.com/office/drawing/2014/main" id="{750AE634-05CD-565F-E962-7EBEBF0C27F3}"/>
+              </a:ext>
+            </a:extLst>
+          </p:cNvPr>
+          <p:cNvSpPr>
+            <a:spLocks noGrp="1"/>
+          </p:cNvSpPr>
+          <p:nvPr>
+            <p:ph sz="quarter" idx="13"/>
+          </p:nvPr>
+        </p:nvSpPr>
+        <p:spPr/>
+        <p:txBody>
+          <a:bodyPr/>
+          <a:lstStyle/>
+          <a:p>
+            <a:r>
+              <a:rPr lang="en-US" dirty="0"/>
+              <a:t>Goal</a:t>
+            </a:r>
+          </a:p>
+          <a:p>
+            <a:r>
+              <a:rPr lang="en-US" dirty="0"/>
+              <a:t>Setup</a:t>
+            </a:r>
+          </a:p>
+          <a:p>
+            <a:r>
+              <a:rPr lang="en-US" dirty="0"/>
+              <a:t>Theory</a:t>
+            </a:r>
+          </a:p>
+          <a:p>
+            <a:r>
+              <a:rPr lang="en-US" dirty="0"/>
+              <a:t>MCC-H3 </a:t>
+            </a:r>
+            <a:r>
+              <a:rPr lang="en-US" dirty="0" err="1"/>
+              <a:t>prj</a:t>
+            </a:r>
+            <a:endParaRPr lang="en-US" dirty="0"/>
+          </a:p>
+          <a:p>
+            <a:r>
+              <a:rPr lang="en-US" dirty="0"/>
+              <a:t>Findings</a:t>
+            </a:r>
+          </a:p>
+          <a:p>
+            <a:endParaRPr lang="en-US" dirty="0"/>
+          </a:p>
+          <a:p>
+            <a:endParaRPr lang="en-US" dirty="0"/>
+          </a:p>
+          <a:p>
+            <a:endParaRPr lang="en-US" dirty="0"/>
+          </a:p>
+          <a:p>
+            <a:pPr marL="285750" indent="-285750">
+              <a:buFont typeface="Arial" panose="020B0604020202020204" pitchFamily="34" charset="0"/>
+              <a:buChar char="•"/>
+            </a:pPr>
+            <a:r>
+              <a:rPr lang="en-US" sz="2000" b="0" dirty="0"/>
+              <a:t>Authors </a:t>
+            </a:r>
+          </a:p>
+          <a:p>
+            <a:pPr lvl="1"/>
+            <a:r>
+              <a:rPr lang="en-US" sz="2000" b="0" dirty="0">
+                <a:hlinkClick r:id="rId2"/>
+              </a:rPr>
+              <a:t>reiner.zieglmeier@microchip.com</a:t>
+            </a:r>
+            <a:endParaRPr lang="en-US" sz="2000" dirty="0"/>
+          </a:p>
+          <a:p>
+            <a:pPr lvl="1"/>
+            <a:r>
+              <a:rPr lang="en-US" sz="2000" b="0" dirty="0">
+                <a:hlinkClick r:id="rId3"/>
+              </a:rPr>
+              <a:t>stefan.luethin@microchip.com</a:t>
+            </a:r>
+            <a:endParaRPr lang="en-US" dirty="0"/>
+          </a:p>
+          <a:p>
+            <a:endParaRPr lang="en-US" sz="2400" b="0" dirty="0"/>
+          </a:p>
+          <a:p>
+            <a:endParaRPr lang="en-US" sz="2400" b="0" dirty="0"/>
+          </a:p>
+          <a:p>
+            <a:endParaRPr lang="en-DE" dirty="0"/>
+          </a:p>
+        </p:txBody>
+      </p:sp>
+    </p:spTree>
+    <p:extLst>
+      <p:ext uri="{BB962C8B-B14F-4D97-AF65-F5344CB8AC3E}">
+        <p14:creationId xmlns:p14="http://schemas.microsoft.com/office/powerpoint/2010/main" val="894259822"/>
+      </p:ext>
+    </p:extLst>
+  </p:cSld>
+  <p:clrMapOvr>
+    <a:masterClrMapping/>
+  </p:clrMapOvr>
+</p:sld>
+</file>
+
+<file path=ppt/slides/slide20.xml><?xml version="1.0" encoding="utf-8"?>
+<p:sld xmlns:a="http://schemas.openxmlformats.org/drawingml/2006/main" xmlns:r="http://schemas.openxmlformats.org/officeDocument/2006/relationships" xmlns:p="http://schemas.openxmlformats.org/presentationml/2006/main">
+  <p:cSld>
+    <p:spTree>
+      <p:nvGrpSpPr>
+        <p:cNvPr id="1" name=""/>
+        <p:cNvGrpSpPr/>
+        <p:nvPr/>
+      </p:nvGrpSpPr>
+      <p:grpSpPr>
+        <a:xfrm>
+          <a:off x="0" y="0"/>
+          <a:ext cx="0" cy="0"/>
+          <a:chOff x="0" y="0"/>
+          <a:chExt cx="0" cy="0"/>
+        </a:xfrm>
+      </p:grpSpPr>
+      <p:sp>
+        <p:nvSpPr>
+          <p:cNvPr id="3" name="Content Placeholder 2">
+            <a:extLst>
+              <a:ext uri="{FF2B5EF4-FFF2-40B4-BE49-F238E27FC236}">
+                <a16:creationId xmlns:a16="http://schemas.microsoft.com/office/drawing/2014/main" id="{750AE634-05CD-565F-E962-7EBEBF0C27F3}"/>
+              </a:ext>
+            </a:extLst>
+          </p:cNvPr>
+          <p:cNvSpPr>
+            <a:spLocks noGrp="1"/>
+          </p:cNvSpPr>
+          <p:nvPr>
+            <p:ph sz="quarter" idx="15"/>
+          </p:nvPr>
+        </p:nvSpPr>
+        <p:spPr>
+          <a:xfrm>
+            <a:off x="265198" y="1016481"/>
+            <a:ext cx="11400660" cy="4664076"/>
+          </a:xfrm>
+        </p:spPr>
+        <p:txBody>
+          <a:bodyPr>
+            <a:noAutofit/>
+          </a:bodyPr>
+          <a:lstStyle/>
+          <a:p>
+            <a:r>
+              <a:rPr lang="en-US" sz="2400" b="0" dirty="0"/>
+              <a:t>Findings part1: </a:t>
+            </a:r>
+            <a:r>
+              <a:rPr lang="en-US" sz="2400" b="0" dirty="0" err="1"/>
+              <a:t>touchClick</a:t>
+            </a:r>
+            <a:r>
+              <a:rPr lang="en-US" sz="2400" b="0" dirty="0"/>
+              <a:t> (continued)</a:t>
+            </a:r>
+          </a:p>
+          <a:p>
+            <a:pPr lvl="1"/>
+            <a:r>
+              <a:rPr lang="en-US" sz="2000" dirty="0"/>
+              <a:t>MCC-H3 confusing tool structure – </a:t>
+            </a:r>
+            <a:r>
+              <a:rPr lang="en-US" sz="2000" dirty="0" err="1"/>
+              <a:t>eg</a:t>
+            </a:r>
+            <a:r>
+              <a:rPr lang="en-US" sz="2000" dirty="0"/>
+              <a:t>:</a:t>
+            </a:r>
+          </a:p>
+          <a:p>
+            <a:pPr lvl="2"/>
+            <a:r>
+              <a:rPr lang="en-US" sz="1600" b="0" dirty="0"/>
+              <a:t>Start/stop MCC-H3 from three different places</a:t>
+            </a:r>
+          </a:p>
+          <a:p>
+            <a:pPr lvl="2"/>
+            <a:endParaRPr lang="en-US" sz="1600" dirty="0"/>
+          </a:p>
+          <a:p>
+            <a:pPr lvl="2"/>
+            <a:r>
+              <a:rPr lang="en-US" sz="1600" dirty="0"/>
+              <a:t>H3-addOn-managers (where are they?)</a:t>
+            </a:r>
+          </a:p>
+          <a:p>
+            <a:pPr lvl="2"/>
+            <a:endParaRPr lang="en-US" sz="1600" dirty="0"/>
+          </a:p>
+          <a:p>
+            <a:pPr lvl="2"/>
+            <a:endParaRPr lang="en-US" sz="1600" dirty="0"/>
+          </a:p>
+          <a:p>
+            <a:pPr lvl="2"/>
+            <a:endParaRPr lang="en-US" sz="1600" dirty="0"/>
+          </a:p>
+          <a:p>
+            <a:pPr lvl="2"/>
+            <a:endParaRPr lang="en-US" sz="1600" dirty="0"/>
+          </a:p>
+          <a:p>
+            <a:pPr lvl="2"/>
+            <a:endParaRPr lang="en-US" sz="1600" dirty="0"/>
+          </a:p>
+          <a:p>
+            <a:pPr lvl="2"/>
+            <a:endParaRPr lang="en-US" sz="1600" dirty="0"/>
+          </a:p>
+          <a:p>
+            <a:pPr lvl="2"/>
+            <a:endParaRPr lang="en-US" sz="1600" dirty="0"/>
+          </a:p>
+          <a:p>
+            <a:pPr lvl="2"/>
+            <a:endParaRPr lang="en-US" sz="1600" dirty="0"/>
+          </a:p>
+          <a:p>
+            <a:pPr lvl="2"/>
+            <a:endParaRPr lang="en-US" sz="1600" dirty="0"/>
+          </a:p>
+          <a:p>
+            <a:pPr lvl="2"/>
+            <a:r>
+              <a:rPr lang="en-US" sz="1600" dirty="0"/>
+              <a:t>How to </a:t>
+            </a:r>
+            <a:r>
+              <a:rPr lang="en-US" sz="1600" dirty="0" err="1"/>
+              <a:t>GenerateCode</a:t>
+            </a:r>
+            <a:r>
+              <a:rPr lang="en-US" sz="1600" dirty="0"/>
+              <a:t>?</a:t>
+            </a:r>
+            <a:endParaRPr lang="en-US" sz="1200" dirty="0"/>
+          </a:p>
+          <a:p>
+            <a:pPr lvl="2"/>
+            <a:endParaRPr lang="en-US" sz="1600" b="0" dirty="0"/>
+          </a:p>
+          <a:p>
+            <a:pPr lvl="1"/>
+            <a:endParaRPr lang="en-US" sz="2000" b="0" dirty="0"/>
+          </a:p>
+        </p:txBody>
+      </p:sp>
+      <p:sp>
+        <p:nvSpPr>
+          <p:cNvPr id="2" name="Title 1">
+            <a:extLst>
+              <a:ext uri="{FF2B5EF4-FFF2-40B4-BE49-F238E27FC236}">
+                <a16:creationId xmlns:a16="http://schemas.microsoft.com/office/drawing/2014/main" id="{A4B4FF59-42FA-D7A9-0F27-7F566A3A5A48}"/>
+              </a:ext>
+            </a:extLst>
+          </p:cNvPr>
+          <p:cNvSpPr>
+            <a:spLocks noGrp="1"/>
+          </p:cNvSpPr>
+          <p:nvPr>
+            <p:ph type="title"/>
+          </p:nvPr>
+        </p:nvSpPr>
+        <p:spPr>
+          <a:xfrm>
+            <a:off x="355509" y="96296"/>
+            <a:ext cx="11400661" cy="799246"/>
+          </a:xfrm>
+        </p:spPr>
+        <p:txBody>
+          <a:bodyPr/>
+          <a:lstStyle/>
+          <a:p>
+            <a:r>
+              <a:rPr lang="de-DE" sz="4400" dirty="0">
+                <a:latin typeface="Calibri" panose="020F0502020204030204" pitchFamily="34" charset="0"/>
+                <a:ea typeface="Calibri" panose="020F0502020204030204" pitchFamily="34" charset="0"/>
+              </a:rPr>
+              <a:t>H3drv homework: findings</a:t>
+            </a:r>
+            <a:endParaRPr lang="en-DE" dirty="0"/>
+          </a:p>
+        </p:txBody>
+      </p:sp>
+      <p:pic>
+        <p:nvPicPr>
+          <p:cNvPr id="8" name="Picture 7">
+            <a:extLst>
+              <a:ext uri="{FF2B5EF4-FFF2-40B4-BE49-F238E27FC236}">
+                <a16:creationId xmlns:a16="http://schemas.microsoft.com/office/drawing/2014/main" id="{353DB1A3-0682-3669-38A3-BC21C012689D}"/>
+              </a:ext>
+            </a:extLst>
+          </p:cNvPr>
+          <p:cNvPicPr>
+            <a:picLocks noChangeAspect="1"/>
+          </p:cNvPicPr>
+          <p:nvPr/>
+        </p:nvPicPr>
+        <p:blipFill>
+          <a:blip r:embed="rId2"/>
+          <a:stretch>
+            <a:fillRect/>
+          </a:stretch>
+        </p:blipFill>
+        <p:spPr>
+          <a:xfrm>
+            <a:off x="6856044" y="258911"/>
+            <a:ext cx="4623447" cy="2362664"/>
+          </a:xfrm>
+          <a:prstGeom prst="rect">
+            <a:avLst/>
+          </a:prstGeom>
+          <a:ln>
+            <a:solidFill>
+              <a:schemeClr val="tx1"/>
+            </a:solidFill>
+          </a:ln>
+        </p:spPr>
+      </p:pic>
+      <p:pic>
+        <p:nvPicPr>
+          <p:cNvPr id="10" name="Picture 9">
+            <a:extLst>
+              <a:ext uri="{FF2B5EF4-FFF2-40B4-BE49-F238E27FC236}">
+                <a16:creationId xmlns:a16="http://schemas.microsoft.com/office/drawing/2014/main" id="{C99C969E-EB99-DF11-9A97-9751C062070D}"/>
+              </a:ext>
+            </a:extLst>
+          </p:cNvPr>
+          <p:cNvPicPr>
+            <a:picLocks noChangeAspect="1"/>
+          </p:cNvPicPr>
+          <p:nvPr/>
+        </p:nvPicPr>
+        <p:blipFill>
+          <a:blip r:embed="rId3"/>
+          <a:stretch>
+            <a:fillRect/>
+          </a:stretch>
+        </p:blipFill>
+        <p:spPr>
+          <a:xfrm>
+            <a:off x="5339078" y="3093689"/>
+            <a:ext cx="6326780" cy="1477858"/>
+          </a:xfrm>
+          <a:prstGeom prst="rect">
+            <a:avLst/>
+          </a:prstGeom>
+          <a:ln>
+            <a:solidFill>
+              <a:schemeClr val="tx1"/>
+            </a:solidFill>
+          </a:ln>
+        </p:spPr>
+      </p:pic>
+      <p:pic>
+        <p:nvPicPr>
+          <p:cNvPr id="11" name="Picture 10">
+            <a:extLst>
+              <a:ext uri="{FF2B5EF4-FFF2-40B4-BE49-F238E27FC236}">
+                <a16:creationId xmlns:a16="http://schemas.microsoft.com/office/drawing/2014/main" id="{97427156-31A3-3DC6-9A4D-527DD480283B}"/>
+              </a:ext>
+            </a:extLst>
+          </p:cNvPr>
+          <p:cNvPicPr>
+            <a:picLocks noChangeAspect="1"/>
+          </p:cNvPicPr>
+          <p:nvPr/>
+        </p:nvPicPr>
+        <p:blipFill>
+          <a:blip r:embed="rId4"/>
+          <a:stretch>
+            <a:fillRect/>
+          </a:stretch>
+        </p:blipFill>
+        <p:spPr>
+          <a:xfrm>
+            <a:off x="1496874" y="2735503"/>
+            <a:ext cx="3457681" cy="1909149"/>
+          </a:xfrm>
+          <a:prstGeom prst="rect">
+            <a:avLst/>
+          </a:prstGeom>
+          <a:ln>
+            <a:solidFill>
+              <a:schemeClr val="tx1"/>
+            </a:solidFill>
+          </a:ln>
+        </p:spPr>
+      </p:pic>
+      <p:pic>
+        <p:nvPicPr>
+          <p:cNvPr id="4" name="Picture 3">
+            <a:extLst>
+              <a:ext uri="{FF2B5EF4-FFF2-40B4-BE49-F238E27FC236}">
+                <a16:creationId xmlns:a16="http://schemas.microsoft.com/office/drawing/2014/main" id="{1533DBF6-7162-05E7-8B57-81D789C3738B}"/>
+              </a:ext>
+            </a:extLst>
+          </p:cNvPr>
+          <p:cNvPicPr>
+            <a:picLocks noChangeAspect="1"/>
+          </p:cNvPicPr>
+          <p:nvPr/>
+        </p:nvPicPr>
+        <p:blipFill>
+          <a:blip r:embed="rId5"/>
+          <a:stretch>
+            <a:fillRect/>
+          </a:stretch>
+        </p:blipFill>
+        <p:spPr>
+          <a:xfrm>
+            <a:off x="3307915" y="5116248"/>
+            <a:ext cx="3641435" cy="1710867"/>
+          </a:xfrm>
+          <a:prstGeom prst="rect">
+            <a:avLst/>
+          </a:prstGeom>
+          <a:ln>
+            <a:solidFill>
+              <a:schemeClr val="tx1"/>
+            </a:solidFill>
+          </a:ln>
+        </p:spPr>
+      </p:pic>
+      <p:pic>
+        <p:nvPicPr>
+          <p:cNvPr id="6" name="Picture 5">
+            <a:extLst>
+              <a:ext uri="{FF2B5EF4-FFF2-40B4-BE49-F238E27FC236}">
+                <a16:creationId xmlns:a16="http://schemas.microsoft.com/office/drawing/2014/main" id="{E7048ABC-0FDA-C9EE-CA81-507C465CB020}"/>
+              </a:ext>
+            </a:extLst>
+          </p:cNvPr>
+          <p:cNvPicPr>
+            <a:picLocks noChangeAspect="1"/>
+          </p:cNvPicPr>
+          <p:nvPr/>
+        </p:nvPicPr>
+        <p:blipFill>
+          <a:blip r:embed="rId6"/>
+          <a:stretch>
+            <a:fillRect/>
+          </a:stretch>
+        </p:blipFill>
+        <p:spPr>
+          <a:xfrm>
+            <a:off x="7355584" y="5150425"/>
+            <a:ext cx="3810977" cy="1707575"/>
+          </a:xfrm>
+          <a:prstGeom prst="rect">
+            <a:avLst/>
+          </a:prstGeom>
+          <a:ln>
+            <a:solidFill>
+              <a:schemeClr val="tx1"/>
+            </a:solidFill>
+          </a:ln>
+        </p:spPr>
+      </p:pic>
+    </p:spTree>
+    <p:extLst>
+      <p:ext uri="{BB962C8B-B14F-4D97-AF65-F5344CB8AC3E}">
+        <p14:creationId xmlns:p14="http://schemas.microsoft.com/office/powerpoint/2010/main" val="314787595"/>
+      </p:ext>
+    </p:extLst>
+  </p:cSld>
+  <p:clrMapOvr>
+    <a:masterClrMapping/>
+  </p:clrMapOvr>
+  <p:timing>
+    <p:tnLst>
+      <p:par>
+        <p:cTn id="1" dur="indefinite" restart="never" nodeType="tmRoot">
+          <p:childTnLst>
+            <p:seq concurrent="1" nextAc="seek">
+              <p:cTn id="2" dur="indefinite" nodeType="mainSeq">
+                <p:childTnLst>
+                  <p:par>
+                    <p:cTn id="3" fill="hold">
+                      <p:stCondLst>
+                        <p:cond delay="indefinite"/>
+                      </p:stCondLst>
+                      <p:childTnLst>
+                        <p:par>
+                          <p:cTn id="4" fill="hold">
+                            <p:stCondLst>
+                              <p:cond delay="0"/>
+                            </p:stCondLst>
+                            <p:childTnLst>
+                              <p:par>
+                                <p:cTn id="5" presetID="1" presetClass="entr" presetSubtype="0" fill="hold" nodeType="clickEffect">
+                                  <p:stCondLst>
+                                    <p:cond delay="0"/>
+                                  </p:stCondLst>
+                                  <p:childTnLst>
+                                    <p:set>
+                                      <p:cBhvr>
+                                        <p:cTn id="6" dur="1" fill="hold">
+                                          <p:stCondLst>
+                                            <p:cond delay="0"/>
+                                          </p:stCondLst>
+                                        </p:cTn>
+                                        <p:tgtEl>
+                                          <p:spTgt spid="3">
+                                            <p:txEl>
+                                              <p:pRg st="1" end="1"/>
+                                            </p:txEl>
+                                          </p:spTgt>
+                                        </p:tgtEl>
+                                        <p:attrNameLst>
+                                          <p:attrName>style.visibility</p:attrName>
+                                        </p:attrNameLst>
+                                      </p:cBhvr>
+                                      <p:to>
+                                        <p:strVal val="visible"/>
+                                      </p:to>
+                                    </p:set>
+                                  </p:childTnLst>
+                                </p:cTn>
+                              </p:par>
+                              <p:par>
+                                <p:cTn id="7" presetID="1" presetClass="entr" presetSubtype="0" fill="hold" nodeType="withEffect">
+                                  <p:stCondLst>
+                                    <p:cond delay="0"/>
+                                  </p:stCondLst>
+                                  <p:childTnLst>
+                                    <p:set>
+                                      <p:cBhvr>
+                                        <p:cTn id="8" dur="1" fill="hold">
+                                          <p:stCondLst>
+                                            <p:cond delay="0"/>
+                                          </p:stCondLst>
+                                        </p:cTn>
+                                        <p:tgtEl>
+                                          <p:spTgt spid="3">
+                                            <p:txEl>
+                                              <p:pRg st="2" end="2"/>
+                                            </p:txEl>
+                                          </p:spTgt>
+                                        </p:tgtEl>
+                                        <p:attrNameLst>
+                                          <p:attrName>style.visibility</p:attrName>
+                                        </p:attrNameLst>
+                                      </p:cBhvr>
+                                      <p:to>
+                                        <p:strVal val="visible"/>
+                                      </p:to>
+                                    </p:set>
+                                  </p:childTnLst>
+                                </p:cTn>
+                              </p:par>
+                              <p:par>
+                                <p:cTn id="9" presetID="1" presetClass="entr" presetSubtype="0" fill="hold" nodeType="withEffect">
+                                  <p:stCondLst>
+                                    <p:cond delay="0"/>
+                                  </p:stCondLst>
+                                  <p:childTnLst>
+                                    <p:set>
+                                      <p:cBhvr>
+                                        <p:cTn id="10" dur="1" fill="hold">
+                                          <p:stCondLst>
+                                            <p:cond delay="0"/>
+                                          </p:stCondLst>
+                                        </p:cTn>
+                                        <p:tgtEl>
+                                          <p:spTgt spid="8"/>
+                                        </p:tgtEl>
+                                        <p:attrNameLst>
+                                          <p:attrName>style.visibility</p:attrName>
+                                        </p:attrNameLst>
+                                      </p:cBhvr>
+                                      <p:to>
+                                        <p:strVal val="visible"/>
+                                      </p:to>
+                                    </p:set>
+                                  </p:childTnLst>
+                                </p:cTn>
+                              </p:par>
+                            </p:childTnLst>
+                          </p:cTn>
+                        </p:par>
+                      </p:childTnLst>
+                    </p:cTn>
+                  </p:par>
+                  <p:par>
+                    <p:cTn id="11" fill="hold">
+                      <p:stCondLst>
+                        <p:cond delay="indefinite"/>
+                      </p:stCondLst>
+                      <p:childTnLst>
+                        <p:par>
+                          <p:cTn id="12" fill="hold">
+                            <p:stCondLst>
+                              <p:cond delay="0"/>
+                            </p:stCondLst>
+                            <p:childTnLst>
+                              <p:par>
+                                <p:cTn id="13" presetID="1" presetClass="entr" presetSubtype="0" fill="hold" nodeType="clickEffect">
+                                  <p:stCondLst>
+                                    <p:cond delay="0"/>
+                                  </p:stCondLst>
+                                  <p:childTnLst>
+                                    <p:set>
+                                      <p:cBhvr>
+                                        <p:cTn id="14" dur="1" fill="hold">
+                                          <p:stCondLst>
+                                            <p:cond delay="0"/>
+                                          </p:stCondLst>
+                                        </p:cTn>
+                                        <p:tgtEl>
+                                          <p:spTgt spid="3">
+                                            <p:txEl>
+                                              <p:pRg st="4" end="4"/>
+                                            </p:txEl>
+                                          </p:spTgt>
+                                        </p:tgtEl>
+                                        <p:attrNameLst>
+                                          <p:attrName>style.visibility</p:attrName>
+                                        </p:attrNameLst>
+                                      </p:cBhvr>
+                                      <p:to>
+                                        <p:strVal val="visible"/>
+                                      </p:to>
+                                    </p:set>
+                                  </p:childTnLst>
+                                </p:cTn>
+                              </p:par>
+                            </p:childTnLst>
+                          </p:cTn>
+                        </p:par>
+                      </p:childTnLst>
+                    </p:cTn>
+                  </p:par>
+                  <p:par>
+                    <p:cTn id="15" fill="hold">
+                      <p:stCondLst>
+                        <p:cond delay="indefinite"/>
+                      </p:stCondLst>
+                      <p:childTnLst>
+                        <p:par>
+                          <p:cTn id="16" fill="hold">
+                            <p:stCondLst>
+                              <p:cond delay="0"/>
+                            </p:stCondLst>
+                            <p:childTnLst>
+                              <p:par>
+                                <p:cTn id="17" presetID="1" presetClass="entr" presetSubtype="0" fill="hold" nodeType="clickEffect">
+                                  <p:stCondLst>
+                                    <p:cond delay="0"/>
+                                  </p:stCondLst>
+                                  <p:childTnLst>
+                                    <p:set>
+                                      <p:cBhvr>
+                                        <p:cTn id="18" dur="1" fill="hold">
+                                          <p:stCondLst>
+                                            <p:cond delay="0"/>
+                                          </p:stCondLst>
+                                        </p:cTn>
+                                        <p:tgtEl>
+                                          <p:spTgt spid="3">
+                                            <p:txEl>
+                                              <p:pRg st="14" end="14"/>
+                                            </p:txEl>
+                                          </p:spTgt>
+                                        </p:tgtEl>
+                                        <p:attrNameLst>
+                                          <p:attrName>style.visibility</p:attrName>
+                                        </p:attrNameLst>
+                                      </p:cBhvr>
+                                      <p:to>
+                                        <p:strVal val="visible"/>
+                                      </p:to>
+                                    </p:set>
+                                  </p:childTnLst>
+                                </p:cTn>
+                              </p:par>
+                              <p:par>
+                                <p:cTn id="19" presetID="1" presetClass="entr" presetSubtype="0" fill="hold" nodeType="withEffect">
+                                  <p:stCondLst>
+                                    <p:cond delay="0"/>
+                                  </p:stCondLst>
+                                  <p:childTnLst>
+                                    <p:set>
+                                      <p:cBhvr>
+                                        <p:cTn id="20" dur="1" fill="hold">
+                                          <p:stCondLst>
+                                            <p:cond delay="0"/>
+                                          </p:stCondLst>
+                                        </p:cTn>
+                                        <p:tgtEl>
+                                          <p:spTgt spid="11"/>
+                                        </p:tgtEl>
+                                        <p:attrNameLst>
+                                          <p:attrName>style.visibility</p:attrName>
+                                        </p:attrNameLst>
+                                      </p:cBhvr>
+                                      <p:to>
+                                        <p:strVal val="visible"/>
+                                      </p:to>
+                                    </p:set>
+                                  </p:childTnLst>
+                                </p:cTn>
+                              </p:par>
+                              <p:par>
+                                <p:cTn id="21" presetID="1" presetClass="entr" presetSubtype="0" fill="hold" nodeType="withEffect">
+                                  <p:stCondLst>
+                                    <p:cond delay="0"/>
+                                  </p:stCondLst>
+                                  <p:childTnLst>
+                                    <p:set>
+                                      <p:cBhvr>
+                                        <p:cTn id="22" dur="1" fill="hold">
                                           <p:stCondLst>
                                             <p:cond delay="0"/>
                                           </p:stCondLst>
@@ -12904,7 +12872,7 @@
         <p:spPr>
           <a:xfrm>
             <a:off x="265198" y="1016481"/>
-            <a:ext cx="11400660" cy="4664076"/>
+            <a:ext cx="11677420" cy="4664076"/>
           </a:xfrm>
         </p:spPr>
         <p:txBody>
@@ -12914,50 +12882,83 @@
           <a:lstStyle/>
           <a:p>
             <a:r>
-              <a:rPr lang="en-US" sz="2400" b="0" dirty="0"/>
+              <a:rPr lang="en-US" sz="1800" b="0" dirty="0"/>
               <a:t>Findings part1: </a:t>
             </a:r>
             <a:r>
-              <a:rPr lang="en-US" sz="2400" b="0" dirty="0" err="1"/>
+              <a:rPr lang="en-US" sz="1800" b="0" dirty="0" err="1"/>
               <a:t>touchClick</a:t>
             </a:r>
             <a:r>
-              <a:rPr lang="en-US" sz="2400" b="0" dirty="0"/>
+              <a:rPr lang="en-US" sz="1800" b="0" dirty="0"/>
               <a:t> (continued)</a:t>
             </a:r>
           </a:p>
           <a:p>
-            <a:pPr lvl="1"/>
-            <a:r>
-              <a:rPr lang="en-US" sz="2000" dirty="0"/>
-              <a:t>MCC-H3 confusing tool structure (continued)</a:t>
-            </a:r>
-          </a:p>
-          <a:p>
-            <a:pPr lvl="2"/>
-            <a:r>
-              <a:rPr lang="en-US" sz="1600" b="0" dirty="0"/>
-              <a:t>How to </a:t>
-            </a:r>
-            <a:r>
-              <a:rPr lang="en-US" sz="1600" b="0" dirty="0" err="1"/>
-              <a:t>generateCode</a:t>
-            </a:r>
-            <a:r>
-              <a:rPr lang="en-US" sz="1600" b="0" dirty="0"/>
-              <a:t>?</a:t>
-            </a:r>
-          </a:p>
-          <a:p>
-            <a:pPr lvl="1"/>
-            <a:endParaRPr lang="en-US" sz="2000" b="0" dirty="0"/>
-          </a:p>
-          <a:p>
-            <a:pPr lvl="1"/>
-            <a:r>
-              <a:rPr lang="en-US" sz="2000" b="0" dirty="0"/>
-              <a:t>x</a:t>
-            </a:r>
+            <a:pPr lvl="1">
+              <a:buClr>
+                <a:schemeClr val="tx1"/>
+              </a:buClr>
+            </a:pPr>
+            <a:r>
+              <a:rPr lang="en-US" sz="1800" dirty="0"/>
+              <a:t>Documentation -&gt; </a:t>
+            </a:r>
+            <a:r>
+              <a:rPr lang="en-US" sz="1800" b="0" dirty="0" err="1"/>
+              <a:t>Docu</a:t>
+            </a:r>
+            <a:r>
+              <a:rPr lang="en-US" sz="1800" b="0" dirty="0"/>
+              <a:t>: </a:t>
+            </a:r>
+            <a:r>
+              <a:rPr lang="en-US" sz="1800" i="1" dirty="0"/>
+              <a:t>hyperlinks</a:t>
+            </a:r>
+            <a:r>
+              <a:rPr lang="en-US" sz="1800" b="0" dirty="0"/>
+              <a:t> </a:t>
+            </a:r>
+            <a:r>
+              <a:rPr lang="en-US" sz="1800" i="1" dirty="0"/>
+              <a:t>missing</a:t>
+            </a:r>
+            <a:r>
+              <a:rPr lang="en-US" sz="1800" b="0" dirty="0"/>
+              <a:t> in online-PLIB-doc</a:t>
+            </a:r>
+            <a:br>
+              <a:rPr lang="en-US" sz="1800" b="0" dirty="0"/>
+            </a:br>
+            <a:r>
+              <a:rPr lang="en-US" sz="1800" b="0" dirty="0"/>
+              <a:t>and </a:t>
+            </a:r>
+            <a:r>
+              <a:rPr lang="en-US" sz="1800" i="1" dirty="0"/>
+              <a:t>cannot filter </a:t>
+            </a:r>
+            <a:r>
+              <a:rPr lang="en-US" sz="1800" b="0" dirty="0"/>
+              <a:t>on left or enlarge window</a:t>
+            </a:r>
+            <a:br>
+              <a:rPr lang="en-US" sz="1800" b="0" dirty="0"/>
+            </a:br>
+            <a:r>
+              <a:rPr lang="en-US" sz="1800" b="0" dirty="0"/>
+              <a:t>-&gt;usability</a:t>
+            </a:r>
+          </a:p>
+          <a:p>
+            <a:pPr marL="301752" lvl="1" indent="0">
+              <a:buClr>
+                <a:schemeClr val="tx1"/>
+              </a:buClr>
+              <a:buNone/>
+            </a:pPr>
+            <a:endParaRPr lang="en-US" sz="1800" b="0" dirty="0"/>
           </a:p>
         </p:txBody>
       </p:sp>
@@ -12998,57 +12999,12 @@
           </a:p>
         </p:txBody>
       </p:sp>
-      <p:sp>
-        <p:nvSpPr>
-          <p:cNvPr id="5" name="TextBox 4">
-            <a:extLst>
-              <a:ext uri="{FF2B5EF4-FFF2-40B4-BE49-F238E27FC236}">
-                <a16:creationId xmlns:a16="http://schemas.microsoft.com/office/drawing/2014/main" id="{BE806E8A-FF84-E9FB-B60B-F0250A8B58E1}"/>
-              </a:ext>
-            </a:extLst>
-          </p:cNvPr>
-          <p:cNvSpPr txBox="1"/>
-          <p:nvPr/>
-        </p:nvSpPr>
-        <p:spPr>
-          <a:xfrm rot="1973025">
-            <a:off x="10552935" y="195021"/>
-            <a:ext cx="1919111" cy="707886"/>
-          </a:xfrm>
-          <a:prstGeom prst="rect">
-            <a:avLst/>
-          </a:prstGeom>
-          <a:noFill/>
-        </p:spPr>
-        <p:txBody>
-          <a:bodyPr wrap="square" rtlCol="0">
-            <a:spAutoFit/>
-          </a:bodyPr>
-          <a:lstStyle/>
-          <a:p>
-            <a:pPr algn="ctr"/>
-            <a:r>
-              <a:rPr lang="en-US" sz="4000" dirty="0" err="1">
-                <a:solidFill>
-                  <a:srgbClr val="FF0000"/>
-                </a:solidFill>
-              </a:rPr>
-              <a:t>inWork</a:t>
-            </a:r>
-            <a:endParaRPr lang="en-DE" dirty="0">
-              <a:solidFill>
-                <a:srgbClr val="FF0000"/>
-              </a:solidFill>
-            </a:endParaRPr>
-          </a:p>
-        </p:txBody>
-      </p:sp>
       <p:pic>
         <p:nvPicPr>
           <p:cNvPr id="4" name="Picture 3">
             <a:extLst>
               <a:ext uri="{FF2B5EF4-FFF2-40B4-BE49-F238E27FC236}">
-                <a16:creationId xmlns:a16="http://schemas.microsoft.com/office/drawing/2014/main" id="{176E5369-0F99-723F-7180-E2C1B26E2C91}"/>
+                <a16:creationId xmlns:a16="http://schemas.microsoft.com/office/drawing/2014/main" id="{821D4426-F954-32E6-71E9-3B3814018F17}"/>
               </a:ext>
             </a:extLst>
           </p:cNvPr>
@@ -13065,43 +13021,8 @@
         </p:blipFill>
         <p:spPr>
           <a:xfrm>
-            <a:off x="5819676" y="968794"/>
-            <a:ext cx="5936494" cy="2789162"/>
-          </a:xfrm>
-          <a:prstGeom prst="rect">
-            <a:avLst/>
-          </a:prstGeom>
-          <a:ln>
-            <a:solidFill>
-              <a:schemeClr val="tx1"/>
-            </a:solidFill>
-          </a:ln>
-        </p:spPr>
-      </p:pic>
-      <p:pic>
-        <p:nvPicPr>
-          <p:cNvPr id="6" name="Picture 5">
-            <a:extLst>
-              <a:ext uri="{FF2B5EF4-FFF2-40B4-BE49-F238E27FC236}">
-                <a16:creationId xmlns:a16="http://schemas.microsoft.com/office/drawing/2014/main" id="{6BC404CD-7A23-D85B-1BEA-1E5F56B198AE}"/>
-              </a:ext>
-            </a:extLst>
-          </p:cNvPr>
-          <p:cNvPicPr>
-            <a:picLocks noChangeAspect="1"/>
-          </p:cNvPicPr>
-          <p:nvPr/>
-        </p:nvPicPr>
-        <p:blipFill>
-          <a:blip r:embed="rId3"/>
-          <a:stretch>
-            <a:fillRect/>
-          </a:stretch>
-        </p:blipFill>
-        <p:spPr>
-          <a:xfrm>
-            <a:off x="4450420" y="3831208"/>
-            <a:ext cx="6309907" cy="2827265"/>
+            <a:off x="4307055" y="2097988"/>
+            <a:ext cx="7205435" cy="2851755"/>
           </a:xfrm>
           <a:prstGeom prst="rect">
             <a:avLst/>
@@ -13116,7 +13037,7 @@
     </p:spTree>
     <p:extLst>
       <p:ext uri="{BB962C8B-B14F-4D97-AF65-F5344CB8AC3E}">
-        <p14:creationId xmlns:p14="http://schemas.microsoft.com/office/powerpoint/2010/main" val="2833328110"/>
+        <p14:creationId xmlns:p14="http://schemas.microsoft.com/office/powerpoint/2010/main" val="2394547561"/>
       </p:ext>
     </p:extLst>
   </p:cSld>
@@ -13128,6 +13049,1193 @@
 
 <file path=ppt/slides/slide22.xml><?xml version="1.0" encoding="utf-8"?>
 <p:sld xmlns:a="http://schemas.openxmlformats.org/drawingml/2006/main" xmlns:r="http://schemas.openxmlformats.org/officeDocument/2006/relationships" xmlns:p="http://schemas.openxmlformats.org/presentationml/2006/main">
+  <p:cSld>
+    <p:bg>
+      <p:bgPr>
+        <a:gradFill flip="none" rotWithShape="1">
+          <a:gsLst>
+            <a:gs pos="0">
+              <a:schemeClr val="tx1"/>
+            </a:gs>
+            <a:gs pos="74000">
+              <a:schemeClr val="accent1">
+                <a:lumMod val="45000"/>
+                <a:lumOff val="55000"/>
+              </a:schemeClr>
+            </a:gs>
+            <a:gs pos="83000">
+              <a:schemeClr val="accent1">
+                <a:lumMod val="45000"/>
+                <a:lumOff val="55000"/>
+              </a:schemeClr>
+            </a:gs>
+            <a:gs pos="100000">
+              <a:schemeClr val="accent1">
+                <a:lumMod val="30000"/>
+                <a:lumOff val="70000"/>
+              </a:schemeClr>
+            </a:gs>
+          </a:gsLst>
+          <a:lin ang="5400000" scaled="1"/>
+          <a:tileRect/>
+        </a:gradFill>
+        <a:effectLst/>
+      </p:bgPr>
+    </p:bg>
+    <p:spTree>
+      <p:nvGrpSpPr>
+        <p:cNvPr id="1" name=""/>
+        <p:cNvGrpSpPr/>
+        <p:nvPr/>
+      </p:nvGrpSpPr>
+      <p:grpSpPr>
+        <a:xfrm>
+          <a:off x="0" y="0"/>
+          <a:ext cx="0" cy="0"/>
+          <a:chOff x="0" y="0"/>
+          <a:chExt cx="0" cy="0"/>
+        </a:xfrm>
+      </p:grpSpPr>
+      <p:sp>
+        <p:nvSpPr>
+          <p:cNvPr id="77826" name="Title 3"/>
+          <p:cNvSpPr>
+            <a:spLocks noGrp="1"/>
+          </p:cNvSpPr>
+          <p:nvPr>
+            <p:ph type="ctrTitle"/>
+          </p:nvPr>
+        </p:nvSpPr>
+        <p:spPr/>
+        <p:txBody>
+          <a:bodyPr/>
+          <a:lstStyle/>
+          <a:p>
+            <a:pPr algn="ctr"/>
+            <a:r>
+              <a:rPr lang="en-US" dirty="0"/>
+              <a:t>Thank You</a:t>
+            </a:r>
+          </a:p>
+        </p:txBody>
+      </p:sp>
+      <p:sp>
+        <p:nvSpPr>
+          <p:cNvPr id="2" name="Subtitle 1">
+            <a:extLst>
+              <a:ext uri="{FF2B5EF4-FFF2-40B4-BE49-F238E27FC236}">
+                <a16:creationId xmlns:a16="http://schemas.microsoft.com/office/drawing/2014/main" id="{F7DE3CE0-EF52-4803-A7B3-FA725F79D159}"/>
+              </a:ext>
+            </a:extLst>
+          </p:cNvPr>
+          <p:cNvSpPr>
+            <a:spLocks noGrp="1"/>
+          </p:cNvSpPr>
+          <p:nvPr>
+            <p:ph type="subTitle" idx="1"/>
+          </p:nvPr>
+        </p:nvSpPr>
+        <p:spPr/>
+        <p:txBody>
+          <a:bodyPr/>
+          <a:lstStyle/>
+          <a:p>
+            <a:endParaRPr lang="en-GB"/>
+          </a:p>
+        </p:txBody>
+      </p:sp>
+    </p:spTree>
+  </p:cSld>
+  <p:clrMapOvr>
+    <a:masterClrMapping/>
+  </p:clrMapOvr>
+  <p:transition spd="slow">
+    <p:wipe/>
+  </p:transition>
+</p:sld>
+</file>
+
+<file path=ppt/slides/slide23.xml><?xml version="1.0" encoding="utf-8"?>
+<p:sld xmlns:a="http://schemas.openxmlformats.org/drawingml/2006/main" xmlns:r="http://schemas.openxmlformats.org/officeDocument/2006/relationships" xmlns:p="http://schemas.openxmlformats.org/presentationml/2006/main" show="0">
+  <p:cSld>
+    <p:spTree>
+      <p:nvGrpSpPr>
+        <p:cNvPr id="1" name=""/>
+        <p:cNvGrpSpPr/>
+        <p:nvPr/>
+      </p:nvGrpSpPr>
+      <p:grpSpPr>
+        <a:xfrm>
+          <a:off x="0" y="0"/>
+          <a:ext cx="0" cy="0"/>
+          <a:chOff x="0" y="0"/>
+          <a:chExt cx="0" cy="0"/>
+        </a:xfrm>
+      </p:grpSpPr>
+      <p:sp>
+        <p:nvSpPr>
+          <p:cNvPr id="2" name="Title 1">
+            <a:extLst>
+              <a:ext uri="{FF2B5EF4-FFF2-40B4-BE49-F238E27FC236}">
+                <a16:creationId xmlns:a16="http://schemas.microsoft.com/office/drawing/2014/main" id="{A4B4FF59-42FA-D7A9-0F27-7F566A3A5A48}"/>
+              </a:ext>
+            </a:extLst>
+          </p:cNvPr>
+          <p:cNvSpPr>
+            <a:spLocks noGrp="1"/>
+          </p:cNvSpPr>
+          <p:nvPr>
+            <p:ph type="title"/>
+          </p:nvPr>
+        </p:nvSpPr>
+        <p:spPr/>
+        <p:txBody>
+          <a:bodyPr/>
+          <a:lstStyle/>
+          <a:p>
+            <a:r>
+              <a:rPr lang="de-DE" sz="4400" dirty="0">
+                <a:latin typeface="Calibri" panose="020F0502020204030204" pitchFamily="34" charset="0"/>
+                <a:ea typeface="Calibri" panose="020F0502020204030204" pitchFamily="34" charset="0"/>
+              </a:rPr>
+              <a:t>H3drv homework/m1: both touch</a:t>
+            </a:r>
+            <a:endParaRPr lang="en-DE" dirty="0"/>
+          </a:p>
+        </p:txBody>
+      </p:sp>
+      <p:sp>
+        <p:nvSpPr>
+          <p:cNvPr id="3" name="Content Placeholder 2">
+            <a:extLst>
+              <a:ext uri="{FF2B5EF4-FFF2-40B4-BE49-F238E27FC236}">
+                <a16:creationId xmlns:a16="http://schemas.microsoft.com/office/drawing/2014/main" id="{750AE634-05CD-565F-E962-7EBEBF0C27F3}"/>
+              </a:ext>
+            </a:extLst>
+          </p:cNvPr>
+          <p:cNvSpPr>
+            <a:spLocks noGrp="1"/>
+          </p:cNvSpPr>
+          <p:nvPr>
+            <p:ph sz="quarter" idx="13"/>
+          </p:nvPr>
+        </p:nvSpPr>
+        <p:spPr/>
+        <p:txBody>
+          <a:bodyPr/>
+          <a:lstStyle/>
+          <a:p>
+            <a:r>
+              <a:rPr lang="en-US" sz="2400" b="0" dirty="0"/>
+              <a:t>Merge branch1/click-touch with branch2/qt8-touch</a:t>
+            </a:r>
+          </a:p>
+          <a:p>
+            <a:endParaRPr lang="en-US" sz="2400" b="0" dirty="0"/>
+          </a:p>
+          <a:p>
+            <a:r>
+              <a:rPr lang="en-US" sz="3600" b="0" i="1" dirty="0">
+                <a:solidFill>
+                  <a:srgbClr val="FF0000"/>
+                </a:solidFill>
+              </a:rPr>
+              <a:t>In work</a:t>
+            </a:r>
+          </a:p>
+          <a:p>
+            <a:endParaRPr lang="en-US" sz="2400" b="0" dirty="0"/>
+          </a:p>
+        </p:txBody>
+      </p:sp>
+    </p:spTree>
+    <p:extLst>
+      <p:ext uri="{BB962C8B-B14F-4D97-AF65-F5344CB8AC3E}">
+        <p14:creationId xmlns:p14="http://schemas.microsoft.com/office/powerpoint/2010/main" val="871587149"/>
+      </p:ext>
+    </p:extLst>
+  </p:cSld>
+  <p:clrMapOvr>
+    <a:masterClrMapping/>
+  </p:clrMapOvr>
+</p:sld>
+</file>
+
+<file path=ppt/slides/slide24.xml><?xml version="1.0" encoding="utf-8"?>
+<p:sld xmlns:a="http://schemas.openxmlformats.org/drawingml/2006/main" xmlns:r="http://schemas.openxmlformats.org/officeDocument/2006/relationships" xmlns:p="http://schemas.openxmlformats.org/presentationml/2006/main" show="0">
+  <p:cSld>
+    <p:spTree>
+      <p:nvGrpSpPr>
+        <p:cNvPr id="1" name=""/>
+        <p:cNvGrpSpPr/>
+        <p:nvPr/>
+      </p:nvGrpSpPr>
+      <p:grpSpPr>
+        <a:xfrm>
+          <a:off x="0" y="0"/>
+          <a:ext cx="0" cy="0"/>
+          <a:chOff x="0" y="0"/>
+          <a:chExt cx="0" cy="0"/>
+        </a:xfrm>
+      </p:grpSpPr>
+      <p:sp>
+        <p:nvSpPr>
+          <p:cNvPr id="3" name="Content Placeholder 2">
+            <a:extLst>
+              <a:ext uri="{FF2B5EF4-FFF2-40B4-BE49-F238E27FC236}">
+                <a16:creationId xmlns:a16="http://schemas.microsoft.com/office/drawing/2014/main" id="{750AE634-05CD-565F-E962-7EBEBF0C27F3}"/>
+              </a:ext>
+            </a:extLst>
+          </p:cNvPr>
+          <p:cNvSpPr>
+            <a:spLocks noGrp="1"/>
+          </p:cNvSpPr>
+          <p:nvPr>
+            <p:ph sz="quarter" idx="15"/>
+          </p:nvPr>
+        </p:nvSpPr>
+        <p:spPr>
+          <a:xfrm>
+            <a:off x="265198" y="1016481"/>
+            <a:ext cx="11400660" cy="5457410"/>
+          </a:xfrm>
+        </p:spPr>
+        <p:txBody>
+          <a:bodyPr>
+            <a:noAutofit/>
+          </a:bodyPr>
+          <a:lstStyle/>
+          <a:p>
+            <a:r>
+              <a:rPr lang="en-US" sz="2400" b="0" dirty="0"/>
+              <a:t>Findings part1: </a:t>
+            </a:r>
+            <a:r>
+              <a:rPr lang="en-US" sz="2400" b="0" dirty="0" err="1"/>
+              <a:t>touchClick</a:t>
+            </a:r>
+            <a:r>
+              <a:rPr lang="en-US" sz="2400" b="0" dirty="0"/>
+              <a:t> (SL)</a:t>
+            </a:r>
+          </a:p>
+          <a:p>
+            <a:pPr lvl="1"/>
+            <a:r>
+              <a:rPr lang="en-US" sz="2000" b="0" dirty="0"/>
+              <a:t>MPLABX-v6.10 screws up v6.05</a:t>
+            </a:r>
+          </a:p>
+          <a:p>
+            <a:pPr lvl="1"/>
+            <a:r>
+              <a:rPr lang="en-US" sz="2000" dirty="0"/>
+              <a:t>MPLABX-</a:t>
+            </a:r>
+            <a:r>
+              <a:rPr lang="en-US" sz="2000" b="0" dirty="0"/>
+              <a:t>exceptions</a:t>
+            </a:r>
+          </a:p>
+          <a:p>
+            <a:pPr lvl="1"/>
+            <a:endParaRPr lang="en-US" sz="2000" b="0" dirty="0"/>
+          </a:p>
+          <a:p>
+            <a:pPr lvl="1"/>
+            <a:endParaRPr lang="en-US" sz="2000" dirty="0"/>
+          </a:p>
+          <a:p>
+            <a:pPr lvl="1"/>
+            <a:endParaRPr lang="en-US" sz="2000" b="0" dirty="0"/>
+          </a:p>
+          <a:p>
+            <a:pPr lvl="1"/>
+            <a:endParaRPr lang="en-US" sz="2000" b="0" dirty="0"/>
+          </a:p>
+          <a:p>
+            <a:pPr lvl="1"/>
+            <a:r>
+              <a:rPr lang="en-US" sz="2000" dirty="0"/>
+              <a:t>MCC-CM not stable -&gt; only stable way still </a:t>
+            </a:r>
+          </a:p>
+          <a:p>
+            <a:pPr lvl="2"/>
+            <a:r>
+              <a:rPr lang="en-US" sz="1600" b="0" dirty="0"/>
+              <a:t>Use old MHC3-CM or git-bash or …</a:t>
+            </a:r>
+          </a:p>
+          <a:p>
+            <a:pPr lvl="2"/>
+            <a:r>
+              <a:rPr lang="en-US" sz="1600" dirty="0"/>
+              <a:t>AND make sure on MCC-CM start ‘all required </a:t>
+            </a:r>
+            <a:br>
+              <a:rPr lang="en-US" sz="1600" dirty="0"/>
+            </a:br>
+            <a:r>
+              <a:rPr lang="en-US" sz="1600" dirty="0"/>
+              <a:t>content is available…’</a:t>
+            </a:r>
+          </a:p>
+          <a:p>
+            <a:pPr lvl="2"/>
+            <a:r>
+              <a:rPr lang="en-US" sz="1600" dirty="0"/>
+              <a:t>Set H3-path + ‘always ask’ flag</a:t>
+            </a:r>
+          </a:p>
+          <a:p>
+            <a:pPr lvl="2"/>
+            <a:endParaRPr lang="en-US" sz="2000" b="0" dirty="0"/>
+          </a:p>
+        </p:txBody>
+      </p:sp>
+      <p:sp>
+        <p:nvSpPr>
+          <p:cNvPr id="2" name="Title 1">
+            <a:extLst>
+              <a:ext uri="{FF2B5EF4-FFF2-40B4-BE49-F238E27FC236}">
+                <a16:creationId xmlns:a16="http://schemas.microsoft.com/office/drawing/2014/main" id="{A4B4FF59-42FA-D7A9-0F27-7F566A3A5A48}"/>
+              </a:ext>
+            </a:extLst>
+          </p:cNvPr>
+          <p:cNvSpPr>
+            <a:spLocks noGrp="1"/>
+          </p:cNvSpPr>
+          <p:nvPr>
+            <p:ph type="title"/>
+          </p:nvPr>
+        </p:nvSpPr>
+        <p:spPr>
+          <a:xfrm>
+            <a:off x="355509" y="96296"/>
+            <a:ext cx="11400661" cy="799246"/>
+          </a:xfrm>
+        </p:spPr>
+        <p:txBody>
+          <a:bodyPr/>
+          <a:lstStyle/>
+          <a:p>
+            <a:r>
+              <a:rPr lang="de-DE" sz="4400" dirty="0">
+                <a:latin typeface="Calibri" panose="020F0502020204030204" pitchFamily="34" charset="0"/>
+                <a:ea typeface="Calibri" panose="020F0502020204030204" pitchFamily="34" charset="0"/>
+              </a:rPr>
+              <a:t>H3drv homework: findings</a:t>
+            </a:r>
+            <a:endParaRPr lang="en-DE" dirty="0"/>
+          </a:p>
+        </p:txBody>
+      </p:sp>
+      <p:pic>
+        <p:nvPicPr>
+          <p:cNvPr id="9" name="Picture 8">
+            <a:extLst>
+              <a:ext uri="{FF2B5EF4-FFF2-40B4-BE49-F238E27FC236}">
+                <a16:creationId xmlns:a16="http://schemas.microsoft.com/office/drawing/2014/main" id="{90ADAA3E-56B6-AD92-6D64-29D05E41E3CC}"/>
+              </a:ext>
+            </a:extLst>
+          </p:cNvPr>
+          <p:cNvPicPr>
+            <a:picLocks noChangeAspect="1"/>
+          </p:cNvPicPr>
+          <p:nvPr/>
+        </p:nvPicPr>
+        <p:blipFill>
+          <a:blip r:embed="rId2"/>
+          <a:stretch>
+            <a:fillRect/>
+          </a:stretch>
+        </p:blipFill>
+        <p:spPr>
+          <a:xfrm>
+            <a:off x="6055839" y="3668006"/>
+            <a:ext cx="4884843" cy="1966130"/>
+          </a:xfrm>
+          <a:prstGeom prst="rect">
+            <a:avLst/>
+          </a:prstGeom>
+        </p:spPr>
+      </p:pic>
+      <p:sp>
+        <p:nvSpPr>
+          <p:cNvPr id="5" name="TextBox 4">
+            <a:extLst>
+              <a:ext uri="{FF2B5EF4-FFF2-40B4-BE49-F238E27FC236}">
+                <a16:creationId xmlns:a16="http://schemas.microsoft.com/office/drawing/2014/main" id="{52AA305A-22E0-0211-0AAC-5559142A722F}"/>
+              </a:ext>
+            </a:extLst>
+          </p:cNvPr>
+          <p:cNvSpPr txBox="1"/>
+          <p:nvPr/>
+        </p:nvSpPr>
+        <p:spPr>
+          <a:xfrm rot="1973025">
+            <a:off x="10203979" y="383958"/>
+            <a:ext cx="2475086" cy="707886"/>
+          </a:xfrm>
+          <a:prstGeom prst="rect">
+            <a:avLst/>
+          </a:prstGeom>
+          <a:noFill/>
+        </p:spPr>
+        <p:txBody>
+          <a:bodyPr wrap="square" rtlCol="0">
+            <a:spAutoFit/>
+          </a:bodyPr>
+          <a:lstStyle/>
+          <a:p>
+            <a:pPr algn="ctr"/>
+            <a:r>
+              <a:rPr lang="en-US" sz="4000" dirty="0" err="1">
+                <a:solidFill>
+                  <a:srgbClr val="FF0000"/>
+                </a:solidFill>
+              </a:rPr>
+              <a:t>Keep&amp;hide</a:t>
+            </a:r>
+            <a:endParaRPr lang="en-DE" dirty="0">
+              <a:solidFill>
+                <a:srgbClr val="FF0000"/>
+              </a:solidFill>
+            </a:endParaRPr>
+          </a:p>
+        </p:txBody>
+      </p:sp>
+    </p:spTree>
+    <p:extLst>
+      <p:ext uri="{BB962C8B-B14F-4D97-AF65-F5344CB8AC3E}">
+        <p14:creationId xmlns:p14="http://schemas.microsoft.com/office/powerpoint/2010/main" val="1796425290"/>
+      </p:ext>
+    </p:extLst>
+  </p:cSld>
+  <p:clrMapOvr>
+    <a:masterClrMapping/>
+  </p:clrMapOvr>
+  <p:timing>
+    <p:tnLst>
+      <p:par>
+        <p:cTn id="1" dur="indefinite" restart="never" nodeType="tmRoot">
+          <p:childTnLst>
+            <p:seq concurrent="1" nextAc="seek">
+              <p:cTn id="2" dur="indefinite" nodeType="mainSeq">
+                <p:childTnLst>
+                  <p:par>
+                    <p:cTn id="3" fill="hold">
+                      <p:stCondLst>
+                        <p:cond delay="indefinite"/>
+                      </p:stCondLst>
+                      <p:childTnLst>
+                        <p:par>
+                          <p:cTn id="4" fill="hold">
+                            <p:stCondLst>
+                              <p:cond delay="0"/>
+                            </p:stCondLst>
+                            <p:childTnLst>
+                              <p:par>
+                                <p:cTn id="5" presetID="1" presetClass="entr" presetSubtype="0" fill="hold" nodeType="clickEffect">
+                                  <p:stCondLst>
+                                    <p:cond delay="0"/>
+                                  </p:stCondLst>
+                                  <p:childTnLst>
+                                    <p:set>
+                                      <p:cBhvr>
+                                        <p:cTn id="6" dur="1" fill="hold">
+                                          <p:stCondLst>
+                                            <p:cond delay="0"/>
+                                          </p:stCondLst>
+                                        </p:cTn>
+                                        <p:tgtEl>
+                                          <p:spTgt spid="3">
+                                            <p:txEl>
+                                              <p:pRg st="1" end="1"/>
+                                            </p:txEl>
+                                          </p:spTgt>
+                                        </p:tgtEl>
+                                        <p:attrNameLst>
+                                          <p:attrName>style.visibility</p:attrName>
+                                        </p:attrNameLst>
+                                      </p:cBhvr>
+                                      <p:to>
+                                        <p:strVal val="visible"/>
+                                      </p:to>
+                                    </p:set>
+                                  </p:childTnLst>
+                                </p:cTn>
+                              </p:par>
+                              <p:par>
+                                <p:cTn id="7" presetID="1" presetClass="entr" presetSubtype="0" fill="hold" nodeType="withEffect">
+                                  <p:stCondLst>
+                                    <p:cond delay="0"/>
+                                  </p:stCondLst>
+                                  <p:childTnLst>
+                                    <p:set>
+                                      <p:cBhvr>
+                                        <p:cTn id="8" dur="1" fill="hold">
+                                          <p:stCondLst>
+                                            <p:cond delay="0"/>
+                                          </p:stCondLst>
+                                        </p:cTn>
+                                        <p:tgtEl>
+                                          <p:spTgt spid="3">
+                                            <p:txEl>
+                                              <p:pRg st="2" end="2"/>
+                                            </p:txEl>
+                                          </p:spTgt>
+                                        </p:tgtEl>
+                                        <p:attrNameLst>
+                                          <p:attrName>style.visibility</p:attrName>
+                                        </p:attrNameLst>
+                                      </p:cBhvr>
+                                      <p:to>
+                                        <p:strVal val="visible"/>
+                                      </p:to>
+                                    </p:set>
+                                  </p:childTnLst>
+                                </p:cTn>
+                              </p:par>
+                            </p:childTnLst>
+                          </p:cTn>
+                        </p:par>
+                      </p:childTnLst>
+                    </p:cTn>
+                  </p:par>
+                  <p:par>
+                    <p:cTn id="9" fill="hold">
+                      <p:stCondLst>
+                        <p:cond delay="indefinite"/>
+                      </p:stCondLst>
+                      <p:childTnLst>
+                        <p:par>
+                          <p:cTn id="10" fill="hold">
+                            <p:stCondLst>
+                              <p:cond delay="0"/>
+                            </p:stCondLst>
+                            <p:childTnLst>
+                              <p:par>
+                                <p:cTn id="11" presetID="1" presetClass="entr" presetSubtype="0" fill="hold" nodeType="clickEffect">
+                                  <p:stCondLst>
+                                    <p:cond delay="0"/>
+                                  </p:stCondLst>
+                                  <p:childTnLst>
+                                    <p:set>
+                                      <p:cBhvr>
+                                        <p:cTn id="12" dur="1" fill="hold">
+                                          <p:stCondLst>
+                                            <p:cond delay="0"/>
+                                          </p:stCondLst>
+                                        </p:cTn>
+                                        <p:tgtEl>
+                                          <p:spTgt spid="3">
+                                            <p:txEl>
+                                              <p:pRg st="7" end="7"/>
+                                            </p:txEl>
+                                          </p:spTgt>
+                                        </p:tgtEl>
+                                        <p:attrNameLst>
+                                          <p:attrName>style.visibility</p:attrName>
+                                        </p:attrNameLst>
+                                      </p:cBhvr>
+                                      <p:to>
+                                        <p:strVal val="visible"/>
+                                      </p:to>
+                                    </p:set>
+                                  </p:childTnLst>
+                                </p:cTn>
+                              </p:par>
+                              <p:par>
+                                <p:cTn id="13" presetID="1" presetClass="entr" presetSubtype="0" fill="hold" nodeType="withEffect">
+                                  <p:stCondLst>
+                                    <p:cond delay="0"/>
+                                  </p:stCondLst>
+                                  <p:childTnLst>
+                                    <p:set>
+                                      <p:cBhvr>
+                                        <p:cTn id="14" dur="1" fill="hold">
+                                          <p:stCondLst>
+                                            <p:cond delay="0"/>
+                                          </p:stCondLst>
+                                        </p:cTn>
+                                        <p:tgtEl>
+                                          <p:spTgt spid="3">
+                                            <p:txEl>
+                                              <p:pRg st="8" end="8"/>
+                                            </p:txEl>
+                                          </p:spTgt>
+                                        </p:tgtEl>
+                                        <p:attrNameLst>
+                                          <p:attrName>style.visibility</p:attrName>
+                                        </p:attrNameLst>
+                                      </p:cBhvr>
+                                      <p:to>
+                                        <p:strVal val="visible"/>
+                                      </p:to>
+                                    </p:set>
+                                  </p:childTnLst>
+                                </p:cTn>
+                              </p:par>
+                              <p:par>
+                                <p:cTn id="15" presetID="1" presetClass="entr" presetSubtype="0" fill="hold" nodeType="withEffect">
+                                  <p:stCondLst>
+                                    <p:cond delay="0"/>
+                                  </p:stCondLst>
+                                  <p:childTnLst>
+                                    <p:set>
+                                      <p:cBhvr>
+                                        <p:cTn id="16" dur="1" fill="hold">
+                                          <p:stCondLst>
+                                            <p:cond delay="0"/>
+                                          </p:stCondLst>
+                                        </p:cTn>
+                                        <p:tgtEl>
+                                          <p:spTgt spid="3">
+                                            <p:txEl>
+                                              <p:pRg st="9" end="9"/>
+                                            </p:txEl>
+                                          </p:spTgt>
+                                        </p:tgtEl>
+                                        <p:attrNameLst>
+                                          <p:attrName>style.visibility</p:attrName>
+                                        </p:attrNameLst>
+                                      </p:cBhvr>
+                                      <p:to>
+                                        <p:strVal val="visible"/>
+                                      </p:to>
+                                    </p:set>
+                                  </p:childTnLst>
+                                </p:cTn>
+                              </p:par>
+                              <p:par>
+                                <p:cTn id="17" presetID="1" presetClass="entr" presetSubtype="0" fill="hold" nodeType="withEffect">
+                                  <p:stCondLst>
+                                    <p:cond delay="0"/>
+                                  </p:stCondLst>
+                                  <p:childTnLst>
+                                    <p:set>
+                                      <p:cBhvr>
+                                        <p:cTn id="18" dur="1" fill="hold">
+                                          <p:stCondLst>
+                                            <p:cond delay="0"/>
+                                          </p:stCondLst>
+                                        </p:cTn>
+                                        <p:tgtEl>
+                                          <p:spTgt spid="3">
+                                            <p:txEl>
+                                              <p:pRg st="10" end="10"/>
+                                            </p:txEl>
+                                          </p:spTgt>
+                                        </p:tgtEl>
+                                        <p:attrNameLst>
+                                          <p:attrName>style.visibility</p:attrName>
+                                        </p:attrNameLst>
+                                      </p:cBhvr>
+                                      <p:to>
+                                        <p:strVal val="visible"/>
+                                      </p:to>
+                                    </p:set>
+                                  </p:childTnLst>
+                                </p:cTn>
+                              </p:par>
+                              <p:par>
+                                <p:cTn id="19" presetID="1" presetClass="entr" presetSubtype="0" fill="hold" nodeType="withEffect">
+                                  <p:stCondLst>
+                                    <p:cond delay="0"/>
+                                  </p:stCondLst>
+                                  <p:childTnLst>
+                                    <p:set>
+                                      <p:cBhvr>
+                                        <p:cTn id="20" dur="1" fill="hold">
+                                          <p:stCondLst>
+                                            <p:cond delay="0"/>
+                                          </p:stCondLst>
+                                        </p:cTn>
+                                        <p:tgtEl>
+                                          <p:spTgt spid="9"/>
+                                        </p:tgtEl>
+                                        <p:attrNameLst>
+                                          <p:attrName>style.visibility</p:attrName>
+                                        </p:attrNameLst>
+                                      </p:cBhvr>
+                                      <p:to>
+                                        <p:strVal val="visible"/>
+                                      </p:to>
+                                    </p:set>
+                                  </p:childTnLst>
+                                </p:cTn>
+                              </p:par>
+                            </p:childTnLst>
+                          </p:cTn>
+                        </p:par>
+                      </p:childTnLst>
+                    </p:cTn>
+                  </p:par>
+                </p:childTnLst>
+              </p:cTn>
+              <p:prevCondLst>
+                <p:cond evt="onPrev" delay="0">
+                  <p:tgtEl>
+                    <p:sldTgt/>
+                  </p:tgtEl>
+                </p:cond>
+              </p:prevCondLst>
+              <p:nextCondLst>
+                <p:cond evt="onNext" delay="0">
+                  <p:tgtEl>
+                    <p:sldTgt/>
+                  </p:tgtEl>
+                </p:cond>
+              </p:nextCondLst>
+            </p:seq>
+          </p:childTnLst>
+        </p:cTn>
+      </p:par>
+    </p:tnLst>
+  </p:timing>
+</p:sld>
+</file>
+
+<file path=ppt/slides/slide25.xml><?xml version="1.0" encoding="utf-8"?>
+<p:sld xmlns:a="http://schemas.openxmlformats.org/drawingml/2006/main" xmlns:r="http://schemas.openxmlformats.org/officeDocument/2006/relationships" xmlns:p="http://schemas.openxmlformats.org/presentationml/2006/main" show="0">
+  <p:cSld>
+    <p:spTree>
+      <p:nvGrpSpPr>
+        <p:cNvPr id="1" name=""/>
+        <p:cNvGrpSpPr/>
+        <p:nvPr/>
+      </p:nvGrpSpPr>
+      <p:grpSpPr>
+        <a:xfrm>
+          <a:off x="0" y="0"/>
+          <a:ext cx="0" cy="0"/>
+          <a:chOff x="0" y="0"/>
+          <a:chExt cx="0" cy="0"/>
+        </a:xfrm>
+      </p:grpSpPr>
+      <p:sp>
+        <p:nvSpPr>
+          <p:cNvPr id="3" name="Content Placeholder 2">
+            <a:extLst>
+              <a:ext uri="{FF2B5EF4-FFF2-40B4-BE49-F238E27FC236}">
+                <a16:creationId xmlns:a16="http://schemas.microsoft.com/office/drawing/2014/main" id="{750AE634-05CD-565F-E962-7EBEBF0C27F3}"/>
+              </a:ext>
+            </a:extLst>
+          </p:cNvPr>
+          <p:cNvSpPr>
+            <a:spLocks noGrp="1"/>
+          </p:cNvSpPr>
+          <p:nvPr>
+            <p:ph sz="quarter" idx="15"/>
+          </p:nvPr>
+        </p:nvSpPr>
+        <p:spPr>
+          <a:xfrm>
+            <a:off x="265198" y="1016481"/>
+            <a:ext cx="11400660" cy="5457410"/>
+          </a:xfrm>
+        </p:spPr>
+        <p:txBody>
+          <a:bodyPr>
+            <a:noAutofit/>
+          </a:bodyPr>
+          <a:lstStyle/>
+          <a:p>
+            <a:r>
+              <a:rPr lang="en-US" sz="2400" b="0" dirty="0"/>
+              <a:t>Findings part1: </a:t>
+            </a:r>
+            <a:r>
+              <a:rPr lang="en-US" sz="2400" b="0" dirty="0" err="1"/>
+              <a:t>touchClick</a:t>
+            </a:r>
+            <a:endParaRPr lang="en-US" sz="2400" b="0" dirty="0"/>
+          </a:p>
+          <a:p>
+            <a:pPr lvl="1"/>
+            <a:endParaRPr lang="en-US" sz="2000" b="0" dirty="0"/>
+          </a:p>
+          <a:p>
+            <a:pPr lvl="1"/>
+            <a:r>
+              <a:rPr lang="en-US" sz="2000" b="0" dirty="0"/>
+              <a:t>MCC-Structure </a:t>
+            </a:r>
+          </a:p>
+          <a:p>
+            <a:pPr lvl="2"/>
+            <a:r>
+              <a:rPr lang="en-US" sz="1600" dirty="0"/>
+              <a:t>MCC-plugin -&gt; MCC-core-&gt; Harmony-core </a:t>
+            </a:r>
+            <a:br>
+              <a:rPr lang="en-US" sz="1600" dirty="0"/>
+            </a:br>
+            <a:r>
+              <a:rPr lang="en-US" sz="1600" dirty="0"/>
+              <a:t>way to complex…</a:t>
+            </a:r>
+          </a:p>
+          <a:p>
+            <a:pPr lvl="2"/>
+            <a:r>
+              <a:rPr lang="en-US" sz="1600" dirty="0"/>
+              <a:t>Must be online to start MCC (if Harmony-core not </a:t>
+            </a:r>
+            <a:br>
+              <a:rPr lang="en-US" sz="1600" dirty="0"/>
+            </a:br>
+            <a:r>
+              <a:rPr lang="en-US" sz="1600" dirty="0"/>
+              <a:t>matching…)</a:t>
+            </a:r>
+          </a:p>
+          <a:p>
+            <a:pPr lvl="2"/>
+            <a:r>
+              <a:rPr lang="en-US" sz="1600" dirty="0"/>
+              <a:t>…</a:t>
+            </a:r>
+          </a:p>
+          <a:p>
+            <a:pPr lvl="2"/>
+            <a:endParaRPr lang="en-US" sz="2000" b="0" dirty="0"/>
+          </a:p>
+        </p:txBody>
+      </p:sp>
+      <p:sp>
+        <p:nvSpPr>
+          <p:cNvPr id="2" name="Title 1">
+            <a:extLst>
+              <a:ext uri="{FF2B5EF4-FFF2-40B4-BE49-F238E27FC236}">
+                <a16:creationId xmlns:a16="http://schemas.microsoft.com/office/drawing/2014/main" id="{A4B4FF59-42FA-D7A9-0F27-7F566A3A5A48}"/>
+              </a:ext>
+            </a:extLst>
+          </p:cNvPr>
+          <p:cNvSpPr>
+            <a:spLocks noGrp="1"/>
+          </p:cNvSpPr>
+          <p:nvPr>
+            <p:ph type="title"/>
+          </p:nvPr>
+        </p:nvSpPr>
+        <p:spPr>
+          <a:xfrm>
+            <a:off x="355509" y="96296"/>
+            <a:ext cx="11400661" cy="799246"/>
+          </a:xfrm>
+        </p:spPr>
+        <p:txBody>
+          <a:bodyPr/>
+          <a:lstStyle/>
+          <a:p>
+            <a:r>
+              <a:rPr lang="de-DE" sz="4400" dirty="0">
+                <a:latin typeface="Calibri" panose="020F0502020204030204" pitchFamily="34" charset="0"/>
+                <a:ea typeface="Calibri" panose="020F0502020204030204" pitchFamily="34" charset="0"/>
+              </a:rPr>
+              <a:t>H3drv homework: findings</a:t>
+            </a:r>
+            <a:endParaRPr lang="en-DE" dirty="0"/>
+          </a:p>
+        </p:txBody>
+      </p:sp>
+      <p:pic>
+        <p:nvPicPr>
+          <p:cNvPr id="6" name="Picture 5">
+            <a:extLst>
+              <a:ext uri="{FF2B5EF4-FFF2-40B4-BE49-F238E27FC236}">
+                <a16:creationId xmlns:a16="http://schemas.microsoft.com/office/drawing/2014/main" id="{BC465E7C-EC38-EAEE-3F69-C19D15BA8C3D}"/>
+              </a:ext>
+            </a:extLst>
+          </p:cNvPr>
+          <p:cNvPicPr>
+            <a:picLocks noChangeAspect="1"/>
+          </p:cNvPicPr>
+          <p:nvPr/>
+        </p:nvPicPr>
+        <p:blipFill>
+          <a:blip r:embed="rId2"/>
+          <a:stretch>
+            <a:fillRect/>
+          </a:stretch>
+        </p:blipFill>
+        <p:spPr>
+          <a:xfrm>
+            <a:off x="5515379" y="2095283"/>
+            <a:ext cx="5798029" cy="1799216"/>
+          </a:xfrm>
+          <a:prstGeom prst="rect">
+            <a:avLst/>
+          </a:prstGeom>
+          <a:ln>
+            <a:solidFill>
+              <a:schemeClr val="accent1"/>
+            </a:solidFill>
+          </a:ln>
+        </p:spPr>
+      </p:pic>
+      <p:sp>
+        <p:nvSpPr>
+          <p:cNvPr id="7" name="TextBox 6">
+            <a:extLst>
+              <a:ext uri="{FF2B5EF4-FFF2-40B4-BE49-F238E27FC236}">
+                <a16:creationId xmlns:a16="http://schemas.microsoft.com/office/drawing/2014/main" id="{2CA8F720-1F5A-8EC1-9482-77FAE85FEAF4}"/>
+              </a:ext>
+            </a:extLst>
+          </p:cNvPr>
+          <p:cNvSpPr txBox="1"/>
+          <p:nvPr/>
+        </p:nvSpPr>
+        <p:spPr>
+          <a:xfrm rot="1973025">
+            <a:off x="10203979" y="383958"/>
+            <a:ext cx="2475086" cy="707886"/>
+          </a:xfrm>
+          <a:prstGeom prst="rect">
+            <a:avLst/>
+          </a:prstGeom>
+          <a:noFill/>
+        </p:spPr>
+        <p:txBody>
+          <a:bodyPr wrap="square" rtlCol="0">
+            <a:spAutoFit/>
+          </a:bodyPr>
+          <a:lstStyle/>
+          <a:p>
+            <a:pPr algn="ctr"/>
+            <a:r>
+              <a:rPr lang="en-US" sz="4000" dirty="0" err="1">
+                <a:solidFill>
+                  <a:srgbClr val="FF0000"/>
+                </a:solidFill>
+              </a:rPr>
+              <a:t>Keep&amp;hide</a:t>
+            </a:r>
+            <a:endParaRPr lang="en-DE" dirty="0">
+              <a:solidFill>
+                <a:srgbClr val="FF0000"/>
+              </a:solidFill>
+            </a:endParaRPr>
+          </a:p>
+        </p:txBody>
+      </p:sp>
+    </p:spTree>
+    <p:extLst>
+      <p:ext uri="{BB962C8B-B14F-4D97-AF65-F5344CB8AC3E}">
+        <p14:creationId xmlns:p14="http://schemas.microsoft.com/office/powerpoint/2010/main" val="2769718140"/>
+      </p:ext>
+    </p:extLst>
+  </p:cSld>
+  <p:clrMapOvr>
+    <a:masterClrMapping/>
+  </p:clrMapOvr>
+  <p:timing>
+    <p:tnLst>
+      <p:par>
+        <p:cTn id="1" dur="indefinite" restart="never" nodeType="tmRoot">
+          <p:childTnLst>
+            <p:seq concurrent="1" nextAc="seek">
+              <p:cTn id="2" dur="indefinite" nodeType="mainSeq">
+                <p:childTnLst>
+                  <p:par>
+                    <p:cTn id="3" fill="hold">
+                      <p:stCondLst>
+                        <p:cond delay="indefinite"/>
+                      </p:stCondLst>
+                      <p:childTnLst>
+                        <p:par>
+                          <p:cTn id="4" fill="hold">
+                            <p:stCondLst>
+                              <p:cond delay="0"/>
+                            </p:stCondLst>
+                            <p:childTnLst>
+                              <p:par>
+                                <p:cTn id="5" presetID="1" presetClass="entr" presetSubtype="0" fill="hold" nodeType="clickEffect">
+                                  <p:stCondLst>
+                                    <p:cond delay="0"/>
+                                  </p:stCondLst>
+                                  <p:childTnLst>
+                                    <p:set>
+                                      <p:cBhvr>
+                                        <p:cTn id="6" dur="1" fill="hold">
+                                          <p:stCondLst>
+                                            <p:cond delay="0"/>
+                                          </p:stCondLst>
+                                        </p:cTn>
+                                        <p:tgtEl>
+                                          <p:spTgt spid="3">
+                                            <p:txEl>
+                                              <p:pRg st="2" end="2"/>
+                                            </p:txEl>
+                                          </p:spTgt>
+                                        </p:tgtEl>
+                                        <p:attrNameLst>
+                                          <p:attrName>style.visibility</p:attrName>
+                                        </p:attrNameLst>
+                                      </p:cBhvr>
+                                      <p:to>
+                                        <p:strVal val="visible"/>
+                                      </p:to>
+                                    </p:set>
+                                  </p:childTnLst>
+                                </p:cTn>
+                              </p:par>
+                              <p:par>
+                                <p:cTn id="7" presetID="1" presetClass="entr" presetSubtype="0" fill="hold" nodeType="withEffect">
+                                  <p:stCondLst>
+                                    <p:cond delay="0"/>
+                                  </p:stCondLst>
+                                  <p:childTnLst>
+                                    <p:set>
+                                      <p:cBhvr>
+                                        <p:cTn id="8" dur="1" fill="hold">
+                                          <p:stCondLst>
+                                            <p:cond delay="0"/>
+                                          </p:stCondLst>
+                                        </p:cTn>
+                                        <p:tgtEl>
+                                          <p:spTgt spid="3">
+                                            <p:txEl>
+                                              <p:pRg st="3" end="3"/>
+                                            </p:txEl>
+                                          </p:spTgt>
+                                        </p:tgtEl>
+                                        <p:attrNameLst>
+                                          <p:attrName>style.visibility</p:attrName>
+                                        </p:attrNameLst>
+                                      </p:cBhvr>
+                                      <p:to>
+                                        <p:strVal val="visible"/>
+                                      </p:to>
+                                    </p:set>
+                                  </p:childTnLst>
+                                </p:cTn>
+                              </p:par>
+                              <p:par>
+                                <p:cTn id="9" presetID="1" presetClass="entr" presetSubtype="0" fill="hold" nodeType="withEffect">
+                                  <p:stCondLst>
+                                    <p:cond delay="0"/>
+                                  </p:stCondLst>
+                                  <p:childTnLst>
+                                    <p:set>
+                                      <p:cBhvr>
+                                        <p:cTn id="10" dur="1" fill="hold">
+                                          <p:stCondLst>
+                                            <p:cond delay="0"/>
+                                          </p:stCondLst>
+                                        </p:cTn>
+                                        <p:tgtEl>
+                                          <p:spTgt spid="3">
+                                            <p:txEl>
+                                              <p:pRg st="4" end="4"/>
+                                            </p:txEl>
+                                          </p:spTgt>
+                                        </p:tgtEl>
+                                        <p:attrNameLst>
+                                          <p:attrName>style.visibility</p:attrName>
+                                        </p:attrNameLst>
+                                      </p:cBhvr>
+                                      <p:to>
+                                        <p:strVal val="visible"/>
+                                      </p:to>
+                                    </p:set>
+                                  </p:childTnLst>
+                                </p:cTn>
+                              </p:par>
+                              <p:par>
+                                <p:cTn id="11" presetID="1" presetClass="entr" presetSubtype="0" fill="hold" nodeType="withEffect">
+                                  <p:stCondLst>
+                                    <p:cond delay="0"/>
+                                  </p:stCondLst>
+                                  <p:childTnLst>
+                                    <p:set>
+                                      <p:cBhvr>
+                                        <p:cTn id="12" dur="1" fill="hold">
+                                          <p:stCondLst>
+                                            <p:cond delay="0"/>
+                                          </p:stCondLst>
+                                        </p:cTn>
+                                        <p:tgtEl>
+                                          <p:spTgt spid="3">
+                                            <p:txEl>
+                                              <p:pRg st="5" end="5"/>
+                                            </p:txEl>
+                                          </p:spTgt>
+                                        </p:tgtEl>
+                                        <p:attrNameLst>
+                                          <p:attrName>style.visibility</p:attrName>
+                                        </p:attrNameLst>
+                                      </p:cBhvr>
+                                      <p:to>
+                                        <p:strVal val="visible"/>
+                                      </p:to>
+                                    </p:set>
+                                  </p:childTnLst>
+                                </p:cTn>
+                              </p:par>
+                              <p:par>
+                                <p:cTn id="13" presetID="1" presetClass="entr" presetSubtype="0" fill="hold" nodeType="withEffect">
+                                  <p:stCondLst>
+                                    <p:cond delay="0"/>
+                                  </p:stCondLst>
+                                  <p:childTnLst>
+                                    <p:set>
+                                      <p:cBhvr>
+                                        <p:cTn id="14" dur="1" fill="hold">
+                                          <p:stCondLst>
+                                            <p:cond delay="0"/>
+                                          </p:stCondLst>
+                                        </p:cTn>
+                                        <p:tgtEl>
+                                          <p:spTgt spid="6"/>
+                                        </p:tgtEl>
+                                        <p:attrNameLst>
+                                          <p:attrName>style.visibility</p:attrName>
+                                        </p:attrNameLst>
+                                      </p:cBhvr>
+                                      <p:to>
+                                        <p:strVal val="visible"/>
+                                      </p:to>
+                                    </p:set>
+                                  </p:childTnLst>
+                                </p:cTn>
+                              </p:par>
+                            </p:childTnLst>
+                          </p:cTn>
+                        </p:par>
+                      </p:childTnLst>
+                    </p:cTn>
+                  </p:par>
+                </p:childTnLst>
+              </p:cTn>
+              <p:prevCondLst>
+                <p:cond evt="onPrev" delay="0">
+                  <p:tgtEl>
+                    <p:sldTgt/>
+                  </p:tgtEl>
+                </p:cond>
+              </p:prevCondLst>
+              <p:nextCondLst>
+                <p:cond evt="onNext" delay="0">
+                  <p:tgtEl>
+                    <p:sldTgt/>
+                  </p:tgtEl>
+                </p:cond>
+              </p:nextCondLst>
+            </p:seq>
+          </p:childTnLst>
+        </p:cTn>
+      </p:par>
+    </p:tnLst>
+  </p:timing>
+</p:sld>
+</file>
+
+<file path=ppt/slides/slide26.xml><?xml version="1.0" encoding="utf-8"?>
+<p:sld xmlns:a="http://schemas.openxmlformats.org/drawingml/2006/main" xmlns:r="http://schemas.openxmlformats.org/officeDocument/2006/relationships" xmlns:p="http://schemas.openxmlformats.org/presentationml/2006/main" show="0">
   <p:cSld>
     <p:spTree>
       <p:nvGrpSpPr>
@@ -13507,12 +14615,12 @@
           <a:p>
             <a:pPr algn="ctr"/>
             <a:r>
-              <a:rPr lang="en-US" sz="4000" dirty="0" err="1">
+              <a:rPr lang="en-US" sz="4000" dirty="0">
                 <a:solidFill>
                   <a:srgbClr val="FF0000"/>
                 </a:solidFill>
               </a:rPr>
-              <a:t>inWork</a:t>
+              <a:t>hide</a:t>
             </a:r>
             <a:endParaRPr lang="en-DE" dirty="0">
               <a:solidFill>
@@ -13635,461 +14743,6 @@
 </p:sld>
 </file>
 
-<file path=ppt/slides/slide23.xml><?xml version="1.0" encoding="utf-8"?>
-<p:sld xmlns:a="http://schemas.openxmlformats.org/drawingml/2006/main" xmlns:r="http://schemas.openxmlformats.org/officeDocument/2006/relationships" xmlns:p="http://schemas.openxmlformats.org/presentationml/2006/main">
-  <p:cSld>
-    <p:spTree>
-      <p:nvGrpSpPr>
-        <p:cNvPr id="1" name=""/>
-        <p:cNvGrpSpPr/>
-        <p:nvPr/>
-      </p:nvGrpSpPr>
-      <p:grpSpPr>
-        <a:xfrm>
-          <a:off x="0" y="0"/>
-          <a:ext cx="0" cy="0"/>
-          <a:chOff x="0" y="0"/>
-          <a:chExt cx="0" cy="0"/>
-        </a:xfrm>
-      </p:grpSpPr>
-      <p:sp>
-        <p:nvSpPr>
-          <p:cNvPr id="3" name="Content Placeholder 2">
-            <a:extLst>
-              <a:ext uri="{FF2B5EF4-FFF2-40B4-BE49-F238E27FC236}">
-                <a16:creationId xmlns:a16="http://schemas.microsoft.com/office/drawing/2014/main" id="{750AE634-05CD-565F-E962-7EBEBF0C27F3}"/>
-              </a:ext>
-            </a:extLst>
-          </p:cNvPr>
-          <p:cNvSpPr>
-            <a:spLocks noGrp="1"/>
-          </p:cNvSpPr>
-          <p:nvPr>
-            <p:ph sz="quarter" idx="15"/>
-          </p:nvPr>
-        </p:nvSpPr>
-        <p:spPr>
-          <a:xfrm>
-            <a:off x="265198" y="1016481"/>
-            <a:ext cx="11677420" cy="4664076"/>
-          </a:xfrm>
-        </p:spPr>
-        <p:txBody>
-          <a:bodyPr>
-            <a:noAutofit/>
-          </a:bodyPr>
-          <a:lstStyle/>
-          <a:p>
-            <a:r>
-              <a:rPr lang="en-US" sz="1800" b="0" dirty="0"/>
-              <a:t>Findings part1: </a:t>
-            </a:r>
-            <a:r>
-              <a:rPr lang="en-US" sz="1800" b="0" dirty="0" err="1"/>
-              <a:t>touchClick</a:t>
-            </a:r>
-            <a:r>
-              <a:rPr lang="en-US" sz="1800" b="0" dirty="0"/>
-              <a:t> (continued)</a:t>
-            </a:r>
-          </a:p>
-          <a:p>
-            <a:pPr lvl="1">
-              <a:buClr>
-                <a:schemeClr val="tx1"/>
-              </a:buClr>
-            </a:pPr>
-            <a:r>
-              <a:rPr lang="en-US" sz="1800" dirty="0"/>
-              <a:t>Documentation -&gt; </a:t>
-            </a:r>
-            <a:r>
-              <a:rPr lang="en-US" sz="1800" b="0" dirty="0" err="1"/>
-              <a:t>Docu</a:t>
-            </a:r>
-            <a:r>
-              <a:rPr lang="en-US" sz="1800" b="0" dirty="0"/>
-              <a:t>: </a:t>
-            </a:r>
-            <a:r>
-              <a:rPr lang="en-US" sz="1800" i="1" dirty="0"/>
-              <a:t>hyperlinks</a:t>
-            </a:r>
-            <a:r>
-              <a:rPr lang="en-US" sz="1800" b="0" dirty="0"/>
-              <a:t> </a:t>
-            </a:r>
-            <a:r>
-              <a:rPr lang="en-US" sz="1800" i="1" dirty="0"/>
-              <a:t>missing</a:t>
-            </a:r>
-            <a:r>
-              <a:rPr lang="en-US" sz="1800" b="0" dirty="0"/>
-              <a:t> in online-PLIB-doc</a:t>
-            </a:r>
-            <a:br>
-              <a:rPr lang="en-US" sz="1800" b="0" dirty="0"/>
-            </a:br>
-            <a:r>
-              <a:rPr lang="en-US" sz="1800" b="0" dirty="0"/>
-              <a:t>and </a:t>
-            </a:r>
-            <a:r>
-              <a:rPr lang="en-US" sz="1800" i="1" dirty="0"/>
-              <a:t>cannot filter </a:t>
-            </a:r>
-            <a:r>
-              <a:rPr lang="en-US" sz="1800" b="0" dirty="0"/>
-              <a:t>on left or enlarge window</a:t>
-            </a:r>
-            <a:br>
-              <a:rPr lang="en-US" sz="1800" b="0" dirty="0"/>
-            </a:br>
-            <a:r>
-              <a:rPr lang="en-US" sz="1800" b="0" dirty="0"/>
-              <a:t>-&gt;usability</a:t>
-            </a:r>
-          </a:p>
-          <a:p>
-            <a:pPr marL="301752" lvl="1" indent="0">
-              <a:buClr>
-                <a:schemeClr val="tx1"/>
-              </a:buClr>
-              <a:buNone/>
-            </a:pPr>
-            <a:endParaRPr lang="en-US" sz="1800" b="0" dirty="0"/>
-          </a:p>
-        </p:txBody>
-      </p:sp>
-      <p:sp>
-        <p:nvSpPr>
-          <p:cNvPr id="2" name="Title 1">
-            <a:extLst>
-              <a:ext uri="{FF2B5EF4-FFF2-40B4-BE49-F238E27FC236}">
-                <a16:creationId xmlns:a16="http://schemas.microsoft.com/office/drawing/2014/main" id="{A4B4FF59-42FA-D7A9-0F27-7F566A3A5A48}"/>
-              </a:ext>
-            </a:extLst>
-          </p:cNvPr>
-          <p:cNvSpPr>
-            <a:spLocks noGrp="1"/>
-          </p:cNvSpPr>
-          <p:nvPr>
-            <p:ph type="title"/>
-          </p:nvPr>
-        </p:nvSpPr>
-        <p:spPr>
-          <a:xfrm>
-            <a:off x="355509" y="96296"/>
-            <a:ext cx="11400661" cy="799246"/>
-          </a:xfrm>
-        </p:spPr>
-        <p:txBody>
-          <a:bodyPr/>
-          <a:lstStyle/>
-          <a:p>
-            <a:r>
-              <a:rPr lang="de-DE" sz="4400" dirty="0">
-                <a:latin typeface="Calibri" panose="020F0502020204030204" pitchFamily="34" charset="0"/>
-                <a:ea typeface="Calibri" panose="020F0502020204030204" pitchFamily="34" charset="0"/>
-              </a:rPr>
-              <a:t>H3drv homework: findings</a:t>
-            </a:r>
-            <a:endParaRPr lang="en-DE" dirty="0"/>
-          </a:p>
-        </p:txBody>
-      </p:sp>
-      <p:sp>
-        <p:nvSpPr>
-          <p:cNvPr id="5" name="TextBox 4">
-            <a:extLst>
-              <a:ext uri="{FF2B5EF4-FFF2-40B4-BE49-F238E27FC236}">
-                <a16:creationId xmlns:a16="http://schemas.microsoft.com/office/drawing/2014/main" id="{BE806E8A-FF84-E9FB-B60B-F0250A8B58E1}"/>
-              </a:ext>
-            </a:extLst>
-          </p:cNvPr>
-          <p:cNvSpPr txBox="1"/>
-          <p:nvPr/>
-        </p:nvSpPr>
-        <p:spPr>
-          <a:xfrm rot="1973025">
-            <a:off x="10552935" y="195021"/>
-            <a:ext cx="1919111" cy="707886"/>
-          </a:xfrm>
-          <a:prstGeom prst="rect">
-            <a:avLst/>
-          </a:prstGeom>
-          <a:noFill/>
-        </p:spPr>
-        <p:txBody>
-          <a:bodyPr wrap="square" rtlCol="0">
-            <a:spAutoFit/>
-          </a:bodyPr>
-          <a:lstStyle/>
-          <a:p>
-            <a:pPr algn="ctr"/>
-            <a:r>
-              <a:rPr lang="en-US" sz="4000" dirty="0" err="1">
-                <a:solidFill>
-                  <a:srgbClr val="FF0000"/>
-                </a:solidFill>
-              </a:rPr>
-              <a:t>inWork</a:t>
-            </a:r>
-            <a:endParaRPr lang="en-DE" dirty="0">
-              <a:solidFill>
-                <a:srgbClr val="FF0000"/>
-              </a:solidFill>
-            </a:endParaRPr>
-          </a:p>
-        </p:txBody>
-      </p:sp>
-      <p:pic>
-        <p:nvPicPr>
-          <p:cNvPr id="4" name="Picture 3">
-            <a:extLst>
-              <a:ext uri="{FF2B5EF4-FFF2-40B4-BE49-F238E27FC236}">
-                <a16:creationId xmlns:a16="http://schemas.microsoft.com/office/drawing/2014/main" id="{821D4426-F954-32E6-71E9-3B3814018F17}"/>
-              </a:ext>
-            </a:extLst>
-          </p:cNvPr>
-          <p:cNvPicPr>
-            <a:picLocks noChangeAspect="1"/>
-          </p:cNvPicPr>
-          <p:nvPr/>
-        </p:nvPicPr>
-        <p:blipFill>
-          <a:blip r:embed="rId2"/>
-          <a:stretch>
-            <a:fillRect/>
-          </a:stretch>
-        </p:blipFill>
-        <p:spPr>
-          <a:xfrm>
-            <a:off x="4307055" y="2097988"/>
-            <a:ext cx="7205435" cy="2851755"/>
-          </a:xfrm>
-          <a:prstGeom prst="rect">
-            <a:avLst/>
-          </a:prstGeom>
-          <a:ln>
-            <a:solidFill>
-              <a:schemeClr val="tx1"/>
-            </a:solidFill>
-          </a:ln>
-        </p:spPr>
-      </p:pic>
-    </p:spTree>
-    <p:extLst>
-      <p:ext uri="{BB962C8B-B14F-4D97-AF65-F5344CB8AC3E}">
-        <p14:creationId xmlns:p14="http://schemas.microsoft.com/office/powerpoint/2010/main" val="2394547561"/>
-      </p:ext>
-    </p:extLst>
-  </p:cSld>
-  <p:clrMapOvr>
-    <a:masterClrMapping/>
-  </p:clrMapOvr>
-</p:sld>
-</file>
-
-<file path=ppt/slides/slide24.xml><?xml version="1.0" encoding="utf-8"?>
-<p:sld xmlns:a="http://schemas.openxmlformats.org/drawingml/2006/main" xmlns:r="http://schemas.openxmlformats.org/officeDocument/2006/relationships" xmlns:p="http://schemas.openxmlformats.org/presentationml/2006/main">
-  <p:cSld>
-    <p:bg>
-      <p:bgPr>
-        <a:gradFill flip="none" rotWithShape="1">
-          <a:gsLst>
-            <a:gs pos="0">
-              <a:schemeClr val="tx1"/>
-            </a:gs>
-            <a:gs pos="74000">
-              <a:schemeClr val="accent1">
-                <a:lumMod val="45000"/>
-                <a:lumOff val="55000"/>
-              </a:schemeClr>
-            </a:gs>
-            <a:gs pos="83000">
-              <a:schemeClr val="accent1">
-                <a:lumMod val="45000"/>
-                <a:lumOff val="55000"/>
-              </a:schemeClr>
-            </a:gs>
-            <a:gs pos="100000">
-              <a:schemeClr val="accent1">
-                <a:lumMod val="30000"/>
-                <a:lumOff val="70000"/>
-              </a:schemeClr>
-            </a:gs>
-          </a:gsLst>
-          <a:lin ang="5400000" scaled="1"/>
-          <a:tileRect/>
-        </a:gradFill>
-        <a:effectLst/>
-      </p:bgPr>
-    </p:bg>
-    <p:spTree>
-      <p:nvGrpSpPr>
-        <p:cNvPr id="1" name=""/>
-        <p:cNvGrpSpPr/>
-        <p:nvPr/>
-      </p:nvGrpSpPr>
-      <p:grpSpPr>
-        <a:xfrm>
-          <a:off x="0" y="0"/>
-          <a:ext cx="0" cy="0"/>
-          <a:chOff x="0" y="0"/>
-          <a:chExt cx="0" cy="0"/>
-        </a:xfrm>
-      </p:grpSpPr>
-      <p:sp>
-        <p:nvSpPr>
-          <p:cNvPr id="77826" name="Title 3"/>
-          <p:cNvSpPr>
-            <a:spLocks noGrp="1"/>
-          </p:cNvSpPr>
-          <p:nvPr>
-            <p:ph type="ctrTitle"/>
-          </p:nvPr>
-        </p:nvSpPr>
-        <p:spPr/>
-        <p:txBody>
-          <a:bodyPr/>
-          <a:lstStyle/>
-          <a:p>
-            <a:pPr algn="ctr"/>
-            <a:r>
-              <a:rPr lang="en-US" dirty="0"/>
-              <a:t>Thank You</a:t>
-            </a:r>
-          </a:p>
-        </p:txBody>
-      </p:sp>
-      <p:sp>
-        <p:nvSpPr>
-          <p:cNvPr id="2" name="Subtitle 1">
-            <a:extLst>
-              <a:ext uri="{FF2B5EF4-FFF2-40B4-BE49-F238E27FC236}">
-                <a16:creationId xmlns:a16="http://schemas.microsoft.com/office/drawing/2014/main" id="{F7DE3CE0-EF52-4803-A7B3-FA725F79D159}"/>
-              </a:ext>
-            </a:extLst>
-          </p:cNvPr>
-          <p:cNvSpPr>
-            <a:spLocks noGrp="1"/>
-          </p:cNvSpPr>
-          <p:nvPr>
-            <p:ph type="subTitle" idx="1"/>
-          </p:nvPr>
-        </p:nvSpPr>
-        <p:spPr/>
-        <p:txBody>
-          <a:bodyPr/>
-          <a:lstStyle/>
-          <a:p>
-            <a:endParaRPr lang="en-GB"/>
-          </a:p>
-        </p:txBody>
-      </p:sp>
-    </p:spTree>
-  </p:cSld>
-  <p:clrMapOvr>
-    <a:masterClrMapping/>
-  </p:clrMapOvr>
-  <p:transition spd="slow">
-    <p:wipe/>
-  </p:transition>
-</p:sld>
-</file>
-
-<file path=ppt/slides/slide25.xml><?xml version="1.0" encoding="utf-8"?>
-<p:sld xmlns:a="http://schemas.openxmlformats.org/drawingml/2006/main" xmlns:r="http://schemas.openxmlformats.org/officeDocument/2006/relationships" xmlns:p="http://schemas.openxmlformats.org/presentationml/2006/main">
-  <p:cSld>
-    <p:spTree>
-      <p:nvGrpSpPr>
-        <p:cNvPr id="1" name=""/>
-        <p:cNvGrpSpPr/>
-        <p:nvPr/>
-      </p:nvGrpSpPr>
-      <p:grpSpPr>
-        <a:xfrm>
-          <a:off x="0" y="0"/>
-          <a:ext cx="0" cy="0"/>
-          <a:chOff x="0" y="0"/>
-          <a:chExt cx="0" cy="0"/>
-        </a:xfrm>
-      </p:grpSpPr>
-      <p:sp>
-        <p:nvSpPr>
-          <p:cNvPr id="2" name="Title 1">
-            <a:extLst>
-              <a:ext uri="{FF2B5EF4-FFF2-40B4-BE49-F238E27FC236}">
-                <a16:creationId xmlns:a16="http://schemas.microsoft.com/office/drawing/2014/main" id="{95AC07ED-0E8F-3341-BD66-CC6F287C0B94}"/>
-              </a:ext>
-            </a:extLst>
-          </p:cNvPr>
-          <p:cNvSpPr>
-            <a:spLocks noGrp="1"/>
-          </p:cNvSpPr>
-          <p:nvPr>
-            <p:ph type="title"/>
-          </p:nvPr>
-        </p:nvSpPr>
-        <p:spPr/>
-        <p:txBody>
-          <a:bodyPr/>
-          <a:lstStyle/>
-          <a:p>
-            <a:r>
-              <a:rPr lang="en-US" dirty="0"/>
-              <a:t>xxx</a:t>
-            </a:r>
-          </a:p>
-        </p:txBody>
-      </p:sp>
-      <p:sp>
-        <p:nvSpPr>
-          <p:cNvPr id="3" name="Content Placeholder 2">
-            <a:extLst>
-              <a:ext uri="{FF2B5EF4-FFF2-40B4-BE49-F238E27FC236}">
-                <a16:creationId xmlns:a16="http://schemas.microsoft.com/office/drawing/2014/main" id="{BE6B6E4B-58BC-984B-B688-8AAF041C561C}"/>
-              </a:ext>
-            </a:extLst>
-          </p:cNvPr>
-          <p:cNvSpPr>
-            <a:spLocks noGrp="1"/>
-          </p:cNvSpPr>
-          <p:nvPr>
-            <p:ph sz="quarter" idx="13"/>
-          </p:nvPr>
-        </p:nvSpPr>
-        <p:spPr/>
-        <p:txBody>
-          <a:bodyPr>
-            <a:normAutofit/>
-          </a:bodyPr>
-          <a:lstStyle/>
-          <a:p>
-            <a:pPr marL="0" indent="0">
-              <a:buNone/>
-            </a:pPr>
-            <a:r>
-              <a:rPr lang="en-US" altLang="en-US" sz="2400" dirty="0"/>
-              <a:t>x</a:t>
-            </a:r>
-          </a:p>
-        </p:txBody>
-      </p:sp>
-    </p:spTree>
-    <p:extLst>
-      <p:ext uri="{BB962C8B-B14F-4D97-AF65-F5344CB8AC3E}">
-        <p14:creationId xmlns:p14="http://schemas.microsoft.com/office/powerpoint/2010/main" val="2504540142"/>
-      </p:ext>
-    </p:extLst>
-  </p:cSld>
-  <p:clrMapOvr>
-    <a:masterClrMapping/>
-  </p:clrMapOvr>
-</p:sld>
-</file>
-
 <file path=ppt/slides/slide3.xml><?xml version="1.0" encoding="utf-8"?>
 <p:sld xmlns:a="http://schemas.openxmlformats.org/drawingml/2006/main" xmlns:r="http://schemas.openxmlformats.org/officeDocument/2006/relationships" xmlns:p="http://schemas.openxmlformats.org/presentationml/2006/main">
   <p:cSld>
@@ -14253,51 +14906,6 @@
           </a:prstGeom>
         </p:spPr>
       </p:pic>
-      <p:sp>
-        <p:nvSpPr>
-          <p:cNvPr id="5" name="TextBox 4">
-            <a:extLst>
-              <a:ext uri="{FF2B5EF4-FFF2-40B4-BE49-F238E27FC236}">
-                <a16:creationId xmlns:a16="http://schemas.microsoft.com/office/drawing/2014/main" id="{BE806E8A-FF84-E9FB-B60B-F0250A8B58E1}"/>
-              </a:ext>
-            </a:extLst>
-          </p:cNvPr>
-          <p:cNvSpPr txBox="1"/>
-          <p:nvPr/>
-        </p:nvSpPr>
-        <p:spPr>
-          <a:xfrm rot="1973025">
-            <a:off x="10552935" y="195021"/>
-            <a:ext cx="1919111" cy="707886"/>
-          </a:xfrm>
-          <a:prstGeom prst="rect">
-            <a:avLst/>
-          </a:prstGeom>
-          <a:noFill/>
-        </p:spPr>
-        <p:txBody>
-          <a:bodyPr wrap="square" rtlCol="0">
-            <a:spAutoFit/>
-          </a:bodyPr>
-          <a:lstStyle/>
-          <a:p>
-            <a:pPr algn="ctr"/>
-            <a:r>
-              <a:rPr lang="en-US" sz="4000" dirty="0" err="1">
-                <a:solidFill>
-                  <a:srgbClr val="FF0000"/>
-                </a:solidFill>
-              </a:rPr>
-              <a:t>inWork</a:t>
-            </a:r>
-            <a:endParaRPr lang="en-DE" dirty="0">
-              <a:solidFill>
-                <a:srgbClr val="FF0000"/>
-              </a:solidFill>
-            </a:endParaRPr>
-          </a:p>
-        </p:txBody>
-      </p:sp>
       <p:sp>
         <p:nvSpPr>
           <p:cNvPr id="6" name="Rectangle 5">
@@ -16289,51 +16897,6 @@
           </a:p>
         </p:txBody>
       </p:sp>
-      <p:sp>
-        <p:nvSpPr>
-          <p:cNvPr id="5" name="TextBox 4">
-            <a:extLst>
-              <a:ext uri="{FF2B5EF4-FFF2-40B4-BE49-F238E27FC236}">
-                <a16:creationId xmlns:a16="http://schemas.microsoft.com/office/drawing/2014/main" id="{BE806E8A-FF84-E9FB-B60B-F0250A8B58E1}"/>
-              </a:ext>
-            </a:extLst>
-          </p:cNvPr>
-          <p:cNvSpPr txBox="1"/>
-          <p:nvPr/>
-        </p:nvSpPr>
-        <p:spPr>
-          <a:xfrm rot="1973025">
-            <a:off x="10552935" y="195021"/>
-            <a:ext cx="1919111" cy="707886"/>
-          </a:xfrm>
-          <a:prstGeom prst="rect">
-            <a:avLst/>
-          </a:prstGeom>
-          <a:noFill/>
-        </p:spPr>
-        <p:txBody>
-          <a:bodyPr wrap="square" rtlCol="0">
-            <a:spAutoFit/>
-          </a:bodyPr>
-          <a:lstStyle/>
-          <a:p>
-            <a:pPr algn="ctr"/>
-            <a:r>
-              <a:rPr lang="en-US" sz="4000" dirty="0" err="1">
-                <a:solidFill>
-                  <a:srgbClr val="FF0000"/>
-                </a:solidFill>
-              </a:rPr>
-              <a:t>inWork</a:t>
-            </a:r>
-            <a:endParaRPr lang="en-DE" dirty="0">
-              <a:solidFill>
-                <a:srgbClr val="FF0000"/>
-              </a:solidFill>
-            </a:endParaRPr>
-          </a:p>
-        </p:txBody>
-      </p:sp>
     </p:spTree>
     <p:extLst>
       <p:ext uri="{BB962C8B-B14F-4D97-AF65-F5344CB8AC3E}">
@@ -16348,7 +16911,7 @@
 </file>
 
 <file path=ppt/slides/slide7.xml><?xml version="1.0" encoding="utf-8"?>
-<p:sld xmlns:a="http://schemas.openxmlformats.org/drawingml/2006/main" xmlns:r="http://schemas.openxmlformats.org/officeDocument/2006/relationships" xmlns:p="http://schemas.openxmlformats.org/presentationml/2006/main">
+<p:sld xmlns:a="http://schemas.openxmlformats.org/drawingml/2006/main" xmlns:r="http://schemas.openxmlformats.org/officeDocument/2006/relationships" xmlns:p="http://schemas.openxmlformats.org/presentationml/2006/main" show="0">
   <p:cSld>
     <p:spTree>
       <p:nvGrpSpPr>
@@ -16577,10 +17140,10 @@
       </p:sp>
       <p:sp>
         <p:nvSpPr>
-          <p:cNvPr id="5" name="TextBox 4">
+          <p:cNvPr id="4" name="TextBox 3">
             <a:extLst>
               <a:ext uri="{FF2B5EF4-FFF2-40B4-BE49-F238E27FC236}">
-                <a16:creationId xmlns:a16="http://schemas.microsoft.com/office/drawing/2014/main" id="{BE806E8A-FF84-E9FB-B60B-F0250A8B58E1}"/>
+                <a16:creationId xmlns:a16="http://schemas.microsoft.com/office/drawing/2014/main" id="{6DF4414E-7505-DEC5-91EF-43654D6E5319}"/>
               </a:ext>
             </a:extLst>
           </p:cNvPr>
@@ -16589,8 +17152,8 @@
         </p:nvSpPr>
         <p:spPr>
           <a:xfrm rot="1973025">
-            <a:off x="10552935" y="195021"/>
-            <a:ext cx="1919111" cy="707886"/>
+            <a:off x="10679631" y="428968"/>
+            <a:ext cx="1431726" cy="461665"/>
           </a:xfrm>
           <a:prstGeom prst="rect">
             <a:avLst/>
@@ -16605,12 +17168,12 @@
           <a:p>
             <a:pPr algn="ctr"/>
             <a:r>
-              <a:rPr lang="en-US" sz="4000" dirty="0" err="1">
+              <a:rPr lang="en-US" sz="2400" dirty="0">
                 <a:solidFill>
                   <a:srgbClr val="FF0000"/>
                 </a:solidFill>
               </a:rPr>
-              <a:t>inWork</a:t>
+              <a:t>hide</a:t>
             </a:r>
             <a:endParaRPr lang="en-DE" dirty="0">
               <a:solidFill>
@@ -16792,77 +17355,7 @@
           <a:p>
             <a:r>
               <a:rPr lang="en-US" sz="2400" b="0" dirty="0"/>
-              <a:t>Short theory on </a:t>
-            </a:r>
-          </a:p>
-          <a:p>
-            <a:pPr lvl="1"/>
-            <a:r>
-              <a:rPr lang="en-US" sz="2000" b="0" dirty="0"/>
-              <a:t>Mutual vs </a:t>
-            </a:r>
-            <a:r>
-              <a:rPr lang="en-US" sz="2000" b="0" dirty="0" err="1"/>
-              <a:t>Selfcapacitance</a:t>
-            </a:r>
-            <a:r>
-              <a:rPr lang="en-US" sz="2000" b="0" dirty="0"/>
-              <a:t> touch</a:t>
-            </a:r>
-          </a:p>
-          <a:p>
-            <a:pPr lvl="1"/>
-            <a:endParaRPr lang="en-US" sz="2000" b="0" dirty="0"/>
-          </a:p>
-          <a:p>
-            <a:pPr lvl="1"/>
-            <a:r>
-              <a:rPr lang="en-US" sz="2000" dirty="0"/>
-              <a:t>PTC vs </a:t>
-            </a:r>
-            <a:r>
-              <a:rPr lang="en-US" sz="2000" dirty="0" err="1"/>
-              <a:t>mxTouch</a:t>
-            </a:r>
-            <a:r>
-              <a:rPr lang="en-US" sz="2000" dirty="0"/>
-              <a:t> vs </a:t>
-            </a:r>
-            <a:r>
-              <a:rPr lang="en-US" sz="2000" dirty="0" err="1"/>
-              <a:t>mcthCapacitiveTouch</a:t>
-            </a:r>
-            <a:endParaRPr lang="en-US" sz="2000" dirty="0"/>
-          </a:p>
-          <a:p>
-            <a:endParaRPr lang="en-US" sz="2400" b="0" dirty="0"/>
-          </a:p>
-          <a:p>
-            <a:r>
-              <a:rPr lang="en-US" sz="2400" b="0" dirty="0"/>
-              <a:t>Boards used</a:t>
-            </a:r>
-          </a:p>
-          <a:p>
-            <a:pPr lvl="1"/>
-            <a:r>
-              <a:rPr lang="en-US" sz="2000" b="0" dirty="0"/>
-              <a:t>QT8 -&gt; requires PTC-peripheral</a:t>
-            </a:r>
-          </a:p>
-          <a:p>
-            <a:pPr lvl="1"/>
-            <a:r>
-              <a:rPr lang="en-US" sz="2000" dirty="0"/>
-              <a:t>mikroE-click_touch-1995 has </a:t>
-            </a:r>
-            <a:r>
-              <a:rPr lang="en-US" sz="2000" dirty="0" err="1"/>
-              <a:t>uC</a:t>
-            </a:r>
-            <a:r>
-              <a:rPr lang="en-US" sz="2000" dirty="0"/>
-              <a:t> (?which one?) on click-board and only requires I2C interface</a:t>
+              <a:t>…</a:t>
             </a:r>
             <a:endParaRPr lang="en-US" sz="2000" b="0" dirty="0"/>
           </a:p>
@@ -16882,8 +17375,8 @@
         </p:nvSpPr>
         <p:spPr>
           <a:xfrm rot="1973025">
-            <a:off x="10552935" y="195021"/>
-            <a:ext cx="1919111" cy="707886"/>
+            <a:off x="5947194" y="2133799"/>
+            <a:ext cx="1919111" cy="1323439"/>
           </a:xfrm>
           <a:prstGeom prst="rect">
             <a:avLst/>
@@ -16898,12 +17391,23 @@
           <a:p>
             <a:pPr algn="ctr"/>
             <a:r>
+              <a:rPr lang="en-US" sz="4000" dirty="0">
+                <a:solidFill>
+                  <a:srgbClr val="FF0000"/>
+                </a:solidFill>
+              </a:rPr>
+              <a:t>REINER</a:t>
+            </a:r>
+          </a:p>
+          <a:p>
+            <a:pPr algn="ctr"/>
+            <a:r>
               <a:rPr lang="en-US" sz="4000" dirty="0" err="1">
                 <a:solidFill>
                   <a:srgbClr val="FF0000"/>
                 </a:solidFill>
               </a:rPr>
-              <a:t>inWork</a:t>
+              <a:t>Theorie</a:t>
             </a:r>
             <a:endParaRPr lang="en-DE" dirty="0">
               <a:solidFill>
@@ -17873,11 +18377,48 @@
 
 <file path=customXml/item2.xml><?xml version="1.0" encoding="utf-8"?>
 <?mso-contentType ?>
-<FormTemplates xmlns="http://schemas.microsoft.com/sharepoint/v3/contenttype/forms">
-  <Display>DocumentLibraryForm</Display>
-  <Edit>DocumentLibraryForm</Edit>
-  <New>DocumentLibraryForm</New>
-</FormTemplates>
+<spe:Receivers xmlns:spe="http://schemas.microsoft.com/sharepoint/events">
+  <Receiver>
+    <Name>Document ID Generator</Name>
+    <Synchronization>Synchronous</Synchronization>
+    <Type>10001</Type>
+    <SequenceNumber>1000</SequenceNumber>
+    <Assembly>Microsoft.Office.DocumentManagement, Version=14.0.0.0, Culture=neutral, PublicKeyToken=71e9bce111e9429c</Assembly>
+    <Class>Microsoft.Office.DocumentManagement.Internal.DocIdHandler</Class>
+    <Data/>
+    <Filter/>
+  </Receiver>
+  <Receiver>
+    <Name>Document ID Generator</Name>
+    <Synchronization>Synchronous</Synchronization>
+    <Type>10002</Type>
+    <SequenceNumber>1001</SequenceNumber>
+    <Assembly>Microsoft.Office.DocumentManagement, Version=14.0.0.0, Culture=neutral, PublicKeyToken=71e9bce111e9429c</Assembly>
+    <Class>Microsoft.Office.DocumentManagement.Internal.DocIdHandler</Class>
+    <Data/>
+    <Filter/>
+  </Receiver>
+  <Receiver>
+    <Name>Document ID Generator</Name>
+    <Synchronization>Synchronous</Synchronization>
+    <Type>10004</Type>
+    <SequenceNumber>1002</SequenceNumber>
+    <Assembly>Microsoft.Office.DocumentManagement, Version=14.0.0.0, Culture=neutral, PublicKeyToken=71e9bce111e9429c</Assembly>
+    <Class>Microsoft.Office.DocumentManagement.Internal.DocIdHandler</Class>
+    <Data/>
+    <Filter/>
+  </Receiver>
+  <Receiver>
+    <Name>Document ID Generator</Name>
+    <Synchronization>Synchronous</Synchronization>
+    <Type>10006</Type>
+    <SequenceNumber>1003</SequenceNumber>
+    <Assembly>Microsoft.Office.DocumentManagement, Version=14.0.0.0, Culture=neutral, PublicKeyToken=71e9bce111e9429c</Assembly>
+    <Class>Microsoft.Office.DocumentManagement.Internal.DocIdHandler</Class>
+    <Data/>
+    <Filter/>
+  </Receiver>
+</spe:Receivers>
 </file>
 
 <file path=customXml/item3.xml><?xml version="1.0" encoding="utf-8"?>
@@ -18038,48 +18579,11 @@
 
 <file path=customXml/item4.xml><?xml version="1.0" encoding="utf-8"?>
 <?mso-contentType ?>
-<spe:Receivers xmlns:spe="http://schemas.microsoft.com/sharepoint/events">
-  <Receiver>
-    <Name>Document ID Generator</Name>
-    <Synchronization>Synchronous</Synchronization>
-    <Type>10001</Type>
-    <SequenceNumber>1000</SequenceNumber>
-    <Assembly>Microsoft.Office.DocumentManagement, Version=14.0.0.0, Culture=neutral, PublicKeyToken=71e9bce111e9429c</Assembly>
-    <Class>Microsoft.Office.DocumentManagement.Internal.DocIdHandler</Class>
-    <Data/>
-    <Filter/>
-  </Receiver>
-  <Receiver>
-    <Name>Document ID Generator</Name>
-    <Synchronization>Synchronous</Synchronization>
-    <Type>10002</Type>
-    <SequenceNumber>1001</SequenceNumber>
-    <Assembly>Microsoft.Office.DocumentManagement, Version=14.0.0.0, Culture=neutral, PublicKeyToken=71e9bce111e9429c</Assembly>
-    <Class>Microsoft.Office.DocumentManagement.Internal.DocIdHandler</Class>
-    <Data/>
-    <Filter/>
-  </Receiver>
-  <Receiver>
-    <Name>Document ID Generator</Name>
-    <Synchronization>Synchronous</Synchronization>
-    <Type>10004</Type>
-    <SequenceNumber>1002</SequenceNumber>
-    <Assembly>Microsoft.Office.DocumentManagement, Version=14.0.0.0, Culture=neutral, PublicKeyToken=71e9bce111e9429c</Assembly>
-    <Class>Microsoft.Office.DocumentManagement.Internal.DocIdHandler</Class>
-    <Data/>
-    <Filter/>
-  </Receiver>
-  <Receiver>
-    <Name>Document ID Generator</Name>
-    <Synchronization>Synchronous</Synchronization>
-    <Type>10006</Type>
-    <SequenceNumber>1003</SequenceNumber>
-    <Assembly>Microsoft.Office.DocumentManagement, Version=14.0.0.0, Culture=neutral, PublicKeyToken=71e9bce111e9429c</Assembly>
-    <Class>Microsoft.Office.DocumentManagement.Internal.DocIdHandler</Class>
-    <Data/>
-    <Filter/>
-  </Receiver>
-</spe:Receivers>
+<FormTemplates xmlns="http://schemas.microsoft.com/sharepoint/v3/contenttype/forms">
+  <Display>DocumentLibraryForm</Display>
+  <Edit>DocumentLibraryForm</Edit>
+  <New>DocumentLibraryForm</New>
+</FormTemplates>
 </file>
 
 <file path=customXml/itemProps1.xml><?xml version="1.0" encoding="utf-8"?>
@@ -18094,9 +18598,9 @@
 </file>
 
 <file path=customXml/itemProps2.xml><?xml version="1.0" encoding="utf-8"?>
-<ds:datastoreItem xmlns:ds="http://schemas.openxmlformats.org/officeDocument/2006/customXml" ds:itemID="{0CE24DD7-9317-4AD8-82D4-5A6998DA79C7}">
+<ds:datastoreItem xmlns:ds="http://schemas.openxmlformats.org/officeDocument/2006/customXml" ds:itemID="{36ECED7C-7E24-4B80-B6AD-5BF0A508FB7B}">
   <ds:schemaRefs>
-    <ds:schemaRef ds:uri="http://schemas.microsoft.com/sharepoint/v3/contenttype/forms"/>
+    <ds:schemaRef ds:uri="http://schemas.microsoft.com/sharepoint/events"/>
   </ds:schemaRefs>
 </ds:datastoreItem>
 </file>
@@ -18121,9 +18625,9 @@
 </file>
 
 <file path=customXml/itemProps4.xml><?xml version="1.0" encoding="utf-8"?>
-<ds:datastoreItem xmlns:ds="http://schemas.openxmlformats.org/officeDocument/2006/customXml" ds:itemID="{36ECED7C-7E24-4B80-B6AD-5BF0A508FB7B}">
+<ds:datastoreItem xmlns:ds="http://schemas.openxmlformats.org/officeDocument/2006/customXml" ds:itemID="{0CE24DD7-9317-4AD8-82D4-5A6998DA79C7}">
   <ds:schemaRefs>
-    <ds:schemaRef ds:uri="http://schemas.microsoft.com/sharepoint/events"/>
+    <ds:schemaRef ds:uri="http://schemas.microsoft.com/sharepoint/v3/contenttype/forms"/>
   </ds:schemaRefs>
 </ds:datastoreItem>
 </file>